--- a/Documentação/Apresentação.pptx
+++ b/Documentação/Apresentação.pptx
@@ -5,16 +5,16 @@
     <p:sldMasterId id="2147483648" r:id="rId1"/>
   </p:sldMasterIdLst>
   <p:sldIdLst>
-    <p:sldId id="256" r:id="rId2"/>
-    <p:sldId id="260" r:id="rId3"/>
-    <p:sldId id="268" r:id="rId4"/>
-    <p:sldId id="267" r:id="rId5"/>
-    <p:sldId id="264" r:id="rId6"/>
-    <p:sldId id="266" r:id="rId7"/>
-    <p:sldId id="257" r:id="rId8"/>
-    <p:sldId id="262" r:id="rId9"/>
-    <p:sldId id="263" r:id="rId10"/>
-    <p:sldId id="265" r:id="rId11"/>
+    <p:sldId id="256" r:id="rId3"/>
+    <p:sldId id="260" r:id="rId4"/>
+    <p:sldId id="268" r:id="rId5"/>
+    <p:sldId id="267" r:id="rId6"/>
+    <p:sldId id="264" r:id="rId7"/>
+    <p:sldId id="266" r:id="rId8"/>
+    <p:sldId id="257" r:id="rId9"/>
+    <p:sldId id="262" r:id="rId10"/>
+    <p:sldId id="263" r:id="rId11"/>
+    <p:sldId id="265" r:id="rId12"/>
   </p:sldIdLst>
   <p:sldSz cx="12192000" cy="6858000"/>
   <p:notesSz cx="6858000" cy="9144000"/>
@@ -113,11 +113,6 @@
       </a:defRPr>
     </a:lvl9pPr>
   </p:defaultTextStyle>
-  <p:extLst>
-    <p:ext uri="{EFAFB233-063F-42B5-8137-9DF3F51BA10A}">
-      <p15:sldGuideLst xmlns:p15="http://schemas.microsoft.com/office/powerpoint/2012/main"/>
-    </p:ext>
-  </p:extLst>
 </p:presentation>
 </file>
 
@@ -7496,87 +7491,120 @@
   <dgm:catLst>
     <dgm:cat type="colorful" pri="10100"/>
   </dgm:catLst>
-  <dgm:styleLbl name="node0">
-    <dgm:fillClrLst meth="repeat">
-      <a:schemeClr val="accent1"/>
-    </dgm:fillClrLst>
-    <dgm:linClrLst meth="repeat">
-      <a:schemeClr val="lt1"/>
-    </dgm:linClrLst>
-    <dgm:effectClrLst/>
-    <dgm:txLinClrLst/>
-    <dgm:txFillClrLst/>
-    <dgm:txEffectClrLst/>
-  </dgm:styleLbl>
-  <dgm:styleLbl name="node1">
-    <dgm:fillClrLst meth="repeat">
-      <a:schemeClr val="bg1"/>
-    </dgm:fillClrLst>
-    <dgm:linClrLst meth="repeat">
+  <dgm:styleLbl name="alignAcc1">
+    <dgm:fillClrLst meth="repeat">
       <a:schemeClr val="lt1">
-        <a:alpha val="0"/>
-      </a:schemeClr>
-    </dgm:linClrLst>
-    <dgm:effectClrLst/>
-    <dgm:txLinClrLst/>
-    <dgm:txFillClrLst meth="repeat">
-      <a:schemeClr val="dk1"/>
-    </dgm:txFillClrLst>
-    <dgm:txEffectClrLst/>
-  </dgm:styleLbl>
-  <dgm:styleLbl name="alignNode1">
-    <dgm:fillClrLst meth="repeat">
+        <a:alpha val="90000"/>
+      </a:schemeClr>
+    </dgm:fillClrLst>
+    <dgm:linClrLst meth="repeat">
       <a:schemeClr val="accent2"/>
       <a:schemeClr val="accent3"/>
       <a:schemeClr val="accent4"/>
       <a:schemeClr val="accent5"/>
       <a:schemeClr val="accent6"/>
-    </dgm:fillClrLst>
-    <dgm:linClrLst meth="repeat">
+    </dgm:linClrLst>
+    <dgm:effectClrLst/>
+    <dgm:txLinClrLst/>
+    <dgm:txFillClrLst meth="repeat">
+      <a:schemeClr val="dk1"/>
+    </dgm:txFillClrLst>
+    <dgm:txEffectClrLst/>
+  </dgm:styleLbl>
+  <dgm:styleLbl name="alignAccFollowNode1">
+    <dgm:fillClrLst meth="repeat">
+      <a:schemeClr val="accent2">
+        <a:tint val="40000"/>
+        <a:alpha val="90000"/>
+      </a:schemeClr>
+      <a:schemeClr val="accent3">
+        <a:tint val="40000"/>
+        <a:alpha val="90000"/>
+      </a:schemeClr>
+      <a:schemeClr val="accent4">
+        <a:tint val="40000"/>
+        <a:alpha val="90000"/>
+      </a:schemeClr>
+      <a:schemeClr val="accent5">
+        <a:tint val="40000"/>
+        <a:alpha val="90000"/>
+      </a:schemeClr>
+      <a:schemeClr val="accent6">
+        <a:tint val="40000"/>
+        <a:alpha val="90000"/>
+      </a:schemeClr>
+    </dgm:fillClrLst>
+    <dgm:linClrLst meth="repeat">
+      <a:schemeClr val="accent2">
+        <a:tint val="40000"/>
+        <a:alpha val="90000"/>
+      </a:schemeClr>
+      <a:schemeClr val="accent3">
+        <a:tint val="40000"/>
+        <a:alpha val="90000"/>
+      </a:schemeClr>
+      <a:schemeClr val="accent4">
+        <a:tint val="40000"/>
+        <a:alpha val="90000"/>
+      </a:schemeClr>
+      <a:schemeClr val="accent5">
+        <a:tint val="40000"/>
+        <a:alpha val="90000"/>
+      </a:schemeClr>
+      <a:schemeClr val="accent6">
+        <a:tint val="40000"/>
+        <a:alpha val="90000"/>
+      </a:schemeClr>
+    </dgm:linClrLst>
+    <dgm:effectClrLst/>
+    <dgm:txLinClrLst/>
+    <dgm:txFillClrLst meth="repeat">
+      <a:schemeClr val="dk1"/>
+    </dgm:txFillClrLst>
+    <dgm:txEffectClrLst/>
+  </dgm:styleLbl>
+  <dgm:styleLbl name="alignImgPlace1">
+    <dgm:fillClrLst>
+      <a:schemeClr val="accent1">
+        <a:tint val="50000"/>
+      </a:schemeClr>
+      <a:schemeClr val="accent2">
+        <a:tint val="20000"/>
+      </a:schemeClr>
+    </dgm:fillClrLst>
+    <dgm:linClrLst meth="repeat">
+      <a:schemeClr val="lt1"/>
+    </dgm:linClrLst>
+    <dgm:effectClrLst/>
+    <dgm:txLinClrLst/>
+    <dgm:txFillClrLst meth="repeat">
+      <a:schemeClr val="lt1"/>
+    </dgm:txFillClrLst>
+    <dgm:txEffectClrLst/>
+  </dgm:styleLbl>
+  <dgm:styleLbl name="alignNode1">
+    <dgm:fillClrLst meth="repeat">
       <a:schemeClr val="accent2"/>
       <a:schemeClr val="accent3"/>
       <a:schemeClr val="accent4"/>
       <a:schemeClr val="accent5"/>
       <a:schemeClr val="accent6"/>
-    </dgm:linClrLst>
-    <dgm:effectClrLst/>
-    <dgm:txLinClrLst/>
-    <dgm:txFillClrLst/>
-    <dgm:txEffectClrLst/>
-  </dgm:styleLbl>
-  <dgm:styleLbl name="lnNode1">
-    <dgm:fillClrLst meth="repeat">
+    </dgm:fillClrLst>
+    <dgm:linClrLst meth="repeat">
       <a:schemeClr val="accent2"/>
       <a:schemeClr val="accent3"/>
       <a:schemeClr val="accent4"/>
       <a:schemeClr val="accent5"/>
       <a:schemeClr val="accent6"/>
-    </dgm:fillClrLst>
-    <dgm:linClrLst meth="repeat">
-      <a:schemeClr val="lt1"/>
     </dgm:linClrLst>
     <dgm:effectClrLst/>
     <dgm:txLinClrLst/>
     <dgm:txFillClrLst/>
     <dgm:txEffectClrLst/>
   </dgm:styleLbl>
-  <dgm:styleLbl name="vennNode1">
-    <dgm:fillClrLst meth="repeat">
-      <a:schemeClr val="accent2">
-        <a:alpha val="50000"/>
-      </a:schemeClr>
-      <a:schemeClr val="accent3">
-        <a:alpha val="50000"/>
-      </a:schemeClr>
-      <a:schemeClr val="accent4">
-        <a:alpha val="50000"/>
-      </a:schemeClr>
-      <a:schemeClr val="accent5">
-        <a:alpha val="50000"/>
-      </a:schemeClr>
-      <a:schemeClr val="accent6">
-        <a:alpha val="50000"/>
-      </a:schemeClr>
+  <dgm:styleLbl name="asst0">
+    <dgm:fillClrLst meth="repeat">
+      <a:schemeClr val="accent1"/>
     </dgm:fillClrLst>
     <dgm:linClrLst meth="repeat">
       <a:schemeClr val="lt1"/>
@@ -7586,8 +7614,8 @@
     <dgm:txFillClrLst/>
     <dgm:txEffectClrLst/>
   </dgm:styleLbl>
-  <dgm:styleLbl name="node2">
-    <dgm:fillClrLst>
+  <dgm:styleLbl name="asst1">
+    <dgm:fillClrLst meth="repeat">
       <a:schemeClr val="accent2"/>
     </dgm:fillClrLst>
     <dgm:linClrLst meth="repeat">
@@ -7598,7 +7626,7 @@
     <dgm:txFillClrLst/>
     <dgm:txEffectClrLst/>
   </dgm:styleLbl>
-  <dgm:styleLbl name="node3">
+  <dgm:styleLbl name="asst2">
     <dgm:fillClrLst>
       <a:schemeClr val="accent3"/>
     </dgm:fillClrLst>
@@ -7610,7 +7638,7 @@
     <dgm:txFillClrLst/>
     <dgm:txEffectClrLst/>
   </dgm:styleLbl>
-  <dgm:styleLbl name="node4">
+  <dgm:styleLbl name="asst3">
     <dgm:fillClrLst>
       <a:schemeClr val="accent4"/>
     </dgm:fillClrLst>
@@ -7622,89 +7650,110 @@
     <dgm:txFillClrLst/>
     <dgm:txEffectClrLst/>
   </dgm:styleLbl>
-  <dgm:styleLbl name="fgImgPlace1">
-    <dgm:fillClrLst meth="repeat">
-      <a:schemeClr val="accent2">
-        <a:tint val="50000"/>
-      </a:schemeClr>
-      <a:schemeClr val="accent3">
-        <a:tint val="50000"/>
-      </a:schemeClr>
-      <a:schemeClr val="accent4">
-        <a:tint val="50000"/>
-      </a:schemeClr>
-      <a:schemeClr val="accent5">
-        <a:tint val="50000"/>
-      </a:schemeClr>
-      <a:schemeClr val="accent6">
-        <a:tint val="50000"/>
-      </a:schemeClr>
-    </dgm:fillClrLst>
-    <dgm:linClrLst meth="repeat">
-      <a:schemeClr val="lt1"/>
-    </dgm:linClrLst>
-    <dgm:effectClrLst/>
-    <dgm:txLinClrLst/>
-    <dgm:txFillClrLst meth="repeat">
-      <a:schemeClr val="lt1"/>
-    </dgm:txFillClrLst>
-    <dgm:txEffectClrLst/>
-  </dgm:styleLbl>
-  <dgm:styleLbl name="alignImgPlace1">
+  <dgm:styleLbl name="asst4">
     <dgm:fillClrLst>
-      <a:schemeClr val="accent1">
-        <a:tint val="50000"/>
-      </a:schemeClr>
-      <a:schemeClr val="accent2">
-        <a:tint val="20000"/>
-      </a:schemeClr>
-    </dgm:fillClrLst>
-    <dgm:linClrLst meth="repeat">
-      <a:schemeClr val="lt1"/>
-    </dgm:linClrLst>
-    <dgm:effectClrLst/>
-    <dgm:txLinClrLst/>
-    <dgm:txFillClrLst meth="repeat">
-      <a:schemeClr val="lt1"/>
-    </dgm:txFillClrLst>
-    <dgm:txEffectClrLst/>
-  </dgm:styleLbl>
-  <dgm:styleLbl name="bgImgPlace1">
-    <dgm:fillClrLst>
-      <a:schemeClr val="accent1">
-        <a:tint val="50000"/>
-      </a:schemeClr>
-      <a:schemeClr val="accent2">
-        <a:tint val="20000"/>
-      </a:schemeClr>
-    </dgm:fillClrLst>
-    <dgm:linClrLst meth="repeat">
-      <a:schemeClr val="lt1"/>
-    </dgm:linClrLst>
-    <dgm:effectClrLst/>
-    <dgm:txLinClrLst/>
-    <dgm:txFillClrLst meth="repeat">
-      <a:schemeClr val="lt1"/>
-    </dgm:txFillClrLst>
-    <dgm:txEffectClrLst/>
-  </dgm:styleLbl>
-  <dgm:styleLbl name="sibTrans2D1">
-    <dgm:fillClrLst meth="repeat">
+      <a:schemeClr val="accent5"/>
+    </dgm:fillClrLst>
+    <dgm:linClrLst meth="repeat">
+      <a:schemeClr val="lt1"/>
+    </dgm:linClrLst>
+    <dgm:effectClrLst/>
+    <dgm:txLinClrLst/>
+    <dgm:txFillClrLst/>
+    <dgm:txEffectClrLst/>
+  </dgm:styleLbl>
+  <dgm:styleLbl name="bgAcc1">
+    <dgm:fillClrLst meth="repeat">
+      <a:schemeClr val="lt1">
+        <a:alpha val="90000"/>
+      </a:schemeClr>
+    </dgm:fillClrLst>
+    <dgm:linClrLst meth="repeat">
       <a:schemeClr val="accent2"/>
       <a:schemeClr val="accent3"/>
       <a:schemeClr val="accent4"/>
       <a:schemeClr val="accent5"/>
       <a:schemeClr val="accent6"/>
-    </dgm:fillClrLst>
-    <dgm:linClrLst meth="cycle">
-      <a:schemeClr val="lt1"/>
-    </dgm:linClrLst>
-    <dgm:effectClrLst/>
-    <dgm:txLinClrLst/>
-    <dgm:txFillClrLst/>
-    <dgm:txEffectClrLst/>
-  </dgm:styleLbl>
-  <dgm:styleLbl name="fgSibTrans2D1">
+    </dgm:linClrLst>
+    <dgm:effectClrLst/>
+    <dgm:txLinClrLst/>
+    <dgm:txFillClrLst meth="repeat">
+      <a:schemeClr val="dk1"/>
+    </dgm:txFillClrLst>
+    <dgm:txEffectClrLst/>
+  </dgm:styleLbl>
+  <dgm:styleLbl name="bgAccFollowNode1">
+    <dgm:fillClrLst meth="repeat">
+      <a:schemeClr val="accent2">
+        <a:tint val="40000"/>
+        <a:alpha val="90000"/>
+      </a:schemeClr>
+      <a:schemeClr val="accent3">
+        <a:tint val="40000"/>
+        <a:alpha val="90000"/>
+      </a:schemeClr>
+      <a:schemeClr val="accent4">
+        <a:tint val="40000"/>
+        <a:alpha val="90000"/>
+      </a:schemeClr>
+      <a:schemeClr val="accent5">
+        <a:tint val="40000"/>
+        <a:alpha val="90000"/>
+      </a:schemeClr>
+      <a:schemeClr val="accent6">
+        <a:tint val="40000"/>
+        <a:alpha val="90000"/>
+      </a:schemeClr>
+    </dgm:fillClrLst>
+    <dgm:linClrLst meth="repeat">
+      <a:schemeClr val="accent2">
+        <a:tint val="40000"/>
+        <a:alpha val="90000"/>
+      </a:schemeClr>
+      <a:schemeClr val="accent3">
+        <a:tint val="40000"/>
+        <a:alpha val="90000"/>
+      </a:schemeClr>
+      <a:schemeClr val="accent4">
+        <a:tint val="40000"/>
+        <a:alpha val="90000"/>
+      </a:schemeClr>
+      <a:schemeClr val="accent5">
+        <a:tint val="40000"/>
+        <a:alpha val="90000"/>
+      </a:schemeClr>
+      <a:schemeClr val="accent6">
+        <a:tint val="40000"/>
+        <a:alpha val="90000"/>
+      </a:schemeClr>
+    </dgm:linClrLst>
+    <dgm:effectClrLst/>
+    <dgm:txLinClrLst/>
+    <dgm:txFillClrLst meth="repeat">
+      <a:schemeClr val="dk1"/>
+    </dgm:txFillClrLst>
+    <dgm:txEffectClrLst/>
+  </dgm:styleLbl>
+  <dgm:styleLbl name="bgImgPlace1">
+    <dgm:fillClrLst>
+      <a:schemeClr val="accent1">
+        <a:tint val="50000"/>
+      </a:schemeClr>
+      <a:schemeClr val="accent2">
+        <a:tint val="20000"/>
+      </a:schemeClr>
+    </dgm:fillClrLst>
+    <dgm:linClrLst meth="repeat">
+      <a:schemeClr val="lt1"/>
+    </dgm:linClrLst>
+    <dgm:effectClrLst/>
+    <dgm:txLinClrLst/>
+    <dgm:txFillClrLst meth="repeat">
+      <a:schemeClr val="lt1"/>
+    </dgm:txFillClrLst>
+    <dgm:txEffectClrLst/>
+  </dgm:styleLbl>
+  <dgm:styleLbl name="bgShp">
     <dgm:fillClrLst meth="repeat">
       <a:schemeClr val="accent2"/>
       <a:schemeClr val="accent3"/>
@@ -7712,14 +7761,14 @@
       <a:schemeClr val="accent5"/>
       <a:schemeClr val="accent6"/>
     </dgm:fillClrLst>
-    <dgm:linClrLst meth="cycle">
-      <a:schemeClr val="lt1"/>
-    </dgm:linClrLst>
-    <dgm:effectClrLst/>
-    <dgm:txLinClrLst/>
-    <dgm:txFillClrLst meth="repeat">
-      <a:schemeClr val="lt1"/>
-    </dgm:txFillClrLst>
+    <dgm:linClrLst meth="repeat">
+      <a:schemeClr val="lt1">
+        <a:alpha val="0"/>
+      </a:schemeClr>
+    </dgm:linClrLst>
+    <dgm:effectClrLst/>
+    <dgm:txLinClrLst/>
+    <dgm:txFillClrLst/>
     <dgm:txEffectClrLst/>
   </dgm:styleLbl>
   <dgm:styleLbl name="bgSibTrans2D1">
@@ -7740,13 +7789,79 @@
     </dgm:txFillClrLst>
     <dgm:txEffectClrLst/>
   </dgm:styleLbl>
-  <dgm:styleLbl name="sibTrans1D1">
-    <dgm:fillClrLst meth="repeat">
+  <dgm:styleLbl name="callout">
+    <dgm:fillClrLst meth="repeat">
+      <a:schemeClr val="accent2"/>
+    </dgm:fillClrLst>
+    <dgm:linClrLst meth="repeat">
+      <a:schemeClr val="accent2">
+        <a:tint val="50000"/>
+      </a:schemeClr>
+    </dgm:linClrLst>
+    <dgm:effectClrLst/>
+    <dgm:txLinClrLst/>
+    <dgm:txFillClrLst meth="repeat">
+      <a:schemeClr val="tx1"/>
+    </dgm:txFillClrLst>
+    <dgm:txEffectClrLst/>
+  </dgm:styleLbl>
+  <dgm:styleLbl name="conFgAcc1">
+    <dgm:fillClrLst meth="repeat">
+      <a:schemeClr val="lt1">
+        <a:alpha val="90000"/>
+      </a:schemeClr>
+    </dgm:fillClrLst>
+    <dgm:linClrLst meth="repeat">
       <a:schemeClr val="accent2"/>
       <a:schemeClr val="accent3"/>
       <a:schemeClr val="accent4"/>
       <a:schemeClr val="accent5"/>
       <a:schemeClr val="accent6"/>
+    </dgm:linClrLst>
+    <dgm:effectClrLst/>
+    <dgm:txLinClrLst/>
+    <dgm:txFillClrLst meth="repeat">
+      <a:schemeClr val="dk1"/>
+    </dgm:txFillClrLst>
+    <dgm:txEffectClrLst/>
+  </dgm:styleLbl>
+  <dgm:styleLbl name="dkBgShp">
+    <dgm:fillClrLst meth="repeat">
+      <a:schemeClr val="accent2">
+        <a:shade val="90000"/>
+      </a:schemeClr>
+    </dgm:fillClrLst>
+    <dgm:linClrLst meth="repeat">
+      <a:schemeClr val="dk1"/>
+    </dgm:linClrLst>
+    <dgm:effectClrLst/>
+    <dgm:txLinClrLst/>
+    <dgm:txFillClrLst meth="repeat">
+      <a:schemeClr val="lt1"/>
+    </dgm:txFillClrLst>
+    <dgm:txEffectClrLst/>
+  </dgm:styleLbl>
+  <dgm:styleLbl name="fgAcc0">
+    <dgm:fillClrLst meth="repeat">
+      <a:schemeClr val="lt1">
+        <a:alpha val="90000"/>
+      </a:schemeClr>
+    </dgm:fillClrLst>
+    <dgm:linClrLst>
+      <a:schemeClr val="accent1"/>
+    </dgm:linClrLst>
+    <dgm:effectClrLst/>
+    <dgm:txLinClrLst/>
+    <dgm:txFillClrLst meth="repeat">
+      <a:schemeClr val="dk1"/>
+    </dgm:txFillClrLst>
+    <dgm:txEffectClrLst/>
+  </dgm:styleLbl>
+  <dgm:styleLbl name="fgAcc1">
+    <dgm:fillClrLst meth="repeat">
+      <a:schemeClr val="lt1">
+        <a:alpha val="90000"/>
+      </a:schemeClr>
     </dgm:fillClrLst>
     <dgm:linClrLst meth="repeat">
       <a:schemeClr val="accent2"/>
@@ -7758,232 +7873,208 @@
     <dgm:effectClrLst/>
     <dgm:txLinClrLst/>
     <dgm:txFillClrLst meth="repeat">
-      <a:schemeClr val="tx1"/>
+      <a:schemeClr val="dk1"/>
     </dgm:txFillClrLst>
     <dgm:txEffectClrLst/>
   </dgm:styleLbl>
-  <dgm:styleLbl name="callout">
-    <dgm:fillClrLst meth="repeat">
+  <dgm:styleLbl name="fgAcc2">
+    <dgm:fillClrLst meth="repeat">
+      <a:schemeClr val="lt1">
+        <a:alpha val="90000"/>
+      </a:schemeClr>
+    </dgm:fillClrLst>
+    <dgm:linClrLst>
       <a:schemeClr val="accent2"/>
-    </dgm:fillClrLst>
-    <dgm:linClrLst meth="repeat">
+    </dgm:linClrLst>
+    <dgm:effectClrLst/>
+    <dgm:txLinClrLst/>
+    <dgm:txFillClrLst meth="repeat">
+      <a:schemeClr val="dk1"/>
+    </dgm:txFillClrLst>
+    <dgm:txEffectClrLst/>
+  </dgm:styleLbl>
+  <dgm:styleLbl name="fgAcc3">
+    <dgm:fillClrLst meth="repeat">
+      <a:schemeClr val="lt1">
+        <a:alpha val="90000"/>
+      </a:schemeClr>
+    </dgm:fillClrLst>
+    <dgm:linClrLst>
+      <a:schemeClr val="accent3"/>
+    </dgm:linClrLst>
+    <dgm:effectClrLst/>
+    <dgm:txLinClrLst/>
+    <dgm:txFillClrLst meth="repeat">
+      <a:schemeClr val="dk1"/>
+    </dgm:txFillClrLst>
+    <dgm:txEffectClrLst/>
+  </dgm:styleLbl>
+  <dgm:styleLbl name="fgAcc4">
+    <dgm:fillClrLst meth="repeat">
+      <a:schemeClr val="lt1">
+        <a:alpha val="90000"/>
+      </a:schemeClr>
+    </dgm:fillClrLst>
+    <dgm:linClrLst>
+      <a:schemeClr val="accent4"/>
+    </dgm:linClrLst>
+    <dgm:effectClrLst/>
+    <dgm:txLinClrLst/>
+    <dgm:txFillClrLst meth="repeat">
+      <a:schemeClr val="dk1"/>
+    </dgm:txFillClrLst>
+    <dgm:txEffectClrLst/>
+  </dgm:styleLbl>
+  <dgm:styleLbl name="fgAccFollowNode1">
+    <dgm:fillClrLst meth="repeat">
+      <a:schemeClr val="accent2">
+        <a:tint val="40000"/>
+        <a:alpha val="90000"/>
+      </a:schemeClr>
+      <a:schemeClr val="accent3">
+        <a:tint val="40000"/>
+        <a:alpha val="90000"/>
+      </a:schemeClr>
+      <a:schemeClr val="accent4">
+        <a:tint val="40000"/>
+        <a:alpha val="90000"/>
+      </a:schemeClr>
+      <a:schemeClr val="accent5">
+        <a:tint val="40000"/>
+        <a:alpha val="90000"/>
+      </a:schemeClr>
+      <a:schemeClr val="accent6">
+        <a:tint val="40000"/>
+        <a:alpha val="90000"/>
+      </a:schemeClr>
+    </dgm:fillClrLst>
+    <dgm:linClrLst meth="repeat">
+      <a:schemeClr val="accent2">
+        <a:tint val="40000"/>
+        <a:alpha val="90000"/>
+      </a:schemeClr>
+      <a:schemeClr val="accent3">
+        <a:tint val="40000"/>
+        <a:alpha val="90000"/>
+      </a:schemeClr>
+      <a:schemeClr val="accent4">
+        <a:tint val="40000"/>
+        <a:alpha val="90000"/>
+      </a:schemeClr>
+      <a:schemeClr val="accent5">
+        <a:tint val="40000"/>
+        <a:alpha val="90000"/>
+      </a:schemeClr>
+      <a:schemeClr val="accent6">
+        <a:tint val="40000"/>
+        <a:alpha val="90000"/>
+      </a:schemeClr>
+    </dgm:linClrLst>
+    <dgm:effectClrLst/>
+    <dgm:txLinClrLst/>
+    <dgm:txFillClrLst meth="repeat">
+      <a:schemeClr val="dk1"/>
+    </dgm:txFillClrLst>
+    <dgm:txEffectClrLst/>
+  </dgm:styleLbl>
+  <dgm:styleLbl name="fgImgPlace1">
+    <dgm:fillClrLst meth="repeat">
       <a:schemeClr val="accent2">
         <a:tint val="50000"/>
       </a:schemeClr>
-    </dgm:linClrLst>
-    <dgm:effectClrLst/>
-    <dgm:txLinClrLst/>
-    <dgm:txFillClrLst meth="repeat">
-      <a:schemeClr val="tx1"/>
-    </dgm:txFillClrLst>
-    <dgm:txEffectClrLst/>
-  </dgm:styleLbl>
-  <dgm:styleLbl name="asst0">
-    <dgm:fillClrLst meth="repeat">
-      <a:schemeClr val="accent1"/>
-    </dgm:fillClrLst>
-    <dgm:linClrLst meth="repeat">
-      <a:schemeClr val="lt1"/>
-    </dgm:linClrLst>
-    <dgm:effectClrLst/>
-    <dgm:txLinClrLst/>
-    <dgm:txFillClrLst/>
-    <dgm:txEffectClrLst/>
-  </dgm:styleLbl>
-  <dgm:styleLbl name="asst1">
-    <dgm:fillClrLst meth="repeat">
-      <a:schemeClr val="accent2"/>
-    </dgm:fillClrLst>
-    <dgm:linClrLst meth="repeat">
-      <a:schemeClr val="lt1"/>
-    </dgm:linClrLst>
-    <dgm:effectClrLst/>
-    <dgm:txLinClrLst/>
-    <dgm:txFillClrLst/>
-    <dgm:txEffectClrLst/>
-  </dgm:styleLbl>
-  <dgm:styleLbl name="asst2">
-    <dgm:fillClrLst>
-      <a:schemeClr val="accent3"/>
-    </dgm:fillClrLst>
-    <dgm:linClrLst meth="repeat">
-      <a:schemeClr val="lt1"/>
-    </dgm:linClrLst>
-    <dgm:effectClrLst/>
-    <dgm:txLinClrLst/>
-    <dgm:txFillClrLst/>
-    <dgm:txEffectClrLst/>
-  </dgm:styleLbl>
-  <dgm:styleLbl name="asst3">
-    <dgm:fillClrLst>
-      <a:schemeClr val="accent4"/>
-    </dgm:fillClrLst>
-    <dgm:linClrLst meth="repeat">
-      <a:schemeClr val="lt1"/>
-    </dgm:linClrLst>
-    <dgm:effectClrLst/>
-    <dgm:txLinClrLst/>
-    <dgm:txFillClrLst/>
-    <dgm:txEffectClrLst/>
-  </dgm:styleLbl>
-  <dgm:styleLbl name="asst4">
-    <dgm:fillClrLst>
-      <a:schemeClr val="accent5"/>
-    </dgm:fillClrLst>
-    <dgm:linClrLst meth="repeat">
-      <a:schemeClr val="lt1"/>
-    </dgm:linClrLst>
-    <dgm:effectClrLst/>
-    <dgm:txLinClrLst/>
-    <dgm:txFillClrLst/>
-    <dgm:txEffectClrLst/>
-  </dgm:styleLbl>
-  <dgm:styleLbl name="parChTrans2D1">
-    <dgm:fillClrLst meth="repeat">
-      <a:schemeClr val="accent2"/>
-    </dgm:fillClrLst>
-    <dgm:linClrLst meth="repeat">
-      <a:schemeClr val="lt1"/>
-    </dgm:linClrLst>
-    <dgm:effectClrLst/>
-    <dgm:txLinClrLst/>
-    <dgm:txFillClrLst meth="repeat">
-      <a:schemeClr val="lt1"/>
-    </dgm:txFillClrLst>
-    <dgm:txEffectClrLst/>
-  </dgm:styleLbl>
-  <dgm:styleLbl name="parChTrans2D2">
-    <dgm:fillClrLst meth="repeat">
-      <a:schemeClr val="accent3"/>
-    </dgm:fillClrLst>
-    <dgm:linClrLst meth="repeat">
-      <a:schemeClr val="lt1"/>
-    </dgm:linClrLst>
-    <dgm:effectClrLst/>
-    <dgm:txLinClrLst/>
-    <dgm:txFillClrLst/>
-    <dgm:txEffectClrLst/>
-  </dgm:styleLbl>
-  <dgm:styleLbl name="parChTrans2D3">
-    <dgm:fillClrLst meth="repeat">
-      <a:schemeClr val="accent4"/>
-    </dgm:fillClrLst>
-    <dgm:linClrLst meth="repeat">
-      <a:schemeClr val="lt1"/>
-    </dgm:linClrLst>
-    <dgm:effectClrLst/>
-    <dgm:txLinClrLst/>
-    <dgm:txFillClrLst/>
-    <dgm:txEffectClrLst/>
-  </dgm:styleLbl>
-  <dgm:styleLbl name="parChTrans2D4">
-    <dgm:fillClrLst meth="repeat">
-      <a:schemeClr val="accent5"/>
-    </dgm:fillClrLst>
-    <dgm:linClrLst meth="repeat">
-      <a:schemeClr val="lt1"/>
-    </dgm:linClrLst>
-    <dgm:effectClrLst/>
-    <dgm:txLinClrLst/>
-    <dgm:txFillClrLst meth="repeat">
-      <a:schemeClr val="lt1"/>
-    </dgm:txFillClrLst>
-    <dgm:txEffectClrLst/>
-  </dgm:styleLbl>
-  <dgm:styleLbl name="parChTrans1D1">
-    <dgm:fillClrLst meth="repeat">
-      <a:schemeClr val="accent2"/>
-    </dgm:fillClrLst>
-    <dgm:linClrLst meth="repeat">
-      <a:schemeClr val="accent1"/>
-    </dgm:linClrLst>
-    <dgm:effectClrLst/>
-    <dgm:txLinClrLst/>
-    <dgm:txFillClrLst meth="repeat">
-      <a:schemeClr val="tx1"/>
-    </dgm:txFillClrLst>
-    <dgm:txEffectClrLst/>
-  </dgm:styleLbl>
-  <dgm:styleLbl name="parChTrans1D2">
-    <dgm:fillClrLst meth="repeat">
       <a:schemeClr val="accent3">
-        <a:tint val="90000"/>
-      </a:schemeClr>
-    </dgm:fillClrLst>
-    <dgm:linClrLst meth="repeat">
-      <a:schemeClr val="accent2"/>
-    </dgm:linClrLst>
-    <dgm:effectClrLst/>
-    <dgm:txLinClrLst/>
-    <dgm:txFillClrLst meth="repeat">
-      <a:schemeClr val="tx1"/>
-    </dgm:txFillClrLst>
-    <dgm:txEffectClrLst/>
-  </dgm:styleLbl>
-  <dgm:styleLbl name="parChTrans1D3">
-    <dgm:fillClrLst meth="repeat">
+        <a:tint val="50000"/>
+      </a:schemeClr>
       <a:schemeClr val="accent4">
-        <a:tint val="70000"/>
-      </a:schemeClr>
-    </dgm:fillClrLst>
-    <dgm:linClrLst meth="repeat">
-      <a:schemeClr val="accent3"/>
-    </dgm:linClrLst>
-    <dgm:effectClrLst/>
-    <dgm:txLinClrLst/>
-    <dgm:txFillClrLst meth="repeat">
-      <a:schemeClr val="tx1"/>
-    </dgm:txFillClrLst>
-    <dgm:txEffectClrLst/>
-  </dgm:styleLbl>
-  <dgm:styleLbl name="parChTrans1D4">
-    <dgm:fillClrLst meth="repeat">
+        <a:tint val="50000"/>
+      </a:schemeClr>
       <a:schemeClr val="accent5">
         <a:tint val="50000"/>
       </a:schemeClr>
-    </dgm:fillClrLst>
-    <dgm:linClrLst meth="repeat">
-      <a:schemeClr val="accent4"/>
+      <a:schemeClr val="accent6">
+        <a:tint val="50000"/>
+      </a:schemeClr>
+    </dgm:fillClrLst>
+    <dgm:linClrLst meth="repeat">
+      <a:schemeClr val="lt1"/>
     </dgm:linClrLst>
     <dgm:effectClrLst/>
     <dgm:txLinClrLst/>
     <dgm:txFillClrLst meth="repeat">
-      <a:schemeClr val="tx1"/>
+      <a:schemeClr val="lt1"/>
     </dgm:txFillClrLst>
     <dgm:txEffectClrLst/>
   </dgm:styleLbl>
-  <dgm:styleLbl name="fgAcc1">
-    <dgm:fillClrLst meth="repeat">
-      <a:schemeClr val="lt1">
-        <a:alpha val="90000"/>
-      </a:schemeClr>
-    </dgm:fillClrLst>
-    <dgm:linClrLst meth="repeat">
+  <dgm:styleLbl name="fgShp">
+    <dgm:fillClrLst meth="repeat">
+      <a:schemeClr val="accent2">
+        <a:tint val="40000"/>
+      </a:schemeClr>
+    </dgm:fillClrLst>
+    <dgm:linClrLst meth="repeat">
+      <a:schemeClr val="lt1"/>
+    </dgm:linClrLst>
+    <dgm:effectClrLst/>
+    <dgm:txLinClrLst/>
+    <dgm:txFillClrLst meth="repeat">
+      <a:schemeClr val="dk1"/>
+    </dgm:txFillClrLst>
+    <dgm:txEffectClrLst/>
+  </dgm:styleLbl>
+  <dgm:styleLbl name="fgSibTrans2D1">
+    <dgm:fillClrLst meth="repeat">
       <a:schemeClr val="accent2"/>
       <a:schemeClr val="accent3"/>
       <a:schemeClr val="accent4"/>
       <a:schemeClr val="accent5"/>
       <a:schemeClr val="accent6"/>
+    </dgm:fillClrLst>
+    <dgm:linClrLst meth="cycle">
+      <a:schemeClr val="lt1"/>
     </dgm:linClrLst>
     <dgm:effectClrLst/>
     <dgm:txLinClrLst/>
     <dgm:txFillClrLst meth="repeat">
-      <a:schemeClr val="dk1"/>
+      <a:schemeClr val="lt1"/>
     </dgm:txFillClrLst>
     <dgm:txEffectClrLst/>
   </dgm:styleLbl>
-  <dgm:styleLbl name="conFgAcc1">
-    <dgm:fillClrLst meth="repeat">
-      <a:schemeClr val="lt1">
-        <a:alpha val="90000"/>
-      </a:schemeClr>
-    </dgm:fillClrLst>
-    <dgm:linClrLst meth="repeat">
+  <dgm:styleLbl name="lnNode1">
+    <dgm:fillClrLst meth="repeat">
       <a:schemeClr val="accent2"/>
       <a:schemeClr val="accent3"/>
       <a:schemeClr val="accent4"/>
       <a:schemeClr val="accent5"/>
       <a:schemeClr val="accent6"/>
+    </dgm:fillClrLst>
+    <dgm:linClrLst meth="repeat">
+      <a:schemeClr val="lt1"/>
+    </dgm:linClrLst>
+    <dgm:effectClrLst/>
+    <dgm:txLinClrLst/>
+    <dgm:txFillClrLst/>
+    <dgm:txEffectClrLst/>
+  </dgm:styleLbl>
+  <dgm:styleLbl name="node0">
+    <dgm:fillClrLst meth="repeat">
+      <a:schemeClr val="accent1"/>
+    </dgm:fillClrLst>
+    <dgm:linClrLst meth="repeat">
+      <a:schemeClr val="lt1"/>
+    </dgm:linClrLst>
+    <dgm:effectClrLst/>
+    <dgm:txLinClrLst/>
+    <dgm:txFillClrLst/>
+    <dgm:txEffectClrLst/>
+  </dgm:styleLbl>
+  <dgm:styleLbl name="node1">
+    <dgm:fillClrLst meth="repeat">
+      <a:schemeClr val="bg1"/>
+    </dgm:fillClrLst>
+    <dgm:linClrLst meth="repeat">
+      <a:schemeClr val="lt1">
+        <a:alpha val="0"/>
+      </a:schemeClr>
     </dgm:linClrLst>
     <dgm:effectClrLst/>
     <dgm:txLinClrLst/>
@@ -7992,47 +8083,181 @@
     </dgm:txFillClrLst>
     <dgm:txEffectClrLst/>
   </dgm:styleLbl>
-  <dgm:styleLbl name="alignAcc1">
+  <dgm:styleLbl name="node2">
+    <dgm:fillClrLst>
+      <a:schemeClr val="accent2"/>
+    </dgm:fillClrLst>
+    <dgm:linClrLst meth="repeat">
+      <a:schemeClr val="lt1"/>
+    </dgm:linClrLst>
+    <dgm:effectClrLst/>
+    <dgm:txLinClrLst/>
+    <dgm:txFillClrLst/>
+    <dgm:txEffectClrLst/>
+  </dgm:styleLbl>
+  <dgm:styleLbl name="node3">
+    <dgm:fillClrLst>
+      <a:schemeClr val="accent3"/>
+    </dgm:fillClrLst>
+    <dgm:linClrLst meth="repeat">
+      <a:schemeClr val="lt1"/>
+    </dgm:linClrLst>
+    <dgm:effectClrLst/>
+    <dgm:txLinClrLst/>
+    <dgm:txFillClrLst/>
+    <dgm:txEffectClrLst/>
+  </dgm:styleLbl>
+  <dgm:styleLbl name="node4">
+    <dgm:fillClrLst>
+      <a:schemeClr val="accent4"/>
+    </dgm:fillClrLst>
+    <dgm:linClrLst meth="repeat">
+      <a:schemeClr val="lt1"/>
+    </dgm:linClrLst>
+    <dgm:effectClrLst/>
+    <dgm:txLinClrLst/>
+    <dgm:txFillClrLst/>
+    <dgm:txEffectClrLst/>
+  </dgm:styleLbl>
+  <dgm:styleLbl name="parChTrans1D1">
+    <dgm:fillClrLst meth="repeat">
+      <a:schemeClr val="accent2"/>
+    </dgm:fillClrLst>
+    <dgm:linClrLst meth="repeat">
+      <a:schemeClr val="accent1"/>
+    </dgm:linClrLst>
+    <dgm:effectClrLst/>
+    <dgm:txLinClrLst/>
+    <dgm:txFillClrLst meth="repeat">
+      <a:schemeClr val="tx1"/>
+    </dgm:txFillClrLst>
+    <dgm:txEffectClrLst/>
+  </dgm:styleLbl>
+  <dgm:styleLbl name="parChTrans1D2">
+    <dgm:fillClrLst meth="repeat">
+      <a:schemeClr val="accent3">
+        <a:tint val="90000"/>
+      </a:schemeClr>
+    </dgm:fillClrLst>
+    <dgm:linClrLst meth="repeat">
+      <a:schemeClr val="accent2"/>
+    </dgm:linClrLst>
+    <dgm:effectClrLst/>
+    <dgm:txLinClrLst/>
+    <dgm:txFillClrLst meth="repeat">
+      <a:schemeClr val="tx1"/>
+    </dgm:txFillClrLst>
+    <dgm:txEffectClrLst/>
+  </dgm:styleLbl>
+  <dgm:styleLbl name="parChTrans1D3">
+    <dgm:fillClrLst meth="repeat">
+      <a:schemeClr val="accent4">
+        <a:tint val="70000"/>
+      </a:schemeClr>
+    </dgm:fillClrLst>
+    <dgm:linClrLst meth="repeat">
+      <a:schemeClr val="accent3"/>
+    </dgm:linClrLst>
+    <dgm:effectClrLst/>
+    <dgm:txLinClrLst/>
+    <dgm:txFillClrLst meth="repeat">
+      <a:schemeClr val="tx1"/>
+    </dgm:txFillClrLst>
+    <dgm:txEffectClrLst/>
+  </dgm:styleLbl>
+  <dgm:styleLbl name="parChTrans1D4">
+    <dgm:fillClrLst meth="repeat">
+      <a:schemeClr val="accent5">
+        <a:tint val="50000"/>
+      </a:schemeClr>
+    </dgm:fillClrLst>
+    <dgm:linClrLst meth="repeat">
+      <a:schemeClr val="accent4"/>
+    </dgm:linClrLst>
+    <dgm:effectClrLst/>
+    <dgm:txLinClrLst/>
+    <dgm:txFillClrLst meth="repeat">
+      <a:schemeClr val="tx1"/>
+    </dgm:txFillClrLst>
+    <dgm:txEffectClrLst/>
+  </dgm:styleLbl>
+  <dgm:styleLbl name="parChTrans2D1">
+    <dgm:fillClrLst meth="repeat">
+      <a:schemeClr val="accent2"/>
+    </dgm:fillClrLst>
+    <dgm:linClrLst meth="repeat">
+      <a:schemeClr val="lt1"/>
+    </dgm:linClrLst>
+    <dgm:effectClrLst/>
+    <dgm:txLinClrLst/>
+    <dgm:txFillClrLst meth="repeat">
+      <a:schemeClr val="lt1"/>
+    </dgm:txFillClrLst>
+    <dgm:txEffectClrLst/>
+  </dgm:styleLbl>
+  <dgm:styleLbl name="parChTrans2D2">
+    <dgm:fillClrLst meth="repeat">
+      <a:schemeClr val="accent3"/>
+    </dgm:fillClrLst>
+    <dgm:linClrLst meth="repeat">
+      <a:schemeClr val="lt1"/>
+    </dgm:linClrLst>
+    <dgm:effectClrLst/>
+    <dgm:txLinClrLst/>
+    <dgm:txFillClrLst/>
+    <dgm:txEffectClrLst/>
+  </dgm:styleLbl>
+  <dgm:styleLbl name="parChTrans2D3">
+    <dgm:fillClrLst meth="repeat">
+      <a:schemeClr val="accent4"/>
+    </dgm:fillClrLst>
+    <dgm:linClrLst meth="repeat">
+      <a:schemeClr val="lt1"/>
+    </dgm:linClrLst>
+    <dgm:effectClrLst/>
+    <dgm:txLinClrLst/>
+    <dgm:txFillClrLst/>
+    <dgm:txEffectClrLst/>
+  </dgm:styleLbl>
+  <dgm:styleLbl name="parChTrans2D4">
+    <dgm:fillClrLst meth="repeat">
+      <a:schemeClr val="accent5"/>
+    </dgm:fillClrLst>
+    <dgm:linClrLst meth="repeat">
+      <a:schemeClr val="lt1"/>
+    </dgm:linClrLst>
+    <dgm:effectClrLst/>
+    <dgm:txLinClrLst/>
+    <dgm:txFillClrLst meth="repeat">
+      <a:schemeClr val="lt1"/>
+    </dgm:txFillClrLst>
+    <dgm:txEffectClrLst/>
+  </dgm:styleLbl>
+  <dgm:styleLbl name="revTx">
     <dgm:fillClrLst meth="repeat">
       <a:schemeClr val="lt1">
-        <a:alpha val="90000"/>
-      </a:schemeClr>
-    </dgm:fillClrLst>
-    <dgm:linClrLst meth="repeat">
+        <a:alpha val="0"/>
+      </a:schemeClr>
+    </dgm:fillClrLst>
+    <dgm:linClrLst meth="repeat">
+      <a:schemeClr val="dk1">
+        <a:alpha val="0"/>
+      </a:schemeClr>
+    </dgm:linClrLst>
+    <dgm:effectClrLst/>
+    <dgm:txLinClrLst/>
+    <dgm:txFillClrLst meth="repeat">
+      <a:schemeClr val="tx1"/>
+    </dgm:txFillClrLst>
+    <dgm:txEffectClrLst/>
+  </dgm:styleLbl>
+  <dgm:styleLbl name="sibTrans1D1">
+    <dgm:fillClrLst meth="repeat">
       <a:schemeClr val="accent2"/>
       <a:schemeClr val="accent3"/>
       <a:schemeClr val="accent4"/>
       <a:schemeClr val="accent5"/>
       <a:schemeClr val="accent6"/>
-    </dgm:linClrLst>
-    <dgm:effectClrLst/>
-    <dgm:txLinClrLst/>
-    <dgm:txFillClrLst meth="repeat">
-      <a:schemeClr val="dk1"/>
-    </dgm:txFillClrLst>
-    <dgm:txEffectClrLst/>
-  </dgm:styleLbl>
-  <dgm:styleLbl name="trAlignAcc1">
-    <dgm:fillClrLst meth="repeat">
-      <a:schemeClr val="lt1">
-        <a:alpha val="40000"/>
-      </a:schemeClr>
-    </dgm:fillClrLst>
-    <dgm:linClrLst meth="repeat">
-      <a:schemeClr val="accent1"/>
-    </dgm:linClrLst>
-    <dgm:effectClrLst/>
-    <dgm:txLinClrLst/>
-    <dgm:txFillClrLst meth="repeat">
-      <a:schemeClr val="dk1"/>
-    </dgm:txFillClrLst>
-    <dgm:txEffectClrLst/>
-  </dgm:styleLbl>
-  <dgm:styleLbl name="bgAcc1">
-    <dgm:fillClrLst meth="repeat">
-      <a:schemeClr val="lt1">
-        <a:alpha val="90000"/>
-      </a:schemeClr>
     </dgm:fillClrLst>
     <dgm:linClrLst meth="repeat">
       <a:schemeClr val="accent2"/>
@@ -8044,26 +8269,24 @@
     <dgm:effectClrLst/>
     <dgm:txLinClrLst/>
     <dgm:txFillClrLst meth="repeat">
-      <a:schemeClr val="dk1"/>
+      <a:schemeClr val="tx1"/>
     </dgm:txFillClrLst>
     <dgm:txEffectClrLst/>
   </dgm:styleLbl>
-  <dgm:styleLbl name="solidFgAcc1">
-    <dgm:fillClrLst meth="repeat">
-      <a:schemeClr val="lt1"/>
-    </dgm:fillClrLst>
-    <dgm:linClrLst meth="repeat">
+  <dgm:styleLbl name="sibTrans2D1">
+    <dgm:fillClrLst meth="repeat">
       <a:schemeClr val="accent2"/>
       <a:schemeClr val="accent3"/>
       <a:schemeClr val="accent4"/>
       <a:schemeClr val="accent5"/>
       <a:schemeClr val="accent6"/>
-    </dgm:linClrLst>
-    <dgm:effectClrLst/>
-    <dgm:txLinClrLst/>
-    <dgm:txFillClrLst meth="repeat">
-      <a:schemeClr val="dk1"/>
-    </dgm:txFillClrLst>
+    </dgm:fillClrLst>
+    <dgm:linClrLst meth="cycle">
+      <a:schemeClr val="lt1"/>
+    </dgm:linClrLst>
+    <dgm:effectClrLst/>
+    <dgm:txLinClrLst/>
+    <dgm:txFillClrLst/>
     <dgm:txEffectClrLst/>
   </dgm:styleLbl>
   <dgm:styleLbl name="solidAlignAcc1">
@@ -8102,257 +8325,37 @@
     </dgm:txFillClrLst>
     <dgm:txEffectClrLst/>
   </dgm:styleLbl>
-  <dgm:styleLbl name="fgAccFollowNode1">
-    <dgm:fillClrLst meth="repeat">
-      <a:schemeClr val="accent2">
-        <a:tint val="40000"/>
-        <a:alpha val="90000"/>
-      </a:schemeClr>
-      <a:schemeClr val="accent3">
-        <a:tint val="40000"/>
-        <a:alpha val="90000"/>
-      </a:schemeClr>
-      <a:schemeClr val="accent4">
-        <a:tint val="40000"/>
-        <a:alpha val="90000"/>
-      </a:schemeClr>
-      <a:schemeClr val="accent5">
-        <a:tint val="40000"/>
-        <a:alpha val="90000"/>
-      </a:schemeClr>
-      <a:schemeClr val="accent6">
-        <a:tint val="40000"/>
-        <a:alpha val="90000"/>
-      </a:schemeClr>
-    </dgm:fillClrLst>
-    <dgm:linClrLst meth="repeat">
-      <a:schemeClr val="accent2">
-        <a:tint val="40000"/>
-        <a:alpha val="90000"/>
-      </a:schemeClr>
-      <a:schemeClr val="accent3">
-        <a:tint val="40000"/>
-        <a:alpha val="90000"/>
-      </a:schemeClr>
-      <a:schemeClr val="accent4">
-        <a:tint val="40000"/>
-        <a:alpha val="90000"/>
-      </a:schemeClr>
-      <a:schemeClr val="accent5">
-        <a:tint val="40000"/>
-        <a:alpha val="90000"/>
-      </a:schemeClr>
-      <a:schemeClr val="accent6">
-        <a:tint val="40000"/>
-        <a:alpha val="90000"/>
-      </a:schemeClr>
-    </dgm:linClrLst>
-    <dgm:effectClrLst/>
-    <dgm:txLinClrLst/>
-    <dgm:txFillClrLst meth="repeat">
-      <a:schemeClr val="dk1"/>
-    </dgm:txFillClrLst>
-    <dgm:txEffectClrLst/>
-  </dgm:styleLbl>
-  <dgm:styleLbl name="alignAccFollowNode1">
-    <dgm:fillClrLst meth="repeat">
-      <a:schemeClr val="accent2">
-        <a:tint val="40000"/>
-        <a:alpha val="90000"/>
-      </a:schemeClr>
-      <a:schemeClr val="accent3">
-        <a:tint val="40000"/>
-        <a:alpha val="90000"/>
-      </a:schemeClr>
-      <a:schemeClr val="accent4">
-        <a:tint val="40000"/>
-        <a:alpha val="90000"/>
-      </a:schemeClr>
-      <a:schemeClr val="accent5">
-        <a:tint val="40000"/>
-        <a:alpha val="90000"/>
-      </a:schemeClr>
-      <a:schemeClr val="accent6">
-        <a:tint val="40000"/>
-        <a:alpha val="90000"/>
-      </a:schemeClr>
-    </dgm:fillClrLst>
-    <dgm:linClrLst meth="repeat">
-      <a:schemeClr val="accent2">
-        <a:tint val="40000"/>
-        <a:alpha val="90000"/>
-      </a:schemeClr>
-      <a:schemeClr val="accent3">
-        <a:tint val="40000"/>
-        <a:alpha val="90000"/>
-      </a:schemeClr>
-      <a:schemeClr val="accent4">
-        <a:tint val="40000"/>
-        <a:alpha val="90000"/>
-      </a:schemeClr>
-      <a:schemeClr val="accent5">
-        <a:tint val="40000"/>
-        <a:alpha val="90000"/>
-      </a:schemeClr>
-      <a:schemeClr val="accent6">
-        <a:tint val="40000"/>
-        <a:alpha val="90000"/>
-      </a:schemeClr>
-    </dgm:linClrLst>
-    <dgm:effectClrLst/>
-    <dgm:txLinClrLst/>
-    <dgm:txFillClrLst meth="repeat">
-      <a:schemeClr val="dk1"/>
-    </dgm:txFillClrLst>
-    <dgm:txEffectClrLst/>
-  </dgm:styleLbl>
-  <dgm:styleLbl name="bgAccFollowNode1">
-    <dgm:fillClrLst meth="repeat">
-      <a:schemeClr val="accent2">
-        <a:tint val="40000"/>
-        <a:alpha val="90000"/>
-      </a:schemeClr>
-      <a:schemeClr val="accent3">
-        <a:tint val="40000"/>
-        <a:alpha val="90000"/>
-      </a:schemeClr>
-      <a:schemeClr val="accent4">
-        <a:tint val="40000"/>
-        <a:alpha val="90000"/>
-      </a:schemeClr>
-      <a:schemeClr val="accent5">
-        <a:tint val="40000"/>
-        <a:alpha val="90000"/>
-      </a:schemeClr>
-      <a:schemeClr val="accent6">
-        <a:tint val="40000"/>
-        <a:alpha val="90000"/>
-      </a:schemeClr>
-    </dgm:fillClrLst>
-    <dgm:linClrLst meth="repeat">
-      <a:schemeClr val="accent2">
-        <a:tint val="40000"/>
-        <a:alpha val="90000"/>
-      </a:schemeClr>
-      <a:schemeClr val="accent3">
-        <a:tint val="40000"/>
-        <a:alpha val="90000"/>
-      </a:schemeClr>
-      <a:schemeClr val="accent4">
-        <a:tint val="40000"/>
-        <a:alpha val="90000"/>
-      </a:schemeClr>
-      <a:schemeClr val="accent5">
-        <a:tint val="40000"/>
-        <a:alpha val="90000"/>
-      </a:schemeClr>
-      <a:schemeClr val="accent6">
-        <a:tint val="40000"/>
-        <a:alpha val="90000"/>
-      </a:schemeClr>
-    </dgm:linClrLst>
-    <dgm:effectClrLst/>
-    <dgm:txLinClrLst/>
-    <dgm:txFillClrLst meth="repeat">
-      <a:schemeClr val="dk1"/>
-    </dgm:txFillClrLst>
-    <dgm:txEffectClrLst/>
-  </dgm:styleLbl>
-  <dgm:styleLbl name="fgAcc0">
-    <dgm:fillClrLst meth="repeat">
-      <a:schemeClr val="lt1">
-        <a:alpha val="90000"/>
-      </a:schemeClr>
-    </dgm:fillClrLst>
-    <dgm:linClrLst>
-      <a:schemeClr val="accent1"/>
-    </dgm:linClrLst>
-    <dgm:effectClrLst/>
-    <dgm:txLinClrLst/>
-    <dgm:txFillClrLst meth="repeat">
-      <a:schemeClr val="dk1"/>
-    </dgm:txFillClrLst>
-    <dgm:txEffectClrLst/>
-  </dgm:styleLbl>
-  <dgm:styleLbl name="fgAcc2">
-    <dgm:fillClrLst meth="repeat">
-      <a:schemeClr val="lt1">
-        <a:alpha val="90000"/>
-      </a:schemeClr>
-    </dgm:fillClrLst>
-    <dgm:linClrLst>
-      <a:schemeClr val="accent2"/>
-    </dgm:linClrLst>
-    <dgm:effectClrLst/>
-    <dgm:txLinClrLst/>
-    <dgm:txFillClrLst meth="repeat">
-      <a:schemeClr val="dk1"/>
-    </dgm:txFillClrLst>
-    <dgm:txEffectClrLst/>
-  </dgm:styleLbl>
-  <dgm:styleLbl name="fgAcc3">
-    <dgm:fillClrLst meth="repeat">
-      <a:schemeClr val="lt1">
-        <a:alpha val="90000"/>
-      </a:schemeClr>
-    </dgm:fillClrLst>
-    <dgm:linClrLst>
-      <a:schemeClr val="accent3"/>
-    </dgm:linClrLst>
-    <dgm:effectClrLst/>
-    <dgm:txLinClrLst/>
-    <dgm:txFillClrLst meth="repeat">
-      <a:schemeClr val="dk1"/>
-    </dgm:txFillClrLst>
-    <dgm:txEffectClrLst/>
-  </dgm:styleLbl>
-  <dgm:styleLbl name="fgAcc4">
-    <dgm:fillClrLst meth="repeat">
-      <a:schemeClr val="lt1">
-        <a:alpha val="90000"/>
-      </a:schemeClr>
-    </dgm:fillClrLst>
-    <dgm:linClrLst>
-      <a:schemeClr val="accent4"/>
-    </dgm:linClrLst>
-    <dgm:effectClrLst/>
-    <dgm:txLinClrLst/>
-    <dgm:txFillClrLst meth="repeat">
-      <a:schemeClr val="dk1"/>
-    </dgm:txFillClrLst>
-    <dgm:txEffectClrLst/>
-  </dgm:styleLbl>
-  <dgm:styleLbl name="bgShp">
-    <dgm:fillClrLst meth="repeat">
+  <dgm:styleLbl name="solidFgAcc1">
+    <dgm:fillClrLst meth="repeat">
+      <a:schemeClr val="lt1"/>
+    </dgm:fillClrLst>
+    <dgm:linClrLst meth="repeat">
       <a:schemeClr val="accent2"/>
       <a:schemeClr val="accent3"/>
       <a:schemeClr val="accent4"/>
       <a:schemeClr val="accent5"/>
       <a:schemeClr val="accent6"/>
-    </dgm:fillClrLst>
-    <dgm:linClrLst meth="repeat">
+    </dgm:linClrLst>
+    <dgm:effectClrLst/>
+    <dgm:txLinClrLst/>
+    <dgm:txFillClrLst meth="repeat">
+      <a:schemeClr val="dk1"/>
+    </dgm:txFillClrLst>
+    <dgm:txEffectClrLst/>
+  </dgm:styleLbl>
+  <dgm:styleLbl name="trAlignAcc1">
+    <dgm:fillClrLst meth="repeat">
       <a:schemeClr val="lt1">
-        <a:alpha val="0"/>
-      </a:schemeClr>
-    </dgm:linClrLst>
-    <dgm:effectClrLst/>
-    <dgm:txLinClrLst/>
-    <dgm:txFillClrLst/>
-    <dgm:txEffectClrLst/>
-  </dgm:styleLbl>
-  <dgm:styleLbl name="dkBgShp">
-    <dgm:fillClrLst meth="repeat">
-      <a:schemeClr val="accent2">
-        <a:shade val="90000"/>
-      </a:schemeClr>
-    </dgm:fillClrLst>
-    <dgm:linClrLst meth="repeat">
+        <a:alpha val="40000"/>
+      </a:schemeClr>
+    </dgm:fillClrLst>
+    <dgm:linClrLst meth="repeat">
+      <a:schemeClr val="accent1"/>
+    </dgm:linClrLst>
+    <dgm:effectClrLst/>
+    <dgm:txLinClrLst/>
+    <dgm:txFillClrLst meth="repeat">
       <a:schemeClr val="dk1"/>
-    </dgm:linClrLst>
-    <dgm:effectClrLst/>
-    <dgm:txLinClrLst/>
-    <dgm:txFillClrLst meth="repeat">
-      <a:schemeClr val="lt1"/>
     </dgm:txFillClrLst>
     <dgm:txEffectClrLst/>
   </dgm:styleLbl>
@@ -8373,38 +8376,30 @@
     </dgm:txFillClrLst>
     <dgm:txEffectClrLst/>
   </dgm:styleLbl>
-  <dgm:styleLbl name="fgShp">
+  <dgm:styleLbl name="vennNode1">
     <dgm:fillClrLst meth="repeat">
       <a:schemeClr val="accent2">
-        <a:tint val="40000"/>
-      </a:schemeClr>
-    </dgm:fillClrLst>
-    <dgm:linClrLst meth="repeat">
-      <a:schemeClr val="lt1"/>
-    </dgm:linClrLst>
-    <dgm:effectClrLst/>
-    <dgm:txLinClrLst/>
-    <dgm:txFillClrLst meth="repeat">
-      <a:schemeClr val="dk1"/>
-    </dgm:txFillClrLst>
-    <dgm:txEffectClrLst/>
-  </dgm:styleLbl>
-  <dgm:styleLbl name="revTx">
-    <dgm:fillClrLst meth="repeat">
-      <a:schemeClr val="lt1">
-        <a:alpha val="0"/>
-      </a:schemeClr>
-    </dgm:fillClrLst>
-    <dgm:linClrLst meth="repeat">
-      <a:schemeClr val="dk1">
-        <a:alpha val="0"/>
-      </a:schemeClr>
-    </dgm:linClrLst>
-    <dgm:effectClrLst/>
-    <dgm:txLinClrLst/>
-    <dgm:txFillClrLst meth="repeat">
-      <a:schemeClr val="tx1"/>
-    </dgm:txFillClrLst>
+        <a:alpha val="50000"/>
+      </a:schemeClr>
+      <a:schemeClr val="accent3">
+        <a:alpha val="50000"/>
+      </a:schemeClr>
+      <a:schemeClr val="accent4">
+        <a:alpha val="50000"/>
+      </a:schemeClr>
+      <a:schemeClr val="accent5">
+        <a:alpha val="50000"/>
+      </a:schemeClr>
+      <a:schemeClr val="accent6">
+        <a:alpha val="50000"/>
+      </a:schemeClr>
+    </dgm:fillClrLst>
+    <dgm:linClrLst meth="repeat">
+      <a:schemeClr val="lt1"/>
+    </dgm:linClrLst>
+    <dgm:effectClrLst/>
+    <dgm:txLinClrLst/>
+    <dgm:txFillClrLst/>
     <dgm:txEffectClrLst/>
   </dgm:styleLbl>
 </dgm:colorsDef>
@@ -8443,7 +8438,7 @@
         </a:p>
       </dgm:t>
     </dgm:pt>
-    <dgm:pt modelId="{F4B56E81-EEE5-4B96-81DF-6B1E7FE5BA84}" type="parTrans" cxnId="{FEF2C952-E9A3-4DA4-B888-68E9F6B623A9}">
+    <dgm:pt modelId="{F4B56E81-EEE5-4B96-81DF-6B1E7FE5BA84}" cxnId="{FEF2C952-E9A3-4DA4-B888-68E9F6B623A9}" type="parTrans">
       <dgm:prSet/>
       <dgm:spPr/>
       <dgm:t>
@@ -8454,7 +8449,7 @@
         </a:p>
       </dgm:t>
     </dgm:pt>
-    <dgm:pt modelId="{9089E99B-B71F-42A0-99F7-894C7BC967E3}" type="sibTrans" cxnId="{FEF2C952-E9A3-4DA4-B888-68E9F6B623A9}">
+    <dgm:pt modelId="{9089E99B-B71F-42A0-99F7-894C7BC967E3}" cxnId="{FEF2C952-E9A3-4DA4-B888-68E9F6B623A9}" type="sibTrans">
       <dgm:prSet/>
       <dgm:spPr/>
       <dgm:t>
@@ -8541,7 +8536,7 @@
   <dgm:whole/>
   <dgm:extLst>
     <a:ext uri="http://schemas.microsoft.com/office/drawing/2008/diagram">
-      <dsp:dataModelExt xmlns:dsp="http://schemas.microsoft.com/office/drawing/2008/diagram" relId="rId6" minVer="http://schemas.openxmlformats.org/drawingml/2006/diagram"/>
+      <dsp:dataModelExt xmlns:dsp="http://schemas.microsoft.com/office/drawing/2008/diagram" relId="rId5" minVer="http://schemas.openxmlformats.org/drawingml/2006/diagram"/>
     </a:ext>
   </dgm:extLst>
 </dgm:dataModel>
@@ -8580,7 +8575,7 @@
         </a:p>
       </dgm:t>
     </dgm:pt>
-    <dgm:pt modelId="{F4B56E81-EEE5-4B96-81DF-6B1E7FE5BA84}" type="parTrans" cxnId="{FEF2C952-E9A3-4DA4-B888-68E9F6B623A9}">
+    <dgm:pt modelId="{F4B56E81-EEE5-4B96-81DF-6B1E7FE5BA84}" cxnId="{FEF2C952-E9A3-4DA4-B888-68E9F6B623A9}" type="parTrans">
       <dgm:prSet/>
       <dgm:spPr/>
       <dgm:t>
@@ -8591,7 +8586,7 @@
         </a:p>
       </dgm:t>
     </dgm:pt>
-    <dgm:pt modelId="{9089E99B-B71F-42A0-99F7-894C7BC967E3}" type="sibTrans" cxnId="{FEF2C952-E9A3-4DA4-B888-68E9F6B623A9}">
+    <dgm:pt modelId="{9089E99B-B71F-42A0-99F7-894C7BC967E3}" cxnId="{FEF2C952-E9A3-4DA4-B888-68E9F6B623A9}" type="sibTrans">
       <dgm:prSet/>
       <dgm:spPr/>
       <dgm:t>
@@ -8678,7 +8673,7 @@
   <dgm:whole/>
   <dgm:extLst>
     <a:ext uri="http://schemas.microsoft.com/office/drawing/2008/diagram">
-      <dsp:dataModelExt xmlns:dsp="http://schemas.microsoft.com/office/drawing/2008/diagram" relId="rId11" minVer="http://schemas.openxmlformats.org/drawingml/2006/diagram"/>
+      <dsp:dataModelExt xmlns:dsp="http://schemas.microsoft.com/office/drawing/2008/diagram" relId="rId10" minVer="http://schemas.openxmlformats.org/drawingml/2006/diagram"/>
     </a:ext>
   </dgm:extLst>
 </dgm:dataModel>
@@ -8717,7 +8712,7 @@
         </a:p>
       </dgm:t>
     </dgm:pt>
-    <dgm:pt modelId="{F4B56E81-EEE5-4B96-81DF-6B1E7FE5BA84}" type="parTrans" cxnId="{FEF2C952-E9A3-4DA4-B888-68E9F6B623A9}">
+    <dgm:pt modelId="{F4B56E81-EEE5-4B96-81DF-6B1E7FE5BA84}" cxnId="{FEF2C952-E9A3-4DA4-B888-68E9F6B623A9}" type="parTrans">
       <dgm:prSet/>
       <dgm:spPr/>
       <dgm:t>
@@ -8728,7 +8723,7 @@
         </a:p>
       </dgm:t>
     </dgm:pt>
-    <dgm:pt modelId="{9089E99B-B71F-42A0-99F7-894C7BC967E3}" type="sibTrans" cxnId="{FEF2C952-E9A3-4DA4-B888-68E9F6B623A9}">
+    <dgm:pt modelId="{9089E99B-B71F-42A0-99F7-894C7BC967E3}" cxnId="{FEF2C952-E9A3-4DA4-B888-68E9F6B623A9}" type="sibTrans">
       <dgm:prSet/>
       <dgm:spPr/>
       <dgm:t>
@@ -8815,7 +8810,7 @@
   <dgm:whole/>
   <dgm:extLst>
     <a:ext uri="http://schemas.microsoft.com/office/drawing/2008/diagram">
-      <dsp:dataModelExt xmlns:dsp="http://schemas.microsoft.com/office/drawing/2008/diagram" relId="rId16" minVer="http://schemas.openxmlformats.org/drawingml/2006/diagram"/>
+      <dsp:dataModelExt xmlns:dsp="http://schemas.microsoft.com/office/drawing/2008/diagram" relId="rId15" minVer="http://schemas.openxmlformats.org/drawingml/2006/diagram"/>
     </a:ext>
   </dgm:extLst>
 </dgm:dataModel>
@@ -8854,7 +8849,7 @@
         </a:p>
       </dgm:t>
     </dgm:pt>
-    <dgm:pt modelId="{F4B56E81-EEE5-4B96-81DF-6B1E7FE5BA84}" type="parTrans" cxnId="{FEF2C952-E9A3-4DA4-B888-68E9F6B623A9}">
+    <dgm:pt modelId="{F4B56E81-EEE5-4B96-81DF-6B1E7FE5BA84}" cxnId="{FEF2C952-E9A3-4DA4-B888-68E9F6B623A9}" type="parTrans">
       <dgm:prSet/>
       <dgm:spPr/>
       <dgm:t>
@@ -8865,7 +8860,7 @@
         </a:p>
       </dgm:t>
     </dgm:pt>
-    <dgm:pt modelId="{9089E99B-B71F-42A0-99F7-894C7BC967E3}" type="sibTrans" cxnId="{FEF2C952-E9A3-4DA4-B888-68E9F6B623A9}">
+    <dgm:pt modelId="{9089E99B-B71F-42A0-99F7-894C7BC967E3}" cxnId="{FEF2C952-E9A3-4DA4-B888-68E9F6B623A9}" type="sibTrans">
       <dgm:prSet/>
       <dgm:spPr/>
       <dgm:t>
@@ -8946,7 +8941,7 @@
   <dgm:whole/>
   <dgm:extLst>
     <a:ext uri="http://schemas.microsoft.com/office/drawing/2008/diagram">
-      <dsp:dataModelExt xmlns:dsp="http://schemas.microsoft.com/office/drawing/2008/diagram" relId="rId21" minVer="http://schemas.openxmlformats.org/drawingml/2006/diagram"/>
+      <dsp:dataModelExt xmlns:dsp="http://schemas.microsoft.com/office/drawing/2008/diagram" relId="rId20" minVer="http://schemas.openxmlformats.org/drawingml/2006/diagram"/>
     </a:ext>
   </dgm:extLst>
 </dgm:dataModel>
@@ -8985,7 +8980,7 @@
         </a:p>
       </dgm:t>
     </dgm:pt>
-    <dgm:pt modelId="{F4B56E81-EEE5-4B96-81DF-6B1E7FE5BA84}" type="parTrans" cxnId="{FEF2C952-E9A3-4DA4-B888-68E9F6B623A9}">
+    <dgm:pt modelId="{F4B56E81-EEE5-4B96-81DF-6B1E7FE5BA84}" cxnId="{FEF2C952-E9A3-4DA4-B888-68E9F6B623A9}" type="parTrans">
       <dgm:prSet/>
       <dgm:spPr/>
       <dgm:t>
@@ -8996,7 +8991,7 @@
         </a:p>
       </dgm:t>
     </dgm:pt>
-    <dgm:pt modelId="{9089E99B-B71F-42A0-99F7-894C7BC967E3}" type="sibTrans" cxnId="{FEF2C952-E9A3-4DA4-B888-68E9F6B623A9}">
+    <dgm:pt modelId="{9089E99B-B71F-42A0-99F7-894C7BC967E3}" cxnId="{FEF2C952-E9A3-4DA4-B888-68E9F6B623A9}" type="sibTrans">
       <dgm:prSet/>
       <dgm:spPr/>
       <dgm:t>
@@ -9083,7 +9078,7 @@
   <dgm:whole/>
   <dgm:extLst>
     <a:ext uri="http://schemas.microsoft.com/office/drawing/2008/diagram">
-      <dsp:dataModelExt xmlns:dsp="http://schemas.microsoft.com/office/drawing/2008/diagram" relId="rId6" minVer="http://schemas.openxmlformats.org/drawingml/2006/diagram"/>
+      <dsp:dataModelExt xmlns:dsp="http://schemas.microsoft.com/office/drawing/2008/diagram" relId="rId5" minVer="http://schemas.openxmlformats.org/drawingml/2006/diagram"/>
     </a:ext>
   </dgm:extLst>
 </dgm:dataModel>
@@ -9122,7 +9117,7 @@
         </a:p>
       </dgm:t>
     </dgm:pt>
-    <dgm:pt modelId="{F4B56E81-EEE5-4B96-81DF-6B1E7FE5BA84}" type="parTrans" cxnId="{FEF2C952-E9A3-4DA4-B888-68E9F6B623A9}">
+    <dgm:pt modelId="{F4B56E81-EEE5-4B96-81DF-6B1E7FE5BA84}" cxnId="{FEF2C952-E9A3-4DA4-B888-68E9F6B623A9}" type="parTrans">
       <dgm:prSet/>
       <dgm:spPr/>
       <dgm:t>
@@ -9133,7 +9128,7 @@
         </a:p>
       </dgm:t>
     </dgm:pt>
-    <dgm:pt modelId="{9089E99B-B71F-42A0-99F7-894C7BC967E3}" type="sibTrans" cxnId="{FEF2C952-E9A3-4DA4-B888-68E9F6B623A9}">
+    <dgm:pt modelId="{9089E99B-B71F-42A0-99F7-894C7BC967E3}" cxnId="{FEF2C952-E9A3-4DA4-B888-68E9F6B623A9}" type="sibTrans">
       <dgm:prSet/>
       <dgm:spPr/>
       <dgm:t>
@@ -9220,7 +9215,7 @@
   <dgm:whole/>
   <dgm:extLst>
     <a:ext uri="http://schemas.microsoft.com/office/drawing/2008/diagram">
-      <dsp:dataModelExt xmlns:dsp="http://schemas.microsoft.com/office/drawing/2008/diagram" relId="rId11" minVer="http://schemas.openxmlformats.org/drawingml/2006/diagram"/>
+      <dsp:dataModelExt xmlns:dsp="http://schemas.microsoft.com/office/drawing/2008/diagram" relId="rId10" minVer="http://schemas.openxmlformats.org/drawingml/2006/diagram"/>
     </a:ext>
   </dgm:extLst>
 </dgm:dataModel>
@@ -9259,7 +9254,7 @@
         </a:p>
       </dgm:t>
     </dgm:pt>
-    <dgm:pt modelId="{F4B56E81-EEE5-4B96-81DF-6B1E7FE5BA84}" type="parTrans" cxnId="{FEF2C952-E9A3-4DA4-B888-68E9F6B623A9}">
+    <dgm:pt modelId="{F4B56E81-EEE5-4B96-81DF-6B1E7FE5BA84}" cxnId="{FEF2C952-E9A3-4DA4-B888-68E9F6B623A9}" type="parTrans">
       <dgm:prSet/>
       <dgm:spPr/>
       <dgm:t>
@@ -9270,7 +9265,7 @@
         </a:p>
       </dgm:t>
     </dgm:pt>
-    <dgm:pt modelId="{9089E99B-B71F-42A0-99F7-894C7BC967E3}" type="sibTrans" cxnId="{FEF2C952-E9A3-4DA4-B888-68E9F6B623A9}">
+    <dgm:pt modelId="{9089E99B-B71F-42A0-99F7-894C7BC967E3}" cxnId="{FEF2C952-E9A3-4DA4-B888-68E9F6B623A9}" type="sibTrans">
       <dgm:prSet/>
       <dgm:spPr/>
       <dgm:t>
@@ -9357,7 +9352,7 @@
   <dgm:whole/>
   <dgm:extLst>
     <a:ext uri="http://schemas.microsoft.com/office/drawing/2008/diagram">
-      <dsp:dataModelExt xmlns:dsp="http://schemas.microsoft.com/office/drawing/2008/diagram" relId="rId16" minVer="http://schemas.openxmlformats.org/drawingml/2006/diagram"/>
+      <dsp:dataModelExt xmlns:dsp="http://schemas.microsoft.com/office/drawing/2008/diagram" relId="rId15" minVer="http://schemas.openxmlformats.org/drawingml/2006/diagram"/>
     </a:ext>
   </dgm:extLst>
 </dgm:dataModel>
@@ -9396,7 +9391,7 @@
         </a:p>
       </dgm:t>
     </dgm:pt>
-    <dgm:pt modelId="{F4B56E81-EEE5-4B96-81DF-6B1E7FE5BA84}" type="parTrans" cxnId="{FEF2C952-E9A3-4DA4-B888-68E9F6B623A9}">
+    <dgm:pt modelId="{F4B56E81-EEE5-4B96-81DF-6B1E7FE5BA84}" cxnId="{FEF2C952-E9A3-4DA4-B888-68E9F6B623A9}" type="parTrans">
       <dgm:prSet/>
       <dgm:spPr/>
       <dgm:t>
@@ -9407,7 +9402,7 @@
         </a:p>
       </dgm:t>
     </dgm:pt>
-    <dgm:pt modelId="{9089E99B-B71F-42A0-99F7-894C7BC967E3}" type="sibTrans" cxnId="{FEF2C952-E9A3-4DA4-B888-68E9F6B623A9}">
+    <dgm:pt modelId="{9089E99B-B71F-42A0-99F7-894C7BC967E3}" cxnId="{FEF2C952-E9A3-4DA4-B888-68E9F6B623A9}" type="sibTrans">
       <dgm:prSet/>
       <dgm:spPr/>
       <dgm:t>
@@ -9494,7 +9489,7 @@
   <dgm:whole/>
   <dgm:extLst>
     <a:ext uri="http://schemas.microsoft.com/office/drawing/2008/diagram">
-      <dsp:dataModelExt xmlns:dsp="http://schemas.microsoft.com/office/drawing/2008/diagram" relId="rId21" minVer="http://schemas.openxmlformats.org/drawingml/2006/diagram"/>
+      <dsp:dataModelExt xmlns:dsp="http://schemas.microsoft.com/office/drawing/2008/diagram" relId="rId20" minVer="http://schemas.openxmlformats.org/drawingml/2006/diagram"/>
     </a:ext>
   </dgm:extLst>
 </dgm:dataModel>
@@ -9521,9 +9516,6 @@
         <a:bodyPr/>
         <a:lstStyle/>
         <a:p>
-          <a:pPr>
-            <a:defRPr cap="all"/>
-          </a:pPr>
           <a:r>
             <a:rPr lang="pt-BR"/>
             <a:t>Melhorar a experiência do jogador</a:t>
@@ -9532,7 +9524,7 @@
         </a:p>
       </dgm:t>
     </dgm:pt>
-    <dgm:pt modelId="{801A90B8-77FF-4EA1-B7B6-0EF45EB4DBC9}" type="parTrans" cxnId="{3F59E841-F107-449D-B921-93BEDA6311D6}">
+    <dgm:pt modelId="{801A90B8-77FF-4EA1-B7B6-0EF45EB4DBC9}" cxnId="{3F59E841-F107-449D-B921-93BEDA6311D6}" type="parTrans">
       <dgm:prSet/>
       <dgm:spPr/>
       <dgm:t>
@@ -9543,7 +9535,7 @@
         </a:p>
       </dgm:t>
     </dgm:pt>
-    <dgm:pt modelId="{A837573D-A8B0-4313-86B5-96D364DE8845}" type="sibTrans" cxnId="{3F59E841-F107-449D-B921-93BEDA6311D6}">
+    <dgm:pt modelId="{A837573D-A8B0-4313-86B5-96D364DE8845}" cxnId="{3F59E841-F107-449D-B921-93BEDA6311D6}" type="sibTrans">
       <dgm:prSet/>
       <dgm:spPr/>
       <dgm:t>
@@ -9561,9 +9553,6 @@
         <a:bodyPr/>
         <a:lstStyle/>
         <a:p>
-          <a:pPr>
-            <a:defRPr cap="all"/>
-          </a:pPr>
           <a:r>
             <a:rPr lang="pt-BR"/>
             <a:t>Facilitar a criação de times</a:t>
@@ -9572,7 +9561,7 @@
         </a:p>
       </dgm:t>
     </dgm:pt>
-    <dgm:pt modelId="{EF7BD531-B81F-4B23-9397-9063B4283B37}" type="parTrans" cxnId="{19EC575D-20BF-4838-BB68-8667BCF050FF}">
+    <dgm:pt modelId="{EF7BD531-B81F-4B23-9397-9063B4283B37}" cxnId="{19EC575D-20BF-4838-BB68-8667BCF050FF}" type="parTrans">
       <dgm:prSet/>
       <dgm:spPr/>
       <dgm:t>
@@ -9583,7 +9572,7 @@
         </a:p>
       </dgm:t>
     </dgm:pt>
-    <dgm:pt modelId="{D77DA416-4E03-4821-A3F6-2A4561439AD1}" type="sibTrans" cxnId="{19EC575D-20BF-4838-BB68-8667BCF050FF}">
+    <dgm:pt modelId="{D77DA416-4E03-4821-A3F6-2A4561439AD1}" cxnId="{19EC575D-20BF-4838-BB68-8667BCF050FF}" type="sibTrans">
       <dgm:prSet/>
       <dgm:spPr/>
       <dgm:t>
@@ -9601,9 +9590,6 @@
         <a:bodyPr/>
         <a:lstStyle/>
         <a:p>
-          <a:pPr>
-            <a:defRPr cap="all"/>
-          </a:pPr>
           <a:r>
             <a:rPr lang="pt-BR"/>
             <a:t>Rapidez na procura de jogadores</a:t>
@@ -9612,7 +9598,7 @@
         </a:p>
       </dgm:t>
     </dgm:pt>
-    <dgm:pt modelId="{AE539A5D-CBEF-487B-8CCD-7FD64A0A71F7}" type="parTrans" cxnId="{0C43460F-8381-40FC-B7DB-1B093D8155A5}">
+    <dgm:pt modelId="{AE539A5D-CBEF-487B-8CCD-7FD64A0A71F7}" cxnId="{0C43460F-8381-40FC-B7DB-1B093D8155A5}" type="parTrans">
       <dgm:prSet/>
       <dgm:spPr/>
       <dgm:t>
@@ -9623,7 +9609,7 @@
         </a:p>
       </dgm:t>
     </dgm:pt>
-    <dgm:pt modelId="{8BBE21ED-0009-4536-A79E-5C1F4735C33A}" type="sibTrans" cxnId="{0C43460F-8381-40FC-B7DB-1B093D8155A5}">
+    <dgm:pt modelId="{8BBE21ED-0009-4536-A79E-5C1F4735C33A}" cxnId="{0C43460F-8381-40FC-B7DB-1B093D8155A5}" type="sibTrans">
       <dgm:prSet/>
       <dgm:spPr/>
       <dgm:t>
@@ -9641,9 +9627,6 @@
         <a:bodyPr/>
         <a:lstStyle/>
         <a:p>
-          <a:pPr>
-            <a:defRPr cap="all"/>
-          </a:pPr>
           <a:r>
             <a:rPr lang="pt-BR"/>
             <a:t>Agregar valor e cooperar para o crescimento deste mercado</a:t>
@@ -9652,7 +9635,7 @@
         </a:p>
       </dgm:t>
     </dgm:pt>
-    <dgm:pt modelId="{9CD62E13-14B2-4B05-8D17-0DB37DBA8AE0}" type="parTrans" cxnId="{ADEA4D6E-B504-4D1B-A152-22D75B87F758}">
+    <dgm:pt modelId="{9CD62E13-14B2-4B05-8D17-0DB37DBA8AE0}" cxnId="{ADEA4D6E-B504-4D1B-A152-22D75B87F758}" type="parTrans">
       <dgm:prSet/>
       <dgm:spPr/>
       <dgm:t>
@@ -9663,7 +9646,7 @@
         </a:p>
       </dgm:t>
     </dgm:pt>
-    <dgm:pt modelId="{F9BB371D-FCDF-445A-86CA-A493755330D4}" type="sibTrans" cxnId="{ADEA4D6E-B504-4D1B-A152-22D75B87F758}">
+    <dgm:pt modelId="{F9BB371D-FCDF-445A-86CA-A493755330D4}" cxnId="{ADEA4D6E-B504-4D1B-A152-22D75B87F758}" type="sibTrans">
       <dgm:prSet/>
       <dgm:spPr/>
       <dgm:t>
@@ -9911,11 +9894,6 @@
           <a:noFill/>
         </a:ln>
       </dgm:spPr>
-      <dgm:extLst>
-        <a:ext uri="{E40237B7-FDA0-4F09-8148-C483321AD2D9}">
-          <dgm14:cNvPr xmlns:dgm14="http://schemas.microsoft.com/office/drawing/2010/diagram" id="0" name="" descr="Bar Graph with Upward Trend"/>
-        </a:ext>
-      </dgm:extLst>
     </dgm:pt>
     <dgm:pt modelId="{FDEBEF9B-0380-43DB-BFB9-0B2311081831}" type="pres">
       <dgm:prSet presAssocID="{34EE55A2-4FBB-4E59-90BE-7520FAE172BE}" presName="spaceRect" presStyleCnt="0"/>
@@ -9969,7 +9947,7 @@
   <dgm:whole/>
   <dgm:extLst>
     <a:ext uri="http://schemas.microsoft.com/office/drawing/2008/diagram">
-      <dsp:dataModelExt xmlns:dsp="http://schemas.microsoft.com/office/drawing/2008/diagram" relId="rId6" minVer="http://schemas.openxmlformats.org/drawingml/2006/diagram"/>
+      <dsp:dataModelExt xmlns:dsp="http://schemas.microsoft.com/office/drawing/2008/diagram" relId="rId5" minVer="http://schemas.openxmlformats.org/drawingml/2006/diagram"/>
     </a:ext>
   </dgm:extLst>
 </dgm:dataModel>
@@ -13499,22 +13477,22 @@
     <dgm:choose name="Name0">
       <dgm:if name="Name1" axis="self" func="var" arg="dir" op="equ" val="norm">
         <dgm:alg type="snake">
+          <dgm:param type="off" val="ctr"/>
+          <dgm:param type="contDir" val="sameDir"/>
           <dgm:param type="grDir" val="tL"/>
           <dgm:param type="flowDir" val="row"/>
-          <dgm:param type="contDir" val="sameDir"/>
-          <dgm:param type="off" val="ctr"/>
+          <dgm:param type="horzAlign" val="ctr"/>
           <dgm:param type="vertAlign" val="mid"/>
-          <dgm:param type="horzAlign" val="ctr"/>
         </dgm:alg>
       </dgm:if>
       <dgm:else name="Name2">
         <dgm:alg type="snake">
+          <dgm:param type="off" val="ctr"/>
+          <dgm:param type="contDir" val="sameDir"/>
           <dgm:param type="grDir" val="tR"/>
           <dgm:param type="flowDir" val="row"/>
-          <dgm:param type="contDir" val="sameDir"/>
-          <dgm:param type="off" val="ctr"/>
+          <dgm:param type="horzAlign" val="ctr"/>
           <dgm:param type="vertAlign" val="mid"/>
-          <dgm:param type="horzAlign" val="ctr"/>
         </dgm:alg>
       </dgm:else>
     </dgm:choose>
@@ -13663,18 +13641,6 @@
       </dgm:forEach>
     </dgm:forEach>
   </dgm:layoutNode>
-  <dgm:extLst>
-    <a:ext uri="{68A01E43-0DF5-4B5B-8FA6-DAF915123BFB}">
-      <dgm1612:lstStyle xmlns:dgm1612="http://schemas.microsoft.com/office/drawing/2016/12/diagram">
-        <a:lvl1pPr>
-          <a:lnSpc>
-            <a:spcPct val="100000"/>
-          </a:lnSpc>
-          <a:defRPr cap="all"/>
-        </a:lvl1pPr>
-      </dgm1612:lstStyle>
-    </a:ext>
-  </dgm:extLst>
 </dgm:layoutDef>
 </file>
 
@@ -13694,7 +13660,6 @@
       <a:camera prst="orthographicFront"/>
       <a:lightRig rig="threePt" dir="t"/>
     </dgm:scene3d>
-    <dgm:sp3d/>
     <dgm:txPr/>
     <dgm:style>
       <a:lnRef idx="2">
@@ -13714,7 +13679,6 @@
       <a:camera prst="orthographicFront"/>
       <a:lightRig rig="threePt" dir="t"/>
     </dgm:scene3d>
-    <dgm:sp3d/>
     <dgm:txPr/>
     <dgm:style>
       <a:lnRef idx="2">
@@ -13734,7 +13698,6 @@
       <a:camera prst="orthographicFront"/>
       <a:lightRig rig="threePt" dir="t"/>
     </dgm:scene3d>
-    <dgm:sp3d/>
     <dgm:txPr/>
     <dgm:style>
       <a:lnRef idx="2">
@@ -13754,7 +13717,6 @@
       <a:camera prst="orthographicFront"/>
       <a:lightRig rig="threePt" dir="t"/>
     </dgm:scene3d>
-    <dgm:sp3d/>
     <dgm:txPr/>
     <dgm:style>
       <a:lnRef idx="2">
@@ -13776,7 +13738,6 @@
       <a:camera prst="orthographicFront"/>
       <a:lightRig rig="threePt" dir="t"/>
     </dgm:scene3d>
-    <dgm:sp3d/>
     <dgm:txPr/>
     <dgm:style>
       <a:lnRef idx="2">
@@ -13798,7 +13759,6 @@
       <a:camera prst="orthographicFront"/>
       <a:lightRig rig="threePt" dir="t"/>
     </dgm:scene3d>
-    <dgm:sp3d/>
     <dgm:txPr/>
     <dgm:style>
       <a:lnRef idx="2">
@@ -13820,7 +13780,6 @@
       <a:camera prst="orthographicFront"/>
       <a:lightRig rig="threePt" dir="t"/>
     </dgm:scene3d>
-    <dgm:sp3d/>
     <dgm:txPr/>
     <dgm:style>
       <a:lnRef idx="2">
@@ -13842,7 +13801,6 @@
       <a:camera prst="orthographicFront"/>
       <a:lightRig rig="threePt" dir="t"/>
     </dgm:scene3d>
-    <dgm:sp3d/>
     <dgm:txPr/>
     <dgm:style>
       <a:lnRef idx="2">
@@ -13864,7 +13822,6 @@
       <a:camera prst="orthographicFront"/>
       <a:lightRig rig="threePt" dir="t"/>
     </dgm:scene3d>
-    <dgm:sp3d/>
     <dgm:txPr/>
     <dgm:style>
       <a:lnRef idx="2">
@@ -13886,7 +13843,6 @@
       <a:camera prst="orthographicFront"/>
       <a:lightRig rig="threePt" dir="t"/>
     </dgm:scene3d>
-    <dgm:sp3d/>
     <dgm:txPr/>
     <dgm:style>
       <a:lnRef idx="2">
@@ -13906,7 +13862,6 @@
       <a:camera prst="orthographicFront"/>
       <a:lightRig rig="threePt" dir="t"/>
     </dgm:scene3d>
-    <dgm:sp3d/>
     <dgm:txPr/>
     <dgm:style>
       <a:lnRef idx="2">
@@ -13926,7 +13881,6 @@
       <a:camera prst="orthographicFront"/>
       <a:lightRig rig="threePt" dir="t"/>
     </dgm:scene3d>
-    <dgm:sp3d/>
     <dgm:txPr/>
     <dgm:style>
       <a:lnRef idx="2">
@@ -13946,7 +13900,6 @@
       <a:camera prst="orthographicFront"/>
       <a:lightRig rig="threePt" dir="t"/>
     </dgm:scene3d>
-    <dgm:sp3d/>
     <dgm:txPr/>
     <dgm:style>
       <a:lnRef idx="0">
@@ -13966,7 +13919,6 @@
       <a:camera prst="orthographicFront"/>
       <a:lightRig rig="threePt" dir="t"/>
     </dgm:scene3d>
-    <dgm:sp3d/>
     <dgm:txPr/>
     <dgm:style>
       <a:lnRef idx="0">
@@ -13988,7 +13940,6 @@
       <a:camera prst="orthographicFront"/>
       <a:lightRig rig="threePt" dir="t"/>
     </dgm:scene3d>
-    <dgm:sp3d/>
     <dgm:txPr/>
     <dgm:style>
       <a:lnRef idx="2">
@@ -14008,7 +13959,6 @@
       <a:camera prst="orthographicFront"/>
       <a:lightRig rig="threePt" dir="t"/>
     </dgm:scene3d>
-    <dgm:sp3d/>
     <dgm:txPr/>
     <dgm:style>
       <a:lnRef idx="2">
@@ -14028,7 +13978,6 @@
       <a:camera prst="orthographicFront"/>
       <a:lightRig rig="threePt" dir="t"/>
     </dgm:scene3d>
-    <dgm:sp3d/>
     <dgm:txPr/>
     <dgm:style>
       <a:lnRef idx="0">
@@ -14048,7 +13997,6 @@
       <a:camera prst="orthographicFront"/>
       <a:lightRig rig="threePt" dir="t"/>
     </dgm:scene3d>
-    <dgm:sp3d/>
     <dgm:txPr/>
     <dgm:style>
       <a:lnRef idx="2">
@@ -14068,7 +14016,6 @@
       <a:camera prst="orthographicFront"/>
       <a:lightRig rig="threePt" dir="t"/>
     </dgm:scene3d>
-    <dgm:sp3d/>
     <dgm:txPr/>
     <dgm:style>
       <a:lnRef idx="2">
@@ -14088,7 +14035,6 @@
       <a:camera prst="orthographicFront"/>
       <a:lightRig rig="threePt" dir="t"/>
     </dgm:scene3d>
-    <dgm:sp3d/>
     <dgm:txPr/>
     <dgm:style>
       <a:lnRef idx="2">
@@ -14108,7 +14054,6 @@
       <a:camera prst="orthographicFront"/>
       <a:lightRig rig="threePt" dir="t"/>
     </dgm:scene3d>
-    <dgm:sp3d/>
     <dgm:txPr/>
     <dgm:style>
       <a:lnRef idx="2">
@@ -14128,7 +14073,6 @@
       <a:camera prst="orthographicFront"/>
       <a:lightRig rig="threePt" dir="t"/>
     </dgm:scene3d>
-    <dgm:sp3d/>
     <dgm:txPr/>
     <dgm:style>
       <a:lnRef idx="2">
@@ -14148,7 +14092,6 @@
       <a:camera prst="orthographicFront"/>
       <a:lightRig rig="threePt" dir="t"/>
     </dgm:scene3d>
-    <dgm:sp3d/>
     <dgm:txPr/>
     <dgm:style>
       <a:lnRef idx="2">
@@ -14168,7 +14111,6 @@
       <a:camera prst="orthographicFront"/>
       <a:lightRig rig="threePt" dir="t"/>
     </dgm:scene3d>
-    <dgm:sp3d/>
     <dgm:txPr/>
     <dgm:style>
       <a:lnRef idx="2">
@@ -14188,7 +14130,6 @@
       <a:camera prst="orthographicFront"/>
       <a:lightRig rig="threePt" dir="t"/>
     </dgm:scene3d>
-    <dgm:sp3d/>
     <dgm:txPr/>
     <dgm:style>
       <a:lnRef idx="2">
@@ -14208,7 +14149,6 @@
       <a:camera prst="orthographicFront"/>
       <a:lightRig rig="threePt" dir="t"/>
     </dgm:scene3d>
-    <dgm:sp3d/>
     <dgm:txPr/>
     <dgm:style>
       <a:lnRef idx="0">
@@ -14230,7 +14170,6 @@
       <a:camera prst="orthographicFront"/>
       <a:lightRig rig="threePt" dir="t"/>
     </dgm:scene3d>
-    <dgm:sp3d/>
     <dgm:txPr/>
     <dgm:style>
       <a:lnRef idx="2">
@@ -14252,7 +14191,6 @@
       <a:camera prst="orthographicFront"/>
       <a:lightRig rig="threePt" dir="t"/>
     </dgm:scene3d>
-    <dgm:sp3d/>
     <dgm:txPr/>
     <dgm:style>
       <a:lnRef idx="2">
@@ -14274,7 +14212,6 @@
       <a:camera prst="orthographicFront"/>
       <a:lightRig rig="threePt" dir="t"/>
     </dgm:scene3d>
-    <dgm:sp3d/>
     <dgm:txPr/>
     <dgm:style>
       <a:lnRef idx="2">
@@ -14296,7 +14233,6 @@
       <a:camera prst="orthographicFront"/>
       <a:lightRig rig="threePt" dir="t"/>
     </dgm:scene3d>
-    <dgm:sp3d/>
     <dgm:txPr/>
     <dgm:style>
       <a:lnRef idx="2">
@@ -14318,7 +14254,6 @@
       <a:camera prst="orthographicFront"/>
       <a:lightRig rig="threePt" dir="t"/>
     </dgm:scene3d>
-    <dgm:sp3d/>
     <dgm:txPr/>
     <dgm:style>
       <a:lnRef idx="2">
@@ -14340,7 +14275,6 @@
       <a:camera prst="orthographicFront"/>
       <a:lightRig rig="threePt" dir="t"/>
     </dgm:scene3d>
-    <dgm:sp3d/>
     <dgm:txPr/>
     <dgm:style>
       <a:lnRef idx="2">
@@ -14362,7 +14296,6 @@
       <a:camera prst="orthographicFront"/>
       <a:lightRig rig="threePt" dir="t"/>
     </dgm:scene3d>
-    <dgm:sp3d/>
     <dgm:txPr/>
     <dgm:style>
       <a:lnRef idx="2">
@@ -14382,7 +14315,6 @@
       <a:camera prst="orthographicFront"/>
       <a:lightRig rig="threePt" dir="t"/>
     </dgm:scene3d>
-    <dgm:sp3d/>
     <dgm:txPr/>
     <dgm:style>
       <a:lnRef idx="2">
@@ -14402,7 +14334,6 @@
       <a:camera prst="orthographicFront"/>
       <a:lightRig rig="threePt" dir="t"/>
     </dgm:scene3d>
-    <dgm:sp3d/>
     <dgm:txPr/>
     <dgm:style>
       <a:lnRef idx="2">
@@ -14422,7 +14353,6 @@
       <a:camera prst="orthographicFront"/>
       <a:lightRig rig="threePt" dir="t"/>
     </dgm:scene3d>
-    <dgm:sp3d/>
     <dgm:txPr/>
     <dgm:style>
       <a:lnRef idx="2">
@@ -14442,7 +14372,6 @@
       <a:camera prst="orthographicFront"/>
       <a:lightRig rig="threePt" dir="t"/>
     </dgm:scene3d>
-    <dgm:sp3d/>
     <dgm:txPr/>
     <dgm:style>
       <a:lnRef idx="2">
@@ -14464,7 +14393,6 @@
       <a:camera prst="orthographicFront"/>
       <a:lightRig rig="threePt" dir="t"/>
     </dgm:scene3d>
-    <dgm:sp3d/>
     <dgm:txPr/>
     <dgm:style>
       <a:lnRef idx="2">
@@ -14486,7 +14414,6 @@
       <a:camera prst="orthographicFront"/>
       <a:lightRig rig="threePt" dir="t"/>
     </dgm:scene3d>
-    <dgm:sp3d/>
     <dgm:txPr/>
     <dgm:style>
       <a:lnRef idx="2">
@@ -14508,7 +14435,6 @@
       <a:camera prst="orthographicFront"/>
       <a:lightRig rig="threePt" dir="t"/>
     </dgm:scene3d>
-    <dgm:sp3d/>
     <dgm:txPr/>
     <dgm:style>
       <a:lnRef idx="2">
@@ -14530,7 +14456,6 @@
       <a:camera prst="orthographicFront"/>
       <a:lightRig rig="threePt" dir="t"/>
     </dgm:scene3d>
-    <dgm:sp3d/>
     <dgm:txPr/>
     <dgm:style>
       <a:lnRef idx="0">
@@ -14550,7 +14475,6 @@
       <a:camera prst="orthographicFront"/>
       <a:lightRig rig="threePt" dir="t"/>
     </dgm:scene3d>
-    <dgm:sp3d/>
     <dgm:txPr/>
     <dgm:style>
       <a:lnRef idx="1">
@@ -14570,7 +14494,6 @@
       <a:camera prst="orthographicFront"/>
       <a:lightRig rig="threePt" dir="t"/>
     </dgm:scene3d>
-    <dgm:sp3d/>
     <dgm:txPr/>
     <dgm:style>
       <a:lnRef idx="0">
@@ -14592,7 +14515,6 @@
       <a:camera prst="orthographicFront"/>
       <a:lightRig rig="threePt" dir="t"/>
     </dgm:scene3d>
-    <dgm:sp3d/>
     <dgm:txPr/>
     <dgm:style>
       <a:lnRef idx="2">
@@ -14612,7 +14534,6 @@
       <a:camera prst="orthographicFront"/>
       <a:lightRig rig="threePt" dir="t"/>
     </dgm:scene3d>
-    <dgm:sp3d/>
     <dgm:txPr/>
     <dgm:style>
       <a:lnRef idx="2">
@@ -14632,7 +14553,6 @@
       <a:camera prst="orthographicFront"/>
       <a:lightRig rig="threePt" dir="t"/>
     </dgm:scene3d>
-    <dgm:sp3d/>
     <dgm:txPr/>
     <dgm:style>
       <a:lnRef idx="2">
@@ -14652,7 +14572,6 @@
       <a:camera prst="orthographicFront"/>
       <a:lightRig rig="threePt" dir="t"/>
     </dgm:scene3d>
-    <dgm:sp3d/>
     <dgm:txPr/>
     <dgm:style>
       <a:lnRef idx="1">
@@ -14672,7 +14591,6 @@
       <a:camera prst="orthographicFront"/>
       <a:lightRig rig="threePt" dir="t"/>
     </dgm:scene3d>
-    <dgm:sp3d/>
     <dgm:txPr/>
     <dgm:style>
       <a:lnRef idx="0">
@@ -14692,7 +14610,6 @@
       <a:camera prst="orthographicFront"/>
       <a:lightRig rig="threePt" dir="t"/>
     </dgm:scene3d>
-    <dgm:sp3d/>
     <dgm:txPr/>
     <dgm:style>
       <a:lnRef idx="2">
@@ -14728,7 +14645,6 @@
       <a:camera prst="orthographicFront"/>
       <a:lightRig rig="threePt" dir="t"/>
     </dgm:scene3d>
-    <dgm:sp3d/>
     <dgm:txPr/>
     <dgm:style>
       <a:lnRef idx="2">
@@ -14748,7 +14664,6 @@
       <a:camera prst="orthographicFront"/>
       <a:lightRig rig="threePt" dir="t"/>
     </dgm:scene3d>
-    <dgm:sp3d/>
     <dgm:txPr/>
     <dgm:style>
       <a:lnRef idx="2">
@@ -14768,7 +14683,6 @@
       <a:camera prst="orthographicFront"/>
       <a:lightRig rig="threePt" dir="t"/>
     </dgm:scene3d>
-    <dgm:sp3d/>
     <dgm:txPr/>
     <dgm:style>
       <a:lnRef idx="2">
@@ -14788,7 +14702,6 @@
       <a:camera prst="orthographicFront"/>
       <a:lightRig rig="threePt" dir="t"/>
     </dgm:scene3d>
-    <dgm:sp3d/>
     <dgm:txPr/>
     <dgm:style>
       <a:lnRef idx="2">
@@ -14810,7 +14723,6 @@
       <a:camera prst="orthographicFront"/>
       <a:lightRig rig="threePt" dir="t"/>
     </dgm:scene3d>
-    <dgm:sp3d/>
     <dgm:txPr/>
     <dgm:style>
       <a:lnRef idx="2">
@@ -14832,7 +14744,6 @@
       <a:camera prst="orthographicFront"/>
       <a:lightRig rig="threePt" dir="t"/>
     </dgm:scene3d>
-    <dgm:sp3d/>
     <dgm:txPr/>
     <dgm:style>
       <a:lnRef idx="2">
@@ -14854,7 +14765,6 @@
       <a:camera prst="orthographicFront"/>
       <a:lightRig rig="threePt" dir="t"/>
     </dgm:scene3d>
-    <dgm:sp3d/>
     <dgm:txPr/>
     <dgm:style>
       <a:lnRef idx="2">
@@ -14876,7 +14786,6 @@
       <a:camera prst="orthographicFront"/>
       <a:lightRig rig="threePt" dir="t"/>
     </dgm:scene3d>
-    <dgm:sp3d/>
     <dgm:txPr/>
     <dgm:style>
       <a:lnRef idx="2">
@@ -14898,7 +14807,6 @@
       <a:camera prst="orthographicFront"/>
       <a:lightRig rig="threePt" dir="t"/>
     </dgm:scene3d>
-    <dgm:sp3d/>
     <dgm:txPr/>
     <dgm:style>
       <a:lnRef idx="2">
@@ -14920,7 +14828,6 @@
       <a:camera prst="orthographicFront"/>
       <a:lightRig rig="threePt" dir="t"/>
     </dgm:scene3d>
-    <dgm:sp3d/>
     <dgm:txPr/>
     <dgm:style>
       <a:lnRef idx="2">
@@ -14940,7 +14847,6 @@
       <a:camera prst="orthographicFront"/>
       <a:lightRig rig="threePt" dir="t"/>
     </dgm:scene3d>
-    <dgm:sp3d/>
     <dgm:txPr/>
     <dgm:style>
       <a:lnRef idx="2">
@@ -14960,7 +14866,6 @@
       <a:camera prst="orthographicFront"/>
       <a:lightRig rig="threePt" dir="t"/>
     </dgm:scene3d>
-    <dgm:sp3d/>
     <dgm:txPr/>
     <dgm:style>
       <a:lnRef idx="2">
@@ -14980,7 +14885,6 @@
       <a:camera prst="orthographicFront"/>
       <a:lightRig rig="threePt" dir="t"/>
     </dgm:scene3d>
-    <dgm:sp3d/>
     <dgm:txPr/>
     <dgm:style>
       <a:lnRef idx="0">
@@ -15000,7 +14904,6 @@
       <a:camera prst="orthographicFront"/>
       <a:lightRig rig="threePt" dir="t"/>
     </dgm:scene3d>
-    <dgm:sp3d/>
     <dgm:txPr/>
     <dgm:style>
       <a:lnRef idx="0">
@@ -15022,7 +14925,6 @@
       <a:camera prst="orthographicFront"/>
       <a:lightRig rig="threePt" dir="t"/>
     </dgm:scene3d>
-    <dgm:sp3d/>
     <dgm:txPr/>
     <dgm:style>
       <a:lnRef idx="2">
@@ -15042,7 +14944,6 @@
       <a:camera prst="orthographicFront"/>
       <a:lightRig rig="threePt" dir="t"/>
     </dgm:scene3d>
-    <dgm:sp3d/>
     <dgm:txPr/>
     <dgm:style>
       <a:lnRef idx="2">
@@ -15062,7 +14963,6 @@
       <a:camera prst="orthographicFront"/>
       <a:lightRig rig="threePt" dir="t"/>
     </dgm:scene3d>
-    <dgm:sp3d/>
     <dgm:txPr/>
     <dgm:style>
       <a:lnRef idx="0">
@@ -15082,7 +14982,6 @@
       <a:camera prst="orthographicFront"/>
       <a:lightRig rig="threePt" dir="t"/>
     </dgm:scene3d>
-    <dgm:sp3d/>
     <dgm:txPr/>
     <dgm:style>
       <a:lnRef idx="2">
@@ -15102,7 +15001,6 @@
       <a:camera prst="orthographicFront"/>
       <a:lightRig rig="threePt" dir="t"/>
     </dgm:scene3d>
-    <dgm:sp3d/>
     <dgm:txPr/>
     <dgm:style>
       <a:lnRef idx="2">
@@ -15122,7 +15020,6 @@
       <a:camera prst="orthographicFront"/>
       <a:lightRig rig="threePt" dir="t"/>
     </dgm:scene3d>
-    <dgm:sp3d/>
     <dgm:txPr/>
     <dgm:style>
       <a:lnRef idx="2">
@@ -15142,7 +15039,6 @@
       <a:camera prst="orthographicFront"/>
       <a:lightRig rig="threePt" dir="t"/>
     </dgm:scene3d>
-    <dgm:sp3d/>
     <dgm:txPr/>
     <dgm:style>
       <a:lnRef idx="2">
@@ -15162,7 +15058,6 @@
       <a:camera prst="orthographicFront"/>
       <a:lightRig rig="threePt" dir="t"/>
     </dgm:scene3d>
-    <dgm:sp3d/>
     <dgm:txPr/>
     <dgm:style>
       <a:lnRef idx="2">
@@ -15182,7 +15077,6 @@
       <a:camera prst="orthographicFront"/>
       <a:lightRig rig="threePt" dir="t"/>
     </dgm:scene3d>
-    <dgm:sp3d/>
     <dgm:txPr/>
     <dgm:style>
       <a:lnRef idx="2">
@@ -15202,7 +15096,6 @@
       <a:camera prst="orthographicFront"/>
       <a:lightRig rig="threePt" dir="t"/>
     </dgm:scene3d>
-    <dgm:sp3d/>
     <dgm:txPr/>
     <dgm:style>
       <a:lnRef idx="2">
@@ -15222,7 +15115,6 @@
       <a:camera prst="orthographicFront"/>
       <a:lightRig rig="threePt" dir="t"/>
     </dgm:scene3d>
-    <dgm:sp3d/>
     <dgm:txPr/>
     <dgm:style>
       <a:lnRef idx="2">
@@ -15242,7 +15134,6 @@
       <a:camera prst="orthographicFront"/>
       <a:lightRig rig="threePt" dir="t"/>
     </dgm:scene3d>
-    <dgm:sp3d/>
     <dgm:txPr/>
     <dgm:style>
       <a:lnRef idx="0">
@@ -15264,7 +15155,6 @@
       <a:camera prst="orthographicFront"/>
       <a:lightRig rig="threePt" dir="t"/>
     </dgm:scene3d>
-    <dgm:sp3d/>
     <dgm:txPr/>
     <dgm:style>
       <a:lnRef idx="2">
@@ -15286,7 +15176,6 @@
       <a:camera prst="orthographicFront"/>
       <a:lightRig rig="threePt" dir="t"/>
     </dgm:scene3d>
-    <dgm:sp3d/>
     <dgm:txPr/>
     <dgm:style>
       <a:lnRef idx="2">
@@ -15308,7 +15197,6 @@
       <a:camera prst="orthographicFront"/>
       <a:lightRig rig="threePt" dir="t"/>
     </dgm:scene3d>
-    <dgm:sp3d/>
     <dgm:txPr/>
     <dgm:style>
       <a:lnRef idx="2">
@@ -15330,7 +15218,6 @@
       <a:camera prst="orthographicFront"/>
       <a:lightRig rig="threePt" dir="t"/>
     </dgm:scene3d>
-    <dgm:sp3d/>
     <dgm:txPr/>
     <dgm:style>
       <a:lnRef idx="2">
@@ -15352,7 +15239,6 @@
       <a:camera prst="orthographicFront"/>
       <a:lightRig rig="threePt" dir="t"/>
     </dgm:scene3d>
-    <dgm:sp3d/>
     <dgm:txPr/>
     <dgm:style>
       <a:lnRef idx="2">
@@ -15374,7 +15260,6 @@
       <a:camera prst="orthographicFront"/>
       <a:lightRig rig="threePt" dir="t"/>
     </dgm:scene3d>
-    <dgm:sp3d/>
     <dgm:txPr/>
     <dgm:style>
       <a:lnRef idx="2">
@@ -15396,7 +15281,6 @@
       <a:camera prst="orthographicFront"/>
       <a:lightRig rig="threePt" dir="t"/>
     </dgm:scene3d>
-    <dgm:sp3d/>
     <dgm:txPr/>
     <dgm:style>
       <a:lnRef idx="2">
@@ -15416,7 +15300,6 @@
       <a:camera prst="orthographicFront"/>
       <a:lightRig rig="threePt" dir="t"/>
     </dgm:scene3d>
-    <dgm:sp3d/>
     <dgm:txPr/>
     <dgm:style>
       <a:lnRef idx="2">
@@ -15436,7 +15319,6 @@
       <a:camera prst="orthographicFront"/>
       <a:lightRig rig="threePt" dir="t"/>
     </dgm:scene3d>
-    <dgm:sp3d/>
     <dgm:txPr/>
     <dgm:style>
       <a:lnRef idx="2">
@@ -15456,7 +15338,6 @@
       <a:camera prst="orthographicFront"/>
       <a:lightRig rig="threePt" dir="t"/>
     </dgm:scene3d>
-    <dgm:sp3d/>
     <dgm:txPr/>
     <dgm:style>
       <a:lnRef idx="2">
@@ -15476,7 +15357,6 @@
       <a:camera prst="orthographicFront"/>
       <a:lightRig rig="threePt" dir="t"/>
     </dgm:scene3d>
-    <dgm:sp3d/>
     <dgm:txPr/>
     <dgm:style>
       <a:lnRef idx="2">
@@ -15498,7 +15378,6 @@
       <a:camera prst="orthographicFront"/>
       <a:lightRig rig="threePt" dir="t"/>
     </dgm:scene3d>
-    <dgm:sp3d/>
     <dgm:txPr/>
     <dgm:style>
       <a:lnRef idx="2">
@@ -15520,7 +15399,6 @@
       <a:camera prst="orthographicFront"/>
       <a:lightRig rig="threePt" dir="t"/>
     </dgm:scene3d>
-    <dgm:sp3d/>
     <dgm:txPr/>
     <dgm:style>
       <a:lnRef idx="2">
@@ -15542,7 +15420,6 @@
       <a:camera prst="orthographicFront"/>
       <a:lightRig rig="threePt" dir="t"/>
     </dgm:scene3d>
-    <dgm:sp3d/>
     <dgm:txPr/>
     <dgm:style>
       <a:lnRef idx="2">
@@ -15564,7 +15441,6 @@
       <a:camera prst="orthographicFront"/>
       <a:lightRig rig="threePt" dir="t"/>
     </dgm:scene3d>
-    <dgm:sp3d/>
     <dgm:txPr/>
     <dgm:style>
       <a:lnRef idx="0">
@@ -15584,7 +15460,6 @@
       <a:camera prst="orthographicFront"/>
       <a:lightRig rig="threePt" dir="t"/>
     </dgm:scene3d>
-    <dgm:sp3d/>
     <dgm:txPr/>
     <dgm:style>
       <a:lnRef idx="1">
@@ -15604,7 +15479,6 @@
       <a:camera prst="orthographicFront"/>
       <a:lightRig rig="threePt" dir="t"/>
     </dgm:scene3d>
-    <dgm:sp3d/>
     <dgm:txPr/>
     <dgm:style>
       <a:lnRef idx="0">
@@ -15626,7 +15500,6 @@
       <a:camera prst="orthographicFront"/>
       <a:lightRig rig="threePt" dir="t"/>
     </dgm:scene3d>
-    <dgm:sp3d/>
     <dgm:txPr/>
     <dgm:style>
       <a:lnRef idx="2">
@@ -15646,7 +15519,6 @@
       <a:camera prst="orthographicFront"/>
       <a:lightRig rig="threePt" dir="t"/>
     </dgm:scene3d>
-    <dgm:sp3d/>
     <dgm:txPr/>
     <dgm:style>
       <a:lnRef idx="2">
@@ -15666,7 +15538,6 @@
       <a:camera prst="orthographicFront"/>
       <a:lightRig rig="threePt" dir="t"/>
     </dgm:scene3d>
-    <dgm:sp3d/>
     <dgm:txPr/>
     <dgm:style>
       <a:lnRef idx="2">
@@ -15686,7 +15557,6 @@
       <a:camera prst="orthographicFront"/>
       <a:lightRig rig="threePt" dir="t"/>
     </dgm:scene3d>
-    <dgm:sp3d/>
     <dgm:txPr/>
     <dgm:style>
       <a:lnRef idx="1">
@@ -15706,7 +15576,6 @@
       <a:camera prst="orthographicFront"/>
       <a:lightRig rig="threePt" dir="t"/>
     </dgm:scene3d>
-    <dgm:sp3d/>
     <dgm:txPr/>
     <dgm:style>
       <a:lnRef idx="0">
@@ -15726,7 +15595,6 @@
       <a:camera prst="orthographicFront"/>
       <a:lightRig rig="threePt" dir="t"/>
     </dgm:scene3d>
-    <dgm:sp3d/>
     <dgm:txPr/>
     <dgm:style>
       <a:lnRef idx="2">
@@ -15762,7 +15630,6 @@
       <a:camera prst="orthographicFront"/>
       <a:lightRig rig="threePt" dir="t"/>
     </dgm:scene3d>
-    <dgm:sp3d/>
     <dgm:txPr/>
     <dgm:style>
       <a:lnRef idx="2">
@@ -15782,7 +15649,6 @@
       <a:camera prst="orthographicFront"/>
       <a:lightRig rig="threePt" dir="t"/>
     </dgm:scene3d>
-    <dgm:sp3d/>
     <dgm:txPr/>
     <dgm:style>
       <a:lnRef idx="2">
@@ -15802,7 +15668,6 @@
       <a:camera prst="orthographicFront"/>
       <a:lightRig rig="threePt" dir="t"/>
     </dgm:scene3d>
-    <dgm:sp3d/>
     <dgm:txPr/>
     <dgm:style>
       <a:lnRef idx="2">
@@ -15822,7 +15687,6 @@
       <a:camera prst="orthographicFront"/>
       <a:lightRig rig="threePt" dir="t"/>
     </dgm:scene3d>
-    <dgm:sp3d/>
     <dgm:txPr/>
     <dgm:style>
       <a:lnRef idx="2">
@@ -15844,7 +15708,6 @@
       <a:camera prst="orthographicFront"/>
       <a:lightRig rig="threePt" dir="t"/>
     </dgm:scene3d>
-    <dgm:sp3d/>
     <dgm:txPr/>
     <dgm:style>
       <a:lnRef idx="2">
@@ -15866,7 +15729,6 @@
       <a:camera prst="orthographicFront"/>
       <a:lightRig rig="threePt" dir="t"/>
     </dgm:scene3d>
-    <dgm:sp3d/>
     <dgm:txPr/>
     <dgm:style>
       <a:lnRef idx="2">
@@ -15888,7 +15750,6 @@
       <a:camera prst="orthographicFront"/>
       <a:lightRig rig="threePt" dir="t"/>
     </dgm:scene3d>
-    <dgm:sp3d/>
     <dgm:txPr/>
     <dgm:style>
       <a:lnRef idx="2">
@@ -15910,7 +15771,6 @@
       <a:camera prst="orthographicFront"/>
       <a:lightRig rig="threePt" dir="t"/>
     </dgm:scene3d>
-    <dgm:sp3d/>
     <dgm:txPr/>
     <dgm:style>
       <a:lnRef idx="2">
@@ -15932,7 +15792,6 @@
       <a:camera prst="orthographicFront"/>
       <a:lightRig rig="threePt" dir="t"/>
     </dgm:scene3d>
-    <dgm:sp3d/>
     <dgm:txPr/>
     <dgm:style>
       <a:lnRef idx="2">
@@ -15954,7 +15813,6 @@
       <a:camera prst="orthographicFront"/>
       <a:lightRig rig="threePt" dir="t"/>
     </dgm:scene3d>
-    <dgm:sp3d/>
     <dgm:txPr/>
     <dgm:style>
       <a:lnRef idx="2">
@@ -15974,7 +15832,6 @@
       <a:camera prst="orthographicFront"/>
       <a:lightRig rig="threePt" dir="t"/>
     </dgm:scene3d>
-    <dgm:sp3d/>
     <dgm:txPr/>
     <dgm:style>
       <a:lnRef idx="2">
@@ -15994,7 +15851,6 @@
       <a:camera prst="orthographicFront"/>
       <a:lightRig rig="threePt" dir="t"/>
     </dgm:scene3d>
-    <dgm:sp3d/>
     <dgm:txPr/>
     <dgm:style>
       <a:lnRef idx="2">
@@ -16014,7 +15870,6 @@
       <a:camera prst="orthographicFront"/>
       <a:lightRig rig="threePt" dir="t"/>
     </dgm:scene3d>
-    <dgm:sp3d/>
     <dgm:txPr/>
     <dgm:style>
       <a:lnRef idx="0">
@@ -16034,7 +15889,6 @@
       <a:camera prst="orthographicFront"/>
       <a:lightRig rig="threePt" dir="t"/>
     </dgm:scene3d>
-    <dgm:sp3d/>
     <dgm:txPr/>
     <dgm:style>
       <a:lnRef idx="0">
@@ -16056,7 +15910,6 @@
       <a:camera prst="orthographicFront"/>
       <a:lightRig rig="threePt" dir="t"/>
     </dgm:scene3d>
-    <dgm:sp3d/>
     <dgm:txPr/>
     <dgm:style>
       <a:lnRef idx="2">
@@ -16076,7 +15929,6 @@
       <a:camera prst="orthographicFront"/>
       <a:lightRig rig="threePt" dir="t"/>
     </dgm:scene3d>
-    <dgm:sp3d/>
     <dgm:txPr/>
     <dgm:style>
       <a:lnRef idx="2">
@@ -16096,7 +15948,6 @@
       <a:camera prst="orthographicFront"/>
       <a:lightRig rig="threePt" dir="t"/>
     </dgm:scene3d>
-    <dgm:sp3d/>
     <dgm:txPr/>
     <dgm:style>
       <a:lnRef idx="0">
@@ -16116,7 +15967,6 @@
       <a:camera prst="orthographicFront"/>
       <a:lightRig rig="threePt" dir="t"/>
     </dgm:scene3d>
-    <dgm:sp3d/>
     <dgm:txPr/>
     <dgm:style>
       <a:lnRef idx="2">
@@ -16136,7 +15986,6 @@
       <a:camera prst="orthographicFront"/>
       <a:lightRig rig="threePt" dir="t"/>
     </dgm:scene3d>
-    <dgm:sp3d/>
     <dgm:txPr/>
     <dgm:style>
       <a:lnRef idx="2">
@@ -16156,7 +16005,6 @@
       <a:camera prst="orthographicFront"/>
       <a:lightRig rig="threePt" dir="t"/>
     </dgm:scene3d>
-    <dgm:sp3d/>
     <dgm:txPr/>
     <dgm:style>
       <a:lnRef idx="2">
@@ -16176,7 +16024,6 @@
       <a:camera prst="orthographicFront"/>
       <a:lightRig rig="threePt" dir="t"/>
     </dgm:scene3d>
-    <dgm:sp3d/>
     <dgm:txPr/>
     <dgm:style>
       <a:lnRef idx="2">
@@ -16196,7 +16043,6 @@
       <a:camera prst="orthographicFront"/>
       <a:lightRig rig="threePt" dir="t"/>
     </dgm:scene3d>
-    <dgm:sp3d/>
     <dgm:txPr/>
     <dgm:style>
       <a:lnRef idx="2">
@@ -16216,7 +16062,6 @@
       <a:camera prst="orthographicFront"/>
       <a:lightRig rig="threePt" dir="t"/>
     </dgm:scene3d>
-    <dgm:sp3d/>
     <dgm:txPr/>
     <dgm:style>
       <a:lnRef idx="2">
@@ -16236,7 +16081,6 @@
       <a:camera prst="orthographicFront"/>
       <a:lightRig rig="threePt" dir="t"/>
     </dgm:scene3d>
-    <dgm:sp3d/>
     <dgm:txPr/>
     <dgm:style>
       <a:lnRef idx="2">
@@ -16256,7 +16100,6 @@
       <a:camera prst="orthographicFront"/>
       <a:lightRig rig="threePt" dir="t"/>
     </dgm:scene3d>
-    <dgm:sp3d/>
     <dgm:txPr/>
     <dgm:style>
       <a:lnRef idx="2">
@@ -16276,7 +16119,6 @@
       <a:camera prst="orthographicFront"/>
       <a:lightRig rig="threePt" dir="t"/>
     </dgm:scene3d>
-    <dgm:sp3d/>
     <dgm:txPr/>
     <dgm:style>
       <a:lnRef idx="0">
@@ -16298,7 +16140,6 @@
       <a:camera prst="orthographicFront"/>
       <a:lightRig rig="threePt" dir="t"/>
     </dgm:scene3d>
-    <dgm:sp3d/>
     <dgm:txPr/>
     <dgm:style>
       <a:lnRef idx="2">
@@ -16320,7 +16161,6 @@
       <a:camera prst="orthographicFront"/>
       <a:lightRig rig="threePt" dir="t"/>
     </dgm:scene3d>
-    <dgm:sp3d/>
     <dgm:txPr/>
     <dgm:style>
       <a:lnRef idx="2">
@@ -16342,7 +16182,6 @@
       <a:camera prst="orthographicFront"/>
       <a:lightRig rig="threePt" dir="t"/>
     </dgm:scene3d>
-    <dgm:sp3d/>
     <dgm:txPr/>
     <dgm:style>
       <a:lnRef idx="2">
@@ -16364,7 +16203,6 @@
       <a:camera prst="orthographicFront"/>
       <a:lightRig rig="threePt" dir="t"/>
     </dgm:scene3d>
-    <dgm:sp3d/>
     <dgm:txPr/>
     <dgm:style>
       <a:lnRef idx="2">
@@ -16386,7 +16224,6 @@
       <a:camera prst="orthographicFront"/>
       <a:lightRig rig="threePt" dir="t"/>
     </dgm:scene3d>
-    <dgm:sp3d/>
     <dgm:txPr/>
     <dgm:style>
       <a:lnRef idx="2">
@@ -16408,7 +16245,6 @@
       <a:camera prst="orthographicFront"/>
       <a:lightRig rig="threePt" dir="t"/>
     </dgm:scene3d>
-    <dgm:sp3d/>
     <dgm:txPr/>
     <dgm:style>
       <a:lnRef idx="2">
@@ -16430,7 +16266,6 @@
       <a:camera prst="orthographicFront"/>
       <a:lightRig rig="threePt" dir="t"/>
     </dgm:scene3d>
-    <dgm:sp3d/>
     <dgm:txPr/>
     <dgm:style>
       <a:lnRef idx="2">
@@ -16450,7 +16285,6 @@
       <a:camera prst="orthographicFront"/>
       <a:lightRig rig="threePt" dir="t"/>
     </dgm:scene3d>
-    <dgm:sp3d/>
     <dgm:txPr/>
     <dgm:style>
       <a:lnRef idx="2">
@@ -16470,7 +16304,6 @@
       <a:camera prst="orthographicFront"/>
       <a:lightRig rig="threePt" dir="t"/>
     </dgm:scene3d>
-    <dgm:sp3d/>
     <dgm:txPr/>
     <dgm:style>
       <a:lnRef idx="2">
@@ -16490,7 +16323,6 @@
       <a:camera prst="orthographicFront"/>
       <a:lightRig rig="threePt" dir="t"/>
     </dgm:scene3d>
-    <dgm:sp3d/>
     <dgm:txPr/>
     <dgm:style>
       <a:lnRef idx="2">
@@ -16510,7 +16342,6 @@
       <a:camera prst="orthographicFront"/>
       <a:lightRig rig="threePt" dir="t"/>
     </dgm:scene3d>
-    <dgm:sp3d/>
     <dgm:txPr/>
     <dgm:style>
       <a:lnRef idx="2">
@@ -16532,7 +16363,6 @@
       <a:camera prst="orthographicFront"/>
       <a:lightRig rig="threePt" dir="t"/>
     </dgm:scene3d>
-    <dgm:sp3d/>
     <dgm:txPr/>
     <dgm:style>
       <a:lnRef idx="2">
@@ -16554,7 +16384,6 @@
       <a:camera prst="orthographicFront"/>
       <a:lightRig rig="threePt" dir="t"/>
     </dgm:scene3d>
-    <dgm:sp3d/>
     <dgm:txPr/>
     <dgm:style>
       <a:lnRef idx="2">
@@ -16576,7 +16405,6 @@
       <a:camera prst="orthographicFront"/>
       <a:lightRig rig="threePt" dir="t"/>
     </dgm:scene3d>
-    <dgm:sp3d/>
     <dgm:txPr/>
     <dgm:style>
       <a:lnRef idx="2">
@@ -16598,7 +16426,6 @@
       <a:camera prst="orthographicFront"/>
       <a:lightRig rig="threePt" dir="t"/>
     </dgm:scene3d>
-    <dgm:sp3d/>
     <dgm:txPr/>
     <dgm:style>
       <a:lnRef idx="0">
@@ -16618,7 +16445,6 @@
       <a:camera prst="orthographicFront"/>
       <a:lightRig rig="threePt" dir="t"/>
     </dgm:scene3d>
-    <dgm:sp3d/>
     <dgm:txPr/>
     <dgm:style>
       <a:lnRef idx="1">
@@ -16638,7 +16464,6 @@
       <a:camera prst="orthographicFront"/>
       <a:lightRig rig="threePt" dir="t"/>
     </dgm:scene3d>
-    <dgm:sp3d/>
     <dgm:txPr/>
     <dgm:style>
       <a:lnRef idx="0">
@@ -16660,7 +16485,6 @@
       <a:camera prst="orthographicFront"/>
       <a:lightRig rig="threePt" dir="t"/>
     </dgm:scene3d>
-    <dgm:sp3d/>
     <dgm:txPr/>
     <dgm:style>
       <a:lnRef idx="2">
@@ -16680,7 +16504,6 @@
       <a:camera prst="orthographicFront"/>
       <a:lightRig rig="threePt" dir="t"/>
     </dgm:scene3d>
-    <dgm:sp3d/>
     <dgm:txPr/>
     <dgm:style>
       <a:lnRef idx="2">
@@ -16700,7 +16523,6 @@
       <a:camera prst="orthographicFront"/>
       <a:lightRig rig="threePt" dir="t"/>
     </dgm:scene3d>
-    <dgm:sp3d/>
     <dgm:txPr/>
     <dgm:style>
       <a:lnRef idx="2">
@@ -16720,7 +16542,6 @@
       <a:camera prst="orthographicFront"/>
       <a:lightRig rig="threePt" dir="t"/>
     </dgm:scene3d>
-    <dgm:sp3d/>
     <dgm:txPr/>
     <dgm:style>
       <a:lnRef idx="1">
@@ -16740,7 +16561,6 @@
       <a:camera prst="orthographicFront"/>
       <a:lightRig rig="threePt" dir="t"/>
     </dgm:scene3d>
-    <dgm:sp3d/>
     <dgm:txPr/>
     <dgm:style>
       <a:lnRef idx="0">
@@ -16760,7 +16580,6 @@
       <a:camera prst="orthographicFront"/>
       <a:lightRig rig="threePt" dir="t"/>
     </dgm:scene3d>
-    <dgm:sp3d/>
     <dgm:txPr/>
     <dgm:style>
       <a:lnRef idx="2">
@@ -16796,7 +16615,6 @@
       <a:camera prst="orthographicFront"/>
       <a:lightRig rig="threePt" dir="t"/>
     </dgm:scene3d>
-    <dgm:sp3d/>
     <dgm:txPr/>
     <dgm:style>
       <a:lnRef idx="2">
@@ -16816,7 +16634,6 @@
       <a:camera prst="orthographicFront"/>
       <a:lightRig rig="threePt" dir="t"/>
     </dgm:scene3d>
-    <dgm:sp3d/>
     <dgm:txPr/>
     <dgm:style>
       <a:lnRef idx="2">
@@ -16836,7 +16653,6 @@
       <a:camera prst="orthographicFront"/>
       <a:lightRig rig="threePt" dir="t"/>
     </dgm:scene3d>
-    <dgm:sp3d/>
     <dgm:txPr/>
     <dgm:style>
       <a:lnRef idx="2">
@@ -16856,7 +16672,6 @@
       <a:camera prst="orthographicFront"/>
       <a:lightRig rig="threePt" dir="t"/>
     </dgm:scene3d>
-    <dgm:sp3d/>
     <dgm:txPr/>
     <dgm:style>
       <a:lnRef idx="2">
@@ -16878,7 +16693,6 @@
       <a:camera prst="orthographicFront"/>
       <a:lightRig rig="threePt" dir="t"/>
     </dgm:scene3d>
-    <dgm:sp3d/>
     <dgm:txPr/>
     <dgm:style>
       <a:lnRef idx="2">
@@ -16900,7 +16714,6 @@
       <a:camera prst="orthographicFront"/>
       <a:lightRig rig="threePt" dir="t"/>
     </dgm:scene3d>
-    <dgm:sp3d/>
     <dgm:txPr/>
     <dgm:style>
       <a:lnRef idx="2">
@@ -16922,7 +16735,6 @@
       <a:camera prst="orthographicFront"/>
       <a:lightRig rig="threePt" dir="t"/>
     </dgm:scene3d>
-    <dgm:sp3d/>
     <dgm:txPr/>
     <dgm:style>
       <a:lnRef idx="2">
@@ -16944,7 +16756,6 @@
       <a:camera prst="orthographicFront"/>
       <a:lightRig rig="threePt" dir="t"/>
     </dgm:scene3d>
-    <dgm:sp3d/>
     <dgm:txPr/>
     <dgm:style>
       <a:lnRef idx="2">
@@ -16966,7 +16777,6 @@
       <a:camera prst="orthographicFront"/>
       <a:lightRig rig="threePt" dir="t"/>
     </dgm:scene3d>
-    <dgm:sp3d/>
     <dgm:txPr/>
     <dgm:style>
       <a:lnRef idx="2">
@@ -16988,7 +16798,6 @@
       <a:camera prst="orthographicFront"/>
       <a:lightRig rig="threePt" dir="t"/>
     </dgm:scene3d>
-    <dgm:sp3d/>
     <dgm:txPr/>
     <dgm:style>
       <a:lnRef idx="2">
@@ -17008,7 +16817,6 @@
       <a:camera prst="orthographicFront"/>
       <a:lightRig rig="threePt" dir="t"/>
     </dgm:scene3d>
-    <dgm:sp3d/>
     <dgm:txPr/>
     <dgm:style>
       <a:lnRef idx="2">
@@ -17028,7 +16836,6 @@
       <a:camera prst="orthographicFront"/>
       <a:lightRig rig="threePt" dir="t"/>
     </dgm:scene3d>
-    <dgm:sp3d/>
     <dgm:txPr/>
     <dgm:style>
       <a:lnRef idx="2">
@@ -17048,7 +16855,6 @@
       <a:camera prst="orthographicFront"/>
       <a:lightRig rig="threePt" dir="t"/>
     </dgm:scene3d>
-    <dgm:sp3d/>
     <dgm:txPr/>
     <dgm:style>
       <a:lnRef idx="0">
@@ -17068,7 +16874,6 @@
       <a:camera prst="orthographicFront"/>
       <a:lightRig rig="threePt" dir="t"/>
     </dgm:scene3d>
-    <dgm:sp3d/>
     <dgm:txPr/>
     <dgm:style>
       <a:lnRef idx="0">
@@ -17090,7 +16895,6 @@
       <a:camera prst="orthographicFront"/>
       <a:lightRig rig="threePt" dir="t"/>
     </dgm:scene3d>
-    <dgm:sp3d/>
     <dgm:txPr/>
     <dgm:style>
       <a:lnRef idx="2">
@@ -17110,7 +16914,6 @@
       <a:camera prst="orthographicFront"/>
       <a:lightRig rig="threePt" dir="t"/>
     </dgm:scene3d>
-    <dgm:sp3d/>
     <dgm:txPr/>
     <dgm:style>
       <a:lnRef idx="2">
@@ -17130,7 +16933,6 @@
       <a:camera prst="orthographicFront"/>
       <a:lightRig rig="threePt" dir="t"/>
     </dgm:scene3d>
-    <dgm:sp3d/>
     <dgm:txPr/>
     <dgm:style>
       <a:lnRef idx="0">
@@ -17150,7 +16952,6 @@
       <a:camera prst="orthographicFront"/>
       <a:lightRig rig="threePt" dir="t"/>
     </dgm:scene3d>
-    <dgm:sp3d/>
     <dgm:txPr/>
     <dgm:style>
       <a:lnRef idx="2">
@@ -17170,7 +16971,6 @@
       <a:camera prst="orthographicFront"/>
       <a:lightRig rig="threePt" dir="t"/>
     </dgm:scene3d>
-    <dgm:sp3d/>
     <dgm:txPr/>
     <dgm:style>
       <a:lnRef idx="2">
@@ -17190,7 +16990,6 @@
       <a:camera prst="orthographicFront"/>
       <a:lightRig rig="threePt" dir="t"/>
     </dgm:scene3d>
-    <dgm:sp3d/>
     <dgm:txPr/>
     <dgm:style>
       <a:lnRef idx="2">
@@ -17210,7 +17009,6 @@
       <a:camera prst="orthographicFront"/>
       <a:lightRig rig="threePt" dir="t"/>
     </dgm:scene3d>
-    <dgm:sp3d/>
     <dgm:txPr/>
     <dgm:style>
       <a:lnRef idx="2">
@@ -17230,7 +17028,6 @@
       <a:camera prst="orthographicFront"/>
       <a:lightRig rig="threePt" dir="t"/>
     </dgm:scene3d>
-    <dgm:sp3d/>
     <dgm:txPr/>
     <dgm:style>
       <a:lnRef idx="2">
@@ -17250,7 +17047,6 @@
       <a:camera prst="orthographicFront"/>
       <a:lightRig rig="threePt" dir="t"/>
     </dgm:scene3d>
-    <dgm:sp3d/>
     <dgm:txPr/>
     <dgm:style>
       <a:lnRef idx="2">
@@ -17270,7 +17066,6 @@
       <a:camera prst="orthographicFront"/>
       <a:lightRig rig="threePt" dir="t"/>
     </dgm:scene3d>
-    <dgm:sp3d/>
     <dgm:txPr/>
     <dgm:style>
       <a:lnRef idx="2">
@@ -17290,7 +17085,6 @@
       <a:camera prst="orthographicFront"/>
       <a:lightRig rig="threePt" dir="t"/>
     </dgm:scene3d>
-    <dgm:sp3d/>
     <dgm:txPr/>
     <dgm:style>
       <a:lnRef idx="2">
@@ -17310,7 +17104,6 @@
       <a:camera prst="orthographicFront"/>
       <a:lightRig rig="threePt" dir="t"/>
     </dgm:scene3d>
-    <dgm:sp3d/>
     <dgm:txPr/>
     <dgm:style>
       <a:lnRef idx="0">
@@ -17332,7 +17125,6 @@
       <a:camera prst="orthographicFront"/>
       <a:lightRig rig="threePt" dir="t"/>
     </dgm:scene3d>
-    <dgm:sp3d/>
     <dgm:txPr/>
     <dgm:style>
       <a:lnRef idx="2">
@@ -17354,7 +17146,6 @@
       <a:camera prst="orthographicFront"/>
       <a:lightRig rig="threePt" dir="t"/>
     </dgm:scene3d>
-    <dgm:sp3d/>
     <dgm:txPr/>
     <dgm:style>
       <a:lnRef idx="2">
@@ -17376,7 +17167,6 @@
       <a:camera prst="orthographicFront"/>
       <a:lightRig rig="threePt" dir="t"/>
     </dgm:scene3d>
-    <dgm:sp3d/>
     <dgm:txPr/>
     <dgm:style>
       <a:lnRef idx="2">
@@ -17398,7 +17188,6 @@
       <a:camera prst="orthographicFront"/>
       <a:lightRig rig="threePt" dir="t"/>
     </dgm:scene3d>
-    <dgm:sp3d/>
     <dgm:txPr/>
     <dgm:style>
       <a:lnRef idx="2">
@@ -17420,7 +17209,6 @@
       <a:camera prst="orthographicFront"/>
       <a:lightRig rig="threePt" dir="t"/>
     </dgm:scene3d>
-    <dgm:sp3d/>
     <dgm:txPr/>
     <dgm:style>
       <a:lnRef idx="2">
@@ -17442,7 +17230,6 @@
       <a:camera prst="orthographicFront"/>
       <a:lightRig rig="threePt" dir="t"/>
     </dgm:scene3d>
-    <dgm:sp3d/>
     <dgm:txPr/>
     <dgm:style>
       <a:lnRef idx="2">
@@ -17464,7 +17251,6 @@
       <a:camera prst="orthographicFront"/>
       <a:lightRig rig="threePt" dir="t"/>
     </dgm:scene3d>
-    <dgm:sp3d/>
     <dgm:txPr/>
     <dgm:style>
       <a:lnRef idx="2">
@@ -17484,7 +17270,6 @@
       <a:camera prst="orthographicFront"/>
       <a:lightRig rig="threePt" dir="t"/>
     </dgm:scene3d>
-    <dgm:sp3d/>
     <dgm:txPr/>
     <dgm:style>
       <a:lnRef idx="2">
@@ -17504,7 +17289,6 @@
       <a:camera prst="orthographicFront"/>
       <a:lightRig rig="threePt" dir="t"/>
     </dgm:scene3d>
-    <dgm:sp3d/>
     <dgm:txPr/>
     <dgm:style>
       <a:lnRef idx="2">
@@ -17524,7 +17308,6 @@
       <a:camera prst="orthographicFront"/>
       <a:lightRig rig="threePt" dir="t"/>
     </dgm:scene3d>
-    <dgm:sp3d/>
     <dgm:txPr/>
     <dgm:style>
       <a:lnRef idx="2">
@@ -17544,7 +17327,6 @@
       <a:camera prst="orthographicFront"/>
       <a:lightRig rig="threePt" dir="t"/>
     </dgm:scene3d>
-    <dgm:sp3d/>
     <dgm:txPr/>
     <dgm:style>
       <a:lnRef idx="2">
@@ -17566,7 +17348,6 @@
       <a:camera prst="orthographicFront"/>
       <a:lightRig rig="threePt" dir="t"/>
     </dgm:scene3d>
-    <dgm:sp3d/>
     <dgm:txPr/>
     <dgm:style>
       <a:lnRef idx="2">
@@ -17588,7 +17369,6 @@
       <a:camera prst="orthographicFront"/>
       <a:lightRig rig="threePt" dir="t"/>
     </dgm:scene3d>
-    <dgm:sp3d/>
     <dgm:txPr/>
     <dgm:style>
       <a:lnRef idx="2">
@@ -17610,7 +17390,6 @@
       <a:camera prst="orthographicFront"/>
       <a:lightRig rig="threePt" dir="t"/>
     </dgm:scene3d>
-    <dgm:sp3d/>
     <dgm:txPr/>
     <dgm:style>
       <a:lnRef idx="2">
@@ -17632,7 +17411,6 @@
       <a:camera prst="orthographicFront"/>
       <a:lightRig rig="threePt" dir="t"/>
     </dgm:scene3d>
-    <dgm:sp3d/>
     <dgm:txPr/>
     <dgm:style>
       <a:lnRef idx="0">
@@ -17652,7 +17430,6 @@
       <a:camera prst="orthographicFront"/>
       <a:lightRig rig="threePt" dir="t"/>
     </dgm:scene3d>
-    <dgm:sp3d/>
     <dgm:txPr/>
     <dgm:style>
       <a:lnRef idx="1">
@@ -17672,7 +17449,6 @@
       <a:camera prst="orthographicFront"/>
       <a:lightRig rig="threePt" dir="t"/>
     </dgm:scene3d>
-    <dgm:sp3d/>
     <dgm:txPr/>
     <dgm:style>
       <a:lnRef idx="0">
@@ -17694,7 +17470,6 @@
       <a:camera prst="orthographicFront"/>
       <a:lightRig rig="threePt" dir="t"/>
     </dgm:scene3d>
-    <dgm:sp3d/>
     <dgm:txPr/>
     <dgm:style>
       <a:lnRef idx="2">
@@ -17714,7 +17489,6 @@
       <a:camera prst="orthographicFront"/>
       <a:lightRig rig="threePt" dir="t"/>
     </dgm:scene3d>
-    <dgm:sp3d/>
     <dgm:txPr/>
     <dgm:style>
       <a:lnRef idx="2">
@@ -17734,7 +17508,6 @@
       <a:camera prst="orthographicFront"/>
       <a:lightRig rig="threePt" dir="t"/>
     </dgm:scene3d>
-    <dgm:sp3d/>
     <dgm:txPr/>
     <dgm:style>
       <a:lnRef idx="2">
@@ -17754,7 +17527,6 @@
       <a:camera prst="orthographicFront"/>
       <a:lightRig rig="threePt" dir="t"/>
     </dgm:scene3d>
-    <dgm:sp3d/>
     <dgm:txPr/>
     <dgm:style>
       <a:lnRef idx="1">
@@ -17774,7 +17546,6 @@
       <a:camera prst="orthographicFront"/>
       <a:lightRig rig="threePt" dir="t"/>
     </dgm:scene3d>
-    <dgm:sp3d/>
     <dgm:txPr/>
     <dgm:style>
       <a:lnRef idx="0">
@@ -17794,7 +17565,6 @@
       <a:camera prst="orthographicFront"/>
       <a:lightRig rig="threePt" dir="t"/>
     </dgm:scene3d>
-    <dgm:sp3d/>
     <dgm:txPr/>
     <dgm:style>
       <a:lnRef idx="2">
@@ -17830,7 +17600,6 @@
       <a:camera prst="orthographicFront"/>
       <a:lightRig rig="threePt" dir="t"/>
     </dgm:scene3d>
-    <dgm:sp3d/>
     <dgm:txPr/>
     <dgm:style>
       <a:lnRef idx="2">
@@ -17850,7 +17619,6 @@
       <a:camera prst="orthographicFront"/>
       <a:lightRig rig="threePt" dir="t"/>
     </dgm:scene3d>
-    <dgm:sp3d/>
     <dgm:txPr/>
     <dgm:style>
       <a:lnRef idx="2">
@@ -17870,7 +17638,6 @@
       <a:camera prst="orthographicFront"/>
       <a:lightRig rig="threePt" dir="t"/>
     </dgm:scene3d>
-    <dgm:sp3d/>
     <dgm:txPr/>
     <dgm:style>
       <a:lnRef idx="2">
@@ -17890,7 +17657,6 @@
       <a:camera prst="orthographicFront"/>
       <a:lightRig rig="threePt" dir="t"/>
     </dgm:scene3d>
-    <dgm:sp3d/>
     <dgm:txPr/>
     <dgm:style>
       <a:lnRef idx="2">
@@ -17912,7 +17678,6 @@
       <a:camera prst="orthographicFront"/>
       <a:lightRig rig="threePt" dir="t"/>
     </dgm:scene3d>
-    <dgm:sp3d/>
     <dgm:txPr/>
     <dgm:style>
       <a:lnRef idx="2">
@@ -17934,7 +17699,6 @@
       <a:camera prst="orthographicFront"/>
       <a:lightRig rig="threePt" dir="t"/>
     </dgm:scene3d>
-    <dgm:sp3d/>
     <dgm:txPr/>
     <dgm:style>
       <a:lnRef idx="2">
@@ -17956,7 +17720,6 @@
       <a:camera prst="orthographicFront"/>
       <a:lightRig rig="threePt" dir="t"/>
     </dgm:scene3d>
-    <dgm:sp3d/>
     <dgm:txPr/>
     <dgm:style>
       <a:lnRef idx="2">
@@ -17978,7 +17741,6 @@
       <a:camera prst="orthographicFront"/>
       <a:lightRig rig="threePt" dir="t"/>
     </dgm:scene3d>
-    <dgm:sp3d/>
     <dgm:txPr/>
     <dgm:style>
       <a:lnRef idx="2">
@@ -18000,7 +17762,6 @@
       <a:camera prst="orthographicFront"/>
       <a:lightRig rig="threePt" dir="t"/>
     </dgm:scene3d>
-    <dgm:sp3d/>
     <dgm:txPr/>
     <dgm:style>
       <a:lnRef idx="2">
@@ -18022,7 +17783,6 @@
       <a:camera prst="orthographicFront"/>
       <a:lightRig rig="threePt" dir="t"/>
     </dgm:scene3d>
-    <dgm:sp3d/>
     <dgm:txPr/>
     <dgm:style>
       <a:lnRef idx="2">
@@ -18042,7 +17802,6 @@
       <a:camera prst="orthographicFront"/>
       <a:lightRig rig="threePt" dir="t"/>
     </dgm:scene3d>
-    <dgm:sp3d/>
     <dgm:txPr/>
     <dgm:style>
       <a:lnRef idx="2">
@@ -18062,7 +17821,6 @@
       <a:camera prst="orthographicFront"/>
       <a:lightRig rig="threePt" dir="t"/>
     </dgm:scene3d>
-    <dgm:sp3d/>
     <dgm:txPr/>
     <dgm:style>
       <a:lnRef idx="2">
@@ -18082,7 +17840,6 @@
       <a:camera prst="orthographicFront"/>
       <a:lightRig rig="threePt" dir="t"/>
     </dgm:scene3d>
-    <dgm:sp3d/>
     <dgm:txPr/>
     <dgm:style>
       <a:lnRef idx="0">
@@ -18102,7 +17859,6 @@
       <a:camera prst="orthographicFront"/>
       <a:lightRig rig="threePt" dir="t"/>
     </dgm:scene3d>
-    <dgm:sp3d/>
     <dgm:txPr/>
     <dgm:style>
       <a:lnRef idx="0">
@@ -18124,7 +17880,6 @@
       <a:camera prst="orthographicFront"/>
       <a:lightRig rig="threePt" dir="t"/>
     </dgm:scene3d>
-    <dgm:sp3d/>
     <dgm:txPr/>
     <dgm:style>
       <a:lnRef idx="2">
@@ -18144,7 +17899,6 @@
       <a:camera prst="orthographicFront"/>
       <a:lightRig rig="threePt" dir="t"/>
     </dgm:scene3d>
-    <dgm:sp3d/>
     <dgm:txPr/>
     <dgm:style>
       <a:lnRef idx="2">
@@ -18164,7 +17918,6 @@
       <a:camera prst="orthographicFront"/>
       <a:lightRig rig="threePt" dir="t"/>
     </dgm:scene3d>
-    <dgm:sp3d/>
     <dgm:txPr/>
     <dgm:style>
       <a:lnRef idx="0">
@@ -18184,7 +17937,6 @@
       <a:camera prst="orthographicFront"/>
       <a:lightRig rig="threePt" dir="t"/>
     </dgm:scene3d>
-    <dgm:sp3d/>
     <dgm:txPr/>
     <dgm:style>
       <a:lnRef idx="2">
@@ -18204,7 +17956,6 @@
       <a:camera prst="orthographicFront"/>
       <a:lightRig rig="threePt" dir="t"/>
     </dgm:scene3d>
-    <dgm:sp3d/>
     <dgm:txPr/>
     <dgm:style>
       <a:lnRef idx="2">
@@ -18224,7 +17975,6 @@
       <a:camera prst="orthographicFront"/>
       <a:lightRig rig="threePt" dir="t"/>
     </dgm:scene3d>
-    <dgm:sp3d/>
     <dgm:txPr/>
     <dgm:style>
       <a:lnRef idx="2">
@@ -18244,7 +17994,6 @@
       <a:camera prst="orthographicFront"/>
       <a:lightRig rig="threePt" dir="t"/>
     </dgm:scene3d>
-    <dgm:sp3d/>
     <dgm:txPr/>
     <dgm:style>
       <a:lnRef idx="2">
@@ -18264,7 +18013,6 @@
       <a:camera prst="orthographicFront"/>
       <a:lightRig rig="threePt" dir="t"/>
     </dgm:scene3d>
-    <dgm:sp3d/>
     <dgm:txPr/>
     <dgm:style>
       <a:lnRef idx="2">
@@ -18284,7 +18032,6 @@
       <a:camera prst="orthographicFront"/>
       <a:lightRig rig="threePt" dir="t"/>
     </dgm:scene3d>
-    <dgm:sp3d/>
     <dgm:txPr/>
     <dgm:style>
       <a:lnRef idx="2">
@@ -18304,7 +18051,6 @@
       <a:camera prst="orthographicFront"/>
       <a:lightRig rig="threePt" dir="t"/>
     </dgm:scene3d>
-    <dgm:sp3d/>
     <dgm:txPr/>
     <dgm:style>
       <a:lnRef idx="2">
@@ -18324,7 +18070,6 @@
       <a:camera prst="orthographicFront"/>
       <a:lightRig rig="threePt" dir="t"/>
     </dgm:scene3d>
-    <dgm:sp3d/>
     <dgm:txPr/>
     <dgm:style>
       <a:lnRef idx="2">
@@ -18344,7 +18089,6 @@
       <a:camera prst="orthographicFront"/>
       <a:lightRig rig="threePt" dir="t"/>
     </dgm:scene3d>
-    <dgm:sp3d/>
     <dgm:txPr/>
     <dgm:style>
       <a:lnRef idx="0">
@@ -18366,7 +18110,6 @@
       <a:camera prst="orthographicFront"/>
       <a:lightRig rig="threePt" dir="t"/>
     </dgm:scene3d>
-    <dgm:sp3d/>
     <dgm:txPr/>
     <dgm:style>
       <a:lnRef idx="2">
@@ -18388,7 +18131,6 @@
       <a:camera prst="orthographicFront"/>
       <a:lightRig rig="threePt" dir="t"/>
     </dgm:scene3d>
-    <dgm:sp3d/>
     <dgm:txPr/>
     <dgm:style>
       <a:lnRef idx="2">
@@ -18410,7 +18152,6 @@
       <a:camera prst="orthographicFront"/>
       <a:lightRig rig="threePt" dir="t"/>
     </dgm:scene3d>
-    <dgm:sp3d/>
     <dgm:txPr/>
     <dgm:style>
       <a:lnRef idx="2">
@@ -18432,7 +18173,6 @@
       <a:camera prst="orthographicFront"/>
       <a:lightRig rig="threePt" dir="t"/>
     </dgm:scene3d>
-    <dgm:sp3d/>
     <dgm:txPr/>
     <dgm:style>
       <a:lnRef idx="2">
@@ -18454,7 +18194,6 @@
       <a:camera prst="orthographicFront"/>
       <a:lightRig rig="threePt" dir="t"/>
     </dgm:scene3d>
-    <dgm:sp3d/>
     <dgm:txPr/>
     <dgm:style>
       <a:lnRef idx="2">
@@ -18476,7 +18215,6 @@
       <a:camera prst="orthographicFront"/>
       <a:lightRig rig="threePt" dir="t"/>
     </dgm:scene3d>
-    <dgm:sp3d/>
     <dgm:txPr/>
     <dgm:style>
       <a:lnRef idx="2">
@@ -18498,7 +18236,6 @@
       <a:camera prst="orthographicFront"/>
       <a:lightRig rig="threePt" dir="t"/>
     </dgm:scene3d>
-    <dgm:sp3d/>
     <dgm:txPr/>
     <dgm:style>
       <a:lnRef idx="2">
@@ -18518,7 +18255,6 @@
       <a:camera prst="orthographicFront"/>
       <a:lightRig rig="threePt" dir="t"/>
     </dgm:scene3d>
-    <dgm:sp3d/>
     <dgm:txPr/>
     <dgm:style>
       <a:lnRef idx="2">
@@ -18538,7 +18274,6 @@
       <a:camera prst="orthographicFront"/>
       <a:lightRig rig="threePt" dir="t"/>
     </dgm:scene3d>
-    <dgm:sp3d/>
     <dgm:txPr/>
     <dgm:style>
       <a:lnRef idx="2">
@@ -18558,7 +18293,6 @@
       <a:camera prst="orthographicFront"/>
       <a:lightRig rig="threePt" dir="t"/>
     </dgm:scene3d>
-    <dgm:sp3d/>
     <dgm:txPr/>
     <dgm:style>
       <a:lnRef idx="2">
@@ -18578,7 +18312,6 @@
       <a:camera prst="orthographicFront"/>
       <a:lightRig rig="threePt" dir="t"/>
     </dgm:scene3d>
-    <dgm:sp3d/>
     <dgm:txPr/>
     <dgm:style>
       <a:lnRef idx="2">
@@ -18600,7 +18333,6 @@
       <a:camera prst="orthographicFront"/>
       <a:lightRig rig="threePt" dir="t"/>
     </dgm:scene3d>
-    <dgm:sp3d/>
     <dgm:txPr/>
     <dgm:style>
       <a:lnRef idx="2">
@@ -18622,7 +18354,6 @@
       <a:camera prst="orthographicFront"/>
       <a:lightRig rig="threePt" dir="t"/>
     </dgm:scene3d>
-    <dgm:sp3d/>
     <dgm:txPr/>
     <dgm:style>
       <a:lnRef idx="2">
@@ -18644,7 +18375,6 @@
       <a:camera prst="orthographicFront"/>
       <a:lightRig rig="threePt" dir="t"/>
     </dgm:scene3d>
-    <dgm:sp3d/>
     <dgm:txPr/>
     <dgm:style>
       <a:lnRef idx="2">
@@ -18666,7 +18396,6 @@
       <a:camera prst="orthographicFront"/>
       <a:lightRig rig="threePt" dir="t"/>
     </dgm:scene3d>
-    <dgm:sp3d/>
     <dgm:txPr/>
     <dgm:style>
       <a:lnRef idx="0">
@@ -18686,7 +18415,6 @@
       <a:camera prst="orthographicFront"/>
       <a:lightRig rig="threePt" dir="t"/>
     </dgm:scene3d>
-    <dgm:sp3d/>
     <dgm:txPr/>
     <dgm:style>
       <a:lnRef idx="1">
@@ -18706,7 +18434,6 @@
       <a:camera prst="orthographicFront"/>
       <a:lightRig rig="threePt" dir="t"/>
     </dgm:scene3d>
-    <dgm:sp3d/>
     <dgm:txPr/>
     <dgm:style>
       <a:lnRef idx="0">
@@ -18728,7 +18455,6 @@
       <a:camera prst="orthographicFront"/>
       <a:lightRig rig="threePt" dir="t"/>
     </dgm:scene3d>
-    <dgm:sp3d/>
     <dgm:txPr/>
     <dgm:style>
       <a:lnRef idx="2">
@@ -18748,7 +18474,6 @@
       <a:camera prst="orthographicFront"/>
       <a:lightRig rig="threePt" dir="t"/>
     </dgm:scene3d>
-    <dgm:sp3d/>
     <dgm:txPr/>
     <dgm:style>
       <a:lnRef idx="2">
@@ -18768,7 +18493,6 @@
       <a:camera prst="orthographicFront"/>
       <a:lightRig rig="threePt" dir="t"/>
     </dgm:scene3d>
-    <dgm:sp3d/>
     <dgm:txPr/>
     <dgm:style>
       <a:lnRef idx="2">
@@ -18788,7 +18512,6 @@
       <a:camera prst="orthographicFront"/>
       <a:lightRig rig="threePt" dir="t"/>
     </dgm:scene3d>
-    <dgm:sp3d/>
     <dgm:txPr/>
     <dgm:style>
       <a:lnRef idx="1">
@@ -18808,7 +18531,6 @@
       <a:camera prst="orthographicFront"/>
       <a:lightRig rig="threePt" dir="t"/>
     </dgm:scene3d>
-    <dgm:sp3d/>
     <dgm:txPr/>
     <dgm:style>
       <a:lnRef idx="0">
@@ -18828,7 +18550,6 @@
       <a:camera prst="orthographicFront"/>
       <a:lightRig rig="threePt" dir="t"/>
     </dgm:scene3d>
-    <dgm:sp3d/>
     <dgm:txPr/>
     <dgm:style>
       <a:lnRef idx="2">
@@ -18864,7 +18585,6 @@
       <a:camera prst="orthographicFront"/>
       <a:lightRig rig="threePt" dir="t"/>
     </dgm:scene3d>
-    <dgm:sp3d/>
     <dgm:txPr/>
     <dgm:style>
       <a:lnRef idx="2">
@@ -18884,7 +18604,6 @@
       <a:camera prst="orthographicFront"/>
       <a:lightRig rig="threePt" dir="t"/>
     </dgm:scene3d>
-    <dgm:sp3d/>
     <dgm:txPr/>
     <dgm:style>
       <a:lnRef idx="2">
@@ -18904,7 +18623,6 @@
       <a:camera prst="orthographicFront"/>
       <a:lightRig rig="threePt" dir="t"/>
     </dgm:scene3d>
-    <dgm:sp3d/>
     <dgm:txPr/>
     <dgm:style>
       <a:lnRef idx="2">
@@ -18924,7 +18642,6 @@
       <a:camera prst="orthographicFront"/>
       <a:lightRig rig="threePt" dir="t"/>
     </dgm:scene3d>
-    <dgm:sp3d/>
     <dgm:txPr/>
     <dgm:style>
       <a:lnRef idx="2">
@@ -18946,7 +18663,6 @@
       <a:camera prst="orthographicFront"/>
       <a:lightRig rig="threePt" dir="t"/>
     </dgm:scene3d>
-    <dgm:sp3d/>
     <dgm:txPr/>
     <dgm:style>
       <a:lnRef idx="2">
@@ -18968,7 +18684,6 @@
       <a:camera prst="orthographicFront"/>
       <a:lightRig rig="threePt" dir="t"/>
     </dgm:scene3d>
-    <dgm:sp3d/>
     <dgm:txPr/>
     <dgm:style>
       <a:lnRef idx="2">
@@ -18990,7 +18705,6 @@
       <a:camera prst="orthographicFront"/>
       <a:lightRig rig="threePt" dir="t"/>
     </dgm:scene3d>
-    <dgm:sp3d/>
     <dgm:txPr/>
     <dgm:style>
       <a:lnRef idx="2">
@@ -19012,7 +18726,6 @@
       <a:camera prst="orthographicFront"/>
       <a:lightRig rig="threePt" dir="t"/>
     </dgm:scene3d>
-    <dgm:sp3d/>
     <dgm:txPr/>
     <dgm:style>
       <a:lnRef idx="2">
@@ -19034,7 +18747,6 @@
       <a:camera prst="orthographicFront"/>
       <a:lightRig rig="threePt" dir="t"/>
     </dgm:scene3d>
-    <dgm:sp3d/>
     <dgm:txPr/>
     <dgm:style>
       <a:lnRef idx="2">
@@ -19056,7 +18768,6 @@
       <a:camera prst="orthographicFront"/>
       <a:lightRig rig="threePt" dir="t"/>
     </dgm:scene3d>
-    <dgm:sp3d/>
     <dgm:txPr/>
     <dgm:style>
       <a:lnRef idx="2">
@@ -19076,7 +18787,6 @@
       <a:camera prst="orthographicFront"/>
       <a:lightRig rig="threePt" dir="t"/>
     </dgm:scene3d>
-    <dgm:sp3d/>
     <dgm:txPr/>
     <dgm:style>
       <a:lnRef idx="2">
@@ -19096,7 +18806,6 @@
       <a:camera prst="orthographicFront"/>
       <a:lightRig rig="threePt" dir="t"/>
     </dgm:scene3d>
-    <dgm:sp3d/>
     <dgm:txPr/>
     <dgm:style>
       <a:lnRef idx="2">
@@ -19116,7 +18825,6 @@
       <a:camera prst="orthographicFront"/>
       <a:lightRig rig="threePt" dir="t"/>
     </dgm:scene3d>
-    <dgm:sp3d/>
     <dgm:txPr/>
     <dgm:style>
       <a:lnRef idx="0">
@@ -19136,7 +18844,6 @@
       <a:camera prst="orthographicFront"/>
       <a:lightRig rig="threePt" dir="t"/>
     </dgm:scene3d>
-    <dgm:sp3d/>
     <dgm:txPr/>
     <dgm:style>
       <a:lnRef idx="0">
@@ -19158,7 +18865,6 @@
       <a:camera prst="orthographicFront"/>
       <a:lightRig rig="threePt" dir="t"/>
     </dgm:scene3d>
-    <dgm:sp3d/>
     <dgm:txPr/>
     <dgm:style>
       <a:lnRef idx="2">
@@ -19178,7 +18884,6 @@
       <a:camera prst="orthographicFront"/>
       <a:lightRig rig="threePt" dir="t"/>
     </dgm:scene3d>
-    <dgm:sp3d/>
     <dgm:txPr/>
     <dgm:style>
       <a:lnRef idx="2">
@@ -19198,7 +18903,6 @@
       <a:camera prst="orthographicFront"/>
       <a:lightRig rig="threePt" dir="t"/>
     </dgm:scene3d>
-    <dgm:sp3d/>
     <dgm:txPr/>
     <dgm:style>
       <a:lnRef idx="0">
@@ -19218,7 +18922,6 @@
       <a:camera prst="orthographicFront"/>
       <a:lightRig rig="threePt" dir="t"/>
     </dgm:scene3d>
-    <dgm:sp3d/>
     <dgm:txPr/>
     <dgm:style>
       <a:lnRef idx="2">
@@ -19238,7 +18941,6 @@
       <a:camera prst="orthographicFront"/>
       <a:lightRig rig="threePt" dir="t"/>
     </dgm:scene3d>
-    <dgm:sp3d/>
     <dgm:txPr/>
     <dgm:style>
       <a:lnRef idx="2">
@@ -19258,7 +18960,6 @@
       <a:camera prst="orthographicFront"/>
       <a:lightRig rig="threePt" dir="t"/>
     </dgm:scene3d>
-    <dgm:sp3d/>
     <dgm:txPr/>
     <dgm:style>
       <a:lnRef idx="2">
@@ -19278,7 +18979,6 @@
       <a:camera prst="orthographicFront"/>
       <a:lightRig rig="threePt" dir="t"/>
     </dgm:scene3d>
-    <dgm:sp3d/>
     <dgm:txPr/>
     <dgm:style>
       <a:lnRef idx="2">
@@ -19298,7 +18998,6 @@
       <a:camera prst="orthographicFront"/>
       <a:lightRig rig="threePt" dir="t"/>
     </dgm:scene3d>
-    <dgm:sp3d/>
     <dgm:txPr/>
     <dgm:style>
       <a:lnRef idx="2">
@@ -19318,7 +19017,6 @@
       <a:camera prst="orthographicFront"/>
       <a:lightRig rig="threePt" dir="t"/>
     </dgm:scene3d>
-    <dgm:sp3d/>
     <dgm:txPr/>
     <dgm:style>
       <a:lnRef idx="2">
@@ -19338,7 +19036,6 @@
       <a:camera prst="orthographicFront"/>
       <a:lightRig rig="threePt" dir="t"/>
     </dgm:scene3d>
-    <dgm:sp3d/>
     <dgm:txPr/>
     <dgm:style>
       <a:lnRef idx="2">
@@ -19358,7 +19055,6 @@
       <a:camera prst="orthographicFront"/>
       <a:lightRig rig="threePt" dir="t"/>
     </dgm:scene3d>
-    <dgm:sp3d/>
     <dgm:txPr/>
     <dgm:style>
       <a:lnRef idx="2">
@@ -19378,7 +19074,6 @@
       <a:camera prst="orthographicFront"/>
       <a:lightRig rig="threePt" dir="t"/>
     </dgm:scene3d>
-    <dgm:sp3d/>
     <dgm:txPr/>
     <dgm:style>
       <a:lnRef idx="0">
@@ -19400,7 +19095,6 @@
       <a:camera prst="orthographicFront"/>
       <a:lightRig rig="threePt" dir="t"/>
     </dgm:scene3d>
-    <dgm:sp3d/>
     <dgm:txPr/>
     <dgm:style>
       <a:lnRef idx="2">
@@ -19422,7 +19116,6 @@
       <a:camera prst="orthographicFront"/>
       <a:lightRig rig="threePt" dir="t"/>
     </dgm:scene3d>
-    <dgm:sp3d/>
     <dgm:txPr/>
     <dgm:style>
       <a:lnRef idx="2">
@@ -19444,7 +19137,6 @@
       <a:camera prst="orthographicFront"/>
       <a:lightRig rig="threePt" dir="t"/>
     </dgm:scene3d>
-    <dgm:sp3d/>
     <dgm:txPr/>
     <dgm:style>
       <a:lnRef idx="2">
@@ -19466,7 +19158,6 @@
       <a:camera prst="orthographicFront"/>
       <a:lightRig rig="threePt" dir="t"/>
     </dgm:scene3d>
-    <dgm:sp3d/>
     <dgm:txPr/>
     <dgm:style>
       <a:lnRef idx="2">
@@ -19488,7 +19179,6 @@
       <a:camera prst="orthographicFront"/>
       <a:lightRig rig="threePt" dir="t"/>
     </dgm:scene3d>
-    <dgm:sp3d/>
     <dgm:txPr/>
     <dgm:style>
       <a:lnRef idx="2">
@@ -19510,7 +19200,6 @@
       <a:camera prst="orthographicFront"/>
       <a:lightRig rig="threePt" dir="t"/>
     </dgm:scene3d>
-    <dgm:sp3d/>
     <dgm:txPr/>
     <dgm:style>
       <a:lnRef idx="2">
@@ -19532,7 +19221,6 @@
       <a:camera prst="orthographicFront"/>
       <a:lightRig rig="threePt" dir="t"/>
     </dgm:scene3d>
-    <dgm:sp3d/>
     <dgm:txPr/>
     <dgm:style>
       <a:lnRef idx="2">
@@ -19552,7 +19240,6 @@
       <a:camera prst="orthographicFront"/>
       <a:lightRig rig="threePt" dir="t"/>
     </dgm:scene3d>
-    <dgm:sp3d/>
     <dgm:txPr/>
     <dgm:style>
       <a:lnRef idx="2">
@@ -19572,7 +19259,6 @@
       <a:camera prst="orthographicFront"/>
       <a:lightRig rig="threePt" dir="t"/>
     </dgm:scene3d>
-    <dgm:sp3d/>
     <dgm:txPr/>
     <dgm:style>
       <a:lnRef idx="2">
@@ -19592,7 +19278,6 @@
       <a:camera prst="orthographicFront"/>
       <a:lightRig rig="threePt" dir="t"/>
     </dgm:scene3d>
-    <dgm:sp3d/>
     <dgm:txPr/>
     <dgm:style>
       <a:lnRef idx="2">
@@ -19612,7 +19297,6 @@
       <a:camera prst="orthographicFront"/>
       <a:lightRig rig="threePt" dir="t"/>
     </dgm:scene3d>
-    <dgm:sp3d/>
     <dgm:txPr/>
     <dgm:style>
       <a:lnRef idx="2">
@@ -19634,7 +19318,6 @@
       <a:camera prst="orthographicFront"/>
       <a:lightRig rig="threePt" dir="t"/>
     </dgm:scene3d>
-    <dgm:sp3d/>
     <dgm:txPr/>
     <dgm:style>
       <a:lnRef idx="2">
@@ -19656,7 +19339,6 @@
       <a:camera prst="orthographicFront"/>
       <a:lightRig rig="threePt" dir="t"/>
     </dgm:scene3d>
-    <dgm:sp3d/>
     <dgm:txPr/>
     <dgm:style>
       <a:lnRef idx="2">
@@ -19678,7 +19360,6 @@
       <a:camera prst="orthographicFront"/>
       <a:lightRig rig="threePt" dir="t"/>
     </dgm:scene3d>
-    <dgm:sp3d/>
     <dgm:txPr/>
     <dgm:style>
       <a:lnRef idx="2">
@@ -19700,7 +19381,6 @@
       <a:camera prst="orthographicFront"/>
       <a:lightRig rig="threePt" dir="t"/>
     </dgm:scene3d>
-    <dgm:sp3d/>
     <dgm:txPr/>
     <dgm:style>
       <a:lnRef idx="0">
@@ -19720,7 +19400,6 @@
       <a:camera prst="orthographicFront"/>
       <a:lightRig rig="threePt" dir="t"/>
     </dgm:scene3d>
-    <dgm:sp3d/>
     <dgm:txPr/>
     <dgm:style>
       <a:lnRef idx="1">
@@ -19740,7 +19419,6 @@
       <a:camera prst="orthographicFront"/>
       <a:lightRig rig="threePt" dir="t"/>
     </dgm:scene3d>
-    <dgm:sp3d/>
     <dgm:txPr/>
     <dgm:style>
       <a:lnRef idx="0">
@@ -19762,7 +19440,6 @@
       <a:camera prst="orthographicFront"/>
       <a:lightRig rig="threePt" dir="t"/>
     </dgm:scene3d>
-    <dgm:sp3d/>
     <dgm:txPr/>
     <dgm:style>
       <a:lnRef idx="2">
@@ -19782,7 +19459,6 @@
       <a:camera prst="orthographicFront"/>
       <a:lightRig rig="threePt" dir="t"/>
     </dgm:scene3d>
-    <dgm:sp3d/>
     <dgm:txPr/>
     <dgm:style>
       <a:lnRef idx="2">
@@ -19802,7 +19478,6 @@
       <a:camera prst="orthographicFront"/>
       <a:lightRig rig="threePt" dir="t"/>
     </dgm:scene3d>
-    <dgm:sp3d/>
     <dgm:txPr/>
     <dgm:style>
       <a:lnRef idx="2">
@@ -19822,7 +19497,6 @@
       <a:camera prst="orthographicFront"/>
       <a:lightRig rig="threePt" dir="t"/>
     </dgm:scene3d>
-    <dgm:sp3d/>
     <dgm:txPr/>
     <dgm:style>
       <a:lnRef idx="1">
@@ -19842,7 +19516,6 @@
       <a:camera prst="orthographicFront"/>
       <a:lightRig rig="threePt" dir="t"/>
     </dgm:scene3d>
-    <dgm:sp3d/>
     <dgm:txPr/>
     <dgm:style>
       <a:lnRef idx="0">
@@ -19862,7 +19535,6 @@
       <a:camera prst="orthographicFront"/>
       <a:lightRig rig="threePt" dir="t"/>
     </dgm:scene3d>
-    <dgm:sp3d/>
     <dgm:txPr/>
     <dgm:style>
       <a:lnRef idx="2">
@@ -19898,7 +19570,6 @@
       <a:camera prst="orthographicFront"/>
       <a:lightRig rig="threePt" dir="t"/>
     </dgm:scene3d>
-    <dgm:sp3d/>
     <dgm:txPr/>
     <dgm:style>
       <a:lnRef idx="2">
@@ -19918,7 +19589,6 @@
       <a:camera prst="orthographicFront"/>
       <a:lightRig rig="threePt" dir="t"/>
     </dgm:scene3d>
-    <dgm:sp3d/>
     <dgm:txPr/>
     <dgm:style>
       <a:lnRef idx="2">
@@ -19938,7 +19608,6 @@
       <a:camera prst="orthographicFront"/>
       <a:lightRig rig="threePt" dir="t"/>
     </dgm:scene3d>
-    <dgm:sp3d/>
     <dgm:txPr/>
     <dgm:style>
       <a:lnRef idx="2">
@@ -19958,7 +19627,6 @@
       <a:camera prst="orthographicFront"/>
       <a:lightRig rig="threePt" dir="t"/>
     </dgm:scene3d>
-    <dgm:sp3d/>
     <dgm:txPr/>
     <dgm:style>
       <a:lnRef idx="2">
@@ -19980,7 +19648,6 @@
       <a:camera prst="orthographicFront"/>
       <a:lightRig rig="threePt" dir="t"/>
     </dgm:scene3d>
-    <dgm:sp3d/>
     <dgm:txPr/>
     <dgm:style>
       <a:lnRef idx="2">
@@ -20002,7 +19669,6 @@
       <a:camera prst="orthographicFront"/>
       <a:lightRig rig="threePt" dir="t"/>
     </dgm:scene3d>
-    <dgm:sp3d/>
     <dgm:txPr/>
     <dgm:style>
       <a:lnRef idx="2">
@@ -20024,7 +19690,6 @@
       <a:camera prst="orthographicFront"/>
       <a:lightRig rig="threePt" dir="t"/>
     </dgm:scene3d>
-    <dgm:sp3d/>
     <dgm:txPr/>
     <dgm:style>
       <a:lnRef idx="2">
@@ -20046,7 +19711,6 @@
       <a:camera prst="orthographicFront"/>
       <a:lightRig rig="threePt" dir="t"/>
     </dgm:scene3d>
-    <dgm:sp3d/>
     <dgm:txPr/>
     <dgm:style>
       <a:lnRef idx="2">
@@ -20068,7 +19732,6 @@
       <a:camera prst="orthographicFront"/>
       <a:lightRig rig="threePt" dir="t"/>
     </dgm:scene3d>
-    <dgm:sp3d/>
     <dgm:txPr/>
     <dgm:style>
       <a:lnRef idx="2">
@@ -20090,7 +19753,6 @@
       <a:camera prst="orthographicFront"/>
       <a:lightRig rig="threePt" dir="t"/>
     </dgm:scene3d>
-    <dgm:sp3d/>
     <dgm:txPr/>
     <dgm:style>
       <a:lnRef idx="2">
@@ -20110,7 +19772,6 @@
       <a:camera prst="orthographicFront"/>
       <a:lightRig rig="threePt" dir="t"/>
     </dgm:scene3d>
-    <dgm:sp3d/>
     <dgm:txPr/>
     <dgm:style>
       <a:lnRef idx="2">
@@ -20130,7 +19791,6 @@
       <a:camera prst="orthographicFront"/>
       <a:lightRig rig="threePt" dir="t"/>
     </dgm:scene3d>
-    <dgm:sp3d/>
     <dgm:txPr/>
     <dgm:style>
       <a:lnRef idx="2">
@@ -20150,7 +19810,6 @@
       <a:camera prst="orthographicFront"/>
       <a:lightRig rig="threePt" dir="t"/>
     </dgm:scene3d>
-    <dgm:sp3d/>
     <dgm:txPr/>
     <dgm:style>
       <a:lnRef idx="0">
@@ -20170,7 +19829,6 @@
       <a:camera prst="orthographicFront"/>
       <a:lightRig rig="threePt" dir="t"/>
     </dgm:scene3d>
-    <dgm:sp3d/>
     <dgm:txPr/>
     <dgm:style>
       <a:lnRef idx="0">
@@ -20192,7 +19850,6 @@
       <a:camera prst="orthographicFront"/>
       <a:lightRig rig="threePt" dir="t"/>
     </dgm:scene3d>
-    <dgm:sp3d/>
     <dgm:txPr/>
     <dgm:style>
       <a:lnRef idx="2">
@@ -20212,7 +19869,6 @@
       <a:camera prst="orthographicFront"/>
       <a:lightRig rig="threePt" dir="t"/>
     </dgm:scene3d>
-    <dgm:sp3d/>
     <dgm:txPr/>
     <dgm:style>
       <a:lnRef idx="2">
@@ -20232,7 +19888,6 @@
       <a:camera prst="orthographicFront"/>
       <a:lightRig rig="threePt" dir="t"/>
     </dgm:scene3d>
-    <dgm:sp3d/>
     <dgm:txPr/>
     <dgm:style>
       <a:lnRef idx="0">
@@ -20252,7 +19907,6 @@
       <a:camera prst="orthographicFront"/>
       <a:lightRig rig="threePt" dir="t"/>
     </dgm:scene3d>
-    <dgm:sp3d/>
     <dgm:txPr/>
     <dgm:style>
       <a:lnRef idx="2">
@@ -20272,7 +19926,6 @@
       <a:camera prst="orthographicFront"/>
       <a:lightRig rig="threePt" dir="t"/>
     </dgm:scene3d>
-    <dgm:sp3d/>
     <dgm:txPr/>
     <dgm:style>
       <a:lnRef idx="2">
@@ -20292,7 +19945,6 @@
       <a:camera prst="orthographicFront"/>
       <a:lightRig rig="threePt" dir="t"/>
     </dgm:scene3d>
-    <dgm:sp3d/>
     <dgm:txPr/>
     <dgm:style>
       <a:lnRef idx="2">
@@ -20312,7 +19964,6 @@
       <a:camera prst="orthographicFront"/>
       <a:lightRig rig="threePt" dir="t"/>
     </dgm:scene3d>
-    <dgm:sp3d/>
     <dgm:txPr/>
     <dgm:style>
       <a:lnRef idx="2">
@@ -20332,7 +19983,6 @@
       <a:camera prst="orthographicFront"/>
       <a:lightRig rig="threePt" dir="t"/>
     </dgm:scene3d>
-    <dgm:sp3d/>
     <dgm:txPr/>
     <dgm:style>
       <a:lnRef idx="2">
@@ -20352,7 +20002,6 @@
       <a:camera prst="orthographicFront"/>
       <a:lightRig rig="threePt" dir="t"/>
     </dgm:scene3d>
-    <dgm:sp3d/>
     <dgm:txPr/>
     <dgm:style>
       <a:lnRef idx="2">
@@ -20372,7 +20021,6 @@
       <a:camera prst="orthographicFront"/>
       <a:lightRig rig="threePt" dir="t"/>
     </dgm:scene3d>
-    <dgm:sp3d/>
     <dgm:txPr/>
     <dgm:style>
       <a:lnRef idx="2">
@@ -20392,7 +20040,6 @@
       <a:camera prst="orthographicFront"/>
       <a:lightRig rig="threePt" dir="t"/>
     </dgm:scene3d>
-    <dgm:sp3d/>
     <dgm:txPr/>
     <dgm:style>
       <a:lnRef idx="2">
@@ -20412,7 +20059,6 @@
       <a:camera prst="orthographicFront"/>
       <a:lightRig rig="threePt" dir="t"/>
     </dgm:scene3d>
-    <dgm:sp3d/>
     <dgm:txPr/>
     <dgm:style>
       <a:lnRef idx="0">
@@ -20434,7 +20080,6 @@
       <a:camera prst="orthographicFront"/>
       <a:lightRig rig="threePt" dir="t"/>
     </dgm:scene3d>
-    <dgm:sp3d/>
     <dgm:txPr/>
     <dgm:style>
       <a:lnRef idx="2">
@@ -20456,7 +20101,6 @@
       <a:camera prst="orthographicFront"/>
       <a:lightRig rig="threePt" dir="t"/>
     </dgm:scene3d>
-    <dgm:sp3d/>
     <dgm:txPr/>
     <dgm:style>
       <a:lnRef idx="2">
@@ -20478,7 +20122,6 @@
       <a:camera prst="orthographicFront"/>
       <a:lightRig rig="threePt" dir="t"/>
     </dgm:scene3d>
-    <dgm:sp3d/>
     <dgm:txPr/>
     <dgm:style>
       <a:lnRef idx="2">
@@ -20500,7 +20143,6 @@
       <a:camera prst="orthographicFront"/>
       <a:lightRig rig="threePt" dir="t"/>
     </dgm:scene3d>
-    <dgm:sp3d/>
     <dgm:txPr/>
     <dgm:style>
       <a:lnRef idx="2">
@@ -20522,7 +20164,6 @@
       <a:camera prst="orthographicFront"/>
       <a:lightRig rig="threePt" dir="t"/>
     </dgm:scene3d>
-    <dgm:sp3d/>
     <dgm:txPr/>
     <dgm:style>
       <a:lnRef idx="2">
@@ -20544,7 +20185,6 @@
       <a:camera prst="orthographicFront"/>
       <a:lightRig rig="threePt" dir="t"/>
     </dgm:scene3d>
-    <dgm:sp3d/>
     <dgm:txPr/>
     <dgm:style>
       <a:lnRef idx="2">
@@ -20566,7 +20206,6 @@
       <a:camera prst="orthographicFront"/>
       <a:lightRig rig="threePt" dir="t"/>
     </dgm:scene3d>
-    <dgm:sp3d/>
     <dgm:txPr/>
     <dgm:style>
       <a:lnRef idx="2">
@@ -20586,7 +20225,6 @@
       <a:camera prst="orthographicFront"/>
       <a:lightRig rig="threePt" dir="t"/>
     </dgm:scene3d>
-    <dgm:sp3d/>
     <dgm:txPr/>
     <dgm:style>
       <a:lnRef idx="2">
@@ -20606,7 +20244,6 @@
       <a:camera prst="orthographicFront"/>
       <a:lightRig rig="threePt" dir="t"/>
     </dgm:scene3d>
-    <dgm:sp3d/>
     <dgm:txPr/>
     <dgm:style>
       <a:lnRef idx="2">
@@ -20626,7 +20263,6 @@
       <a:camera prst="orthographicFront"/>
       <a:lightRig rig="threePt" dir="t"/>
     </dgm:scene3d>
-    <dgm:sp3d/>
     <dgm:txPr/>
     <dgm:style>
       <a:lnRef idx="2">
@@ -20646,7 +20282,6 @@
       <a:camera prst="orthographicFront"/>
       <a:lightRig rig="threePt" dir="t"/>
     </dgm:scene3d>
-    <dgm:sp3d/>
     <dgm:txPr/>
     <dgm:style>
       <a:lnRef idx="2">
@@ -20668,7 +20303,6 @@
       <a:camera prst="orthographicFront"/>
       <a:lightRig rig="threePt" dir="t"/>
     </dgm:scene3d>
-    <dgm:sp3d/>
     <dgm:txPr/>
     <dgm:style>
       <a:lnRef idx="2">
@@ -20690,7 +20324,6 @@
       <a:camera prst="orthographicFront"/>
       <a:lightRig rig="threePt" dir="t"/>
     </dgm:scene3d>
-    <dgm:sp3d/>
     <dgm:txPr/>
     <dgm:style>
       <a:lnRef idx="2">
@@ -20712,7 +20345,6 @@
       <a:camera prst="orthographicFront"/>
       <a:lightRig rig="threePt" dir="t"/>
     </dgm:scene3d>
-    <dgm:sp3d/>
     <dgm:txPr/>
     <dgm:style>
       <a:lnRef idx="2">
@@ -20734,7 +20366,6 @@
       <a:camera prst="orthographicFront"/>
       <a:lightRig rig="threePt" dir="t"/>
     </dgm:scene3d>
-    <dgm:sp3d/>
     <dgm:txPr/>
     <dgm:style>
       <a:lnRef idx="0">
@@ -20754,7 +20385,6 @@
       <a:camera prst="orthographicFront"/>
       <a:lightRig rig="threePt" dir="t"/>
     </dgm:scene3d>
-    <dgm:sp3d/>
     <dgm:txPr/>
     <dgm:style>
       <a:lnRef idx="1">
@@ -20774,7 +20404,6 @@
       <a:camera prst="orthographicFront"/>
       <a:lightRig rig="threePt" dir="t"/>
     </dgm:scene3d>
-    <dgm:sp3d/>
     <dgm:txPr/>
     <dgm:style>
       <a:lnRef idx="0">
@@ -20796,7 +20425,6 @@
       <a:camera prst="orthographicFront"/>
       <a:lightRig rig="threePt" dir="t"/>
     </dgm:scene3d>
-    <dgm:sp3d/>
     <dgm:txPr/>
     <dgm:style>
       <a:lnRef idx="2">
@@ -20816,7 +20444,6 @@
       <a:camera prst="orthographicFront"/>
       <a:lightRig rig="threePt" dir="t"/>
     </dgm:scene3d>
-    <dgm:sp3d/>
     <dgm:txPr/>
     <dgm:style>
       <a:lnRef idx="2">
@@ -20836,7 +20463,6 @@
       <a:camera prst="orthographicFront"/>
       <a:lightRig rig="threePt" dir="t"/>
     </dgm:scene3d>
-    <dgm:sp3d/>
     <dgm:txPr/>
     <dgm:style>
       <a:lnRef idx="2">
@@ -20856,7 +20482,6 @@
       <a:camera prst="orthographicFront"/>
       <a:lightRig rig="threePt" dir="t"/>
     </dgm:scene3d>
-    <dgm:sp3d/>
     <dgm:txPr/>
     <dgm:style>
       <a:lnRef idx="1">
@@ -20876,7 +20501,6 @@
       <a:camera prst="orthographicFront"/>
       <a:lightRig rig="threePt" dir="t"/>
     </dgm:scene3d>
-    <dgm:sp3d/>
     <dgm:txPr/>
     <dgm:style>
       <a:lnRef idx="0">
@@ -20896,7 +20520,6 @@
       <a:camera prst="orthographicFront"/>
       <a:lightRig rig="threePt" dir="t"/>
     </dgm:scene3d>
-    <dgm:sp3d/>
     <dgm:txPr/>
     <dgm:style>
       <a:lnRef idx="2">
@@ -20932,7 +20555,6 @@
       <a:camera prst="orthographicFront"/>
       <a:lightRig rig="threePt" dir="t"/>
     </dgm:scene3d>
-    <dgm:sp3d/>
     <dgm:txPr/>
     <dgm:style>
       <a:lnRef idx="2">
@@ -20952,7 +20574,6 @@
       <a:camera prst="orthographicFront"/>
       <a:lightRig rig="threePt" dir="t"/>
     </dgm:scene3d>
-    <dgm:sp3d/>
     <dgm:txPr/>
     <dgm:style>
       <a:lnRef idx="2">
@@ -20972,7 +20593,6 @@
       <a:camera prst="orthographicFront"/>
       <a:lightRig rig="threePt" dir="t"/>
     </dgm:scene3d>
-    <dgm:sp3d/>
     <dgm:txPr/>
     <dgm:style>
       <a:lnRef idx="2">
@@ -20992,7 +20612,6 @@
       <a:camera prst="orthographicFront"/>
       <a:lightRig rig="threePt" dir="t"/>
     </dgm:scene3d>
-    <dgm:sp3d/>
     <dgm:txPr/>
     <dgm:style>
       <a:lnRef idx="2">
@@ -21014,7 +20633,6 @@
       <a:camera prst="orthographicFront"/>
       <a:lightRig rig="threePt" dir="t"/>
     </dgm:scene3d>
-    <dgm:sp3d/>
     <dgm:txPr/>
     <dgm:style>
       <a:lnRef idx="2">
@@ -21036,7 +20654,6 @@
       <a:camera prst="orthographicFront"/>
       <a:lightRig rig="threePt" dir="t"/>
     </dgm:scene3d>
-    <dgm:sp3d/>
     <dgm:txPr/>
     <dgm:style>
       <a:lnRef idx="2">
@@ -21058,7 +20675,6 @@
       <a:camera prst="orthographicFront"/>
       <a:lightRig rig="threePt" dir="t"/>
     </dgm:scene3d>
-    <dgm:sp3d/>
     <dgm:txPr/>
     <dgm:style>
       <a:lnRef idx="2">
@@ -21080,7 +20696,6 @@
       <a:camera prst="orthographicFront"/>
       <a:lightRig rig="threePt" dir="t"/>
     </dgm:scene3d>
-    <dgm:sp3d/>
     <dgm:txPr/>
     <dgm:style>
       <a:lnRef idx="2">
@@ -21102,7 +20717,6 @@
       <a:camera prst="orthographicFront"/>
       <a:lightRig rig="threePt" dir="t"/>
     </dgm:scene3d>
-    <dgm:sp3d/>
     <dgm:txPr/>
     <dgm:style>
       <a:lnRef idx="2">
@@ -21124,7 +20738,6 @@
       <a:camera prst="orthographicFront"/>
       <a:lightRig rig="threePt" dir="t"/>
     </dgm:scene3d>
-    <dgm:sp3d/>
     <dgm:txPr/>
     <dgm:style>
       <a:lnRef idx="2">
@@ -21144,7 +20757,6 @@
       <a:camera prst="orthographicFront"/>
       <a:lightRig rig="threePt" dir="t"/>
     </dgm:scene3d>
-    <dgm:sp3d/>
     <dgm:txPr/>
     <dgm:style>
       <a:lnRef idx="2">
@@ -21164,7 +20776,6 @@
       <a:camera prst="orthographicFront"/>
       <a:lightRig rig="threePt" dir="t"/>
     </dgm:scene3d>
-    <dgm:sp3d/>
     <dgm:txPr/>
     <dgm:style>
       <a:lnRef idx="2">
@@ -21184,7 +20795,6 @@
       <a:camera prst="orthographicFront"/>
       <a:lightRig rig="threePt" dir="t"/>
     </dgm:scene3d>
-    <dgm:sp3d/>
     <dgm:txPr/>
     <dgm:style>
       <a:lnRef idx="0">
@@ -21204,7 +20814,6 @@
       <a:camera prst="orthographicFront"/>
       <a:lightRig rig="threePt" dir="t"/>
     </dgm:scene3d>
-    <dgm:sp3d/>
     <dgm:txPr/>
     <dgm:style>
       <a:lnRef idx="0">
@@ -21226,7 +20835,6 @@
       <a:camera prst="orthographicFront"/>
       <a:lightRig rig="threePt" dir="t"/>
     </dgm:scene3d>
-    <dgm:sp3d/>
     <dgm:txPr/>
     <dgm:style>
       <a:lnRef idx="2">
@@ -21246,7 +20854,6 @@
       <a:camera prst="orthographicFront"/>
       <a:lightRig rig="threePt" dir="t"/>
     </dgm:scene3d>
-    <dgm:sp3d/>
     <dgm:txPr/>
     <dgm:style>
       <a:lnRef idx="2">
@@ -21266,7 +20873,6 @@
       <a:camera prst="orthographicFront"/>
       <a:lightRig rig="threePt" dir="t"/>
     </dgm:scene3d>
-    <dgm:sp3d/>
     <dgm:txPr/>
     <dgm:style>
       <a:lnRef idx="0">
@@ -21286,7 +20892,6 @@
       <a:camera prst="orthographicFront"/>
       <a:lightRig rig="threePt" dir="t"/>
     </dgm:scene3d>
-    <dgm:sp3d/>
     <dgm:txPr/>
     <dgm:style>
       <a:lnRef idx="2">
@@ -21306,7 +20911,6 @@
       <a:camera prst="orthographicFront"/>
       <a:lightRig rig="threePt" dir="t"/>
     </dgm:scene3d>
-    <dgm:sp3d/>
     <dgm:txPr/>
     <dgm:style>
       <a:lnRef idx="2">
@@ -21326,7 +20930,6 @@
       <a:camera prst="orthographicFront"/>
       <a:lightRig rig="threePt" dir="t"/>
     </dgm:scene3d>
-    <dgm:sp3d/>
     <dgm:txPr/>
     <dgm:style>
       <a:lnRef idx="2">
@@ -21346,7 +20949,6 @@
       <a:camera prst="orthographicFront"/>
       <a:lightRig rig="threePt" dir="t"/>
     </dgm:scene3d>
-    <dgm:sp3d/>
     <dgm:txPr/>
     <dgm:style>
       <a:lnRef idx="2">
@@ -21366,7 +20968,6 @@
       <a:camera prst="orthographicFront"/>
       <a:lightRig rig="threePt" dir="t"/>
     </dgm:scene3d>
-    <dgm:sp3d/>
     <dgm:txPr/>
     <dgm:style>
       <a:lnRef idx="2">
@@ -21386,7 +20987,6 @@
       <a:camera prst="orthographicFront"/>
       <a:lightRig rig="threePt" dir="t"/>
     </dgm:scene3d>
-    <dgm:sp3d/>
     <dgm:txPr/>
     <dgm:style>
       <a:lnRef idx="2">
@@ -21406,7 +21006,6 @@
       <a:camera prst="orthographicFront"/>
       <a:lightRig rig="threePt" dir="t"/>
     </dgm:scene3d>
-    <dgm:sp3d/>
     <dgm:txPr/>
     <dgm:style>
       <a:lnRef idx="2">
@@ -21426,7 +21025,6 @@
       <a:camera prst="orthographicFront"/>
       <a:lightRig rig="threePt" dir="t"/>
     </dgm:scene3d>
-    <dgm:sp3d/>
     <dgm:txPr/>
     <dgm:style>
       <a:lnRef idx="2">
@@ -21446,7 +21044,6 @@
       <a:camera prst="orthographicFront"/>
       <a:lightRig rig="threePt" dir="t"/>
     </dgm:scene3d>
-    <dgm:sp3d/>
     <dgm:txPr/>
     <dgm:style>
       <a:lnRef idx="0">
@@ -21468,7 +21065,6 @@
       <a:camera prst="orthographicFront"/>
       <a:lightRig rig="threePt" dir="t"/>
     </dgm:scene3d>
-    <dgm:sp3d/>
     <dgm:txPr/>
     <dgm:style>
       <a:lnRef idx="2">
@@ -21490,7 +21086,6 @@
       <a:camera prst="orthographicFront"/>
       <a:lightRig rig="threePt" dir="t"/>
     </dgm:scene3d>
-    <dgm:sp3d/>
     <dgm:txPr/>
     <dgm:style>
       <a:lnRef idx="2">
@@ -21512,7 +21107,6 @@
       <a:camera prst="orthographicFront"/>
       <a:lightRig rig="threePt" dir="t"/>
     </dgm:scene3d>
-    <dgm:sp3d/>
     <dgm:txPr/>
     <dgm:style>
       <a:lnRef idx="2">
@@ -21534,7 +21128,6 @@
       <a:camera prst="orthographicFront"/>
       <a:lightRig rig="threePt" dir="t"/>
     </dgm:scene3d>
-    <dgm:sp3d/>
     <dgm:txPr/>
     <dgm:style>
       <a:lnRef idx="2">
@@ -21556,7 +21149,6 @@
       <a:camera prst="orthographicFront"/>
       <a:lightRig rig="threePt" dir="t"/>
     </dgm:scene3d>
-    <dgm:sp3d/>
     <dgm:txPr/>
     <dgm:style>
       <a:lnRef idx="2">
@@ -21578,7 +21170,6 @@
       <a:camera prst="orthographicFront"/>
       <a:lightRig rig="threePt" dir="t"/>
     </dgm:scene3d>
-    <dgm:sp3d/>
     <dgm:txPr/>
     <dgm:style>
       <a:lnRef idx="2">
@@ -21600,7 +21191,6 @@
       <a:camera prst="orthographicFront"/>
       <a:lightRig rig="threePt" dir="t"/>
     </dgm:scene3d>
-    <dgm:sp3d/>
     <dgm:txPr/>
     <dgm:style>
       <a:lnRef idx="2">
@@ -21620,7 +21210,6 @@
       <a:camera prst="orthographicFront"/>
       <a:lightRig rig="threePt" dir="t"/>
     </dgm:scene3d>
-    <dgm:sp3d/>
     <dgm:txPr/>
     <dgm:style>
       <a:lnRef idx="2">
@@ -21640,7 +21229,6 @@
       <a:camera prst="orthographicFront"/>
       <a:lightRig rig="threePt" dir="t"/>
     </dgm:scene3d>
-    <dgm:sp3d/>
     <dgm:txPr/>
     <dgm:style>
       <a:lnRef idx="2">
@@ -21660,7 +21248,6 @@
       <a:camera prst="orthographicFront"/>
       <a:lightRig rig="threePt" dir="t"/>
     </dgm:scene3d>
-    <dgm:sp3d/>
     <dgm:txPr/>
     <dgm:style>
       <a:lnRef idx="2">
@@ -21680,7 +21267,6 @@
       <a:camera prst="orthographicFront"/>
       <a:lightRig rig="threePt" dir="t"/>
     </dgm:scene3d>
-    <dgm:sp3d/>
     <dgm:txPr/>
     <dgm:style>
       <a:lnRef idx="2">
@@ -21702,7 +21288,6 @@
       <a:camera prst="orthographicFront"/>
       <a:lightRig rig="threePt" dir="t"/>
     </dgm:scene3d>
-    <dgm:sp3d/>
     <dgm:txPr/>
     <dgm:style>
       <a:lnRef idx="2">
@@ -21724,7 +21309,6 @@
       <a:camera prst="orthographicFront"/>
       <a:lightRig rig="threePt" dir="t"/>
     </dgm:scene3d>
-    <dgm:sp3d/>
     <dgm:txPr/>
     <dgm:style>
       <a:lnRef idx="2">
@@ -21746,7 +21330,6 @@
       <a:camera prst="orthographicFront"/>
       <a:lightRig rig="threePt" dir="t"/>
     </dgm:scene3d>
-    <dgm:sp3d/>
     <dgm:txPr/>
     <dgm:style>
       <a:lnRef idx="2">
@@ -21768,7 +21351,6 @@
       <a:camera prst="orthographicFront"/>
       <a:lightRig rig="threePt" dir="t"/>
     </dgm:scene3d>
-    <dgm:sp3d/>
     <dgm:txPr/>
     <dgm:style>
       <a:lnRef idx="0">
@@ -21788,7 +21370,6 @@
       <a:camera prst="orthographicFront"/>
       <a:lightRig rig="threePt" dir="t"/>
     </dgm:scene3d>
-    <dgm:sp3d/>
     <dgm:txPr/>
     <dgm:style>
       <a:lnRef idx="1">
@@ -21808,7 +21389,6 @@
       <a:camera prst="orthographicFront"/>
       <a:lightRig rig="threePt" dir="t"/>
     </dgm:scene3d>
-    <dgm:sp3d/>
     <dgm:txPr/>
     <dgm:style>
       <a:lnRef idx="0">
@@ -21830,7 +21410,6 @@
       <a:camera prst="orthographicFront"/>
       <a:lightRig rig="threePt" dir="t"/>
     </dgm:scene3d>
-    <dgm:sp3d/>
     <dgm:txPr/>
     <dgm:style>
       <a:lnRef idx="2">
@@ -21850,7 +21429,6 @@
       <a:camera prst="orthographicFront"/>
       <a:lightRig rig="threePt" dir="t"/>
     </dgm:scene3d>
-    <dgm:sp3d/>
     <dgm:txPr/>
     <dgm:style>
       <a:lnRef idx="2">
@@ -21870,7 +21448,6 @@
       <a:camera prst="orthographicFront"/>
       <a:lightRig rig="threePt" dir="t"/>
     </dgm:scene3d>
-    <dgm:sp3d/>
     <dgm:txPr/>
     <dgm:style>
       <a:lnRef idx="2">
@@ -21890,7 +21467,6 @@
       <a:camera prst="orthographicFront"/>
       <a:lightRig rig="threePt" dir="t"/>
     </dgm:scene3d>
-    <dgm:sp3d/>
     <dgm:txPr/>
     <dgm:style>
       <a:lnRef idx="1">
@@ -21910,7 +21486,6 @@
       <a:camera prst="orthographicFront"/>
       <a:lightRig rig="threePt" dir="t"/>
     </dgm:scene3d>
-    <dgm:sp3d/>
     <dgm:txPr/>
     <dgm:style>
       <a:lnRef idx="0">
@@ -21930,7 +21505,6 @@
       <a:camera prst="orthographicFront"/>
       <a:lightRig rig="threePt" dir="t"/>
     </dgm:scene3d>
-    <dgm:sp3d/>
     <dgm:txPr/>
     <dgm:style>
       <a:lnRef idx="2">
@@ -21961,12 +21535,68 @@
     <a:camera prst="orthographicFront"/>
     <a:lightRig rig="threePt" dir="t"/>
   </dgm:scene3d>
-  <dgm:styleLbl name="node0">
-    <dgm:scene3d>
-      <a:camera prst="orthographicFront"/>
-      <a:lightRig rig="threePt" dir="t"/>
-    </dgm:scene3d>
-    <dgm:sp3d/>
+  <dgm:styleLbl name="alignAcc1">
+    <dgm:scene3d>
+      <a:camera prst="orthographicFront"/>
+      <a:lightRig rig="threePt" dir="t"/>
+    </dgm:scene3d>
+    <dgm:txPr/>
+    <dgm:style>
+      <a:lnRef idx="2">
+        <a:scrgbClr r="0" g="0" b="0"/>
+      </a:lnRef>
+      <a:fillRef idx="1">
+        <a:scrgbClr r="0" g="0" b="0"/>
+      </a:fillRef>
+      <a:effectRef idx="0">
+        <a:scrgbClr r="0" g="0" b="0"/>
+      </a:effectRef>
+      <a:fontRef idx="minor"/>
+    </dgm:style>
+  </dgm:styleLbl>
+  <dgm:styleLbl name="alignAccFollowNode1">
+    <dgm:scene3d>
+      <a:camera prst="orthographicFront"/>
+      <a:lightRig rig="threePt" dir="t"/>
+    </dgm:scene3d>
+    <dgm:txPr/>
+    <dgm:style>
+      <a:lnRef idx="2">
+        <a:scrgbClr r="0" g="0" b="0"/>
+      </a:lnRef>
+      <a:fillRef idx="1">
+        <a:scrgbClr r="0" g="0" b="0"/>
+      </a:fillRef>
+      <a:effectRef idx="0">
+        <a:scrgbClr r="0" g="0" b="0"/>
+      </a:effectRef>
+      <a:fontRef idx="minor"/>
+    </dgm:style>
+  </dgm:styleLbl>
+  <dgm:styleLbl name="alignImgPlace1">
+    <dgm:scene3d>
+      <a:camera prst="orthographicFront"/>
+      <a:lightRig rig="threePt" dir="t"/>
+    </dgm:scene3d>
+    <dgm:txPr/>
+    <dgm:style>
+      <a:lnRef idx="2">
+        <a:scrgbClr r="0" g="0" b="0"/>
+      </a:lnRef>
+      <a:fillRef idx="1">
+        <a:scrgbClr r="0" g="0" b="0"/>
+      </a:fillRef>
+      <a:effectRef idx="0">
+        <a:scrgbClr r="0" g="0" b="0"/>
+      </a:effectRef>
+      <a:fontRef idx="minor"/>
+    </dgm:style>
+  </dgm:styleLbl>
+  <dgm:styleLbl name="alignNode1">
+    <dgm:scene3d>
+      <a:camera prst="orthographicFront"/>
+      <a:lightRig rig="threePt" dir="t"/>
+    </dgm:scene3d>
     <dgm:txPr/>
     <dgm:style>
       <a:lnRef idx="2">
@@ -21983,12 +21613,11 @@
       </a:fontRef>
     </dgm:style>
   </dgm:styleLbl>
-  <dgm:styleLbl name="lnNode1">
-    <dgm:scene3d>
-      <a:camera prst="orthographicFront"/>
-      <a:lightRig rig="threePt" dir="t"/>
-    </dgm:scene3d>
-    <dgm:sp3d/>
+  <dgm:styleLbl name="asst0">
+    <dgm:scene3d>
+      <a:camera prst="orthographicFront"/>
+      <a:lightRig rig="threePt" dir="t"/>
+    </dgm:scene3d>
     <dgm:txPr/>
     <dgm:style>
       <a:lnRef idx="2">
@@ -22005,12 +21634,862 @@
       </a:fontRef>
     </dgm:style>
   </dgm:styleLbl>
+  <dgm:styleLbl name="asst1">
+    <dgm:scene3d>
+      <a:camera prst="orthographicFront"/>
+      <a:lightRig rig="threePt" dir="t"/>
+    </dgm:scene3d>
+    <dgm:txPr/>
+    <dgm:style>
+      <a:lnRef idx="2">
+        <a:scrgbClr r="0" g="0" b="0"/>
+      </a:lnRef>
+      <a:fillRef idx="1">
+        <a:scrgbClr r="0" g="0" b="0"/>
+      </a:fillRef>
+      <a:effectRef idx="0">
+        <a:scrgbClr r="0" g="0" b="0"/>
+      </a:effectRef>
+      <a:fontRef idx="minor">
+        <a:schemeClr val="lt1"/>
+      </a:fontRef>
+    </dgm:style>
+  </dgm:styleLbl>
+  <dgm:styleLbl name="asst2">
+    <dgm:scene3d>
+      <a:camera prst="orthographicFront"/>
+      <a:lightRig rig="threePt" dir="t"/>
+    </dgm:scene3d>
+    <dgm:txPr/>
+    <dgm:style>
+      <a:lnRef idx="2">
+        <a:scrgbClr r="0" g="0" b="0"/>
+      </a:lnRef>
+      <a:fillRef idx="1">
+        <a:scrgbClr r="0" g="0" b="0"/>
+      </a:fillRef>
+      <a:effectRef idx="0">
+        <a:scrgbClr r="0" g="0" b="0"/>
+      </a:effectRef>
+      <a:fontRef idx="minor">
+        <a:schemeClr val="lt1"/>
+      </a:fontRef>
+    </dgm:style>
+  </dgm:styleLbl>
+  <dgm:styleLbl name="asst3">
+    <dgm:scene3d>
+      <a:camera prst="orthographicFront"/>
+      <a:lightRig rig="threePt" dir="t"/>
+    </dgm:scene3d>
+    <dgm:txPr/>
+    <dgm:style>
+      <a:lnRef idx="2">
+        <a:scrgbClr r="0" g="0" b="0"/>
+      </a:lnRef>
+      <a:fillRef idx="1">
+        <a:scrgbClr r="0" g="0" b="0"/>
+      </a:fillRef>
+      <a:effectRef idx="0">
+        <a:scrgbClr r="0" g="0" b="0"/>
+      </a:effectRef>
+      <a:fontRef idx="minor">
+        <a:schemeClr val="lt1"/>
+      </a:fontRef>
+    </dgm:style>
+  </dgm:styleLbl>
+  <dgm:styleLbl name="asst4">
+    <dgm:scene3d>
+      <a:camera prst="orthographicFront"/>
+      <a:lightRig rig="threePt" dir="t"/>
+    </dgm:scene3d>
+    <dgm:txPr/>
+    <dgm:style>
+      <a:lnRef idx="2">
+        <a:scrgbClr r="0" g="0" b="0"/>
+      </a:lnRef>
+      <a:fillRef idx="1">
+        <a:scrgbClr r="0" g="0" b="0"/>
+      </a:fillRef>
+      <a:effectRef idx="0">
+        <a:scrgbClr r="0" g="0" b="0"/>
+      </a:effectRef>
+      <a:fontRef idx="minor">
+        <a:schemeClr val="lt1"/>
+      </a:fontRef>
+    </dgm:style>
+  </dgm:styleLbl>
+  <dgm:styleLbl name="bgAcc1">
+    <dgm:scene3d>
+      <a:camera prst="orthographicFront"/>
+      <a:lightRig rig="threePt" dir="t"/>
+    </dgm:scene3d>
+    <dgm:txPr/>
+    <dgm:style>
+      <a:lnRef idx="2">
+        <a:scrgbClr r="0" g="0" b="0"/>
+      </a:lnRef>
+      <a:fillRef idx="1">
+        <a:scrgbClr r="0" g="0" b="0"/>
+      </a:fillRef>
+      <a:effectRef idx="0">
+        <a:scrgbClr r="0" g="0" b="0"/>
+      </a:effectRef>
+      <a:fontRef idx="minor"/>
+    </dgm:style>
+  </dgm:styleLbl>
+  <dgm:styleLbl name="bgAccFollowNode1">
+    <dgm:scene3d>
+      <a:camera prst="orthographicFront"/>
+      <a:lightRig rig="threePt" dir="t"/>
+    </dgm:scene3d>
+    <dgm:txPr/>
+    <dgm:style>
+      <a:lnRef idx="2">
+        <a:scrgbClr r="0" g="0" b="0"/>
+      </a:lnRef>
+      <a:fillRef idx="1">
+        <a:scrgbClr r="0" g="0" b="0"/>
+      </a:fillRef>
+      <a:effectRef idx="0">
+        <a:scrgbClr r="0" g="0" b="0"/>
+      </a:effectRef>
+      <a:fontRef idx="minor"/>
+    </dgm:style>
+  </dgm:styleLbl>
+  <dgm:styleLbl name="bgImgPlace1">
+    <dgm:scene3d>
+      <a:camera prst="orthographicFront"/>
+      <a:lightRig rig="threePt" dir="t"/>
+    </dgm:scene3d>
+    <dgm:txPr/>
+    <dgm:style>
+      <a:lnRef idx="2">
+        <a:scrgbClr r="0" g="0" b="0"/>
+      </a:lnRef>
+      <a:fillRef idx="1">
+        <a:scrgbClr r="0" g="0" b="0"/>
+      </a:fillRef>
+      <a:effectRef idx="0">
+        <a:scrgbClr r="0" g="0" b="0"/>
+      </a:effectRef>
+      <a:fontRef idx="minor"/>
+    </dgm:style>
+  </dgm:styleLbl>
+  <dgm:styleLbl name="bgShp">
+    <dgm:scene3d>
+      <a:camera prst="orthographicFront"/>
+      <a:lightRig rig="threePt" dir="t"/>
+    </dgm:scene3d>
+    <dgm:txPr/>
+    <dgm:style>
+      <a:lnRef idx="0">
+        <a:scrgbClr r="0" g="0" b="0"/>
+      </a:lnRef>
+      <a:fillRef idx="1">
+        <a:scrgbClr r="0" g="0" b="0"/>
+      </a:fillRef>
+      <a:effectRef idx="0">
+        <a:scrgbClr r="0" g="0" b="0"/>
+      </a:effectRef>
+      <a:fontRef idx="minor"/>
+    </dgm:style>
+  </dgm:styleLbl>
+  <dgm:styleLbl name="bgSibTrans2D1">
+    <dgm:scene3d>
+      <a:camera prst="orthographicFront"/>
+      <a:lightRig rig="threePt" dir="t"/>
+    </dgm:scene3d>
+    <dgm:txPr/>
+    <dgm:style>
+      <a:lnRef idx="0">
+        <a:scrgbClr r="0" g="0" b="0"/>
+      </a:lnRef>
+      <a:fillRef idx="1">
+        <a:scrgbClr r="0" g="0" b="0"/>
+      </a:fillRef>
+      <a:effectRef idx="0">
+        <a:scrgbClr r="0" g="0" b="0"/>
+      </a:effectRef>
+      <a:fontRef idx="minor">
+        <a:schemeClr val="lt1"/>
+      </a:fontRef>
+    </dgm:style>
+  </dgm:styleLbl>
+  <dgm:styleLbl name="callout">
+    <dgm:scene3d>
+      <a:camera prst="orthographicFront"/>
+      <a:lightRig rig="threePt" dir="t"/>
+    </dgm:scene3d>
+    <dgm:txPr/>
+    <dgm:style>
+      <a:lnRef idx="2">
+        <a:scrgbClr r="0" g="0" b="0"/>
+      </a:lnRef>
+      <a:fillRef idx="1">
+        <a:scrgbClr r="0" g="0" b="0"/>
+      </a:fillRef>
+      <a:effectRef idx="0">
+        <a:scrgbClr r="0" g="0" b="0"/>
+      </a:effectRef>
+      <a:fontRef idx="minor"/>
+    </dgm:style>
+  </dgm:styleLbl>
+  <dgm:styleLbl name="conFgAcc1">
+    <dgm:scene3d>
+      <a:camera prst="orthographicFront"/>
+      <a:lightRig rig="threePt" dir="t"/>
+    </dgm:scene3d>
+    <dgm:txPr/>
+    <dgm:style>
+      <a:lnRef idx="2">
+        <a:scrgbClr r="0" g="0" b="0"/>
+      </a:lnRef>
+      <a:fillRef idx="1">
+        <a:scrgbClr r="0" g="0" b="0"/>
+      </a:fillRef>
+      <a:effectRef idx="0">
+        <a:scrgbClr r="0" g="0" b="0"/>
+      </a:effectRef>
+      <a:fontRef idx="minor"/>
+    </dgm:style>
+  </dgm:styleLbl>
+  <dgm:styleLbl name="dkBgShp">
+    <dgm:scene3d>
+      <a:camera prst="orthographicFront"/>
+      <a:lightRig rig="threePt" dir="t"/>
+    </dgm:scene3d>
+    <dgm:txPr/>
+    <dgm:style>
+      <a:lnRef idx="0">
+        <a:scrgbClr r="0" g="0" b="0"/>
+      </a:lnRef>
+      <a:fillRef idx="1">
+        <a:scrgbClr r="0" g="0" b="0"/>
+      </a:fillRef>
+      <a:effectRef idx="0">
+        <a:scrgbClr r="0" g="0" b="0"/>
+      </a:effectRef>
+      <a:fontRef idx="minor"/>
+    </dgm:style>
+  </dgm:styleLbl>
+  <dgm:styleLbl name="fgAcc0">
+    <dgm:scene3d>
+      <a:camera prst="orthographicFront"/>
+      <a:lightRig rig="threePt" dir="t"/>
+    </dgm:scene3d>
+    <dgm:txPr/>
+    <dgm:style>
+      <a:lnRef idx="2">
+        <a:scrgbClr r="0" g="0" b="0"/>
+      </a:lnRef>
+      <a:fillRef idx="1">
+        <a:scrgbClr r="0" g="0" b="0"/>
+      </a:fillRef>
+      <a:effectRef idx="0">
+        <a:scrgbClr r="0" g="0" b="0"/>
+      </a:effectRef>
+      <a:fontRef idx="minor"/>
+    </dgm:style>
+  </dgm:styleLbl>
+  <dgm:styleLbl name="fgAcc1">
+    <dgm:scene3d>
+      <a:camera prst="orthographicFront"/>
+      <a:lightRig rig="threePt" dir="t"/>
+    </dgm:scene3d>
+    <dgm:txPr/>
+    <dgm:style>
+      <a:lnRef idx="2">
+        <a:scrgbClr r="0" g="0" b="0"/>
+      </a:lnRef>
+      <a:fillRef idx="1">
+        <a:scrgbClr r="0" g="0" b="0"/>
+      </a:fillRef>
+      <a:effectRef idx="0">
+        <a:scrgbClr r="0" g="0" b="0"/>
+      </a:effectRef>
+      <a:fontRef idx="minor"/>
+    </dgm:style>
+  </dgm:styleLbl>
+  <dgm:styleLbl name="fgAcc2">
+    <dgm:scene3d>
+      <a:camera prst="orthographicFront"/>
+      <a:lightRig rig="threePt" dir="t"/>
+    </dgm:scene3d>
+    <dgm:txPr/>
+    <dgm:style>
+      <a:lnRef idx="2">
+        <a:scrgbClr r="0" g="0" b="0"/>
+      </a:lnRef>
+      <a:fillRef idx="1">
+        <a:scrgbClr r="0" g="0" b="0"/>
+      </a:fillRef>
+      <a:effectRef idx="0">
+        <a:scrgbClr r="0" g="0" b="0"/>
+      </a:effectRef>
+      <a:fontRef idx="minor"/>
+    </dgm:style>
+  </dgm:styleLbl>
+  <dgm:styleLbl name="fgAcc3">
+    <dgm:scene3d>
+      <a:camera prst="orthographicFront"/>
+      <a:lightRig rig="threePt" dir="t"/>
+    </dgm:scene3d>
+    <dgm:txPr/>
+    <dgm:style>
+      <a:lnRef idx="2">
+        <a:scrgbClr r="0" g="0" b="0"/>
+      </a:lnRef>
+      <a:fillRef idx="1">
+        <a:scrgbClr r="0" g="0" b="0"/>
+      </a:fillRef>
+      <a:effectRef idx="0">
+        <a:scrgbClr r="0" g="0" b="0"/>
+      </a:effectRef>
+      <a:fontRef idx="minor"/>
+    </dgm:style>
+  </dgm:styleLbl>
+  <dgm:styleLbl name="fgAcc4">
+    <dgm:scene3d>
+      <a:camera prst="orthographicFront"/>
+      <a:lightRig rig="threePt" dir="t"/>
+    </dgm:scene3d>
+    <dgm:txPr/>
+    <dgm:style>
+      <a:lnRef idx="2">
+        <a:scrgbClr r="0" g="0" b="0"/>
+      </a:lnRef>
+      <a:fillRef idx="1">
+        <a:scrgbClr r="0" g="0" b="0"/>
+      </a:fillRef>
+      <a:effectRef idx="0">
+        <a:scrgbClr r="0" g="0" b="0"/>
+      </a:effectRef>
+      <a:fontRef idx="minor"/>
+    </dgm:style>
+  </dgm:styleLbl>
+  <dgm:styleLbl name="fgAccFollowNode1">
+    <dgm:scene3d>
+      <a:camera prst="orthographicFront"/>
+      <a:lightRig rig="threePt" dir="t"/>
+    </dgm:scene3d>
+    <dgm:txPr/>
+    <dgm:style>
+      <a:lnRef idx="2">
+        <a:scrgbClr r="0" g="0" b="0"/>
+      </a:lnRef>
+      <a:fillRef idx="1">
+        <a:scrgbClr r="0" g="0" b="0"/>
+      </a:fillRef>
+      <a:effectRef idx="0">
+        <a:scrgbClr r="0" g="0" b="0"/>
+      </a:effectRef>
+      <a:fontRef idx="minor"/>
+    </dgm:style>
+  </dgm:styleLbl>
+  <dgm:styleLbl name="fgImgPlace1">
+    <dgm:scene3d>
+      <a:camera prst="orthographicFront"/>
+      <a:lightRig rig="threePt" dir="t"/>
+    </dgm:scene3d>
+    <dgm:txPr/>
+    <dgm:style>
+      <a:lnRef idx="2">
+        <a:scrgbClr r="0" g="0" b="0"/>
+      </a:lnRef>
+      <a:fillRef idx="1">
+        <a:scrgbClr r="0" g="0" b="0"/>
+      </a:fillRef>
+      <a:effectRef idx="0">
+        <a:scrgbClr r="0" g="0" b="0"/>
+      </a:effectRef>
+      <a:fontRef idx="minor"/>
+    </dgm:style>
+  </dgm:styleLbl>
+  <dgm:styleLbl name="fgShp">
+    <dgm:scene3d>
+      <a:camera prst="orthographicFront"/>
+      <a:lightRig rig="threePt" dir="t"/>
+    </dgm:scene3d>
+    <dgm:txPr/>
+    <dgm:style>
+      <a:lnRef idx="2">
+        <a:scrgbClr r="0" g="0" b="0"/>
+      </a:lnRef>
+      <a:fillRef idx="1">
+        <a:scrgbClr r="0" g="0" b="0"/>
+      </a:fillRef>
+      <a:effectRef idx="0">
+        <a:scrgbClr r="0" g="0" b="0"/>
+      </a:effectRef>
+      <a:fontRef idx="minor"/>
+    </dgm:style>
+  </dgm:styleLbl>
+  <dgm:styleLbl name="fgSibTrans2D1">
+    <dgm:scene3d>
+      <a:camera prst="orthographicFront"/>
+      <a:lightRig rig="threePt" dir="t"/>
+    </dgm:scene3d>
+    <dgm:txPr/>
+    <dgm:style>
+      <a:lnRef idx="0">
+        <a:scrgbClr r="0" g="0" b="0"/>
+      </a:lnRef>
+      <a:fillRef idx="1">
+        <a:scrgbClr r="0" g="0" b="0"/>
+      </a:fillRef>
+      <a:effectRef idx="0">
+        <a:scrgbClr r="0" g="0" b="0"/>
+      </a:effectRef>
+      <a:fontRef idx="minor">
+        <a:schemeClr val="lt1"/>
+      </a:fontRef>
+    </dgm:style>
+  </dgm:styleLbl>
+  <dgm:styleLbl name="lnNode1">
+    <dgm:scene3d>
+      <a:camera prst="orthographicFront"/>
+      <a:lightRig rig="threePt" dir="t"/>
+    </dgm:scene3d>
+    <dgm:txPr/>
+    <dgm:style>
+      <a:lnRef idx="2">
+        <a:scrgbClr r="0" g="0" b="0"/>
+      </a:lnRef>
+      <a:fillRef idx="1">
+        <a:scrgbClr r="0" g="0" b="0"/>
+      </a:fillRef>
+      <a:effectRef idx="0">
+        <a:scrgbClr r="0" g="0" b="0"/>
+      </a:effectRef>
+      <a:fontRef idx="minor">
+        <a:schemeClr val="lt1"/>
+      </a:fontRef>
+    </dgm:style>
+  </dgm:styleLbl>
+  <dgm:styleLbl name="node0">
+    <dgm:scene3d>
+      <a:camera prst="orthographicFront"/>
+      <a:lightRig rig="threePt" dir="t"/>
+    </dgm:scene3d>
+    <dgm:txPr/>
+    <dgm:style>
+      <a:lnRef idx="2">
+        <a:scrgbClr r="0" g="0" b="0"/>
+      </a:lnRef>
+      <a:fillRef idx="1">
+        <a:scrgbClr r="0" g="0" b="0"/>
+      </a:fillRef>
+      <a:effectRef idx="0">
+        <a:scrgbClr r="0" g="0" b="0"/>
+      </a:effectRef>
+      <a:fontRef idx="minor">
+        <a:schemeClr val="lt1"/>
+      </a:fontRef>
+    </dgm:style>
+  </dgm:styleLbl>
+  <dgm:styleLbl name="node1">
+    <dgm:scene3d>
+      <a:camera prst="orthographicFront"/>
+      <a:lightRig rig="threePt" dir="t"/>
+    </dgm:scene3d>
+    <dgm:txPr/>
+    <dgm:style>
+      <a:lnRef idx="2">
+        <a:scrgbClr r="0" g="0" b="0"/>
+      </a:lnRef>
+      <a:fillRef idx="1">
+        <a:scrgbClr r="0" g="0" b="0"/>
+      </a:fillRef>
+      <a:effectRef idx="0">
+        <a:scrgbClr r="0" g="0" b="0"/>
+      </a:effectRef>
+      <a:fontRef idx="minor">
+        <a:schemeClr val="lt1"/>
+      </a:fontRef>
+    </dgm:style>
+  </dgm:styleLbl>
+  <dgm:styleLbl name="node2">
+    <dgm:scene3d>
+      <a:camera prst="orthographicFront"/>
+      <a:lightRig rig="threePt" dir="t"/>
+    </dgm:scene3d>
+    <dgm:txPr/>
+    <dgm:style>
+      <a:lnRef idx="2">
+        <a:scrgbClr r="0" g="0" b="0"/>
+      </a:lnRef>
+      <a:fillRef idx="1">
+        <a:scrgbClr r="0" g="0" b="0"/>
+      </a:fillRef>
+      <a:effectRef idx="0">
+        <a:scrgbClr r="0" g="0" b="0"/>
+      </a:effectRef>
+      <a:fontRef idx="minor">
+        <a:schemeClr val="lt1"/>
+      </a:fontRef>
+    </dgm:style>
+  </dgm:styleLbl>
+  <dgm:styleLbl name="node3">
+    <dgm:scene3d>
+      <a:camera prst="orthographicFront"/>
+      <a:lightRig rig="threePt" dir="t"/>
+    </dgm:scene3d>
+    <dgm:txPr/>
+    <dgm:style>
+      <a:lnRef idx="2">
+        <a:scrgbClr r="0" g="0" b="0"/>
+      </a:lnRef>
+      <a:fillRef idx="1">
+        <a:scrgbClr r="0" g="0" b="0"/>
+      </a:fillRef>
+      <a:effectRef idx="0">
+        <a:scrgbClr r="0" g="0" b="0"/>
+      </a:effectRef>
+      <a:fontRef idx="minor">
+        <a:schemeClr val="lt1"/>
+      </a:fontRef>
+    </dgm:style>
+  </dgm:styleLbl>
+  <dgm:styleLbl name="node4">
+    <dgm:scene3d>
+      <a:camera prst="orthographicFront"/>
+      <a:lightRig rig="threePt" dir="t"/>
+    </dgm:scene3d>
+    <dgm:txPr/>
+    <dgm:style>
+      <a:lnRef idx="2">
+        <a:scrgbClr r="0" g="0" b="0"/>
+      </a:lnRef>
+      <a:fillRef idx="1">
+        <a:scrgbClr r="0" g="0" b="0"/>
+      </a:fillRef>
+      <a:effectRef idx="0">
+        <a:scrgbClr r="0" g="0" b="0"/>
+      </a:effectRef>
+      <a:fontRef idx="minor">
+        <a:schemeClr val="lt1"/>
+      </a:fontRef>
+    </dgm:style>
+  </dgm:styleLbl>
+  <dgm:styleLbl name="parChTrans1D1">
+    <dgm:scene3d>
+      <a:camera prst="orthographicFront"/>
+      <a:lightRig rig="threePt" dir="t"/>
+    </dgm:scene3d>
+    <dgm:txPr/>
+    <dgm:style>
+      <a:lnRef idx="2">
+        <a:scrgbClr r="0" g="0" b="0"/>
+      </a:lnRef>
+      <a:fillRef idx="0">
+        <a:scrgbClr r="0" g="0" b="0"/>
+      </a:fillRef>
+      <a:effectRef idx="0">
+        <a:scrgbClr r="0" g="0" b="0"/>
+      </a:effectRef>
+      <a:fontRef idx="minor"/>
+    </dgm:style>
+  </dgm:styleLbl>
+  <dgm:styleLbl name="parChTrans1D2">
+    <dgm:scene3d>
+      <a:camera prst="orthographicFront"/>
+      <a:lightRig rig="threePt" dir="t"/>
+    </dgm:scene3d>
+    <dgm:txPr/>
+    <dgm:style>
+      <a:lnRef idx="2">
+        <a:scrgbClr r="0" g="0" b="0"/>
+      </a:lnRef>
+      <a:fillRef idx="0">
+        <a:scrgbClr r="0" g="0" b="0"/>
+      </a:fillRef>
+      <a:effectRef idx="0">
+        <a:scrgbClr r="0" g="0" b="0"/>
+      </a:effectRef>
+      <a:fontRef idx="minor"/>
+    </dgm:style>
+  </dgm:styleLbl>
+  <dgm:styleLbl name="parChTrans1D3">
+    <dgm:scene3d>
+      <a:camera prst="orthographicFront"/>
+      <a:lightRig rig="threePt" dir="t"/>
+    </dgm:scene3d>
+    <dgm:txPr/>
+    <dgm:style>
+      <a:lnRef idx="2">
+        <a:scrgbClr r="0" g="0" b="0"/>
+      </a:lnRef>
+      <a:fillRef idx="0">
+        <a:scrgbClr r="0" g="0" b="0"/>
+      </a:fillRef>
+      <a:effectRef idx="0">
+        <a:scrgbClr r="0" g="0" b="0"/>
+      </a:effectRef>
+      <a:fontRef idx="minor"/>
+    </dgm:style>
+  </dgm:styleLbl>
+  <dgm:styleLbl name="parChTrans1D4">
+    <dgm:scene3d>
+      <a:camera prst="orthographicFront"/>
+      <a:lightRig rig="threePt" dir="t"/>
+    </dgm:scene3d>
+    <dgm:txPr/>
+    <dgm:style>
+      <a:lnRef idx="2">
+        <a:scrgbClr r="0" g="0" b="0"/>
+      </a:lnRef>
+      <a:fillRef idx="0">
+        <a:scrgbClr r="0" g="0" b="0"/>
+      </a:fillRef>
+      <a:effectRef idx="0">
+        <a:scrgbClr r="0" g="0" b="0"/>
+      </a:effectRef>
+      <a:fontRef idx="minor"/>
+    </dgm:style>
+  </dgm:styleLbl>
+  <dgm:styleLbl name="parChTrans2D1">
+    <dgm:scene3d>
+      <a:camera prst="orthographicFront"/>
+      <a:lightRig rig="threePt" dir="t"/>
+    </dgm:scene3d>
+    <dgm:txPr/>
+    <dgm:style>
+      <a:lnRef idx="2">
+        <a:scrgbClr r="0" g="0" b="0"/>
+      </a:lnRef>
+      <a:fillRef idx="1">
+        <a:scrgbClr r="0" g="0" b="0"/>
+      </a:fillRef>
+      <a:effectRef idx="0">
+        <a:scrgbClr r="0" g="0" b="0"/>
+      </a:effectRef>
+      <a:fontRef idx="minor">
+        <a:schemeClr val="lt1"/>
+      </a:fontRef>
+    </dgm:style>
+  </dgm:styleLbl>
+  <dgm:styleLbl name="parChTrans2D2">
+    <dgm:scene3d>
+      <a:camera prst="orthographicFront"/>
+      <a:lightRig rig="threePt" dir="t"/>
+    </dgm:scene3d>
+    <dgm:txPr/>
+    <dgm:style>
+      <a:lnRef idx="2">
+        <a:scrgbClr r="0" g="0" b="0"/>
+      </a:lnRef>
+      <a:fillRef idx="1">
+        <a:scrgbClr r="0" g="0" b="0"/>
+      </a:fillRef>
+      <a:effectRef idx="0">
+        <a:scrgbClr r="0" g="0" b="0"/>
+      </a:effectRef>
+      <a:fontRef idx="minor">
+        <a:schemeClr val="lt1"/>
+      </a:fontRef>
+    </dgm:style>
+  </dgm:styleLbl>
+  <dgm:styleLbl name="parChTrans2D3">
+    <dgm:scene3d>
+      <a:camera prst="orthographicFront"/>
+      <a:lightRig rig="threePt" dir="t"/>
+    </dgm:scene3d>
+    <dgm:txPr/>
+    <dgm:style>
+      <a:lnRef idx="2">
+        <a:scrgbClr r="0" g="0" b="0"/>
+      </a:lnRef>
+      <a:fillRef idx="1">
+        <a:scrgbClr r="0" g="0" b="0"/>
+      </a:fillRef>
+      <a:effectRef idx="0">
+        <a:scrgbClr r="0" g="0" b="0"/>
+      </a:effectRef>
+      <a:fontRef idx="minor">
+        <a:schemeClr val="lt1"/>
+      </a:fontRef>
+    </dgm:style>
+  </dgm:styleLbl>
+  <dgm:styleLbl name="parChTrans2D4">
+    <dgm:scene3d>
+      <a:camera prst="orthographicFront"/>
+      <a:lightRig rig="threePt" dir="t"/>
+    </dgm:scene3d>
+    <dgm:txPr/>
+    <dgm:style>
+      <a:lnRef idx="2">
+        <a:scrgbClr r="0" g="0" b="0"/>
+      </a:lnRef>
+      <a:fillRef idx="1">
+        <a:scrgbClr r="0" g="0" b="0"/>
+      </a:fillRef>
+      <a:effectRef idx="0">
+        <a:scrgbClr r="0" g="0" b="0"/>
+      </a:effectRef>
+      <a:fontRef idx="minor">
+        <a:schemeClr val="lt1"/>
+      </a:fontRef>
+    </dgm:style>
+  </dgm:styleLbl>
+  <dgm:styleLbl name="revTx">
+    <dgm:scene3d>
+      <a:camera prst="orthographicFront"/>
+      <a:lightRig rig="threePt" dir="t"/>
+    </dgm:scene3d>
+    <dgm:txPr/>
+    <dgm:style>
+      <a:lnRef idx="0">
+        <a:scrgbClr r="0" g="0" b="0"/>
+      </a:lnRef>
+      <a:fillRef idx="0">
+        <a:scrgbClr r="0" g="0" b="0"/>
+      </a:fillRef>
+      <a:effectRef idx="0">
+        <a:scrgbClr r="0" g="0" b="0"/>
+      </a:effectRef>
+      <a:fontRef idx="minor"/>
+    </dgm:style>
+  </dgm:styleLbl>
+  <dgm:styleLbl name="sibTrans1D1">
+    <dgm:scene3d>
+      <a:camera prst="orthographicFront"/>
+      <a:lightRig rig="threePt" dir="t"/>
+    </dgm:scene3d>
+    <dgm:txPr/>
+    <dgm:style>
+      <a:lnRef idx="1">
+        <a:scrgbClr r="0" g="0" b="0"/>
+      </a:lnRef>
+      <a:fillRef idx="0">
+        <a:scrgbClr r="0" g="0" b="0"/>
+      </a:fillRef>
+      <a:effectRef idx="0">
+        <a:scrgbClr r="0" g="0" b="0"/>
+      </a:effectRef>
+      <a:fontRef idx="minor"/>
+    </dgm:style>
+  </dgm:styleLbl>
+  <dgm:styleLbl name="sibTrans2D1">
+    <dgm:scene3d>
+      <a:camera prst="orthographicFront"/>
+      <a:lightRig rig="threePt" dir="t"/>
+    </dgm:scene3d>
+    <dgm:txPr/>
+    <dgm:style>
+      <a:lnRef idx="0">
+        <a:scrgbClr r="0" g="0" b="0"/>
+      </a:lnRef>
+      <a:fillRef idx="1">
+        <a:scrgbClr r="0" g="0" b="0"/>
+      </a:fillRef>
+      <a:effectRef idx="0">
+        <a:scrgbClr r="0" g="0" b="0"/>
+      </a:effectRef>
+      <a:fontRef idx="minor">
+        <a:schemeClr val="lt1"/>
+      </a:fontRef>
+    </dgm:style>
+  </dgm:styleLbl>
+  <dgm:styleLbl name="solidAlignAcc1">
+    <dgm:scene3d>
+      <a:camera prst="orthographicFront"/>
+      <a:lightRig rig="threePt" dir="t"/>
+    </dgm:scene3d>
+    <dgm:txPr/>
+    <dgm:style>
+      <a:lnRef idx="2">
+        <a:scrgbClr r="0" g="0" b="0"/>
+      </a:lnRef>
+      <a:fillRef idx="1">
+        <a:scrgbClr r="0" g="0" b="0"/>
+      </a:fillRef>
+      <a:effectRef idx="0">
+        <a:scrgbClr r="0" g="0" b="0"/>
+      </a:effectRef>
+      <a:fontRef idx="minor"/>
+    </dgm:style>
+  </dgm:styleLbl>
+  <dgm:styleLbl name="solidBgAcc1">
+    <dgm:scene3d>
+      <a:camera prst="orthographicFront"/>
+      <a:lightRig rig="threePt" dir="t"/>
+    </dgm:scene3d>
+    <dgm:txPr/>
+    <dgm:style>
+      <a:lnRef idx="2">
+        <a:scrgbClr r="0" g="0" b="0"/>
+      </a:lnRef>
+      <a:fillRef idx="1">
+        <a:scrgbClr r="0" g="0" b="0"/>
+      </a:fillRef>
+      <a:effectRef idx="0">
+        <a:scrgbClr r="0" g="0" b="0"/>
+      </a:effectRef>
+      <a:fontRef idx="minor"/>
+    </dgm:style>
+  </dgm:styleLbl>
+  <dgm:styleLbl name="solidFgAcc1">
+    <dgm:scene3d>
+      <a:camera prst="orthographicFront"/>
+      <a:lightRig rig="threePt" dir="t"/>
+    </dgm:scene3d>
+    <dgm:txPr/>
+    <dgm:style>
+      <a:lnRef idx="2">
+        <a:scrgbClr r="0" g="0" b="0"/>
+      </a:lnRef>
+      <a:fillRef idx="1">
+        <a:scrgbClr r="0" g="0" b="0"/>
+      </a:fillRef>
+      <a:effectRef idx="0">
+        <a:scrgbClr r="0" g="0" b="0"/>
+      </a:effectRef>
+      <a:fontRef idx="minor"/>
+    </dgm:style>
+  </dgm:styleLbl>
+  <dgm:styleLbl name="trAlignAcc1">
+    <dgm:scene3d>
+      <a:camera prst="orthographicFront"/>
+      <a:lightRig rig="threePt" dir="t"/>
+    </dgm:scene3d>
+    <dgm:txPr/>
+    <dgm:style>
+      <a:lnRef idx="1">
+        <a:scrgbClr r="0" g="0" b="0"/>
+      </a:lnRef>
+      <a:fillRef idx="1">
+        <a:scrgbClr r="0" g="0" b="0"/>
+      </a:fillRef>
+      <a:effectRef idx="0">
+        <a:scrgbClr r="0" g="0" b="0"/>
+      </a:effectRef>
+      <a:fontRef idx="minor"/>
+    </dgm:style>
+  </dgm:styleLbl>
+  <dgm:styleLbl name="trBgShp">
+    <dgm:scene3d>
+      <a:camera prst="orthographicFront"/>
+      <a:lightRig rig="threePt" dir="t"/>
+    </dgm:scene3d>
+    <dgm:txPr/>
+    <dgm:style>
+      <a:lnRef idx="0">
+        <a:scrgbClr r="0" g="0" b="0"/>
+      </a:lnRef>
+      <a:fillRef idx="1">
+        <a:scrgbClr r="0" g="0" b="0"/>
+      </a:fillRef>
+      <a:effectRef idx="0">
+        <a:scrgbClr r="0" g="0" b="0"/>
+      </a:effectRef>
+      <a:fontRef idx="minor"/>
+    </dgm:style>
+  </dgm:styleLbl>
   <dgm:styleLbl name="vennNode1">
     <dgm:scene3d>
       <a:camera prst="orthographicFront"/>
       <a:lightRig rig="threePt" dir="t"/>
     </dgm:scene3d>
-    <dgm:sp3d/>
     <dgm:txPr/>
     <dgm:style>
       <a:lnRef idx="2">
@@ -22025,960 +22504,6 @@
       <a:fontRef idx="minor">
         <a:schemeClr val="tx1"/>
       </a:fontRef>
-    </dgm:style>
-  </dgm:styleLbl>
-  <dgm:styleLbl name="alignNode1">
-    <dgm:scene3d>
-      <a:camera prst="orthographicFront"/>
-      <a:lightRig rig="threePt" dir="t"/>
-    </dgm:scene3d>
-    <dgm:sp3d/>
-    <dgm:txPr/>
-    <dgm:style>
-      <a:lnRef idx="2">
-        <a:scrgbClr r="0" g="0" b="0"/>
-      </a:lnRef>
-      <a:fillRef idx="1">
-        <a:scrgbClr r="0" g="0" b="0"/>
-      </a:fillRef>
-      <a:effectRef idx="0">
-        <a:scrgbClr r="0" g="0" b="0"/>
-      </a:effectRef>
-      <a:fontRef idx="minor">
-        <a:schemeClr val="lt1"/>
-      </a:fontRef>
-    </dgm:style>
-  </dgm:styleLbl>
-  <dgm:styleLbl name="node1">
-    <dgm:scene3d>
-      <a:camera prst="orthographicFront"/>
-      <a:lightRig rig="threePt" dir="t"/>
-    </dgm:scene3d>
-    <dgm:sp3d/>
-    <dgm:txPr/>
-    <dgm:style>
-      <a:lnRef idx="2">
-        <a:scrgbClr r="0" g="0" b="0"/>
-      </a:lnRef>
-      <a:fillRef idx="1">
-        <a:scrgbClr r="0" g="0" b="0"/>
-      </a:fillRef>
-      <a:effectRef idx="0">
-        <a:scrgbClr r="0" g="0" b="0"/>
-      </a:effectRef>
-      <a:fontRef idx="minor">
-        <a:schemeClr val="lt1"/>
-      </a:fontRef>
-    </dgm:style>
-  </dgm:styleLbl>
-  <dgm:styleLbl name="node2">
-    <dgm:scene3d>
-      <a:camera prst="orthographicFront"/>
-      <a:lightRig rig="threePt" dir="t"/>
-    </dgm:scene3d>
-    <dgm:sp3d/>
-    <dgm:txPr/>
-    <dgm:style>
-      <a:lnRef idx="2">
-        <a:scrgbClr r="0" g="0" b="0"/>
-      </a:lnRef>
-      <a:fillRef idx="1">
-        <a:scrgbClr r="0" g="0" b="0"/>
-      </a:fillRef>
-      <a:effectRef idx="0">
-        <a:scrgbClr r="0" g="0" b="0"/>
-      </a:effectRef>
-      <a:fontRef idx="minor">
-        <a:schemeClr val="lt1"/>
-      </a:fontRef>
-    </dgm:style>
-  </dgm:styleLbl>
-  <dgm:styleLbl name="node3">
-    <dgm:scene3d>
-      <a:camera prst="orthographicFront"/>
-      <a:lightRig rig="threePt" dir="t"/>
-    </dgm:scene3d>
-    <dgm:sp3d/>
-    <dgm:txPr/>
-    <dgm:style>
-      <a:lnRef idx="2">
-        <a:scrgbClr r="0" g="0" b="0"/>
-      </a:lnRef>
-      <a:fillRef idx="1">
-        <a:scrgbClr r="0" g="0" b="0"/>
-      </a:fillRef>
-      <a:effectRef idx="0">
-        <a:scrgbClr r="0" g="0" b="0"/>
-      </a:effectRef>
-      <a:fontRef idx="minor">
-        <a:schemeClr val="lt1"/>
-      </a:fontRef>
-    </dgm:style>
-  </dgm:styleLbl>
-  <dgm:styleLbl name="node4">
-    <dgm:scene3d>
-      <a:camera prst="orthographicFront"/>
-      <a:lightRig rig="threePt" dir="t"/>
-    </dgm:scene3d>
-    <dgm:sp3d/>
-    <dgm:txPr/>
-    <dgm:style>
-      <a:lnRef idx="2">
-        <a:scrgbClr r="0" g="0" b="0"/>
-      </a:lnRef>
-      <a:fillRef idx="1">
-        <a:scrgbClr r="0" g="0" b="0"/>
-      </a:fillRef>
-      <a:effectRef idx="0">
-        <a:scrgbClr r="0" g="0" b="0"/>
-      </a:effectRef>
-      <a:fontRef idx="minor">
-        <a:schemeClr val="lt1"/>
-      </a:fontRef>
-    </dgm:style>
-  </dgm:styleLbl>
-  <dgm:styleLbl name="fgImgPlace1">
-    <dgm:scene3d>
-      <a:camera prst="orthographicFront"/>
-      <a:lightRig rig="threePt" dir="t"/>
-    </dgm:scene3d>
-    <dgm:sp3d/>
-    <dgm:txPr/>
-    <dgm:style>
-      <a:lnRef idx="2">
-        <a:scrgbClr r="0" g="0" b="0"/>
-      </a:lnRef>
-      <a:fillRef idx="1">
-        <a:scrgbClr r="0" g="0" b="0"/>
-      </a:fillRef>
-      <a:effectRef idx="0">
-        <a:scrgbClr r="0" g="0" b="0"/>
-      </a:effectRef>
-      <a:fontRef idx="minor"/>
-    </dgm:style>
-  </dgm:styleLbl>
-  <dgm:styleLbl name="alignImgPlace1">
-    <dgm:scene3d>
-      <a:camera prst="orthographicFront"/>
-      <a:lightRig rig="threePt" dir="t"/>
-    </dgm:scene3d>
-    <dgm:sp3d/>
-    <dgm:txPr/>
-    <dgm:style>
-      <a:lnRef idx="2">
-        <a:scrgbClr r="0" g="0" b="0"/>
-      </a:lnRef>
-      <a:fillRef idx="1">
-        <a:scrgbClr r="0" g="0" b="0"/>
-      </a:fillRef>
-      <a:effectRef idx="0">
-        <a:scrgbClr r="0" g="0" b="0"/>
-      </a:effectRef>
-      <a:fontRef idx="minor"/>
-    </dgm:style>
-  </dgm:styleLbl>
-  <dgm:styleLbl name="bgImgPlace1">
-    <dgm:scene3d>
-      <a:camera prst="orthographicFront"/>
-      <a:lightRig rig="threePt" dir="t"/>
-    </dgm:scene3d>
-    <dgm:sp3d/>
-    <dgm:txPr/>
-    <dgm:style>
-      <a:lnRef idx="2">
-        <a:scrgbClr r="0" g="0" b="0"/>
-      </a:lnRef>
-      <a:fillRef idx="1">
-        <a:scrgbClr r="0" g="0" b="0"/>
-      </a:fillRef>
-      <a:effectRef idx="0">
-        <a:scrgbClr r="0" g="0" b="0"/>
-      </a:effectRef>
-      <a:fontRef idx="minor"/>
-    </dgm:style>
-  </dgm:styleLbl>
-  <dgm:styleLbl name="sibTrans2D1">
-    <dgm:scene3d>
-      <a:camera prst="orthographicFront"/>
-      <a:lightRig rig="threePt" dir="t"/>
-    </dgm:scene3d>
-    <dgm:sp3d/>
-    <dgm:txPr/>
-    <dgm:style>
-      <a:lnRef idx="0">
-        <a:scrgbClr r="0" g="0" b="0"/>
-      </a:lnRef>
-      <a:fillRef idx="1">
-        <a:scrgbClr r="0" g="0" b="0"/>
-      </a:fillRef>
-      <a:effectRef idx="0">
-        <a:scrgbClr r="0" g="0" b="0"/>
-      </a:effectRef>
-      <a:fontRef idx="minor">
-        <a:schemeClr val="lt1"/>
-      </a:fontRef>
-    </dgm:style>
-  </dgm:styleLbl>
-  <dgm:styleLbl name="fgSibTrans2D1">
-    <dgm:scene3d>
-      <a:camera prst="orthographicFront"/>
-      <a:lightRig rig="threePt" dir="t"/>
-    </dgm:scene3d>
-    <dgm:sp3d/>
-    <dgm:txPr/>
-    <dgm:style>
-      <a:lnRef idx="0">
-        <a:scrgbClr r="0" g="0" b="0"/>
-      </a:lnRef>
-      <a:fillRef idx="1">
-        <a:scrgbClr r="0" g="0" b="0"/>
-      </a:fillRef>
-      <a:effectRef idx="0">
-        <a:scrgbClr r="0" g="0" b="0"/>
-      </a:effectRef>
-      <a:fontRef idx="minor">
-        <a:schemeClr val="lt1"/>
-      </a:fontRef>
-    </dgm:style>
-  </dgm:styleLbl>
-  <dgm:styleLbl name="bgSibTrans2D1">
-    <dgm:scene3d>
-      <a:camera prst="orthographicFront"/>
-      <a:lightRig rig="threePt" dir="t"/>
-    </dgm:scene3d>
-    <dgm:sp3d/>
-    <dgm:txPr/>
-    <dgm:style>
-      <a:lnRef idx="0">
-        <a:scrgbClr r="0" g="0" b="0"/>
-      </a:lnRef>
-      <a:fillRef idx="1">
-        <a:scrgbClr r="0" g="0" b="0"/>
-      </a:fillRef>
-      <a:effectRef idx="0">
-        <a:scrgbClr r="0" g="0" b="0"/>
-      </a:effectRef>
-      <a:fontRef idx="minor">
-        <a:schemeClr val="lt1"/>
-      </a:fontRef>
-    </dgm:style>
-  </dgm:styleLbl>
-  <dgm:styleLbl name="sibTrans1D1">
-    <dgm:scene3d>
-      <a:camera prst="orthographicFront"/>
-      <a:lightRig rig="threePt" dir="t"/>
-    </dgm:scene3d>
-    <dgm:sp3d/>
-    <dgm:txPr/>
-    <dgm:style>
-      <a:lnRef idx="1">
-        <a:scrgbClr r="0" g="0" b="0"/>
-      </a:lnRef>
-      <a:fillRef idx="0">
-        <a:scrgbClr r="0" g="0" b="0"/>
-      </a:fillRef>
-      <a:effectRef idx="0">
-        <a:scrgbClr r="0" g="0" b="0"/>
-      </a:effectRef>
-      <a:fontRef idx="minor"/>
-    </dgm:style>
-  </dgm:styleLbl>
-  <dgm:styleLbl name="callout">
-    <dgm:scene3d>
-      <a:camera prst="orthographicFront"/>
-      <a:lightRig rig="threePt" dir="t"/>
-    </dgm:scene3d>
-    <dgm:sp3d/>
-    <dgm:txPr/>
-    <dgm:style>
-      <a:lnRef idx="2">
-        <a:scrgbClr r="0" g="0" b="0"/>
-      </a:lnRef>
-      <a:fillRef idx="1">
-        <a:scrgbClr r="0" g="0" b="0"/>
-      </a:fillRef>
-      <a:effectRef idx="0">
-        <a:scrgbClr r="0" g="0" b="0"/>
-      </a:effectRef>
-      <a:fontRef idx="minor"/>
-    </dgm:style>
-  </dgm:styleLbl>
-  <dgm:styleLbl name="asst0">
-    <dgm:scene3d>
-      <a:camera prst="orthographicFront"/>
-      <a:lightRig rig="threePt" dir="t"/>
-    </dgm:scene3d>
-    <dgm:sp3d/>
-    <dgm:txPr/>
-    <dgm:style>
-      <a:lnRef idx="2">
-        <a:scrgbClr r="0" g="0" b="0"/>
-      </a:lnRef>
-      <a:fillRef idx="1">
-        <a:scrgbClr r="0" g="0" b="0"/>
-      </a:fillRef>
-      <a:effectRef idx="0">
-        <a:scrgbClr r="0" g="0" b="0"/>
-      </a:effectRef>
-      <a:fontRef idx="minor">
-        <a:schemeClr val="lt1"/>
-      </a:fontRef>
-    </dgm:style>
-  </dgm:styleLbl>
-  <dgm:styleLbl name="asst1">
-    <dgm:scene3d>
-      <a:camera prst="orthographicFront"/>
-      <a:lightRig rig="threePt" dir="t"/>
-    </dgm:scene3d>
-    <dgm:sp3d/>
-    <dgm:txPr/>
-    <dgm:style>
-      <a:lnRef idx="2">
-        <a:scrgbClr r="0" g="0" b="0"/>
-      </a:lnRef>
-      <a:fillRef idx="1">
-        <a:scrgbClr r="0" g="0" b="0"/>
-      </a:fillRef>
-      <a:effectRef idx="0">
-        <a:scrgbClr r="0" g="0" b="0"/>
-      </a:effectRef>
-      <a:fontRef idx="minor">
-        <a:schemeClr val="lt1"/>
-      </a:fontRef>
-    </dgm:style>
-  </dgm:styleLbl>
-  <dgm:styleLbl name="asst2">
-    <dgm:scene3d>
-      <a:camera prst="orthographicFront"/>
-      <a:lightRig rig="threePt" dir="t"/>
-    </dgm:scene3d>
-    <dgm:sp3d/>
-    <dgm:txPr/>
-    <dgm:style>
-      <a:lnRef idx="2">
-        <a:scrgbClr r="0" g="0" b="0"/>
-      </a:lnRef>
-      <a:fillRef idx="1">
-        <a:scrgbClr r="0" g="0" b="0"/>
-      </a:fillRef>
-      <a:effectRef idx="0">
-        <a:scrgbClr r="0" g="0" b="0"/>
-      </a:effectRef>
-      <a:fontRef idx="minor">
-        <a:schemeClr val="lt1"/>
-      </a:fontRef>
-    </dgm:style>
-  </dgm:styleLbl>
-  <dgm:styleLbl name="asst3">
-    <dgm:scene3d>
-      <a:camera prst="orthographicFront"/>
-      <a:lightRig rig="threePt" dir="t"/>
-    </dgm:scene3d>
-    <dgm:sp3d/>
-    <dgm:txPr/>
-    <dgm:style>
-      <a:lnRef idx="2">
-        <a:scrgbClr r="0" g="0" b="0"/>
-      </a:lnRef>
-      <a:fillRef idx="1">
-        <a:scrgbClr r="0" g="0" b="0"/>
-      </a:fillRef>
-      <a:effectRef idx="0">
-        <a:scrgbClr r="0" g="0" b="0"/>
-      </a:effectRef>
-      <a:fontRef idx="minor">
-        <a:schemeClr val="lt1"/>
-      </a:fontRef>
-    </dgm:style>
-  </dgm:styleLbl>
-  <dgm:styleLbl name="asst4">
-    <dgm:scene3d>
-      <a:camera prst="orthographicFront"/>
-      <a:lightRig rig="threePt" dir="t"/>
-    </dgm:scene3d>
-    <dgm:sp3d/>
-    <dgm:txPr/>
-    <dgm:style>
-      <a:lnRef idx="2">
-        <a:scrgbClr r="0" g="0" b="0"/>
-      </a:lnRef>
-      <a:fillRef idx="1">
-        <a:scrgbClr r="0" g="0" b="0"/>
-      </a:fillRef>
-      <a:effectRef idx="0">
-        <a:scrgbClr r="0" g="0" b="0"/>
-      </a:effectRef>
-      <a:fontRef idx="minor">
-        <a:schemeClr val="lt1"/>
-      </a:fontRef>
-    </dgm:style>
-  </dgm:styleLbl>
-  <dgm:styleLbl name="parChTrans2D1">
-    <dgm:scene3d>
-      <a:camera prst="orthographicFront"/>
-      <a:lightRig rig="threePt" dir="t"/>
-    </dgm:scene3d>
-    <dgm:sp3d/>
-    <dgm:txPr/>
-    <dgm:style>
-      <a:lnRef idx="2">
-        <a:scrgbClr r="0" g="0" b="0"/>
-      </a:lnRef>
-      <a:fillRef idx="1">
-        <a:scrgbClr r="0" g="0" b="0"/>
-      </a:fillRef>
-      <a:effectRef idx="0">
-        <a:scrgbClr r="0" g="0" b="0"/>
-      </a:effectRef>
-      <a:fontRef idx="minor">
-        <a:schemeClr val="lt1"/>
-      </a:fontRef>
-    </dgm:style>
-  </dgm:styleLbl>
-  <dgm:styleLbl name="parChTrans2D2">
-    <dgm:scene3d>
-      <a:camera prst="orthographicFront"/>
-      <a:lightRig rig="threePt" dir="t"/>
-    </dgm:scene3d>
-    <dgm:sp3d/>
-    <dgm:txPr/>
-    <dgm:style>
-      <a:lnRef idx="2">
-        <a:scrgbClr r="0" g="0" b="0"/>
-      </a:lnRef>
-      <a:fillRef idx="1">
-        <a:scrgbClr r="0" g="0" b="0"/>
-      </a:fillRef>
-      <a:effectRef idx="0">
-        <a:scrgbClr r="0" g="0" b="0"/>
-      </a:effectRef>
-      <a:fontRef idx="minor">
-        <a:schemeClr val="lt1"/>
-      </a:fontRef>
-    </dgm:style>
-  </dgm:styleLbl>
-  <dgm:styleLbl name="parChTrans2D3">
-    <dgm:scene3d>
-      <a:camera prst="orthographicFront"/>
-      <a:lightRig rig="threePt" dir="t"/>
-    </dgm:scene3d>
-    <dgm:sp3d/>
-    <dgm:txPr/>
-    <dgm:style>
-      <a:lnRef idx="2">
-        <a:scrgbClr r="0" g="0" b="0"/>
-      </a:lnRef>
-      <a:fillRef idx="1">
-        <a:scrgbClr r="0" g="0" b="0"/>
-      </a:fillRef>
-      <a:effectRef idx="0">
-        <a:scrgbClr r="0" g="0" b="0"/>
-      </a:effectRef>
-      <a:fontRef idx="minor">
-        <a:schemeClr val="lt1"/>
-      </a:fontRef>
-    </dgm:style>
-  </dgm:styleLbl>
-  <dgm:styleLbl name="parChTrans2D4">
-    <dgm:scene3d>
-      <a:camera prst="orthographicFront"/>
-      <a:lightRig rig="threePt" dir="t"/>
-    </dgm:scene3d>
-    <dgm:sp3d/>
-    <dgm:txPr/>
-    <dgm:style>
-      <a:lnRef idx="2">
-        <a:scrgbClr r="0" g="0" b="0"/>
-      </a:lnRef>
-      <a:fillRef idx="1">
-        <a:scrgbClr r="0" g="0" b="0"/>
-      </a:fillRef>
-      <a:effectRef idx="0">
-        <a:scrgbClr r="0" g="0" b="0"/>
-      </a:effectRef>
-      <a:fontRef idx="minor">
-        <a:schemeClr val="lt1"/>
-      </a:fontRef>
-    </dgm:style>
-  </dgm:styleLbl>
-  <dgm:styleLbl name="parChTrans1D1">
-    <dgm:scene3d>
-      <a:camera prst="orthographicFront"/>
-      <a:lightRig rig="threePt" dir="t"/>
-    </dgm:scene3d>
-    <dgm:sp3d/>
-    <dgm:txPr/>
-    <dgm:style>
-      <a:lnRef idx="2">
-        <a:scrgbClr r="0" g="0" b="0"/>
-      </a:lnRef>
-      <a:fillRef idx="0">
-        <a:scrgbClr r="0" g="0" b="0"/>
-      </a:fillRef>
-      <a:effectRef idx="0">
-        <a:scrgbClr r="0" g="0" b="0"/>
-      </a:effectRef>
-      <a:fontRef idx="minor"/>
-    </dgm:style>
-  </dgm:styleLbl>
-  <dgm:styleLbl name="parChTrans1D2">
-    <dgm:scene3d>
-      <a:camera prst="orthographicFront"/>
-      <a:lightRig rig="threePt" dir="t"/>
-    </dgm:scene3d>
-    <dgm:sp3d/>
-    <dgm:txPr/>
-    <dgm:style>
-      <a:lnRef idx="2">
-        <a:scrgbClr r="0" g="0" b="0"/>
-      </a:lnRef>
-      <a:fillRef idx="0">
-        <a:scrgbClr r="0" g="0" b="0"/>
-      </a:fillRef>
-      <a:effectRef idx="0">
-        <a:scrgbClr r="0" g="0" b="0"/>
-      </a:effectRef>
-      <a:fontRef idx="minor"/>
-    </dgm:style>
-  </dgm:styleLbl>
-  <dgm:styleLbl name="parChTrans1D3">
-    <dgm:scene3d>
-      <a:camera prst="orthographicFront"/>
-      <a:lightRig rig="threePt" dir="t"/>
-    </dgm:scene3d>
-    <dgm:sp3d/>
-    <dgm:txPr/>
-    <dgm:style>
-      <a:lnRef idx="2">
-        <a:scrgbClr r="0" g="0" b="0"/>
-      </a:lnRef>
-      <a:fillRef idx="0">
-        <a:scrgbClr r="0" g="0" b="0"/>
-      </a:fillRef>
-      <a:effectRef idx="0">
-        <a:scrgbClr r="0" g="0" b="0"/>
-      </a:effectRef>
-      <a:fontRef idx="minor"/>
-    </dgm:style>
-  </dgm:styleLbl>
-  <dgm:styleLbl name="parChTrans1D4">
-    <dgm:scene3d>
-      <a:camera prst="orthographicFront"/>
-      <a:lightRig rig="threePt" dir="t"/>
-    </dgm:scene3d>
-    <dgm:sp3d/>
-    <dgm:txPr/>
-    <dgm:style>
-      <a:lnRef idx="2">
-        <a:scrgbClr r="0" g="0" b="0"/>
-      </a:lnRef>
-      <a:fillRef idx="0">
-        <a:scrgbClr r="0" g="0" b="0"/>
-      </a:fillRef>
-      <a:effectRef idx="0">
-        <a:scrgbClr r="0" g="0" b="0"/>
-      </a:effectRef>
-      <a:fontRef idx="minor"/>
-    </dgm:style>
-  </dgm:styleLbl>
-  <dgm:styleLbl name="fgAcc1">
-    <dgm:scene3d>
-      <a:camera prst="orthographicFront"/>
-      <a:lightRig rig="threePt" dir="t"/>
-    </dgm:scene3d>
-    <dgm:sp3d/>
-    <dgm:txPr/>
-    <dgm:style>
-      <a:lnRef idx="2">
-        <a:scrgbClr r="0" g="0" b="0"/>
-      </a:lnRef>
-      <a:fillRef idx="1">
-        <a:scrgbClr r="0" g="0" b="0"/>
-      </a:fillRef>
-      <a:effectRef idx="0">
-        <a:scrgbClr r="0" g="0" b="0"/>
-      </a:effectRef>
-      <a:fontRef idx="minor"/>
-    </dgm:style>
-  </dgm:styleLbl>
-  <dgm:styleLbl name="conFgAcc1">
-    <dgm:scene3d>
-      <a:camera prst="orthographicFront"/>
-      <a:lightRig rig="threePt" dir="t"/>
-    </dgm:scene3d>
-    <dgm:sp3d/>
-    <dgm:txPr/>
-    <dgm:style>
-      <a:lnRef idx="2">
-        <a:scrgbClr r="0" g="0" b="0"/>
-      </a:lnRef>
-      <a:fillRef idx="1">
-        <a:scrgbClr r="0" g="0" b="0"/>
-      </a:fillRef>
-      <a:effectRef idx="0">
-        <a:scrgbClr r="0" g="0" b="0"/>
-      </a:effectRef>
-      <a:fontRef idx="minor"/>
-    </dgm:style>
-  </dgm:styleLbl>
-  <dgm:styleLbl name="alignAcc1">
-    <dgm:scene3d>
-      <a:camera prst="orthographicFront"/>
-      <a:lightRig rig="threePt" dir="t"/>
-    </dgm:scene3d>
-    <dgm:sp3d/>
-    <dgm:txPr/>
-    <dgm:style>
-      <a:lnRef idx="2">
-        <a:scrgbClr r="0" g="0" b="0"/>
-      </a:lnRef>
-      <a:fillRef idx="1">
-        <a:scrgbClr r="0" g="0" b="0"/>
-      </a:fillRef>
-      <a:effectRef idx="0">
-        <a:scrgbClr r="0" g="0" b="0"/>
-      </a:effectRef>
-      <a:fontRef idx="minor"/>
-    </dgm:style>
-  </dgm:styleLbl>
-  <dgm:styleLbl name="trAlignAcc1">
-    <dgm:scene3d>
-      <a:camera prst="orthographicFront"/>
-      <a:lightRig rig="threePt" dir="t"/>
-    </dgm:scene3d>
-    <dgm:sp3d/>
-    <dgm:txPr/>
-    <dgm:style>
-      <a:lnRef idx="1">
-        <a:scrgbClr r="0" g="0" b="0"/>
-      </a:lnRef>
-      <a:fillRef idx="1">
-        <a:scrgbClr r="0" g="0" b="0"/>
-      </a:fillRef>
-      <a:effectRef idx="0">
-        <a:scrgbClr r="0" g="0" b="0"/>
-      </a:effectRef>
-      <a:fontRef idx="minor"/>
-    </dgm:style>
-  </dgm:styleLbl>
-  <dgm:styleLbl name="bgAcc1">
-    <dgm:scene3d>
-      <a:camera prst="orthographicFront"/>
-      <a:lightRig rig="threePt" dir="t"/>
-    </dgm:scene3d>
-    <dgm:sp3d/>
-    <dgm:txPr/>
-    <dgm:style>
-      <a:lnRef idx="2">
-        <a:scrgbClr r="0" g="0" b="0"/>
-      </a:lnRef>
-      <a:fillRef idx="1">
-        <a:scrgbClr r="0" g="0" b="0"/>
-      </a:fillRef>
-      <a:effectRef idx="0">
-        <a:scrgbClr r="0" g="0" b="0"/>
-      </a:effectRef>
-      <a:fontRef idx="minor"/>
-    </dgm:style>
-  </dgm:styleLbl>
-  <dgm:styleLbl name="solidFgAcc1">
-    <dgm:scene3d>
-      <a:camera prst="orthographicFront"/>
-      <a:lightRig rig="threePt" dir="t"/>
-    </dgm:scene3d>
-    <dgm:sp3d/>
-    <dgm:txPr/>
-    <dgm:style>
-      <a:lnRef idx="2">
-        <a:scrgbClr r="0" g="0" b="0"/>
-      </a:lnRef>
-      <a:fillRef idx="1">
-        <a:scrgbClr r="0" g="0" b="0"/>
-      </a:fillRef>
-      <a:effectRef idx="0">
-        <a:scrgbClr r="0" g="0" b="0"/>
-      </a:effectRef>
-      <a:fontRef idx="minor"/>
-    </dgm:style>
-  </dgm:styleLbl>
-  <dgm:styleLbl name="solidAlignAcc1">
-    <dgm:scene3d>
-      <a:camera prst="orthographicFront"/>
-      <a:lightRig rig="threePt" dir="t"/>
-    </dgm:scene3d>
-    <dgm:sp3d/>
-    <dgm:txPr/>
-    <dgm:style>
-      <a:lnRef idx="2">
-        <a:scrgbClr r="0" g="0" b="0"/>
-      </a:lnRef>
-      <a:fillRef idx="1">
-        <a:scrgbClr r="0" g="0" b="0"/>
-      </a:fillRef>
-      <a:effectRef idx="0">
-        <a:scrgbClr r="0" g="0" b="0"/>
-      </a:effectRef>
-      <a:fontRef idx="minor"/>
-    </dgm:style>
-  </dgm:styleLbl>
-  <dgm:styleLbl name="solidBgAcc1">
-    <dgm:scene3d>
-      <a:camera prst="orthographicFront"/>
-      <a:lightRig rig="threePt" dir="t"/>
-    </dgm:scene3d>
-    <dgm:sp3d/>
-    <dgm:txPr/>
-    <dgm:style>
-      <a:lnRef idx="2">
-        <a:scrgbClr r="0" g="0" b="0"/>
-      </a:lnRef>
-      <a:fillRef idx="1">
-        <a:scrgbClr r="0" g="0" b="0"/>
-      </a:fillRef>
-      <a:effectRef idx="0">
-        <a:scrgbClr r="0" g="0" b="0"/>
-      </a:effectRef>
-      <a:fontRef idx="minor"/>
-    </dgm:style>
-  </dgm:styleLbl>
-  <dgm:styleLbl name="fgAccFollowNode1">
-    <dgm:scene3d>
-      <a:camera prst="orthographicFront"/>
-      <a:lightRig rig="threePt" dir="t"/>
-    </dgm:scene3d>
-    <dgm:sp3d/>
-    <dgm:txPr/>
-    <dgm:style>
-      <a:lnRef idx="2">
-        <a:scrgbClr r="0" g="0" b="0"/>
-      </a:lnRef>
-      <a:fillRef idx="1">
-        <a:scrgbClr r="0" g="0" b="0"/>
-      </a:fillRef>
-      <a:effectRef idx="0">
-        <a:scrgbClr r="0" g="0" b="0"/>
-      </a:effectRef>
-      <a:fontRef idx="minor"/>
-    </dgm:style>
-  </dgm:styleLbl>
-  <dgm:styleLbl name="alignAccFollowNode1">
-    <dgm:scene3d>
-      <a:camera prst="orthographicFront"/>
-      <a:lightRig rig="threePt" dir="t"/>
-    </dgm:scene3d>
-    <dgm:sp3d/>
-    <dgm:txPr/>
-    <dgm:style>
-      <a:lnRef idx="2">
-        <a:scrgbClr r="0" g="0" b="0"/>
-      </a:lnRef>
-      <a:fillRef idx="1">
-        <a:scrgbClr r="0" g="0" b="0"/>
-      </a:fillRef>
-      <a:effectRef idx="0">
-        <a:scrgbClr r="0" g="0" b="0"/>
-      </a:effectRef>
-      <a:fontRef idx="minor"/>
-    </dgm:style>
-  </dgm:styleLbl>
-  <dgm:styleLbl name="bgAccFollowNode1">
-    <dgm:scene3d>
-      <a:camera prst="orthographicFront"/>
-      <a:lightRig rig="threePt" dir="t"/>
-    </dgm:scene3d>
-    <dgm:sp3d/>
-    <dgm:txPr/>
-    <dgm:style>
-      <a:lnRef idx="2">
-        <a:scrgbClr r="0" g="0" b="0"/>
-      </a:lnRef>
-      <a:fillRef idx="1">
-        <a:scrgbClr r="0" g="0" b="0"/>
-      </a:fillRef>
-      <a:effectRef idx="0">
-        <a:scrgbClr r="0" g="0" b="0"/>
-      </a:effectRef>
-      <a:fontRef idx="minor"/>
-    </dgm:style>
-  </dgm:styleLbl>
-  <dgm:styleLbl name="fgAcc0">
-    <dgm:scene3d>
-      <a:camera prst="orthographicFront"/>
-      <a:lightRig rig="threePt" dir="t"/>
-    </dgm:scene3d>
-    <dgm:sp3d/>
-    <dgm:txPr/>
-    <dgm:style>
-      <a:lnRef idx="2">
-        <a:scrgbClr r="0" g="0" b="0"/>
-      </a:lnRef>
-      <a:fillRef idx="1">
-        <a:scrgbClr r="0" g="0" b="0"/>
-      </a:fillRef>
-      <a:effectRef idx="0">
-        <a:scrgbClr r="0" g="0" b="0"/>
-      </a:effectRef>
-      <a:fontRef idx="minor"/>
-    </dgm:style>
-  </dgm:styleLbl>
-  <dgm:styleLbl name="fgAcc2">
-    <dgm:scene3d>
-      <a:camera prst="orthographicFront"/>
-      <a:lightRig rig="threePt" dir="t"/>
-    </dgm:scene3d>
-    <dgm:sp3d/>
-    <dgm:txPr/>
-    <dgm:style>
-      <a:lnRef idx="2">
-        <a:scrgbClr r="0" g="0" b="0"/>
-      </a:lnRef>
-      <a:fillRef idx="1">
-        <a:scrgbClr r="0" g="0" b="0"/>
-      </a:fillRef>
-      <a:effectRef idx="0">
-        <a:scrgbClr r="0" g="0" b="0"/>
-      </a:effectRef>
-      <a:fontRef idx="minor"/>
-    </dgm:style>
-  </dgm:styleLbl>
-  <dgm:styleLbl name="fgAcc3">
-    <dgm:scene3d>
-      <a:camera prst="orthographicFront"/>
-      <a:lightRig rig="threePt" dir="t"/>
-    </dgm:scene3d>
-    <dgm:sp3d/>
-    <dgm:txPr/>
-    <dgm:style>
-      <a:lnRef idx="2">
-        <a:scrgbClr r="0" g="0" b="0"/>
-      </a:lnRef>
-      <a:fillRef idx="1">
-        <a:scrgbClr r="0" g="0" b="0"/>
-      </a:fillRef>
-      <a:effectRef idx="0">
-        <a:scrgbClr r="0" g="0" b="0"/>
-      </a:effectRef>
-      <a:fontRef idx="minor"/>
-    </dgm:style>
-  </dgm:styleLbl>
-  <dgm:styleLbl name="fgAcc4">
-    <dgm:scene3d>
-      <a:camera prst="orthographicFront"/>
-      <a:lightRig rig="threePt" dir="t"/>
-    </dgm:scene3d>
-    <dgm:sp3d/>
-    <dgm:txPr/>
-    <dgm:style>
-      <a:lnRef idx="2">
-        <a:scrgbClr r="0" g="0" b="0"/>
-      </a:lnRef>
-      <a:fillRef idx="1">
-        <a:scrgbClr r="0" g="0" b="0"/>
-      </a:fillRef>
-      <a:effectRef idx="0">
-        <a:scrgbClr r="0" g="0" b="0"/>
-      </a:effectRef>
-      <a:fontRef idx="minor"/>
-    </dgm:style>
-  </dgm:styleLbl>
-  <dgm:styleLbl name="bgShp">
-    <dgm:scene3d>
-      <a:camera prst="orthographicFront"/>
-      <a:lightRig rig="threePt" dir="t"/>
-    </dgm:scene3d>
-    <dgm:sp3d/>
-    <dgm:txPr/>
-    <dgm:style>
-      <a:lnRef idx="0">
-        <a:scrgbClr r="0" g="0" b="0"/>
-      </a:lnRef>
-      <a:fillRef idx="1">
-        <a:scrgbClr r="0" g="0" b="0"/>
-      </a:fillRef>
-      <a:effectRef idx="0">
-        <a:scrgbClr r="0" g="0" b="0"/>
-      </a:effectRef>
-      <a:fontRef idx="minor"/>
-    </dgm:style>
-  </dgm:styleLbl>
-  <dgm:styleLbl name="dkBgShp">
-    <dgm:scene3d>
-      <a:camera prst="orthographicFront"/>
-      <a:lightRig rig="threePt" dir="t"/>
-    </dgm:scene3d>
-    <dgm:sp3d/>
-    <dgm:txPr/>
-    <dgm:style>
-      <a:lnRef idx="0">
-        <a:scrgbClr r="0" g="0" b="0"/>
-      </a:lnRef>
-      <a:fillRef idx="1">
-        <a:scrgbClr r="0" g="0" b="0"/>
-      </a:fillRef>
-      <a:effectRef idx="0">
-        <a:scrgbClr r="0" g="0" b="0"/>
-      </a:effectRef>
-      <a:fontRef idx="minor"/>
-    </dgm:style>
-  </dgm:styleLbl>
-  <dgm:styleLbl name="trBgShp">
-    <dgm:scene3d>
-      <a:camera prst="orthographicFront"/>
-      <a:lightRig rig="threePt" dir="t"/>
-    </dgm:scene3d>
-    <dgm:sp3d/>
-    <dgm:txPr/>
-    <dgm:style>
-      <a:lnRef idx="0">
-        <a:scrgbClr r="0" g="0" b="0"/>
-      </a:lnRef>
-      <a:fillRef idx="1">
-        <a:scrgbClr r="0" g="0" b="0"/>
-      </a:fillRef>
-      <a:effectRef idx="0">
-        <a:scrgbClr r="0" g="0" b="0"/>
-      </a:effectRef>
-      <a:fontRef idx="minor"/>
-    </dgm:style>
-  </dgm:styleLbl>
-  <dgm:styleLbl name="fgShp">
-    <dgm:scene3d>
-      <a:camera prst="orthographicFront"/>
-      <a:lightRig rig="threePt" dir="t"/>
-    </dgm:scene3d>
-    <dgm:sp3d/>
-    <dgm:txPr/>
-    <dgm:style>
-      <a:lnRef idx="2">
-        <a:scrgbClr r="0" g="0" b="0"/>
-      </a:lnRef>
-      <a:fillRef idx="1">
-        <a:scrgbClr r="0" g="0" b="0"/>
-      </a:fillRef>
-      <a:effectRef idx="0">
-        <a:scrgbClr r="0" g="0" b="0"/>
-      </a:effectRef>
-      <a:fontRef idx="minor"/>
-    </dgm:style>
-  </dgm:styleLbl>
-  <dgm:styleLbl name="revTx">
-    <dgm:scene3d>
-      <a:camera prst="orthographicFront"/>
-      <a:lightRig rig="threePt" dir="t"/>
-    </dgm:scene3d>
-    <dgm:sp3d/>
-    <dgm:txPr/>
-    <dgm:style>
-      <a:lnRef idx="0">
-        <a:scrgbClr r="0" g="0" b="0"/>
-      </a:lnRef>
-      <a:fillRef idx="0">
-        <a:scrgbClr r="0" g="0" b="0"/>
-      </a:fillRef>
-      <a:effectRef idx="0">
-        <a:scrgbClr r="0" g="0" b="0"/>
-      </a:effectRef>
-      <a:fontRef idx="minor"/>
     </dgm:style>
   </dgm:styleLbl>
 </dgm:styleDef>
@@ -23029,6 +22554,7 @@
               <a:rPr lang="pt-BR"/>
               <a:t>Clique para editar o título Mestre</a:t>
             </a:r>
+            <a:endParaRPr lang="pt-BR"/>
           </a:p>
         </p:txBody>
       </p:sp>
@@ -23093,6 +22619,7 @@
               <a:rPr lang="pt-BR"/>
               <a:t>Clique para editar o estilo do subtítulo Mestre</a:t>
             </a:r>
+            <a:endParaRPr lang="pt-BR"/>
           </a:p>
         </p:txBody>
       </p:sp>
@@ -23113,7 +22640,6 @@
           <a:p>
             <a:fld id="{D49D7F51-FFC9-4E54-82C8-6F7AA2835DE3}" type="datetimeFigureOut">
               <a:rPr lang="pt-BR" smtClean="0"/>
-              <a:t>05/03/2020</a:t>
             </a:fld>
             <a:endParaRPr lang="pt-BR"/>
           </a:p>
@@ -23155,7 +22681,6 @@
           <a:p>
             <a:fld id="{A5665B60-0507-4D7C-A90F-1C0D85B96CD1}" type="slidenum">
               <a:rPr lang="pt-BR" smtClean="0"/>
-              <a:t>‹nº›</a:t>
             </a:fld>
             <a:endParaRPr lang="pt-BR"/>
           </a:p>
@@ -23205,6 +22730,7 @@
               <a:rPr lang="pt-BR"/>
               <a:t>Clique para editar o título Mestre</a:t>
             </a:r>
+            <a:endParaRPr lang="pt-BR"/>
           </a:p>
         </p:txBody>
       </p:sp>
@@ -23228,6 +22754,7 @@
               <a:rPr lang="pt-BR"/>
               <a:t>Clique para editar os estilos de texto Mestres</a:t>
             </a:r>
+            <a:endParaRPr lang="pt-BR"/>
           </a:p>
           <a:p>
             <a:pPr lvl="1"/>
@@ -23235,6 +22762,7 @@
               <a:rPr lang="pt-BR"/>
               <a:t>Segundo nível</a:t>
             </a:r>
+            <a:endParaRPr lang="pt-BR"/>
           </a:p>
           <a:p>
             <a:pPr lvl="2"/>
@@ -23242,6 +22770,7 @@
               <a:rPr lang="pt-BR"/>
               <a:t>Terceiro nível</a:t>
             </a:r>
+            <a:endParaRPr lang="pt-BR"/>
           </a:p>
           <a:p>
             <a:pPr lvl="3"/>
@@ -23249,6 +22778,7 @@
               <a:rPr lang="pt-BR"/>
               <a:t>Quarto nível</a:t>
             </a:r>
+            <a:endParaRPr lang="pt-BR"/>
           </a:p>
           <a:p>
             <a:pPr lvl="4"/>
@@ -23256,6 +22786,7 @@
               <a:rPr lang="pt-BR"/>
               <a:t>Quinto nível</a:t>
             </a:r>
+            <a:endParaRPr lang="pt-BR"/>
           </a:p>
         </p:txBody>
       </p:sp>
@@ -23276,7 +22807,6 @@
           <a:p>
             <a:fld id="{D49D7F51-FFC9-4E54-82C8-6F7AA2835DE3}" type="datetimeFigureOut">
               <a:rPr lang="pt-BR" smtClean="0"/>
-              <a:t>05/03/2020</a:t>
             </a:fld>
             <a:endParaRPr lang="pt-BR"/>
           </a:p>
@@ -23318,7 +22848,6 @@
           <a:p>
             <a:fld id="{A5665B60-0507-4D7C-A90F-1C0D85B96CD1}" type="slidenum">
               <a:rPr lang="pt-BR" smtClean="0"/>
-              <a:t>‹nº›</a:t>
             </a:fld>
             <a:endParaRPr lang="pt-BR"/>
           </a:p>
@@ -23373,6 +22902,7 @@
               <a:rPr lang="pt-BR"/>
               <a:t>Clique para editar o título Mestre</a:t>
             </a:r>
+            <a:endParaRPr lang="pt-BR"/>
           </a:p>
         </p:txBody>
       </p:sp>
@@ -23401,6 +22931,7 @@
               <a:rPr lang="pt-BR"/>
               <a:t>Clique para editar os estilos de texto Mestres</a:t>
             </a:r>
+            <a:endParaRPr lang="pt-BR"/>
           </a:p>
           <a:p>
             <a:pPr lvl="1"/>
@@ -23408,6 +22939,7 @@
               <a:rPr lang="pt-BR"/>
               <a:t>Segundo nível</a:t>
             </a:r>
+            <a:endParaRPr lang="pt-BR"/>
           </a:p>
           <a:p>
             <a:pPr lvl="2"/>
@@ -23415,6 +22947,7 @@
               <a:rPr lang="pt-BR"/>
               <a:t>Terceiro nível</a:t>
             </a:r>
+            <a:endParaRPr lang="pt-BR"/>
           </a:p>
           <a:p>
             <a:pPr lvl="3"/>
@@ -23422,6 +22955,7 @@
               <a:rPr lang="pt-BR"/>
               <a:t>Quarto nível</a:t>
             </a:r>
+            <a:endParaRPr lang="pt-BR"/>
           </a:p>
           <a:p>
             <a:pPr lvl="4"/>
@@ -23429,6 +22963,7 @@
               <a:rPr lang="pt-BR"/>
               <a:t>Quinto nível</a:t>
             </a:r>
+            <a:endParaRPr lang="pt-BR"/>
           </a:p>
         </p:txBody>
       </p:sp>
@@ -23449,7 +22984,6 @@
           <a:p>
             <a:fld id="{D49D7F51-FFC9-4E54-82C8-6F7AA2835DE3}" type="datetimeFigureOut">
               <a:rPr lang="pt-BR" smtClean="0"/>
-              <a:t>05/03/2020</a:t>
             </a:fld>
             <a:endParaRPr lang="pt-BR"/>
           </a:p>
@@ -23491,7 +23025,6 @@
           <a:p>
             <a:fld id="{A5665B60-0507-4D7C-A90F-1C0D85B96CD1}" type="slidenum">
               <a:rPr lang="pt-BR" smtClean="0"/>
-              <a:t>‹nº›</a:t>
             </a:fld>
             <a:endParaRPr lang="pt-BR"/>
           </a:p>
@@ -23541,6 +23074,7 @@
               <a:rPr lang="pt-BR"/>
               <a:t>Clique para editar o título Mestre</a:t>
             </a:r>
+            <a:endParaRPr lang="pt-BR"/>
           </a:p>
         </p:txBody>
       </p:sp>
@@ -23564,6 +23098,7 @@
               <a:rPr lang="pt-BR"/>
               <a:t>Clique para editar os estilos de texto Mestres</a:t>
             </a:r>
+            <a:endParaRPr lang="pt-BR"/>
           </a:p>
           <a:p>
             <a:pPr lvl="1"/>
@@ -23571,6 +23106,7 @@
               <a:rPr lang="pt-BR"/>
               <a:t>Segundo nível</a:t>
             </a:r>
+            <a:endParaRPr lang="pt-BR"/>
           </a:p>
           <a:p>
             <a:pPr lvl="2"/>
@@ -23578,6 +23114,7 @@
               <a:rPr lang="pt-BR"/>
               <a:t>Terceiro nível</a:t>
             </a:r>
+            <a:endParaRPr lang="pt-BR"/>
           </a:p>
           <a:p>
             <a:pPr lvl="3"/>
@@ -23585,6 +23122,7 @@
               <a:rPr lang="pt-BR"/>
               <a:t>Quarto nível</a:t>
             </a:r>
+            <a:endParaRPr lang="pt-BR"/>
           </a:p>
           <a:p>
             <a:pPr lvl="4"/>
@@ -23592,6 +23130,7 @@
               <a:rPr lang="pt-BR"/>
               <a:t>Quinto nível</a:t>
             </a:r>
+            <a:endParaRPr lang="pt-BR"/>
           </a:p>
         </p:txBody>
       </p:sp>
@@ -23612,7 +23151,6 @@
           <a:p>
             <a:fld id="{D49D7F51-FFC9-4E54-82C8-6F7AA2835DE3}" type="datetimeFigureOut">
               <a:rPr lang="pt-BR" smtClean="0"/>
-              <a:t>05/03/2020</a:t>
             </a:fld>
             <a:endParaRPr lang="pt-BR"/>
           </a:p>
@@ -23654,7 +23192,6 @@
           <a:p>
             <a:fld id="{A5665B60-0507-4D7C-A90F-1C0D85B96CD1}" type="slidenum">
               <a:rPr lang="pt-BR" smtClean="0"/>
-              <a:t>‹nº›</a:t>
             </a:fld>
             <a:endParaRPr lang="pt-BR"/>
           </a:p>
@@ -23713,6 +23250,7 @@
               <a:rPr lang="pt-BR"/>
               <a:t>Clique para editar o título Mestre</a:t>
             </a:r>
+            <a:endParaRPr lang="pt-BR"/>
           </a:p>
         </p:txBody>
       </p:sp>
@@ -23832,6 +23370,7 @@
               <a:rPr lang="pt-BR"/>
               <a:t>Clique para editar os estilos de texto Mestres</a:t>
             </a:r>
+            <a:endParaRPr lang="pt-BR"/>
           </a:p>
         </p:txBody>
       </p:sp>
@@ -23852,7 +23391,6 @@
           <a:p>
             <a:fld id="{D49D7F51-FFC9-4E54-82C8-6F7AA2835DE3}" type="datetimeFigureOut">
               <a:rPr lang="pt-BR" smtClean="0"/>
-              <a:t>05/03/2020</a:t>
             </a:fld>
             <a:endParaRPr lang="pt-BR"/>
           </a:p>
@@ -23894,7 +23432,6 @@
           <a:p>
             <a:fld id="{A5665B60-0507-4D7C-A90F-1C0D85B96CD1}" type="slidenum">
               <a:rPr lang="pt-BR" smtClean="0"/>
-              <a:t>‹nº›</a:t>
             </a:fld>
             <a:endParaRPr lang="pt-BR"/>
           </a:p>
@@ -23944,6 +23481,7 @@
               <a:rPr lang="pt-BR"/>
               <a:t>Clique para editar o título Mestre</a:t>
             </a:r>
+            <a:endParaRPr lang="pt-BR"/>
           </a:p>
         </p:txBody>
       </p:sp>
@@ -23972,6 +23510,7 @@
               <a:rPr lang="pt-BR"/>
               <a:t>Clique para editar os estilos de texto Mestres</a:t>
             </a:r>
+            <a:endParaRPr lang="pt-BR"/>
           </a:p>
           <a:p>
             <a:pPr lvl="1"/>
@@ -23979,6 +23518,7 @@
               <a:rPr lang="pt-BR"/>
               <a:t>Segundo nível</a:t>
             </a:r>
+            <a:endParaRPr lang="pt-BR"/>
           </a:p>
           <a:p>
             <a:pPr lvl="2"/>
@@ -23986,6 +23526,7 @@
               <a:rPr lang="pt-BR"/>
               <a:t>Terceiro nível</a:t>
             </a:r>
+            <a:endParaRPr lang="pt-BR"/>
           </a:p>
           <a:p>
             <a:pPr lvl="3"/>
@@ -23993,6 +23534,7 @@
               <a:rPr lang="pt-BR"/>
               <a:t>Quarto nível</a:t>
             </a:r>
+            <a:endParaRPr lang="pt-BR"/>
           </a:p>
           <a:p>
             <a:pPr lvl="4"/>
@@ -24000,6 +23542,7 @@
               <a:rPr lang="pt-BR"/>
               <a:t>Quinto nível</a:t>
             </a:r>
+            <a:endParaRPr lang="pt-BR"/>
           </a:p>
         </p:txBody>
       </p:sp>
@@ -24028,6 +23571,7 @@
               <a:rPr lang="pt-BR"/>
               <a:t>Clique para editar os estilos de texto Mestres</a:t>
             </a:r>
+            <a:endParaRPr lang="pt-BR"/>
           </a:p>
           <a:p>
             <a:pPr lvl="1"/>
@@ -24035,6 +23579,7 @@
               <a:rPr lang="pt-BR"/>
               <a:t>Segundo nível</a:t>
             </a:r>
+            <a:endParaRPr lang="pt-BR"/>
           </a:p>
           <a:p>
             <a:pPr lvl="2"/>
@@ -24042,6 +23587,7 @@
               <a:rPr lang="pt-BR"/>
               <a:t>Terceiro nível</a:t>
             </a:r>
+            <a:endParaRPr lang="pt-BR"/>
           </a:p>
           <a:p>
             <a:pPr lvl="3"/>
@@ -24049,6 +23595,7 @@
               <a:rPr lang="pt-BR"/>
               <a:t>Quarto nível</a:t>
             </a:r>
+            <a:endParaRPr lang="pt-BR"/>
           </a:p>
           <a:p>
             <a:pPr lvl="4"/>
@@ -24056,6 +23603,7 @@
               <a:rPr lang="pt-BR"/>
               <a:t>Quinto nível</a:t>
             </a:r>
+            <a:endParaRPr lang="pt-BR"/>
           </a:p>
         </p:txBody>
       </p:sp>
@@ -24076,7 +23624,6 @@
           <a:p>
             <a:fld id="{D49D7F51-FFC9-4E54-82C8-6F7AA2835DE3}" type="datetimeFigureOut">
               <a:rPr lang="pt-BR" smtClean="0"/>
-              <a:t>05/03/2020</a:t>
             </a:fld>
             <a:endParaRPr lang="pt-BR"/>
           </a:p>
@@ -24118,7 +23665,6 @@
           <a:p>
             <a:fld id="{A5665B60-0507-4D7C-A90F-1C0D85B96CD1}" type="slidenum">
               <a:rPr lang="pt-BR" smtClean="0"/>
-              <a:t>‹nº›</a:t>
             </a:fld>
             <a:endParaRPr lang="pt-BR"/>
           </a:p>
@@ -24173,6 +23719,7 @@
               <a:rPr lang="pt-BR"/>
               <a:t>Clique para editar o título Mestre</a:t>
             </a:r>
+            <a:endParaRPr lang="pt-BR"/>
           </a:p>
         </p:txBody>
       </p:sp>
@@ -24238,6 +23785,7 @@
               <a:rPr lang="pt-BR"/>
               <a:t>Clique para editar os estilos de texto Mestres</a:t>
             </a:r>
+            <a:endParaRPr lang="pt-BR"/>
           </a:p>
         </p:txBody>
       </p:sp>
@@ -24266,6 +23814,7 @@
               <a:rPr lang="pt-BR"/>
               <a:t>Clique para editar os estilos de texto Mestres</a:t>
             </a:r>
+            <a:endParaRPr lang="pt-BR"/>
           </a:p>
           <a:p>
             <a:pPr lvl="1"/>
@@ -24273,6 +23822,7 @@
               <a:rPr lang="pt-BR"/>
               <a:t>Segundo nível</a:t>
             </a:r>
+            <a:endParaRPr lang="pt-BR"/>
           </a:p>
           <a:p>
             <a:pPr lvl="2"/>
@@ -24280,6 +23830,7 @@
               <a:rPr lang="pt-BR"/>
               <a:t>Terceiro nível</a:t>
             </a:r>
+            <a:endParaRPr lang="pt-BR"/>
           </a:p>
           <a:p>
             <a:pPr lvl="3"/>
@@ -24287,6 +23838,7 @@
               <a:rPr lang="pt-BR"/>
               <a:t>Quarto nível</a:t>
             </a:r>
+            <a:endParaRPr lang="pt-BR"/>
           </a:p>
           <a:p>
             <a:pPr lvl="4"/>
@@ -24294,6 +23846,7 @@
               <a:rPr lang="pt-BR"/>
               <a:t>Quinto nível</a:t>
             </a:r>
+            <a:endParaRPr lang="pt-BR"/>
           </a:p>
         </p:txBody>
       </p:sp>
@@ -24359,6 +23912,7 @@
               <a:rPr lang="pt-BR"/>
               <a:t>Clique para editar os estilos de texto Mestres</a:t>
             </a:r>
+            <a:endParaRPr lang="pt-BR"/>
           </a:p>
         </p:txBody>
       </p:sp>
@@ -24387,6 +23941,7 @@
               <a:rPr lang="pt-BR"/>
               <a:t>Clique para editar os estilos de texto Mestres</a:t>
             </a:r>
+            <a:endParaRPr lang="pt-BR"/>
           </a:p>
           <a:p>
             <a:pPr lvl="1"/>
@@ -24394,6 +23949,7 @@
               <a:rPr lang="pt-BR"/>
               <a:t>Segundo nível</a:t>
             </a:r>
+            <a:endParaRPr lang="pt-BR"/>
           </a:p>
           <a:p>
             <a:pPr lvl="2"/>
@@ -24401,6 +23957,7 @@
               <a:rPr lang="pt-BR"/>
               <a:t>Terceiro nível</a:t>
             </a:r>
+            <a:endParaRPr lang="pt-BR"/>
           </a:p>
           <a:p>
             <a:pPr lvl="3"/>
@@ -24408,6 +23965,7 @@
               <a:rPr lang="pt-BR"/>
               <a:t>Quarto nível</a:t>
             </a:r>
+            <a:endParaRPr lang="pt-BR"/>
           </a:p>
           <a:p>
             <a:pPr lvl="4"/>
@@ -24415,6 +23973,7 @@
               <a:rPr lang="pt-BR"/>
               <a:t>Quinto nível</a:t>
             </a:r>
+            <a:endParaRPr lang="pt-BR"/>
           </a:p>
         </p:txBody>
       </p:sp>
@@ -24435,7 +23994,6 @@
           <a:p>
             <a:fld id="{D49D7F51-FFC9-4E54-82C8-6F7AA2835DE3}" type="datetimeFigureOut">
               <a:rPr lang="pt-BR" smtClean="0"/>
-              <a:t>05/03/2020</a:t>
             </a:fld>
             <a:endParaRPr lang="pt-BR"/>
           </a:p>
@@ -24477,7 +24035,6 @@
           <a:p>
             <a:fld id="{A5665B60-0507-4D7C-A90F-1C0D85B96CD1}" type="slidenum">
               <a:rPr lang="pt-BR" smtClean="0"/>
-              <a:t>‹nº›</a:t>
             </a:fld>
             <a:endParaRPr lang="pt-BR"/>
           </a:p>
@@ -24527,6 +24084,7 @@
               <a:rPr lang="pt-BR"/>
               <a:t>Clique para editar o título Mestre</a:t>
             </a:r>
+            <a:endParaRPr lang="pt-BR"/>
           </a:p>
         </p:txBody>
       </p:sp>
@@ -24547,7 +24105,6 @@
           <a:p>
             <a:fld id="{D49D7F51-FFC9-4E54-82C8-6F7AA2835DE3}" type="datetimeFigureOut">
               <a:rPr lang="pt-BR" smtClean="0"/>
-              <a:t>05/03/2020</a:t>
             </a:fld>
             <a:endParaRPr lang="pt-BR"/>
           </a:p>
@@ -24589,7 +24146,6 @@
           <a:p>
             <a:fld id="{A5665B60-0507-4D7C-A90F-1C0D85B96CD1}" type="slidenum">
               <a:rPr lang="pt-BR" smtClean="0"/>
-              <a:t>‹nº›</a:t>
             </a:fld>
             <a:endParaRPr lang="pt-BR"/>
           </a:p>
@@ -24637,7 +24193,6 @@
           <a:p>
             <a:fld id="{D49D7F51-FFC9-4E54-82C8-6F7AA2835DE3}" type="datetimeFigureOut">
               <a:rPr lang="pt-BR" smtClean="0"/>
-              <a:t>05/03/2020</a:t>
             </a:fld>
             <a:endParaRPr lang="pt-BR"/>
           </a:p>
@@ -24679,7 +24234,6 @@
           <a:p>
             <a:fld id="{A5665B60-0507-4D7C-A90F-1C0D85B96CD1}" type="slidenum">
               <a:rPr lang="pt-BR" smtClean="0"/>
-              <a:t>‹nº›</a:t>
             </a:fld>
             <a:endParaRPr lang="pt-BR"/>
           </a:p>
@@ -24738,6 +24292,7 @@
               <a:rPr lang="pt-BR"/>
               <a:t>Clique para editar o título Mestre</a:t>
             </a:r>
+            <a:endParaRPr lang="pt-BR"/>
           </a:p>
         </p:txBody>
       </p:sp>
@@ -24794,6 +24349,7 @@
               <a:rPr lang="pt-BR"/>
               <a:t>Clique para editar os estilos de texto Mestres</a:t>
             </a:r>
+            <a:endParaRPr lang="pt-BR"/>
           </a:p>
           <a:p>
             <a:pPr lvl="1"/>
@@ -24801,6 +24357,7 @@
               <a:rPr lang="pt-BR"/>
               <a:t>Segundo nível</a:t>
             </a:r>
+            <a:endParaRPr lang="pt-BR"/>
           </a:p>
           <a:p>
             <a:pPr lvl="2"/>
@@ -24808,6 +24365,7 @@
               <a:rPr lang="pt-BR"/>
               <a:t>Terceiro nível</a:t>
             </a:r>
+            <a:endParaRPr lang="pt-BR"/>
           </a:p>
           <a:p>
             <a:pPr lvl="3"/>
@@ -24815,6 +24373,7 @@
               <a:rPr lang="pt-BR"/>
               <a:t>Quarto nível</a:t>
             </a:r>
+            <a:endParaRPr lang="pt-BR"/>
           </a:p>
           <a:p>
             <a:pPr lvl="4"/>
@@ -24822,6 +24381,7 @@
               <a:rPr lang="pt-BR"/>
               <a:t>Quinto nível</a:t>
             </a:r>
+            <a:endParaRPr lang="pt-BR"/>
           </a:p>
         </p:txBody>
       </p:sp>
@@ -24887,6 +24447,7 @@
               <a:rPr lang="pt-BR"/>
               <a:t>Clique para editar os estilos de texto Mestres</a:t>
             </a:r>
+            <a:endParaRPr lang="pt-BR"/>
           </a:p>
         </p:txBody>
       </p:sp>
@@ -24907,7 +24468,6 @@
           <a:p>
             <a:fld id="{D49D7F51-FFC9-4E54-82C8-6F7AA2835DE3}" type="datetimeFigureOut">
               <a:rPr lang="pt-BR" smtClean="0"/>
-              <a:t>05/03/2020</a:t>
             </a:fld>
             <a:endParaRPr lang="pt-BR"/>
           </a:p>
@@ -24949,7 +24509,6 @@
           <a:p>
             <a:fld id="{A5665B60-0507-4D7C-A90F-1C0D85B96CD1}" type="slidenum">
               <a:rPr lang="pt-BR" smtClean="0"/>
-              <a:t>‹nº›</a:t>
             </a:fld>
             <a:endParaRPr lang="pt-BR"/>
           </a:p>
@@ -25008,6 +24567,7 @@
               <a:rPr lang="pt-BR"/>
               <a:t>Clique para editar o título Mestre</a:t>
             </a:r>
+            <a:endParaRPr lang="pt-BR"/>
           </a:p>
         </p:txBody>
       </p:sp>
@@ -25134,6 +24694,7 @@
               <a:rPr lang="pt-BR"/>
               <a:t>Clique para editar os estilos de texto Mestres</a:t>
             </a:r>
+            <a:endParaRPr lang="pt-BR"/>
           </a:p>
         </p:txBody>
       </p:sp>
@@ -25154,7 +24715,6 @@
           <a:p>
             <a:fld id="{D49D7F51-FFC9-4E54-82C8-6F7AA2835DE3}" type="datetimeFigureOut">
               <a:rPr lang="pt-BR" smtClean="0"/>
-              <a:t>05/03/2020</a:t>
             </a:fld>
             <a:endParaRPr lang="pt-BR"/>
           </a:p>
@@ -25196,7 +24756,6 @@
           <a:p>
             <a:fld id="{A5665B60-0507-4D7C-A90F-1C0D85B96CD1}" type="slidenum">
               <a:rPr lang="pt-BR" smtClean="0"/>
-              <a:t>‹nº›</a:t>
             </a:fld>
             <a:endParaRPr lang="pt-BR"/>
           </a:p>
@@ -25261,6 +24820,7 @@
               <a:rPr lang="pt-BR"/>
               <a:t>Clique para editar o título Mestre</a:t>
             </a:r>
+            <a:endParaRPr lang="pt-BR"/>
           </a:p>
         </p:txBody>
       </p:sp>
@@ -25294,6 +24854,7 @@
               <a:rPr lang="pt-BR"/>
               <a:t>Clique para editar os estilos de texto Mestres</a:t>
             </a:r>
+            <a:endParaRPr lang="pt-BR"/>
           </a:p>
           <a:p>
             <a:pPr lvl="1"/>
@@ -25301,6 +24862,7 @@
               <a:rPr lang="pt-BR"/>
               <a:t>Segundo nível</a:t>
             </a:r>
+            <a:endParaRPr lang="pt-BR"/>
           </a:p>
           <a:p>
             <a:pPr lvl="2"/>
@@ -25308,6 +24870,7 @@
               <a:rPr lang="pt-BR"/>
               <a:t>Terceiro nível</a:t>
             </a:r>
+            <a:endParaRPr lang="pt-BR"/>
           </a:p>
           <a:p>
             <a:pPr lvl="3"/>
@@ -25315,6 +24878,7 @@
               <a:rPr lang="pt-BR"/>
               <a:t>Quarto nível</a:t>
             </a:r>
+            <a:endParaRPr lang="pt-BR"/>
           </a:p>
           <a:p>
             <a:pPr lvl="4"/>
@@ -25322,6 +24886,7 @@
               <a:rPr lang="pt-BR"/>
               <a:t>Quinto nível</a:t>
             </a:r>
+            <a:endParaRPr lang="pt-BR"/>
           </a:p>
         </p:txBody>
       </p:sp>
@@ -25360,7 +24925,6 @@
           <a:p>
             <a:fld id="{D49D7F51-FFC9-4E54-82C8-6F7AA2835DE3}" type="datetimeFigureOut">
               <a:rPr lang="pt-BR" smtClean="0"/>
-              <a:t>05/03/2020</a:t>
             </a:fld>
             <a:endParaRPr lang="pt-BR"/>
           </a:p>
@@ -25438,7 +25002,6 @@
           <a:p>
             <a:fld id="{A5665B60-0507-4D7C-A90F-1C0D85B96CD1}" type="slidenum">
               <a:rPr lang="pt-BR" smtClean="0"/>
-              <a:t>‹nº›</a:t>
             </a:fld>
             <a:endParaRPr lang="pt-BR"/>
           </a:p>
@@ -25779,6 +25342,7 @@
               <a:rPr lang="pt-BR" dirty="0"/>
               <a:t>Hunter</a:t>
             </a:r>
+            <a:endParaRPr lang="pt-BR" dirty="0"/>
           </a:p>
         </p:txBody>
       </p:sp>
@@ -25809,6 +25373,7 @@
               <a:rPr lang="pt-BR" dirty="0"/>
               <a:t>Fernando Correa – 01191089</a:t>
             </a:r>
+            <a:endParaRPr lang="pt-BR" dirty="0"/>
           </a:p>
           <a:p>
             <a:pPr algn="r"/>
@@ -25848,6 +25413,7 @@
               <a:rPr lang="pt-BR" dirty="0"/>
               <a:t>Henrique Souza – 01191043</a:t>
             </a:r>
+            <a:endParaRPr lang="pt-BR" dirty="0"/>
           </a:p>
           <a:p>
             <a:pPr algn="r"/>
@@ -25855,6 +25421,7 @@
               <a:rPr lang="pt-BR" dirty="0"/>
               <a:t>Henrique Matos – 01191125</a:t>
             </a:r>
+            <a:endParaRPr lang="pt-BR" dirty="0"/>
           </a:p>
           <a:p>
             <a:pPr algn="r"/>
@@ -25870,6 +25437,7 @@
               <a:rPr lang="pt-BR" dirty="0"/>
               <a:t> – 01191082</a:t>
             </a:r>
+            <a:endParaRPr lang="pt-BR" dirty="0"/>
           </a:p>
         </p:txBody>
       </p:sp>
@@ -25917,25 +25485,20 @@
               <a:rPr lang="pt-BR" dirty="0"/>
               <a:t>Diagrama de Classe</a:t>
             </a:r>
+            <a:endParaRPr lang="pt-BR" dirty="0"/>
           </a:p>
         </p:txBody>
       </p:sp>
       <p:pic>
         <p:nvPicPr>
-          <p:cNvPr id="7" name="Imagem 6" descr="Mapa colorido com texto preto sobre fundo branco&#10;&#10;Descrição gerada automaticamente">
-            <a:extLst>
-              <a:ext uri="{FF2B5EF4-FFF2-40B4-BE49-F238E27FC236}">
-                <a16:creationId xmlns:a16="http://schemas.microsoft.com/office/drawing/2014/main" id="{35A2C772-92EB-4183-BF1C-DBC77CF99555}"/>
-              </a:ext>
-            </a:extLst>
-          </p:cNvPr>
+          <p:cNvPr id="7" name="Imagem 6" descr="Mapa colorido com texto preto sobre fundo branco&#10;&#10;Descrição gerada automaticamente"/>
           <p:cNvPicPr>
             <a:picLocks noChangeAspect="1"/>
           </p:cNvPicPr>
           <p:nvPr/>
         </p:nvPicPr>
         <p:blipFill>
-          <a:blip r:embed="rId2">
+          <a:blip r:embed="rId1">
             <a:extLst>
               <a:ext uri="{28A0092B-C50C-407E-A947-70E740481C1C}">
                 <a14:useLocalDpi xmlns:a14="http://schemas.microsoft.com/office/drawing/2010/main" val="0"/>
@@ -25957,11 +25520,6 @@
         </p:spPr>
       </p:pic>
     </p:spTree>
-    <p:extLst>
-      <p:ext uri="{BB962C8B-B14F-4D97-AF65-F5344CB8AC3E}">
-        <p14:creationId xmlns:p14="http://schemas.microsoft.com/office/powerpoint/2010/main" val="2732798996"/>
-      </p:ext>
-    </p:extLst>
   </p:cSld>
   <p:clrMapOvr>
     <a:masterClrMapping/>
@@ -25996,26 +25554,11 @@
       </p:grpSpPr>
       <p:sp useBgFill="1">
         <p:nvSpPr>
-          <p:cNvPr id="10" name="Rectangle 9">
-            <a:extLst>
-              <a:ext uri="{FF2B5EF4-FFF2-40B4-BE49-F238E27FC236}">
-                <a16:creationId xmlns:a16="http://schemas.microsoft.com/office/drawing/2014/main" id="{122F9423-F4B1-45D4-8445-E9991ECCBCCF}"/>
-              </a:ext>
-              <a:ext uri="{C183D7F6-B498-43B3-948B-1728B52AA6E4}">
-                <adec:decorative xmlns:adec="http://schemas.microsoft.com/office/drawing/2017/decorative" val="1"/>
-              </a:ext>
-            </a:extLst>
-          </p:cNvPr>
+          <p:cNvPr id="10" name="Rectangle 9"/>
           <p:cNvSpPr>
             <a:spLocks noGrp="1" noRot="1" noChangeAspect="1" noMove="1" noResize="1" noEditPoints="1" noAdjustHandles="1" noChangeArrowheads="1" noChangeShapeType="1" noTextEdit="1"/>
           </p:cNvSpPr>
-          <p:nvPr>
-            <p:extLst>
-              <p:ext uri="{386F3935-93C4-4BCD-93E2-E3B085C9AB24}">
-                <p16:designElem xmlns:p16="http://schemas.microsoft.com/office/powerpoint/2015/main" val="1"/>
-              </p:ext>
-            </p:extLst>
-          </p:nvPr>
+          <p:nvPr/>
         </p:nvSpPr>
         <p:spPr>
           <a:xfrm>
@@ -26080,31 +25623,17 @@
               <a:rPr lang="pt-BR" dirty="0"/>
               <a:t>Contexto</a:t>
             </a:r>
+            <a:endParaRPr lang="pt-BR" dirty="0"/>
           </a:p>
         </p:txBody>
       </p:sp>
       <p:grpSp>
         <p:nvGrpSpPr>
-          <p:cNvPr id="12" name="Group 11">
-            <a:extLst>
-              <a:ext uri="{FF2B5EF4-FFF2-40B4-BE49-F238E27FC236}">
-                <a16:creationId xmlns:a16="http://schemas.microsoft.com/office/drawing/2014/main" id="{770AE191-D2EA-45C9-A44D-830C188F74CB}"/>
-              </a:ext>
-              <a:ext uri="{C183D7F6-B498-43B3-948B-1728B52AA6E4}">
-                <adec:decorative xmlns:adec="http://schemas.microsoft.com/office/drawing/2017/decorative" val="1"/>
-              </a:ext>
-            </a:extLst>
-          </p:cNvPr>
+          <p:cNvPr id="12" name="Group 11"/>
           <p:cNvGrpSpPr>
-            <a:grpSpLocks noGrp="1" noUngrp="1" noRot="1" noChangeAspect="1" noMove="1" noResize="1"/>
+            <a:grpSpLocks noGrp="1" noRot="1" noChangeAspect="1" noMove="1" noResize="1" noUngrp="1"/>
           </p:cNvGrpSpPr>
-          <p:nvPr>
-            <p:extLst>
-              <p:ext uri="{386F3935-93C4-4BCD-93E2-E3B085C9AB24}">
-                <p16:designElem xmlns:p16="http://schemas.microsoft.com/office/powerpoint/2015/main" val="1"/>
-              </p:ext>
-            </p:extLst>
-          </p:nvPr>
+          <p:nvPr/>
         </p:nvGrpSpPr>
         <p:grpSpPr>
           <a:xfrm>
@@ -26116,26 +25645,9 @@
         </p:grpSpPr>
         <p:sp>
           <p:nvSpPr>
-            <p:cNvPr id="13" name="Freeform 5">
-              <a:extLst>
-                <a:ext uri="{FF2B5EF4-FFF2-40B4-BE49-F238E27FC236}">
-                  <a16:creationId xmlns:a16="http://schemas.microsoft.com/office/drawing/2014/main" id="{23A0E4C1-B7A6-4637-AC51-4A5AE3841FFB}"/>
-                </a:ext>
-                <a:ext uri="{C183D7F6-B498-43B3-948B-1728B52AA6E4}">
-                  <adec:decorative xmlns:adec="http://schemas.microsoft.com/office/drawing/2017/decorative" val="1"/>
-                </a:ext>
-              </a:extLst>
-            </p:cNvPr>
-            <p:cNvSpPr>
-              <a:spLocks/>
-            </p:cNvSpPr>
-            <p:nvPr>
-              <p:extLst>
-                <p:ext uri="{386F3935-93C4-4BCD-93E2-E3B085C9AB24}">
-                  <p16:designElem xmlns:p16="http://schemas.microsoft.com/office/powerpoint/2015/main" val="1"/>
-                </p:ext>
-              </p:extLst>
-            </p:nvPr>
+            <p:cNvPr id="13" name="Freeform 5"/>
+            <p:cNvSpPr/>
+            <p:nvPr/>
           </p:nvSpPr>
           <p:spPr bwMode="auto">
             <a:xfrm>
@@ -26290,11 +25802,7 @@
             </a:ln>
           </p:spPr>
           <p:txBody>
-            <a:bodyPr vert="horz" wrap="square" lIns="91440" tIns="45720" rIns="91440" bIns="45720" numCol="1" anchor="t" anchorCtr="0" compatLnSpc="1">
-              <a:prstTxWarp prst="textNoShape">
-                <a:avLst/>
-              </a:prstTxWarp>
-            </a:bodyPr>
+            <a:bodyPr vert="horz" wrap="square" lIns="91440" tIns="45720" rIns="91440" bIns="45720" numCol="1" anchor="t" anchorCtr="0" compatLnSpc="1"/>
             <a:lstStyle/>
             <a:p>
               <a:endParaRPr lang="en-US"/>
@@ -26303,26 +25811,9 @@
         </p:sp>
         <p:sp>
           <p:nvSpPr>
-            <p:cNvPr id="14" name="Freeform 5">
-              <a:extLst>
-                <a:ext uri="{FF2B5EF4-FFF2-40B4-BE49-F238E27FC236}">
-                  <a16:creationId xmlns:a16="http://schemas.microsoft.com/office/drawing/2014/main" id="{F4E8C039-CC58-44F3-8A7B-E0A934C1D015}"/>
-                </a:ext>
-                <a:ext uri="{C183D7F6-B498-43B3-948B-1728B52AA6E4}">
-                  <adec:decorative xmlns:adec="http://schemas.microsoft.com/office/drawing/2017/decorative" val="1"/>
-                </a:ext>
-              </a:extLst>
-            </p:cNvPr>
-            <p:cNvSpPr>
-              <a:spLocks/>
-            </p:cNvSpPr>
-            <p:nvPr>
-              <p:extLst>
-                <p:ext uri="{386F3935-93C4-4BCD-93E2-E3B085C9AB24}">
-                  <p16:designElem xmlns:p16="http://schemas.microsoft.com/office/powerpoint/2015/main" val="1"/>
-                </p:ext>
-              </p:extLst>
-            </p:nvPr>
+            <p:cNvPr id="14" name="Freeform 5"/>
+            <p:cNvSpPr/>
+            <p:nvPr/>
           </p:nvSpPr>
           <p:spPr bwMode="auto">
             <a:xfrm>
@@ -26477,11 +25968,7 @@
             </a:ln>
           </p:spPr>
           <p:txBody>
-            <a:bodyPr vert="horz" wrap="square" lIns="91440" tIns="45720" rIns="91440" bIns="45720" numCol="1" anchor="t" anchorCtr="0" compatLnSpc="1">
-              <a:prstTxWarp prst="textNoShape">
-                <a:avLst/>
-              </a:prstTxWarp>
-            </a:bodyPr>
+            <a:bodyPr vert="horz" wrap="square" lIns="91440" tIns="45720" rIns="91440" bIns="45720" numCol="1" anchor="t" anchorCtr="0" compatLnSpc="1"/>
             <a:lstStyle/>
             <a:p>
               <a:endParaRPr lang="en-US"/>
@@ -26491,21 +25978,9 @@
       </p:grpSp>
       <p:graphicFrame>
         <p:nvGraphicFramePr>
-          <p:cNvPr id="24" name="Espaço Reservado para Conteúdo 2">
-            <a:extLst>
-              <a:ext uri="{FF2B5EF4-FFF2-40B4-BE49-F238E27FC236}">
-                <a16:creationId xmlns:a16="http://schemas.microsoft.com/office/drawing/2014/main" id="{0DD4D1AA-0EF6-46EE-B6AB-55860C778566}"/>
-              </a:ext>
-            </a:extLst>
-          </p:cNvPr>
+          <p:cNvPr id="24" name="Espaço Reservado para Conteúdo 2"/>
           <p:cNvGraphicFramePr/>
-          <p:nvPr>
-            <p:extLst>
-              <p:ext uri="{D42A27DB-BD31-4B8C-83A1-F6EECF244321}">
-                <p14:modId xmlns:p14="http://schemas.microsoft.com/office/powerpoint/2010/main" val="2488328205"/>
-              </p:ext>
-            </p:extLst>
-          </p:nvPr>
+          <p:nvPr/>
         </p:nvGraphicFramePr>
         <p:xfrm>
           <a:off x="-854018" y="2681919"/>
@@ -26513,27 +25988,15 @@
         </p:xfrm>
         <a:graphic>
           <a:graphicData uri="http://schemas.openxmlformats.org/drawingml/2006/diagram">
-            <dgm:relIds xmlns:dgm="http://schemas.openxmlformats.org/drawingml/2006/diagram" xmlns:r="http://schemas.openxmlformats.org/officeDocument/2006/relationships" r:dm="rId2" r:lo="rId3" r:qs="rId4" r:cs="rId5"/>
+            <dgm:relIds xmlns:dgm="http://schemas.openxmlformats.org/drawingml/2006/diagram" xmlns:r="http://schemas.openxmlformats.org/officeDocument/2006/relationships" r:dm="rId1" r:lo="rId2" r:qs="rId3" r:cs="rId4"/>
           </a:graphicData>
         </a:graphic>
       </p:graphicFrame>
       <p:graphicFrame>
         <p:nvGraphicFramePr>
-          <p:cNvPr id="25" name="Espaço Reservado para Conteúdo 2">
-            <a:extLst>
-              <a:ext uri="{FF2B5EF4-FFF2-40B4-BE49-F238E27FC236}">
-                <a16:creationId xmlns:a16="http://schemas.microsoft.com/office/drawing/2014/main" id="{E62C8FB4-95A4-4264-BD93-F132B453EB85}"/>
-              </a:ext>
-            </a:extLst>
-          </p:cNvPr>
+          <p:cNvPr id="25" name="Espaço Reservado para Conteúdo 2"/>
           <p:cNvGraphicFramePr/>
-          <p:nvPr>
-            <p:extLst>
-              <p:ext uri="{D42A27DB-BD31-4B8C-83A1-F6EECF244321}">
-                <p14:modId xmlns:p14="http://schemas.microsoft.com/office/powerpoint/2010/main" val="3954164811"/>
-              </p:ext>
-            </p:extLst>
-          </p:nvPr>
+          <p:nvPr/>
         </p:nvGraphicFramePr>
         <p:xfrm>
           <a:off x="8345612" y="2681919"/>
@@ -26541,27 +26004,15 @@
         </p:xfrm>
         <a:graphic>
           <a:graphicData uri="http://schemas.openxmlformats.org/drawingml/2006/diagram">
-            <dgm:relIds xmlns:dgm="http://schemas.openxmlformats.org/drawingml/2006/diagram" xmlns:r="http://schemas.openxmlformats.org/officeDocument/2006/relationships" r:dm="rId7" r:lo="rId8" r:qs="rId9" r:cs="rId10"/>
+            <dgm:relIds xmlns:dgm="http://schemas.openxmlformats.org/drawingml/2006/diagram" xmlns:r="http://schemas.openxmlformats.org/officeDocument/2006/relationships" r:dm="rId6" r:lo="rId7" r:qs="rId8" r:cs="rId9"/>
           </a:graphicData>
         </a:graphic>
       </p:graphicFrame>
       <p:graphicFrame>
         <p:nvGraphicFramePr>
-          <p:cNvPr id="26" name="Espaço Reservado para Conteúdo 2">
-            <a:extLst>
-              <a:ext uri="{FF2B5EF4-FFF2-40B4-BE49-F238E27FC236}">
-                <a16:creationId xmlns:a16="http://schemas.microsoft.com/office/drawing/2014/main" id="{08F14095-97AD-4AFB-A926-055F246E0DE6}"/>
-              </a:ext>
-            </a:extLst>
-          </p:cNvPr>
+          <p:cNvPr id="26" name="Espaço Reservado para Conteúdo 2"/>
           <p:cNvGraphicFramePr/>
-          <p:nvPr>
-            <p:extLst>
-              <p:ext uri="{D42A27DB-BD31-4B8C-83A1-F6EECF244321}">
-                <p14:modId xmlns:p14="http://schemas.microsoft.com/office/powerpoint/2010/main" val="907949348"/>
-              </p:ext>
-            </p:extLst>
-          </p:nvPr>
+          <p:nvPr/>
         </p:nvGraphicFramePr>
         <p:xfrm>
           <a:off x="5311322" y="2681919"/>
@@ -26569,27 +26020,15 @@
         </p:xfrm>
         <a:graphic>
           <a:graphicData uri="http://schemas.openxmlformats.org/drawingml/2006/diagram">
-            <dgm:relIds xmlns:dgm="http://schemas.openxmlformats.org/drawingml/2006/diagram" xmlns:r="http://schemas.openxmlformats.org/officeDocument/2006/relationships" r:dm="rId12" r:lo="rId13" r:qs="rId14" r:cs="rId15"/>
+            <dgm:relIds xmlns:dgm="http://schemas.openxmlformats.org/drawingml/2006/diagram" xmlns:r="http://schemas.openxmlformats.org/officeDocument/2006/relationships" r:dm="rId11" r:lo="rId12" r:qs="rId13" r:cs="rId14"/>
           </a:graphicData>
         </a:graphic>
       </p:graphicFrame>
       <p:graphicFrame>
         <p:nvGraphicFramePr>
-          <p:cNvPr id="27" name="Espaço Reservado para Conteúdo 2">
-            <a:extLst>
-              <a:ext uri="{FF2B5EF4-FFF2-40B4-BE49-F238E27FC236}">
-                <a16:creationId xmlns:a16="http://schemas.microsoft.com/office/drawing/2014/main" id="{20BF4E8D-2DCA-4961-A1DE-2E49230F874E}"/>
-              </a:ext>
-            </a:extLst>
-          </p:cNvPr>
+          <p:cNvPr id="27" name="Espaço Reservado para Conteúdo 2"/>
           <p:cNvGraphicFramePr/>
-          <p:nvPr>
-            <p:extLst>
-              <p:ext uri="{D42A27DB-BD31-4B8C-83A1-F6EECF244321}">
-                <p14:modId xmlns:p14="http://schemas.microsoft.com/office/powerpoint/2010/main" val="1430578171"/>
-              </p:ext>
-            </p:extLst>
-          </p:nvPr>
+          <p:nvPr/>
         </p:nvGraphicFramePr>
         <p:xfrm>
           <a:off x="2180272" y="2681919"/>
@@ -26597,7 +26036,7 @@
         </p:xfrm>
         <a:graphic>
           <a:graphicData uri="http://schemas.openxmlformats.org/drawingml/2006/diagram">
-            <dgm:relIds xmlns:dgm="http://schemas.openxmlformats.org/drawingml/2006/diagram" xmlns:r="http://schemas.openxmlformats.org/officeDocument/2006/relationships" r:dm="rId17" r:lo="rId18" r:qs="rId19" r:cs="rId20"/>
+            <dgm:relIds xmlns:dgm="http://schemas.openxmlformats.org/drawingml/2006/diagram" xmlns:r="http://schemas.openxmlformats.org/officeDocument/2006/relationships" r:dm="rId16" r:lo="rId17" r:qs="rId18" r:cs="rId19"/>
           </a:graphicData>
         </a:graphic>
       </p:graphicFrame>
@@ -26892,26 +26331,11 @@
       </p:grpSpPr>
       <p:sp useBgFill="1">
         <p:nvSpPr>
-          <p:cNvPr id="10" name="Rectangle 9">
-            <a:extLst>
-              <a:ext uri="{FF2B5EF4-FFF2-40B4-BE49-F238E27FC236}">
-                <a16:creationId xmlns:a16="http://schemas.microsoft.com/office/drawing/2014/main" id="{122F9423-F4B1-45D4-8445-E9991ECCBCCF}"/>
-              </a:ext>
-              <a:ext uri="{C183D7F6-B498-43B3-948B-1728B52AA6E4}">
-                <adec:decorative xmlns:adec="http://schemas.microsoft.com/office/drawing/2017/decorative" val="1"/>
-              </a:ext>
-            </a:extLst>
-          </p:cNvPr>
+          <p:cNvPr id="10" name="Rectangle 9"/>
           <p:cNvSpPr>
             <a:spLocks noGrp="1" noRot="1" noChangeAspect="1" noMove="1" noResize="1" noEditPoints="1" noAdjustHandles="1" noChangeArrowheads="1" noChangeShapeType="1" noTextEdit="1"/>
           </p:cNvSpPr>
-          <p:nvPr>
-            <p:extLst>
-              <p:ext uri="{386F3935-93C4-4BCD-93E2-E3B085C9AB24}">
-                <p16:designElem xmlns:p16="http://schemas.microsoft.com/office/powerpoint/2015/main" val="1"/>
-              </p:ext>
-            </p:extLst>
-          </p:nvPr>
+          <p:nvPr/>
         </p:nvSpPr>
         <p:spPr>
           <a:xfrm>
@@ -26976,31 +26400,17 @@
               <a:rPr lang="pt-BR" dirty="0"/>
               <a:t>Justificativa</a:t>
             </a:r>
+            <a:endParaRPr lang="pt-BR" dirty="0"/>
           </a:p>
         </p:txBody>
       </p:sp>
       <p:grpSp>
         <p:nvGrpSpPr>
-          <p:cNvPr id="12" name="Group 11">
-            <a:extLst>
-              <a:ext uri="{FF2B5EF4-FFF2-40B4-BE49-F238E27FC236}">
-                <a16:creationId xmlns:a16="http://schemas.microsoft.com/office/drawing/2014/main" id="{770AE191-D2EA-45C9-A44D-830C188F74CB}"/>
-              </a:ext>
-              <a:ext uri="{C183D7F6-B498-43B3-948B-1728B52AA6E4}">
-                <adec:decorative xmlns:adec="http://schemas.microsoft.com/office/drawing/2017/decorative" val="1"/>
-              </a:ext>
-            </a:extLst>
-          </p:cNvPr>
+          <p:cNvPr id="12" name="Group 11"/>
           <p:cNvGrpSpPr>
-            <a:grpSpLocks noGrp="1" noUngrp="1" noRot="1" noChangeAspect="1" noMove="1" noResize="1"/>
+            <a:grpSpLocks noGrp="1" noRot="1" noChangeAspect="1" noMove="1" noResize="1" noUngrp="1"/>
           </p:cNvGrpSpPr>
-          <p:nvPr>
-            <p:extLst>
-              <p:ext uri="{386F3935-93C4-4BCD-93E2-E3B085C9AB24}">
-                <p16:designElem xmlns:p16="http://schemas.microsoft.com/office/powerpoint/2015/main" val="1"/>
-              </p:ext>
-            </p:extLst>
-          </p:nvPr>
+          <p:nvPr/>
         </p:nvGrpSpPr>
         <p:grpSpPr>
           <a:xfrm>
@@ -27012,26 +26422,9 @@
         </p:grpSpPr>
         <p:sp>
           <p:nvSpPr>
-            <p:cNvPr id="13" name="Freeform 5">
-              <a:extLst>
-                <a:ext uri="{FF2B5EF4-FFF2-40B4-BE49-F238E27FC236}">
-                  <a16:creationId xmlns:a16="http://schemas.microsoft.com/office/drawing/2014/main" id="{23A0E4C1-B7A6-4637-AC51-4A5AE3841FFB}"/>
-                </a:ext>
-                <a:ext uri="{C183D7F6-B498-43B3-948B-1728B52AA6E4}">
-                  <adec:decorative xmlns:adec="http://schemas.microsoft.com/office/drawing/2017/decorative" val="1"/>
-                </a:ext>
-              </a:extLst>
-            </p:cNvPr>
-            <p:cNvSpPr>
-              <a:spLocks/>
-            </p:cNvSpPr>
-            <p:nvPr>
-              <p:extLst>
-                <p:ext uri="{386F3935-93C4-4BCD-93E2-E3B085C9AB24}">
-                  <p16:designElem xmlns:p16="http://schemas.microsoft.com/office/powerpoint/2015/main" val="1"/>
-                </p:ext>
-              </p:extLst>
-            </p:nvPr>
+            <p:cNvPr id="13" name="Freeform 5"/>
+            <p:cNvSpPr/>
+            <p:nvPr/>
           </p:nvSpPr>
           <p:spPr bwMode="auto">
             <a:xfrm>
@@ -27186,11 +26579,7 @@
             </a:ln>
           </p:spPr>
           <p:txBody>
-            <a:bodyPr vert="horz" wrap="square" lIns="91440" tIns="45720" rIns="91440" bIns="45720" numCol="1" anchor="t" anchorCtr="0" compatLnSpc="1">
-              <a:prstTxWarp prst="textNoShape">
-                <a:avLst/>
-              </a:prstTxWarp>
-            </a:bodyPr>
+            <a:bodyPr vert="horz" wrap="square" lIns="91440" tIns="45720" rIns="91440" bIns="45720" numCol="1" anchor="t" anchorCtr="0" compatLnSpc="1"/>
             <a:lstStyle/>
             <a:p>
               <a:endParaRPr lang="en-US"/>
@@ -27199,26 +26588,9 @@
         </p:sp>
         <p:sp>
           <p:nvSpPr>
-            <p:cNvPr id="14" name="Freeform 5">
-              <a:extLst>
-                <a:ext uri="{FF2B5EF4-FFF2-40B4-BE49-F238E27FC236}">
-                  <a16:creationId xmlns:a16="http://schemas.microsoft.com/office/drawing/2014/main" id="{F4E8C039-CC58-44F3-8A7B-E0A934C1D015}"/>
-                </a:ext>
-                <a:ext uri="{C183D7F6-B498-43B3-948B-1728B52AA6E4}">
-                  <adec:decorative xmlns:adec="http://schemas.microsoft.com/office/drawing/2017/decorative" val="1"/>
-                </a:ext>
-              </a:extLst>
-            </p:cNvPr>
-            <p:cNvSpPr>
-              <a:spLocks/>
-            </p:cNvSpPr>
-            <p:nvPr>
-              <p:extLst>
-                <p:ext uri="{386F3935-93C4-4BCD-93E2-E3B085C9AB24}">
-                  <p16:designElem xmlns:p16="http://schemas.microsoft.com/office/powerpoint/2015/main" val="1"/>
-                </p:ext>
-              </p:extLst>
-            </p:nvPr>
+            <p:cNvPr id="14" name="Freeform 5"/>
+            <p:cNvSpPr/>
+            <p:nvPr/>
           </p:nvSpPr>
           <p:spPr bwMode="auto">
             <a:xfrm>
@@ -27373,11 +26745,7 @@
             </a:ln>
           </p:spPr>
           <p:txBody>
-            <a:bodyPr vert="horz" wrap="square" lIns="91440" tIns="45720" rIns="91440" bIns="45720" numCol="1" anchor="t" anchorCtr="0" compatLnSpc="1">
-              <a:prstTxWarp prst="textNoShape">
-                <a:avLst/>
-              </a:prstTxWarp>
-            </a:bodyPr>
+            <a:bodyPr vert="horz" wrap="square" lIns="91440" tIns="45720" rIns="91440" bIns="45720" numCol="1" anchor="t" anchorCtr="0" compatLnSpc="1"/>
             <a:lstStyle/>
             <a:p>
               <a:endParaRPr lang="en-US"/>
@@ -27387,21 +26755,9 @@
       </p:grpSp>
       <p:graphicFrame>
         <p:nvGraphicFramePr>
-          <p:cNvPr id="11" name="Espaço Reservado para Conteúdo 2">
-            <a:extLst>
-              <a:ext uri="{FF2B5EF4-FFF2-40B4-BE49-F238E27FC236}">
-                <a16:creationId xmlns:a16="http://schemas.microsoft.com/office/drawing/2014/main" id="{C689FD21-87FF-43EC-976E-46A6057F91F8}"/>
-              </a:ext>
-            </a:extLst>
-          </p:cNvPr>
+          <p:cNvPr id="11" name="Espaço Reservado para Conteúdo 2"/>
           <p:cNvGraphicFramePr/>
-          <p:nvPr>
-            <p:extLst>
-              <p:ext uri="{D42A27DB-BD31-4B8C-83A1-F6EECF244321}">
-                <p14:modId xmlns:p14="http://schemas.microsoft.com/office/powerpoint/2010/main" val="3515092824"/>
-              </p:ext>
-            </p:extLst>
-          </p:nvPr>
+          <p:nvPr/>
         </p:nvGraphicFramePr>
         <p:xfrm>
           <a:off x="-1366343" y="2968216"/>
@@ -27409,27 +26765,15 @@
         </p:xfrm>
         <a:graphic>
           <a:graphicData uri="http://schemas.openxmlformats.org/drawingml/2006/diagram">
-            <dgm:relIds xmlns:dgm="http://schemas.openxmlformats.org/drawingml/2006/diagram" xmlns:r="http://schemas.openxmlformats.org/officeDocument/2006/relationships" r:dm="rId2" r:lo="rId3" r:qs="rId4" r:cs="rId5"/>
+            <dgm:relIds xmlns:dgm="http://schemas.openxmlformats.org/drawingml/2006/diagram" xmlns:r="http://schemas.openxmlformats.org/officeDocument/2006/relationships" r:dm="rId1" r:lo="rId2" r:qs="rId3" r:cs="rId4"/>
           </a:graphicData>
         </a:graphic>
       </p:graphicFrame>
       <p:graphicFrame>
         <p:nvGraphicFramePr>
-          <p:cNvPr id="15" name="Espaço Reservado para Conteúdo 2">
-            <a:extLst>
-              <a:ext uri="{FF2B5EF4-FFF2-40B4-BE49-F238E27FC236}">
-                <a16:creationId xmlns:a16="http://schemas.microsoft.com/office/drawing/2014/main" id="{329B5268-E291-45A6-B03A-3DEEC5AE386B}"/>
-              </a:ext>
-            </a:extLst>
-          </p:cNvPr>
+          <p:cNvPr id="15" name="Espaço Reservado para Conteúdo 2"/>
           <p:cNvGraphicFramePr/>
-          <p:nvPr>
-            <p:extLst>
-              <p:ext uri="{D42A27DB-BD31-4B8C-83A1-F6EECF244321}">
-                <p14:modId xmlns:p14="http://schemas.microsoft.com/office/powerpoint/2010/main" val="3180324322"/>
-              </p:ext>
-            </p:extLst>
-          </p:nvPr>
+          <p:nvPr/>
         </p:nvGraphicFramePr>
         <p:xfrm>
           <a:off x="8250344" y="2968216"/>
@@ -27437,27 +26781,15 @@
         </p:xfrm>
         <a:graphic>
           <a:graphicData uri="http://schemas.openxmlformats.org/drawingml/2006/diagram">
-            <dgm:relIds xmlns:dgm="http://schemas.openxmlformats.org/drawingml/2006/diagram" xmlns:r="http://schemas.openxmlformats.org/officeDocument/2006/relationships" r:dm="rId7" r:lo="rId8" r:qs="rId9" r:cs="rId10"/>
+            <dgm:relIds xmlns:dgm="http://schemas.openxmlformats.org/drawingml/2006/diagram" xmlns:r="http://schemas.openxmlformats.org/officeDocument/2006/relationships" r:dm="rId6" r:lo="rId7" r:qs="rId8" r:cs="rId9"/>
           </a:graphicData>
         </a:graphic>
       </p:graphicFrame>
       <p:graphicFrame>
         <p:nvGraphicFramePr>
-          <p:cNvPr id="16" name="Espaço Reservado para Conteúdo 2">
-            <a:extLst>
-              <a:ext uri="{FF2B5EF4-FFF2-40B4-BE49-F238E27FC236}">
-                <a16:creationId xmlns:a16="http://schemas.microsoft.com/office/drawing/2014/main" id="{6C0C8E9C-ABAA-4C35-BCD3-0326268E7034}"/>
-              </a:ext>
-            </a:extLst>
-          </p:cNvPr>
+          <p:cNvPr id="16" name="Espaço Reservado para Conteúdo 2"/>
           <p:cNvGraphicFramePr/>
-          <p:nvPr>
-            <p:extLst>
-              <p:ext uri="{D42A27DB-BD31-4B8C-83A1-F6EECF244321}">
-                <p14:modId xmlns:p14="http://schemas.microsoft.com/office/powerpoint/2010/main" val="471379623"/>
-              </p:ext>
-            </p:extLst>
-          </p:nvPr>
+          <p:nvPr/>
         </p:nvGraphicFramePr>
         <p:xfrm>
           <a:off x="1610805" y="2968216"/>
@@ -27465,27 +26797,15 @@
         </p:xfrm>
         <a:graphic>
           <a:graphicData uri="http://schemas.openxmlformats.org/drawingml/2006/diagram">
-            <dgm:relIds xmlns:dgm="http://schemas.openxmlformats.org/drawingml/2006/diagram" xmlns:r="http://schemas.openxmlformats.org/officeDocument/2006/relationships" r:dm="rId12" r:lo="rId13" r:qs="rId14" r:cs="rId15"/>
+            <dgm:relIds xmlns:dgm="http://schemas.openxmlformats.org/drawingml/2006/diagram" xmlns:r="http://schemas.openxmlformats.org/officeDocument/2006/relationships" r:dm="rId11" r:lo="rId12" r:qs="rId13" r:cs="rId14"/>
           </a:graphicData>
         </a:graphic>
       </p:graphicFrame>
       <p:graphicFrame>
         <p:nvGraphicFramePr>
-          <p:cNvPr id="17" name="Espaço Reservado para Conteúdo 2">
-            <a:extLst>
-              <a:ext uri="{FF2B5EF4-FFF2-40B4-BE49-F238E27FC236}">
-                <a16:creationId xmlns:a16="http://schemas.microsoft.com/office/drawing/2014/main" id="{66893E61-5DDE-476C-9BAC-184D4568F502}"/>
-              </a:ext>
-            </a:extLst>
-          </p:cNvPr>
+          <p:cNvPr id="17" name="Espaço Reservado para Conteúdo 2"/>
           <p:cNvGraphicFramePr/>
-          <p:nvPr>
-            <p:extLst>
-              <p:ext uri="{D42A27DB-BD31-4B8C-83A1-F6EECF244321}">
-                <p14:modId xmlns:p14="http://schemas.microsoft.com/office/powerpoint/2010/main" val="1866766402"/>
-              </p:ext>
-            </p:extLst>
-          </p:nvPr>
+          <p:nvPr/>
         </p:nvGraphicFramePr>
         <p:xfrm>
           <a:off x="5033301" y="2968216"/>
@@ -27493,16 +26813,11 @@
         </p:xfrm>
         <a:graphic>
           <a:graphicData uri="http://schemas.openxmlformats.org/drawingml/2006/diagram">
-            <dgm:relIds xmlns:dgm="http://schemas.openxmlformats.org/drawingml/2006/diagram" xmlns:r="http://schemas.openxmlformats.org/officeDocument/2006/relationships" r:dm="rId17" r:lo="rId18" r:qs="rId19" r:cs="rId20"/>
+            <dgm:relIds xmlns:dgm="http://schemas.openxmlformats.org/drawingml/2006/diagram" xmlns:r="http://schemas.openxmlformats.org/officeDocument/2006/relationships" r:dm="rId16" r:lo="rId17" r:qs="rId18" r:cs="rId19"/>
           </a:graphicData>
         </a:graphic>
       </p:graphicFrame>
     </p:spTree>
-    <p:extLst>
-      <p:ext uri="{BB962C8B-B14F-4D97-AF65-F5344CB8AC3E}">
-        <p14:creationId xmlns:p14="http://schemas.microsoft.com/office/powerpoint/2010/main" val="4142245573"/>
-      </p:ext>
-    </p:extLst>
   </p:cSld>
   <p:clrMapOvr>
     <a:masterClrMapping/>
@@ -27793,26 +27108,11 @@
       </p:grpSpPr>
       <p:sp useBgFill="1">
         <p:nvSpPr>
-          <p:cNvPr id="10" name="Rectangle 9">
-            <a:extLst>
-              <a:ext uri="{FF2B5EF4-FFF2-40B4-BE49-F238E27FC236}">
-                <a16:creationId xmlns:a16="http://schemas.microsoft.com/office/drawing/2014/main" id="{122F9423-F4B1-45D4-8445-E9991ECCBCCF}"/>
-              </a:ext>
-              <a:ext uri="{C183D7F6-B498-43B3-948B-1728B52AA6E4}">
-                <adec:decorative xmlns:adec="http://schemas.microsoft.com/office/drawing/2017/decorative" val="1"/>
-              </a:ext>
-            </a:extLst>
-          </p:cNvPr>
+          <p:cNvPr id="10" name="Rectangle 9"/>
           <p:cNvSpPr>
             <a:spLocks noGrp="1" noRot="1" noChangeAspect="1" noMove="1" noResize="1" noEditPoints="1" noAdjustHandles="1" noChangeArrowheads="1" noChangeShapeType="1" noTextEdit="1"/>
           </p:cNvSpPr>
-          <p:nvPr>
-            <p:extLst>
-              <p:ext uri="{386F3935-93C4-4BCD-93E2-E3B085C9AB24}">
-                <p16:designElem xmlns:p16="http://schemas.microsoft.com/office/powerpoint/2015/main" val="1"/>
-              </p:ext>
-            </p:extLst>
-          </p:nvPr>
+          <p:nvPr/>
         </p:nvSpPr>
         <p:spPr>
           <a:xfrm>
@@ -27877,31 +27177,17 @@
               <a:rPr lang="pt-BR" dirty="0"/>
               <a:t>Objetivo</a:t>
             </a:r>
+            <a:endParaRPr lang="pt-BR" dirty="0"/>
           </a:p>
         </p:txBody>
       </p:sp>
       <p:grpSp>
         <p:nvGrpSpPr>
-          <p:cNvPr id="12" name="Group 11">
-            <a:extLst>
-              <a:ext uri="{FF2B5EF4-FFF2-40B4-BE49-F238E27FC236}">
-                <a16:creationId xmlns:a16="http://schemas.microsoft.com/office/drawing/2014/main" id="{770AE191-D2EA-45C9-A44D-830C188F74CB}"/>
-              </a:ext>
-              <a:ext uri="{C183D7F6-B498-43B3-948B-1728B52AA6E4}">
-                <adec:decorative xmlns:adec="http://schemas.microsoft.com/office/drawing/2017/decorative" val="1"/>
-              </a:ext>
-            </a:extLst>
-          </p:cNvPr>
+          <p:cNvPr id="12" name="Group 11"/>
           <p:cNvGrpSpPr>
-            <a:grpSpLocks noGrp="1" noUngrp="1" noRot="1" noChangeAspect="1" noMove="1" noResize="1"/>
+            <a:grpSpLocks noGrp="1" noRot="1" noChangeAspect="1" noMove="1" noResize="1" noUngrp="1"/>
           </p:cNvGrpSpPr>
-          <p:nvPr>
-            <p:extLst>
-              <p:ext uri="{386F3935-93C4-4BCD-93E2-E3B085C9AB24}">
-                <p16:designElem xmlns:p16="http://schemas.microsoft.com/office/powerpoint/2015/main" val="1"/>
-              </p:ext>
-            </p:extLst>
-          </p:nvPr>
+          <p:nvPr/>
         </p:nvGrpSpPr>
         <p:grpSpPr>
           <a:xfrm>
@@ -27913,26 +27199,9 @@
         </p:grpSpPr>
         <p:sp>
           <p:nvSpPr>
-            <p:cNvPr id="13" name="Freeform 5">
-              <a:extLst>
-                <a:ext uri="{FF2B5EF4-FFF2-40B4-BE49-F238E27FC236}">
-                  <a16:creationId xmlns:a16="http://schemas.microsoft.com/office/drawing/2014/main" id="{23A0E4C1-B7A6-4637-AC51-4A5AE3841FFB}"/>
-                </a:ext>
-                <a:ext uri="{C183D7F6-B498-43B3-948B-1728B52AA6E4}">
-                  <adec:decorative xmlns:adec="http://schemas.microsoft.com/office/drawing/2017/decorative" val="1"/>
-                </a:ext>
-              </a:extLst>
-            </p:cNvPr>
-            <p:cNvSpPr>
-              <a:spLocks/>
-            </p:cNvSpPr>
-            <p:nvPr>
-              <p:extLst>
-                <p:ext uri="{386F3935-93C4-4BCD-93E2-E3B085C9AB24}">
-                  <p16:designElem xmlns:p16="http://schemas.microsoft.com/office/powerpoint/2015/main" val="1"/>
-                </p:ext>
-              </p:extLst>
-            </p:nvPr>
+            <p:cNvPr id="13" name="Freeform 5"/>
+            <p:cNvSpPr/>
+            <p:nvPr/>
           </p:nvSpPr>
           <p:spPr bwMode="auto">
             <a:xfrm>
@@ -28087,11 +27356,7 @@
             </a:ln>
           </p:spPr>
           <p:txBody>
-            <a:bodyPr vert="horz" wrap="square" lIns="91440" tIns="45720" rIns="91440" bIns="45720" numCol="1" anchor="t" anchorCtr="0" compatLnSpc="1">
-              <a:prstTxWarp prst="textNoShape">
-                <a:avLst/>
-              </a:prstTxWarp>
-            </a:bodyPr>
+            <a:bodyPr vert="horz" wrap="square" lIns="91440" tIns="45720" rIns="91440" bIns="45720" numCol="1" anchor="t" anchorCtr="0" compatLnSpc="1"/>
             <a:lstStyle/>
             <a:p>
               <a:endParaRPr lang="en-US"/>
@@ -28100,26 +27365,9 @@
         </p:sp>
         <p:sp>
           <p:nvSpPr>
-            <p:cNvPr id="14" name="Freeform 5">
-              <a:extLst>
-                <a:ext uri="{FF2B5EF4-FFF2-40B4-BE49-F238E27FC236}">
-                  <a16:creationId xmlns:a16="http://schemas.microsoft.com/office/drawing/2014/main" id="{F4E8C039-CC58-44F3-8A7B-E0A934C1D015}"/>
-                </a:ext>
-                <a:ext uri="{C183D7F6-B498-43B3-948B-1728B52AA6E4}">
-                  <adec:decorative xmlns:adec="http://schemas.microsoft.com/office/drawing/2017/decorative" val="1"/>
-                </a:ext>
-              </a:extLst>
-            </p:cNvPr>
-            <p:cNvSpPr>
-              <a:spLocks/>
-            </p:cNvSpPr>
-            <p:nvPr>
-              <p:extLst>
-                <p:ext uri="{386F3935-93C4-4BCD-93E2-E3B085C9AB24}">
-                  <p16:designElem xmlns:p16="http://schemas.microsoft.com/office/powerpoint/2015/main" val="1"/>
-                </p:ext>
-              </p:extLst>
-            </p:nvPr>
+            <p:cNvPr id="14" name="Freeform 5"/>
+            <p:cNvSpPr/>
+            <p:nvPr/>
           </p:nvSpPr>
           <p:spPr bwMode="auto">
             <a:xfrm>
@@ -28274,11 +27522,7 @@
             </a:ln>
           </p:spPr>
           <p:txBody>
-            <a:bodyPr vert="horz" wrap="square" lIns="91440" tIns="45720" rIns="91440" bIns="45720" numCol="1" anchor="t" anchorCtr="0" compatLnSpc="1">
-              <a:prstTxWarp prst="textNoShape">
-                <a:avLst/>
-              </a:prstTxWarp>
-            </a:bodyPr>
+            <a:bodyPr vert="horz" wrap="square" lIns="91440" tIns="45720" rIns="91440" bIns="45720" numCol="1" anchor="t" anchorCtr="0" compatLnSpc="1"/>
             <a:lstStyle/>
             <a:p>
               <a:endParaRPr lang="en-US"/>
@@ -28288,23 +27532,12 @@
       </p:grpSp>
       <p:graphicFrame>
         <p:nvGraphicFramePr>
-          <p:cNvPr id="5" name="Espaço Reservado para Conteúdo 2">
-            <a:extLst>
-              <a:ext uri="{FF2B5EF4-FFF2-40B4-BE49-F238E27FC236}">
-                <a16:creationId xmlns:a16="http://schemas.microsoft.com/office/drawing/2014/main" id="{8F3CAAD5-7F65-4F54-9C24-4CAFB3FEB724}"/>
-              </a:ext>
-            </a:extLst>
-          </p:cNvPr>
+          <p:cNvPr id="5" name="Espaço Reservado para Conteúdo 2"/>
           <p:cNvGraphicFramePr>
             <a:graphicFrameLocks noGrp="1"/>
           </p:cNvGraphicFramePr>
           <p:nvPr>
             <p:ph idx="1"/>
-            <p:extLst>
-              <p:ext uri="{D42A27DB-BD31-4B8C-83A1-F6EECF244321}">
-                <p14:modId xmlns:p14="http://schemas.microsoft.com/office/powerpoint/2010/main" val="3761196577"/>
-              </p:ext>
-            </p:extLst>
           </p:nvPr>
         </p:nvGraphicFramePr>
         <p:xfrm>
@@ -28313,16 +27546,11 @@
         </p:xfrm>
         <a:graphic>
           <a:graphicData uri="http://schemas.openxmlformats.org/drawingml/2006/diagram">
-            <dgm:relIds xmlns:dgm="http://schemas.openxmlformats.org/drawingml/2006/diagram" xmlns:r="http://schemas.openxmlformats.org/officeDocument/2006/relationships" r:dm="rId2" r:lo="rId3" r:qs="rId4" r:cs="rId5"/>
+            <dgm:relIds xmlns:dgm="http://schemas.openxmlformats.org/drawingml/2006/diagram" xmlns:r="http://schemas.openxmlformats.org/officeDocument/2006/relationships" r:dm="rId1" r:lo="rId2" r:qs="rId3" r:cs="rId4"/>
           </a:graphicData>
         </a:graphic>
       </p:graphicFrame>
     </p:spTree>
-    <p:extLst>
-      <p:ext uri="{BB962C8B-B14F-4D97-AF65-F5344CB8AC3E}">
-        <p14:creationId xmlns:p14="http://schemas.microsoft.com/office/powerpoint/2010/main" val="3300421845"/>
-      </p:ext>
-    </p:extLst>
   </p:cSld>
   <p:clrMapOvr>
     <a:masterClrMapping/>
@@ -28372,20 +27600,14 @@
       </p:sp>
       <p:pic>
         <p:nvPicPr>
-          <p:cNvPr id="4" name="Imagem 3">
-            <a:extLst>
-              <a:ext uri="{FF2B5EF4-FFF2-40B4-BE49-F238E27FC236}">
-                <a16:creationId xmlns:a16="http://schemas.microsoft.com/office/drawing/2014/main" id="{9E9FF0C1-4D6B-4521-BCA8-4C7A19FAC5CF}"/>
-              </a:ext>
-            </a:extLst>
-          </p:cNvPr>
+          <p:cNvPr id="4" name="Imagem 3"/>
           <p:cNvPicPr>
             <a:picLocks noChangeAspect="1"/>
           </p:cNvPicPr>
           <p:nvPr/>
         </p:nvPicPr>
         <p:blipFill>
-          <a:blip r:embed="rId2">
+          <a:blip r:embed="rId1">
             <a:extLst>
               <a:ext uri="{28A0092B-C50C-407E-A947-70E740481C1C}">
                 <a14:useLocalDpi xmlns:a14="http://schemas.microsoft.com/office/drawing/2010/main" val="0"/>
@@ -28407,11 +27629,6 @@
         </p:spPr>
       </p:pic>
     </p:spTree>
-    <p:extLst>
-      <p:ext uri="{BB962C8B-B14F-4D97-AF65-F5344CB8AC3E}">
-        <p14:creationId xmlns:p14="http://schemas.microsoft.com/office/powerpoint/2010/main" val="1842282459"/>
-      </p:ext>
-    </p:extLst>
   </p:cSld>
   <p:clrMapOvr>
     <a:masterClrMapping/>
@@ -28461,13 +27678,7 @@
       </p:sp>
       <p:grpSp>
         <p:nvGrpSpPr>
-          <p:cNvPr id="54" name="Agrupar 53">
-            <a:extLst>
-              <a:ext uri="{FF2B5EF4-FFF2-40B4-BE49-F238E27FC236}">
-                <a16:creationId xmlns:a16="http://schemas.microsoft.com/office/drawing/2014/main" id="{4AEDFB78-DB64-41D5-89CB-11D0365A11A7}"/>
-              </a:ext>
-            </a:extLst>
-          </p:cNvPr>
+          <p:cNvPr id="54" name="Agrupar 53"/>
           <p:cNvGrpSpPr/>
           <p:nvPr/>
         </p:nvGrpSpPr>
@@ -28481,13 +27692,7 @@
         </p:grpSpPr>
         <p:sp>
           <p:nvSpPr>
-            <p:cNvPr id="8" name="Retângulo 7">
-              <a:extLst>
-                <a:ext uri="{FF2B5EF4-FFF2-40B4-BE49-F238E27FC236}">
-                  <a16:creationId xmlns:a16="http://schemas.microsoft.com/office/drawing/2014/main" id="{21046582-56E3-4C0D-8BCD-4079BFA84AD3}"/>
-                </a:ext>
-              </a:extLst>
-            </p:cNvPr>
+            <p:cNvPr id="8" name="Retângulo 7"/>
             <p:cNvSpPr/>
             <p:nvPr/>
           </p:nvSpPr>
@@ -28533,20 +27738,14 @@
         </p:sp>
         <p:pic>
           <p:nvPicPr>
-            <p:cNvPr id="9" name="Imagem 8" descr="Desenho de personagem de desenho animado&#10;&#10;Descrição gerada automaticamente">
-              <a:extLst>
-                <a:ext uri="{FF2B5EF4-FFF2-40B4-BE49-F238E27FC236}">
-                  <a16:creationId xmlns:a16="http://schemas.microsoft.com/office/drawing/2014/main" id="{5DC3B6AE-A302-4396-A33D-C6A978057715}"/>
-                </a:ext>
-              </a:extLst>
-            </p:cNvPr>
+            <p:cNvPr id="9" name="Imagem 8" descr="Desenho de personagem de desenho animado&#10;&#10;Descrição gerada automaticamente"/>
             <p:cNvPicPr>
               <a:picLocks noChangeAspect="1"/>
             </p:cNvPicPr>
             <p:nvPr/>
           </p:nvPicPr>
           <p:blipFill>
-            <a:blip r:embed="rId2" cstate="print">
+            <a:blip r:embed="rId1" cstate="print">
               <a:extLst>
                 <a:ext uri="{28A0092B-C50C-407E-A947-70E740481C1C}">
                   <a14:useLocalDpi xmlns:a14="http://schemas.microsoft.com/office/drawing/2010/main" val="0"/>
@@ -28569,20 +27768,14 @@
         </p:pic>
         <p:pic>
           <p:nvPicPr>
-            <p:cNvPr id="10" name="Imagem 9" descr="Uma imagem contendo relógio, desenho&#10;&#10;Descrição gerada automaticamente">
-              <a:extLst>
-                <a:ext uri="{FF2B5EF4-FFF2-40B4-BE49-F238E27FC236}">
-                  <a16:creationId xmlns:a16="http://schemas.microsoft.com/office/drawing/2014/main" id="{79FE6993-ADF6-4F4A-82B8-259481D4EDD3}"/>
-                </a:ext>
-              </a:extLst>
-            </p:cNvPr>
+            <p:cNvPr id="10" name="Imagem 9" descr="Uma imagem contendo relógio, desenho&#10;&#10;Descrição gerada automaticamente"/>
             <p:cNvPicPr>
               <a:picLocks noChangeAspect="1"/>
             </p:cNvPicPr>
             <p:nvPr/>
           </p:nvPicPr>
           <p:blipFill>
-            <a:blip r:embed="rId3" cstate="print">
+            <a:blip r:embed="rId2" cstate="print">
               <a:extLst>
                 <a:ext uri="{28A0092B-C50C-407E-A947-70E740481C1C}">
                   <a14:useLocalDpi xmlns:a14="http://schemas.microsoft.com/office/drawing/2010/main" val="0"/>
@@ -28605,13 +27798,7 @@
         </p:pic>
         <p:sp>
           <p:nvSpPr>
-            <p:cNvPr id="11" name="Seta: para a Direita 10">
-              <a:extLst>
-                <a:ext uri="{FF2B5EF4-FFF2-40B4-BE49-F238E27FC236}">
-                  <a16:creationId xmlns:a16="http://schemas.microsoft.com/office/drawing/2014/main" id="{973914AC-AEE4-41A7-833C-20CD985146A6}"/>
-                </a:ext>
-              </a:extLst>
-            </p:cNvPr>
+            <p:cNvPr id="11" name="Seta: para a Direita 10"/>
             <p:cNvSpPr/>
             <p:nvPr/>
           </p:nvSpPr>
@@ -28654,13 +27841,7 @@
         </p:sp>
         <p:cxnSp>
           <p:nvCxnSpPr>
-            <p:cNvPr id="12" name="Conector reto 11">
-              <a:extLst>
-                <a:ext uri="{FF2B5EF4-FFF2-40B4-BE49-F238E27FC236}">
-                  <a16:creationId xmlns:a16="http://schemas.microsoft.com/office/drawing/2014/main" id="{4D1FA225-479F-4678-A8D7-BA73C94F6FA8}"/>
-                </a:ext>
-              </a:extLst>
-            </p:cNvPr>
+            <p:cNvPr id="12" name="Conector reto 11"/>
             <p:cNvCxnSpPr/>
             <p:nvPr/>
           </p:nvCxnSpPr>
@@ -28695,13 +27876,7 @@
         </p:cxnSp>
         <p:cxnSp>
           <p:nvCxnSpPr>
-            <p:cNvPr id="13" name="Conector reto 12">
-              <a:extLst>
-                <a:ext uri="{FF2B5EF4-FFF2-40B4-BE49-F238E27FC236}">
-                  <a16:creationId xmlns:a16="http://schemas.microsoft.com/office/drawing/2014/main" id="{811B4FAF-88D2-428A-9C38-41A2AF3B9A34}"/>
-                </a:ext>
-              </a:extLst>
-            </p:cNvPr>
+            <p:cNvPr id="13" name="Conector reto 12"/>
             <p:cNvCxnSpPr/>
             <p:nvPr/>
           </p:nvCxnSpPr>
@@ -28736,13 +27911,7 @@
         </p:cxnSp>
         <p:cxnSp>
           <p:nvCxnSpPr>
-            <p:cNvPr id="14" name="Conector reto 13">
-              <a:extLst>
-                <a:ext uri="{FF2B5EF4-FFF2-40B4-BE49-F238E27FC236}">
-                  <a16:creationId xmlns:a16="http://schemas.microsoft.com/office/drawing/2014/main" id="{78EA875C-37E4-49AD-B371-0CDA88092388}"/>
-                </a:ext>
-              </a:extLst>
-            </p:cNvPr>
+            <p:cNvPr id="14" name="Conector reto 13"/>
             <p:cNvCxnSpPr/>
             <p:nvPr/>
           </p:nvCxnSpPr>
@@ -28777,15 +27946,8 @@
         </p:cxnSp>
         <p:cxnSp>
           <p:nvCxnSpPr>
-            <p:cNvPr id="15" name="Conector reto 14">
-              <a:extLst>
-                <a:ext uri="{FF2B5EF4-FFF2-40B4-BE49-F238E27FC236}">
-                  <a16:creationId xmlns:a16="http://schemas.microsoft.com/office/drawing/2014/main" id="{9D86E036-0802-40D2-BC62-25EE2A0C7C32}"/>
-                </a:ext>
-              </a:extLst>
-            </p:cNvPr>
+            <p:cNvPr id="15" name="Conector reto 14"/>
             <p:cNvCxnSpPr>
-              <a:cxnSpLocks/>
               <a:stCxn id="8" idx="3"/>
               <a:endCxn id="8" idx="1"/>
             </p:cNvCxnSpPr>
@@ -28822,13 +27984,7 @@
         </p:cxnSp>
         <p:sp>
           <p:nvSpPr>
-            <p:cNvPr id="16" name="CaixaDeTexto 15">
-              <a:extLst>
-                <a:ext uri="{FF2B5EF4-FFF2-40B4-BE49-F238E27FC236}">
-                  <a16:creationId xmlns:a16="http://schemas.microsoft.com/office/drawing/2014/main" id="{5765B601-CA41-4BEA-9E72-00D7F5958360}"/>
-                </a:ext>
-              </a:extLst>
-            </p:cNvPr>
+            <p:cNvPr id="16" name="CaixaDeTexto 15"/>
             <p:cNvSpPr txBox="1"/>
             <p:nvPr/>
           </p:nvSpPr>
@@ -28857,25 +28013,20 @@
                 <a:rPr lang="pt-BR" sz="800" dirty="0"/>
                 <a:t>Usuário procurando uma equipe para jogar acessa o site</a:t>
               </a:r>
+              <a:endParaRPr lang="pt-BR" sz="800" dirty="0"/>
             </a:p>
           </p:txBody>
         </p:sp>
         <p:pic>
           <p:nvPicPr>
-            <p:cNvPr id="17" name="Picture 2" descr="Resultado de imagem para site">
-              <a:extLst>
-                <a:ext uri="{FF2B5EF4-FFF2-40B4-BE49-F238E27FC236}">
-                  <a16:creationId xmlns:a16="http://schemas.microsoft.com/office/drawing/2014/main" id="{1A54160C-128F-4932-B5BB-95700FF22C9D}"/>
-                </a:ext>
-              </a:extLst>
-            </p:cNvPr>
+            <p:cNvPr id="17" name="Picture 2" descr="Resultado de imagem para site"/>
             <p:cNvPicPr>
               <a:picLocks noChangeAspect="1" noChangeArrowheads="1"/>
             </p:cNvPicPr>
             <p:nvPr/>
           </p:nvPicPr>
           <p:blipFill>
-            <a:blip r:embed="rId4" cstate="print">
+            <a:blip r:embed="rId3" cstate="print">
               <a:extLst>
                 <a:ext uri="{28A0092B-C50C-407E-A947-70E740481C1C}">
                   <a14:useLocalDpi xmlns:a14="http://schemas.microsoft.com/office/drawing/2010/main" val="0"/>
@@ -28909,20 +28060,14 @@
         </p:pic>
         <p:pic>
           <p:nvPicPr>
-            <p:cNvPr id="18" name="Imagem 17" descr="Desenho de personagem de desenho animado&#10;&#10;Descrição gerada automaticamente">
-              <a:extLst>
-                <a:ext uri="{FF2B5EF4-FFF2-40B4-BE49-F238E27FC236}">
-                  <a16:creationId xmlns:a16="http://schemas.microsoft.com/office/drawing/2014/main" id="{608B8041-E4CD-4AB8-BABA-9CF93D384EFB}"/>
-                </a:ext>
-              </a:extLst>
-            </p:cNvPr>
+            <p:cNvPr id="18" name="Imagem 17" descr="Desenho de personagem de desenho animado&#10;&#10;Descrição gerada automaticamente"/>
             <p:cNvPicPr>
               <a:picLocks noChangeAspect="1"/>
             </p:cNvPicPr>
             <p:nvPr/>
           </p:nvPicPr>
           <p:blipFill>
-            <a:blip r:embed="rId2" cstate="print">
+            <a:blip r:embed="rId1" cstate="print">
               <a:extLst>
                 <a:ext uri="{28A0092B-C50C-407E-A947-70E740481C1C}">
                   <a14:useLocalDpi xmlns:a14="http://schemas.microsoft.com/office/drawing/2010/main" val="0"/>
@@ -28945,20 +28090,14 @@
         </p:pic>
         <p:pic>
           <p:nvPicPr>
-            <p:cNvPr id="19" name="Imagem 18" descr="Uma imagem contendo relógio, desenho&#10;&#10;Descrição gerada automaticamente">
-              <a:extLst>
-                <a:ext uri="{FF2B5EF4-FFF2-40B4-BE49-F238E27FC236}">
-                  <a16:creationId xmlns:a16="http://schemas.microsoft.com/office/drawing/2014/main" id="{C628A9B9-4669-4689-B25E-EC43177A5E83}"/>
-                </a:ext>
-              </a:extLst>
-            </p:cNvPr>
+            <p:cNvPr id="19" name="Imagem 18" descr="Uma imagem contendo relógio, desenho&#10;&#10;Descrição gerada automaticamente"/>
             <p:cNvPicPr>
               <a:picLocks noChangeAspect="1"/>
             </p:cNvPicPr>
             <p:nvPr/>
           </p:nvPicPr>
           <p:blipFill>
-            <a:blip r:embed="rId3" cstate="print">
+            <a:blip r:embed="rId2" cstate="print">
               <a:extLst>
                 <a:ext uri="{28A0092B-C50C-407E-A947-70E740481C1C}">
                   <a14:useLocalDpi xmlns:a14="http://schemas.microsoft.com/office/drawing/2010/main" val="0"/>
@@ -28981,13 +28120,7 @@
         </p:pic>
         <p:sp>
           <p:nvSpPr>
-            <p:cNvPr id="20" name="Seta: para a Direita 19">
-              <a:extLst>
-                <a:ext uri="{FF2B5EF4-FFF2-40B4-BE49-F238E27FC236}">
-                  <a16:creationId xmlns:a16="http://schemas.microsoft.com/office/drawing/2014/main" id="{C76E15B8-A527-46BF-AFEF-B69956EF5757}"/>
-                </a:ext>
-              </a:extLst>
-            </p:cNvPr>
+            <p:cNvPr id="20" name="Seta: para a Direita 19"/>
             <p:cNvSpPr/>
             <p:nvPr/>
           </p:nvSpPr>
@@ -29030,13 +28163,7 @@
         </p:sp>
         <p:sp>
           <p:nvSpPr>
-            <p:cNvPr id="21" name="CaixaDeTexto 20">
-              <a:extLst>
-                <a:ext uri="{FF2B5EF4-FFF2-40B4-BE49-F238E27FC236}">
-                  <a16:creationId xmlns:a16="http://schemas.microsoft.com/office/drawing/2014/main" id="{556366F0-CA6C-4018-95D4-38DBB0E2E2A5}"/>
-                </a:ext>
-              </a:extLst>
-            </p:cNvPr>
+            <p:cNvPr id="21" name="CaixaDeTexto 20"/>
             <p:cNvSpPr txBox="1"/>
             <p:nvPr/>
           </p:nvSpPr>
@@ -29065,25 +28192,20 @@
                 <a:rPr lang="pt-BR" sz="800" dirty="0"/>
                 <a:t>Cadastra seu perfil</a:t>
               </a:r>
+              <a:endParaRPr lang="pt-BR" sz="800" dirty="0"/>
             </a:p>
           </p:txBody>
         </p:sp>
         <p:pic>
           <p:nvPicPr>
-            <p:cNvPr id="22" name="Imagem 21" descr="Tela de computador com texto preto sobre fundo branco&#10;&#10;Descrição gerada automaticamente">
-              <a:extLst>
-                <a:ext uri="{FF2B5EF4-FFF2-40B4-BE49-F238E27FC236}">
-                  <a16:creationId xmlns:a16="http://schemas.microsoft.com/office/drawing/2014/main" id="{6F155E7E-C633-4194-ABBB-3CE62F5B2817}"/>
-                </a:ext>
-              </a:extLst>
-            </p:cNvPr>
+            <p:cNvPr id="22" name="Imagem 21" descr="Tela de computador com texto preto sobre fundo branco&#10;&#10;Descrição gerada automaticamente"/>
             <p:cNvPicPr>
               <a:picLocks noChangeAspect="1"/>
             </p:cNvPicPr>
             <p:nvPr/>
           </p:nvPicPr>
           <p:blipFill>
-            <a:blip r:embed="rId5" cstate="print">
+            <a:blip r:embed="rId4" cstate="print">
               <a:extLst>
                 <a:ext uri="{28A0092B-C50C-407E-A947-70E740481C1C}">
                   <a14:useLocalDpi xmlns:a14="http://schemas.microsoft.com/office/drawing/2010/main" val="0"/>
@@ -29106,20 +28228,14 @@
         </p:pic>
         <p:pic>
           <p:nvPicPr>
-            <p:cNvPr id="23" name="Imagem 22" descr="Desenho de personagem de desenho animado&#10;&#10;Descrição gerada automaticamente">
-              <a:extLst>
-                <a:ext uri="{FF2B5EF4-FFF2-40B4-BE49-F238E27FC236}">
-                  <a16:creationId xmlns:a16="http://schemas.microsoft.com/office/drawing/2014/main" id="{03ABA89E-08EA-411A-857E-FAA1D642BE9A}"/>
-                </a:ext>
-              </a:extLst>
-            </p:cNvPr>
+            <p:cNvPr id="23" name="Imagem 22" descr="Desenho de personagem de desenho animado&#10;&#10;Descrição gerada automaticamente"/>
             <p:cNvPicPr>
               <a:picLocks noChangeAspect="1"/>
             </p:cNvPicPr>
             <p:nvPr/>
           </p:nvPicPr>
           <p:blipFill>
-            <a:blip r:embed="rId2" cstate="print">
+            <a:blip r:embed="rId1" cstate="print">
               <a:extLst>
                 <a:ext uri="{28A0092B-C50C-407E-A947-70E740481C1C}">
                   <a14:useLocalDpi xmlns:a14="http://schemas.microsoft.com/office/drawing/2010/main" val="0"/>
@@ -29142,20 +28258,14 @@
         </p:pic>
         <p:pic>
           <p:nvPicPr>
-            <p:cNvPr id="24" name="Imagem 23" descr="Uma imagem contendo relógio, desenho&#10;&#10;Descrição gerada automaticamente">
-              <a:extLst>
-                <a:ext uri="{FF2B5EF4-FFF2-40B4-BE49-F238E27FC236}">
-                  <a16:creationId xmlns:a16="http://schemas.microsoft.com/office/drawing/2014/main" id="{572F63AD-CADB-4870-A8FE-00C242D9CF3C}"/>
-                </a:ext>
-              </a:extLst>
-            </p:cNvPr>
+            <p:cNvPr id="24" name="Imagem 23" descr="Uma imagem contendo relógio, desenho&#10;&#10;Descrição gerada automaticamente"/>
             <p:cNvPicPr>
               <a:picLocks noChangeAspect="1"/>
             </p:cNvPicPr>
             <p:nvPr/>
           </p:nvPicPr>
           <p:blipFill>
-            <a:blip r:embed="rId3" cstate="print">
+            <a:blip r:embed="rId2" cstate="print">
               <a:extLst>
                 <a:ext uri="{28A0092B-C50C-407E-A947-70E740481C1C}">
                   <a14:useLocalDpi xmlns:a14="http://schemas.microsoft.com/office/drawing/2010/main" val="0"/>
@@ -29178,13 +28288,7 @@
         </p:pic>
         <p:sp>
           <p:nvSpPr>
-            <p:cNvPr id="25" name="Seta: para a Direita 24">
-              <a:extLst>
-                <a:ext uri="{FF2B5EF4-FFF2-40B4-BE49-F238E27FC236}">
-                  <a16:creationId xmlns:a16="http://schemas.microsoft.com/office/drawing/2014/main" id="{74FD190A-FCD9-4237-BA84-F8D0D0A3CDDA}"/>
-                </a:ext>
-              </a:extLst>
-            </p:cNvPr>
+            <p:cNvPr id="25" name="Seta: para a Direita 24"/>
             <p:cNvSpPr/>
             <p:nvPr/>
           </p:nvSpPr>
@@ -29227,13 +28331,7 @@
         </p:sp>
         <p:sp>
           <p:nvSpPr>
-            <p:cNvPr id="26" name="CaixaDeTexto 25">
-              <a:extLst>
-                <a:ext uri="{FF2B5EF4-FFF2-40B4-BE49-F238E27FC236}">
-                  <a16:creationId xmlns:a16="http://schemas.microsoft.com/office/drawing/2014/main" id="{289E3814-5AAD-4450-AF9E-096EF09D99DC}"/>
-                </a:ext>
-              </a:extLst>
-            </p:cNvPr>
+            <p:cNvPr id="26" name="CaixaDeTexto 25"/>
             <p:cNvSpPr txBox="1"/>
             <p:nvPr/>
           </p:nvSpPr>
@@ -29262,25 +28360,20 @@
                 <a:rPr lang="pt-BR" sz="800" dirty="0"/>
                 <a:t>Selecionar o jogo desejado</a:t>
               </a:r>
+              <a:endParaRPr lang="pt-BR" sz="800" dirty="0"/>
             </a:p>
           </p:txBody>
         </p:sp>
         <p:pic>
           <p:nvPicPr>
-            <p:cNvPr id="27" name="Imagem 26" descr="Pessoas de moto&#10;&#10;Descrição gerada automaticamente">
-              <a:extLst>
-                <a:ext uri="{FF2B5EF4-FFF2-40B4-BE49-F238E27FC236}">
-                  <a16:creationId xmlns:a16="http://schemas.microsoft.com/office/drawing/2014/main" id="{5C92EB20-CE43-46DD-AF70-1F373BC408BD}"/>
-                </a:ext>
-              </a:extLst>
-            </p:cNvPr>
+            <p:cNvPr id="27" name="Imagem 26" descr="Pessoas de moto&#10;&#10;Descrição gerada automaticamente"/>
             <p:cNvPicPr>
               <a:picLocks noChangeAspect="1"/>
             </p:cNvPicPr>
             <p:nvPr/>
           </p:nvPicPr>
           <p:blipFill>
-            <a:blip r:embed="rId6" cstate="print">
+            <a:blip r:embed="rId5" cstate="print">
               <a:extLst>
                 <a:ext uri="{28A0092B-C50C-407E-A947-70E740481C1C}">
                   <a14:useLocalDpi xmlns:a14="http://schemas.microsoft.com/office/drawing/2010/main" val="0"/>
@@ -29303,20 +28396,14 @@
         </p:pic>
         <p:pic>
           <p:nvPicPr>
-            <p:cNvPr id="28" name="Imagem 27" descr="Desenho de personagem de desenho animado&#10;&#10;Descrição gerada automaticamente">
-              <a:extLst>
-                <a:ext uri="{FF2B5EF4-FFF2-40B4-BE49-F238E27FC236}">
-                  <a16:creationId xmlns:a16="http://schemas.microsoft.com/office/drawing/2014/main" id="{CF4890A5-500C-4E72-9740-E4C81534666B}"/>
-                </a:ext>
-              </a:extLst>
-            </p:cNvPr>
+            <p:cNvPr id="28" name="Imagem 27" descr="Desenho de personagem de desenho animado&#10;&#10;Descrição gerada automaticamente"/>
             <p:cNvPicPr>
               <a:picLocks noChangeAspect="1"/>
             </p:cNvPicPr>
             <p:nvPr/>
           </p:nvPicPr>
           <p:blipFill>
-            <a:blip r:embed="rId2" cstate="print">
+            <a:blip r:embed="rId1" cstate="print">
               <a:extLst>
                 <a:ext uri="{28A0092B-C50C-407E-A947-70E740481C1C}">
                   <a14:useLocalDpi xmlns:a14="http://schemas.microsoft.com/office/drawing/2010/main" val="0"/>
@@ -29339,20 +28426,14 @@
         </p:pic>
         <p:pic>
           <p:nvPicPr>
-            <p:cNvPr id="29" name="Imagem 28" descr="Uma imagem contendo relógio, desenho&#10;&#10;Descrição gerada automaticamente">
-              <a:extLst>
-                <a:ext uri="{FF2B5EF4-FFF2-40B4-BE49-F238E27FC236}">
-                  <a16:creationId xmlns:a16="http://schemas.microsoft.com/office/drawing/2014/main" id="{4A3C60EE-68BA-417C-BE97-8A4FCD2A1071}"/>
-                </a:ext>
-              </a:extLst>
-            </p:cNvPr>
+            <p:cNvPr id="29" name="Imagem 28" descr="Uma imagem contendo relógio, desenho&#10;&#10;Descrição gerada automaticamente"/>
             <p:cNvPicPr>
               <a:picLocks noChangeAspect="1"/>
             </p:cNvPicPr>
             <p:nvPr/>
           </p:nvPicPr>
           <p:blipFill>
-            <a:blip r:embed="rId3" cstate="print">
+            <a:blip r:embed="rId2" cstate="print">
               <a:extLst>
                 <a:ext uri="{28A0092B-C50C-407E-A947-70E740481C1C}">
                   <a14:useLocalDpi xmlns:a14="http://schemas.microsoft.com/office/drawing/2010/main" val="0"/>
@@ -29375,13 +28456,7 @@
         </p:pic>
         <p:sp>
           <p:nvSpPr>
-            <p:cNvPr id="30" name="CaixaDeTexto 29">
-              <a:extLst>
-                <a:ext uri="{FF2B5EF4-FFF2-40B4-BE49-F238E27FC236}">
-                  <a16:creationId xmlns:a16="http://schemas.microsoft.com/office/drawing/2014/main" id="{525B638B-A223-407A-AA05-B5346C9CD358}"/>
-                </a:ext>
-              </a:extLst>
-            </p:cNvPr>
+            <p:cNvPr id="30" name="CaixaDeTexto 29"/>
             <p:cNvSpPr txBox="1"/>
             <p:nvPr/>
           </p:nvSpPr>
@@ -29410,18 +28485,13 @@
                 <a:rPr lang="pt-BR" sz="800" dirty="0"/>
                 <a:t>Seleciona o nível de Skill da equipe</a:t>
               </a:r>
+              <a:endParaRPr lang="pt-BR" sz="800" dirty="0"/>
             </a:p>
           </p:txBody>
         </p:sp>
         <p:sp>
           <p:nvSpPr>
-            <p:cNvPr id="31" name="Seta: para a Direita 30">
-              <a:extLst>
-                <a:ext uri="{FF2B5EF4-FFF2-40B4-BE49-F238E27FC236}">
-                  <a16:creationId xmlns:a16="http://schemas.microsoft.com/office/drawing/2014/main" id="{9FA7E7D7-3E09-4327-A054-99DEC7F277B0}"/>
-                </a:ext>
-              </a:extLst>
-            </p:cNvPr>
+            <p:cNvPr id="31" name="Seta: para a Direita 30"/>
             <p:cNvSpPr/>
             <p:nvPr/>
           </p:nvSpPr>
@@ -29464,20 +28534,14 @@
         </p:sp>
         <p:pic>
           <p:nvPicPr>
-            <p:cNvPr id="32" name="Picture 4" descr="Resultado de imagem para skill gamers">
-              <a:extLst>
-                <a:ext uri="{FF2B5EF4-FFF2-40B4-BE49-F238E27FC236}">
-                  <a16:creationId xmlns:a16="http://schemas.microsoft.com/office/drawing/2014/main" id="{8BEC2F63-1639-4E09-B162-542F8F8EFB12}"/>
-                </a:ext>
-              </a:extLst>
-            </p:cNvPr>
+            <p:cNvPr id="32" name="Picture 4" descr="Resultado de imagem para skill gamers"/>
             <p:cNvPicPr>
               <a:picLocks noChangeAspect="1" noChangeArrowheads="1"/>
             </p:cNvPicPr>
             <p:nvPr/>
           </p:nvPicPr>
           <p:blipFill>
-            <a:blip r:embed="rId7" cstate="print">
+            <a:blip r:embed="rId6" cstate="print">
               <a:extLst>
                 <a:ext uri="{28A0092B-C50C-407E-A947-70E740481C1C}">
                   <a14:useLocalDpi xmlns:a14="http://schemas.microsoft.com/office/drawing/2010/main" val="0"/>
@@ -29511,20 +28575,14 @@
         </p:pic>
         <p:pic>
           <p:nvPicPr>
-            <p:cNvPr id="33" name="Imagem 32" descr="Desenho de personagem de desenho animado&#10;&#10;Descrição gerada automaticamente">
-              <a:extLst>
-                <a:ext uri="{FF2B5EF4-FFF2-40B4-BE49-F238E27FC236}">
-                  <a16:creationId xmlns:a16="http://schemas.microsoft.com/office/drawing/2014/main" id="{645D484F-05E1-4567-A4E4-CCF684B695DD}"/>
-                </a:ext>
-              </a:extLst>
-            </p:cNvPr>
+            <p:cNvPr id="33" name="Imagem 32" descr="Desenho de personagem de desenho animado&#10;&#10;Descrição gerada automaticamente"/>
             <p:cNvPicPr>
               <a:picLocks noChangeAspect="1"/>
             </p:cNvPicPr>
             <p:nvPr/>
           </p:nvPicPr>
           <p:blipFill>
-            <a:blip r:embed="rId2" cstate="print">
+            <a:blip r:embed="rId1" cstate="print">
               <a:extLst>
                 <a:ext uri="{28A0092B-C50C-407E-A947-70E740481C1C}">
                   <a14:useLocalDpi xmlns:a14="http://schemas.microsoft.com/office/drawing/2010/main" val="0"/>
@@ -29547,20 +28605,14 @@
         </p:pic>
         <p:pic>
           <p:nvPicPr>
-            <p:cNvPr id="34" name="Imagem 33" descr="Uma imagem contendo relógio, desenho&#10;&#10;Descrição gerada automaticamente">
-              <a:extLst>
-                <a:ext uri="{FF2B5EF4-FFF2-40B4-BE49-F238E27FC236}">
-                  <a16:creationId xmlns:a16="http://schemas.microsoft.com/office/drawing/2014/main" id="{2062BCAE-9B55-42E9-9AB0-9C08ED66F39E}"/>
-                </a:ext>
-              </a:extLst>
-            </p:cNvPr>
+            <p:cNvPr id="34" name="Imagem 33" descr="Uma imagem contendo relógio, desenho&#10;&#10;Descrição gerada automaticamente"/>
             <p:cNvPicPr>
               <a:picLocks noChangeAspect="1"/>
             </p:cNvPicPr>
             <p:nvPr/>
           </p:nvPicPr>
           <p:blipFill>
-            <a:blip r:embed="rId3" cstate="print">
+            <a:blip r:embed="rId2" cstate="print">
               <a:extLst>
                 <a:ext uri="{28A0092B-C50C-407E-A947-70E740481C1C}">
                   <a14:useLocalDpi xmlns:a14="http://schemas.microsoft.com/office/drawing/2010/main" val="0"/>
@@ -29583,13 +28635,7 @@
         </p:pic>
         <p:sp>
           <p:nvSpPr>
-            <p:cNvPr id="35" name="CaixaDeTexto 34">
-              <a:extLst>
-                <a:ext uri="{FF2B5EF4-FFF2-40B4-BE49-F238E27FC236}">
-                  <a16:creationId xmlns:a16="http://schemas.microsoft.com/office/drawing/2014/main" id="{8F32D25A-4EF3-4221-8C58-330D6AAE7ADA}"/>
-                </a:ext>
-              </a:extLst>
-            </p:cNvPr>
+            <p:cNvPr id="35" name="CaixaDeTexto 34"/>
             <p:cNvSpPr txBox="1"/>
             <p:nvPr/>
           </p:nvSpPr>
@@ -29618,18 +28664,13 @@
                 <a:rPr lang="pt-BR" sz="800" dirty="0"/>
                 <a:t>Usuário solicita partida com a equipe desejada</a:t>
               </a:r>
+              <a:endParaRPr lang="pt-BR" sz="800" dirty="0"/>
             </a:p>
           </p:txBody>
         </p:sp>
         <p:sp>
           <p:nvSpPr>
-            <p:cNvPr id="36" name="Seta: para a Direita 35">
-              <a:extLst>
-                <a:ext uri="{FF2B5EF4-FFF2-40B4-BE49-F238E27FC236}">
-                  <a16:creationId xmlns:a16="http://schemas.microsoft.com/office/drawing/2014/main" id="{19644AF2-D2DA-4E13-8C4F-1A2B148799E0}"/>
-                </a:ext>
-              </a:extLst>
-            </p:cNvPr>
+            <p:cNvPr id="36" name="Seta: para a Direita 35"/>
             <p:cNvSpPr/>
             <p:nvPr/>
           </p:nvSpPr>
@@ -29672,13 +28713,7 @@
         </p:sp>
         <p:sp>
           <p:nvSpPr>
-            <p:cNvPr id="37" name="AutoShape 6" descr="Resultado de imagem para jogo online em grupos">
-              <a:extLst>
-                <a:ext uri="{FF2B5EF4-FFF2-40B4-BE49-F238E27FC236}">
-                  <a16:creationId xmlns:a16="http://schemas.microsoft.com/office/drawing/2014/main" id="{392A6A75-ACAF-49DF-8A2F-78B5F6CD5B1B}"/>
-                </a:ext>
-              </a:extLst>
-            </p:cNvPr>
+            <p:cNvPr id="37" name="AutoShape 6" descr="Resultado de imagem para jogo online em grupos"/>
             <p:cNvSpPr>
               <a:spLocks noChangeAspect="1" noChangeArrowheads="1"/>
             </p:cNvSpPr>
@@ -29704,11 +28739,7 @@
             </a:extLst>
           </p:spPr>
           <p:txBody>
-            <a:bodyPr vert="horz" wrap="square" lIns="91440" tIns="45720" rIns="91440" bIns="45720" numCol="1" anchor="t" anchorCtr="0" compatLnSpc="1">
-              <a:prstTxWarp prst="textNoShape">
-                <a:avLst/>
-              </a:prstTxWarp>
-            </a:bodyPr>
+            <a:bodyPr vert="horz" wrap="square" lIns="91440" tIns="45720" rIns="91440" bIns="45720" numCol="1" anchor="t" anchorCtr="0" compatLnSpc="1"/>
             <a:lstStyle/>
             <a:p>
               <a:endParaRPr lang="pt-BR"/>
@@ -29717,20 +28748,14 @@
         </p:sp>
         <p:pic>
           <p:nvPicPr>
-            <p:cNvPr id="38" name="Picture 8" descr="Resultado de imagem para jogo online em grupos">
-              <a:extLst>
-                <a:ext uri="{FF2B5EF4-FFF2-40B4-BE49-F238E27FC236}">
-                  <a16:creationId xmlns:a16="http://schemas.microsoft.com/office/drawing/2014/main" id="{02747CC9-B5C6-409E-93D4-99EA5CA1A5A3}"/>
-                </a:ext>
-              </a:extLst>
-            </p:cNvPr>
+            <p:cNvPr id="38" name="Picture 8" descr="Resultado de imagem para jogo online em grupos"/>
             <p:cNvPicPr>
               <a:picLocks noChangeAspect="1" noChangeArrowheads="1"/>
             </p:cNvPicPr>
             <p:nvPr/>
           </p:nvPicPr>
           <p:blipFill>
-            <a:blip r:embed="rId8" cstate="print">
+            <a:blip r:embed="rId7" cstate="print">
               <a:extLst>
                 <a:ext uri="{28A0092B-C50C-407E-A947-70E740481C1C}">
                   <a14:useLocalDpi xmlns:a14="http://schemas.microsoft.com/office/drawing/2010/main" val="0"/>
@@ -29764,20 +28789,14 @@
         </p:pic>
         <p:pic>
           <p:nvPicPr>
-            <p:cNvPr id="39" name="Imagem 38" descr="Desenho de personagem de desenho animado&#10;&#10;Descrição gerada automaticamente">
-              <a:extLst>
-                <a:ext uri="{FF2B5EF4-FFF2-40B4-BE49-F238E27FC236}">
-                  <a16:creationId xmlns:a16="http://schemas.microsoft.com/office/drawing/2014/main" id="{BBBE8864-5AAF-4796-A857-C6921A65CBFB}"/>
-                </a:ext>
-              </a:extLst>
-            </p:cNvPr>
+            <p:cNvPr id="39" name="Imagem 38" descr="Desenho de personagem de desenho animado&#10;&#10;Descrição gerada automaticamente"/>
             <p:cNvPicPr>
               <a:picLocks noChangeAspect="1"/>
             </p:cNvPicPr>
             <p:nvPr/>
           </p:nvPicPr>
           <p:blipFill>
-            <a:blip r:embed="rId2" cstate="print">
+            <a:blip r:embed="rId1" cstate="print">
               <a:extLst>
                 <a:ext uri="{28A0092B-C50C-407E-A947-70E740481C1C}">
                   <a14:useLocalDpi xmlns:a14="http://schemas.microsoft.com/office/drawing/2010/main" val="0"/>
@@ -29800,20 +28819,14 @@
         </p:pic>
         <p:pic>
           <p:nvPicPr>
-            <p:cNvPr id="40" name="Imagem 39" descr="Uma imagem contendo relógio, desenho&#10;&#10;Descrição gerada automaticamente">
-              <a:extLst>
-                <a:ext uri="{FF2B5EF4-FFF2-40B4-BE49-F238E27FC236}">
-                  <a16:creationId xmlns:a16="http://schemas.microsoft.com/office/drawing/2014/main" id="{BCAEEA1C-9C13-4AD6-A58A-F2E1BF31977D}"/>
-                </a:ext>
-              </a:extLst>
-            </p:cNvPr>
+            <p:cNvPr id="40" name="Imagem 39" descr="Uma imagem contendo relógio, desenho&#10;&#10;Descrição gerada automaticamente"/>
             <p:cNvPicPr>
               <a:picLocks noChangeAspect="1"/>
             </p:cNvPicPr>
             <p:nvPr/>
           </p:nvPicPr>
           <p:blipFill>
-            <a:blip r:embed="rId3" cstate="print">
+            <a:blip r:embed="rId2" cstate="print">
               <a:extLst>
                 <a:ext uri="{28A0092B-C50C-407E-A947-70E740481C1C}">
                   <a14:useLocalDpi xmlns:a14="http://schemas.microsoft.com/office/drawing/2010/main" val="0"/>
@@ -29836,13 +28849,7 @@
         </p:pic>
         <p:sp>
           <p:nvSpPr>
-            <p:cNvPr id="41" name="Seta: para a Direita 40">
-              <a:extLst>
-                <a:ext uri="{FF2B5EF4-FFF2-40B4-BE49-F238E27FC236}">
-                  <a16:creationId xmlns:a16="http://schemas.microsoft.com/office/drawing/2014/main" id="{0F3761A4-FF1E-48A6-B403-70A014A3FF0E}"/>
-                </a:ext>
-              </a:extLst>
-            </p:cNvPr>
+            <p:cNvPr id="41" name="Seta: para a Direita 40"/>
             <p:cNvSpPr/>
             <p:nvPr/>
           </p:nvSpPr>
@@ -29885,20 +28892,14 @@
         </p:sp>
         <p:pic>
           <p:nvPicPr>
-            <p:cNvPr id="42" name="Picture 8" descr="Resultado de imagem para jogo online em grupos">
-              <a:extLst>
-                <a:ext uri="{FF2B5EF4-FFF2-40B4-BE49-F238E27FC236}">
-                  <a16:creationId xmlns:a16="http://schemas.microsoft.com/office/drawing/2014/main" id="{E467B5E5-FC28-43BA-A1A4-CA4446CA48C2}"/>
-                </a:ext>
-              </a:extLst>
-            </p:cNvPr>
+            <p:cNvPr id="42" name="Picture 8" descr="Resultado de imagem para jogo online em grupos"/>
             <p:cNvPicPr>
               <a:picLocks noChangeAspect="1" noChangeArrowheads="1"/>
             </p:cNvPicPr>
             <p:nvPr/>
           </p:nvPicPr>
           <p:blipFill>
-            <a:blip r:embed="rId8" cstate="print">
+            <a:blip r:embed="rId7" cstate="print">
               <a:extLst>
                 <a:ext uri="{28A0092B-C50C-407E-A947-70E740481C1C}">
                   <a14:useLocalDpi xmlns:a14="http://schemas.microsoft.com/office/drawing/2010/main" val="0"/>
@@ -29932,13 +28933,7 @@
         </p:pic>
         <p:sp>
           <p:nvSpPr>
-            <p:cNvPr id="43" name="CaixaDeTexto 42">
-              <a:extLst>
-                <a:ext uri="{FF2B5EF4-FFF2-40B4-BE49-F238E27FC236}">
-                  <a16:creationId xmlns:a16="http://schemas.microsoft.com/office/drawing/2014/main" id="{6B59060C-84C5-44E4-9C61-59D257260B72}"/>
-                </a:ext>
-              </a:extLst>
-            </p:cNvPr>
+            <p:cNvPr id="43" name="CaixaDeTexto 42"/>
             <p:cNvSpPr txBox="1"/>
             <p:nvPr/>
           </p:nvSpPr>
@@ -29967,25 +28962,20 @@
                 <a:rPr lang="pt-BR" sz="800" dirty="0"/>
                 <a:t>Sistema indica melhores equipes</a:t>
               </a:r>
+              <a:endParaRPr lang="pt-BR" sz="800" dirty="0"/>
             </a:p>
           </p:txBody>
         </p:sp>
         <p:pic>
           <p:nvPicPr>
-            <p:cNvPr id="44" name="Imagem 43" descr="Desenho de personagem de desenho animado&#10;&#10;Descrição gerada automaticamente">
-              <a:extLst>
-                <a:ext uri="{FF2B5EF4-FFF2-40B4-BE49-F238E27FC236}">
-                  <a16:creationId xmlns:a16="http://schemas.microsoft.com/office/drawing/2014/main" id="{3EF9A3A6-E2E9-4245-9702-D696FA0CD1EC}"/>
-                </a:ext>
-              </a:extLst>
-            </p:cNvPr>
+            <p:cNvPr id="44" name="Imagem 43" descr="Desenho de personagem de desenho animado&#10;&#10;Descrição gerada automaticamente"/>
             <p:cNvPicPr>
               <a:picLocks noChangeAspect="1"/>
             </p:cNvPicPr>
             <p:nvPr/>
           </p:nvPicPr>
           <p:blipFill>
-            <a:blip r:embed="rId2" cstate="print">
+            <a:blip r:embed="rId1" cstate="print">
               <a:extLst>
                 <a:ext uri="{28A0092B-C50C-407E-A947-70E740481C1C}">
                   <a14:useLocalDpi xmlns:a14="http://schemas.microsoft.com/office/drawing/2010/main" val="0"/>
@@ -30008,20 +28998,14 @@
         </p:pic>
         <p:pic>
           <p:nvPicPr>
-            <p:cNvPr id="45" name="Imagem 44" descr="Uma imagem contendo relógio, desenho&#10;&#10;Descrição gerada automaticamente">
-              <a:extLst>
-                <a:ext uri="{FF2B5EF4-FFF2-40B4-BE49-F238E27FC236}">
-                  <a16:creationId xmlns:a16="http://schemas.microsoft.com/office/drawing/2014/main" id="{F074C4F9-E89F-48DF-B9CA-E4606D65C7B5}"/>
-                </a:ext>
-              </a:extLst>
-            </p:cNvPr>
+            <p:cNvPr id="45" name="Imagem 44" descr="Uma imagem contendo relógio, desenho&#10;&#10;Descrição gerada automaticamente"/>
             <p:cNvPicPr>
               <a:picLocks noChangeAspect="1"/>
             </p:cNvPicPr>
             <p:nvPr/>
           </p:nvPicPr>
           <p:blipFill>
-            <a:blip r:embed="rId3" cstate="print">
+            <a:blip r:embed="rId2" cstate="print">
               <a:extLst>
                 <a:ext uri="{28A0092B-C50C-407E-A947-70E740481C1C}">
                   <a14:useLocalDpi xmlns:a14="http://schemas.microsoft.com/office/drawing/2010/main" val="0"/>
@@ -30044,13 +29028,7 @@
         </p:pic>
         <p:sp>
           <p:nvSpPr>
-            <p:cNvPr id="46" name="CaixaDeTexto 45">
-              <a:extLst>
-                <a:ext uri="{FF2B5EF4-FFF2-40B4-BE49-F238E27FC236}">
-                  <a16:creationId xmlns:a16="http://schemas.microsoft.com/office/drawing/2014/main" id="{D64A07F1-6200-45E1-9FD6-AD9511A08965}"/>
-                </a:ext>
-              </a:extLst>
-            </p:cNvPr>
+            <p:cNvPr id="46" name="CaixaDeTexto 45"/>
             <p:cNvSpPr txBox="1"/>
             <p:nvPr/>
           </p:nvSpPr>
@@ -30079,18 +29057,13 @@
                 <a:rPr lang="pt-BR" sz="800" dirty="0"/>
                 <a:t>Usuário inicia partida</a:t>
               </a:r>
+              <a:endParaRPr lang="pt-BR" sz="800" dirty="0"/>
             </a:p>
           </p:txBody>
         </p:sp>
         <p:sp>
           <p:nvSpPr>
-            <p:cNvPr id="47" name="Seta: para a Direita 46">
-              <a:extLst>
-                <a:ext uri="{FF2B5EF4-FFF2-40B4-BE49-F238E27FC236}">
-                  <a16:creationId xmlns:a16="http://schemas.microsoft.com/office/drawing/2014/main" id="{82D4AE5A-98C8-4A3A-B175-F43F5D6CB741}"/>
-                </a:ext>
-              </a:extLst>
-            </p:cNvPr>
+            <p:cNvPr id="47" name="Seta: para a Direita 46"/>
             <p:cNvSpPr/>
             <p:nvPr/>
           </p:nvSpPr>
@@ -30133,20 +29106,14 @@
         </p:sp>
         <p:pic>
           <p:nvPicPr>
-            <p:cNvPr id="48" name="Picture 10" descr="Resultado de imagem para jogo online">
-              <a:extLst>
-                <a:ext uri="{FF2B5EF4-FFF2-40B4-BE49-F238E27FC236}">
-                  <a16:creationId xmlns:a16="http://schemas.microsoft.com/office/drawing/2014/main" id="{6C130ABD-96CB-4A48-9514-A9D18304ABFD}"/>
-                </a:ext>
-              </a:extLst>
-            </p:cNvPr>
+            <p:cNvPr id="48" name="Picture 10" descr="Resultado de imagem para jogo online"/>
             <p:cNvPicPr>
               <a:picLocks noChangeAspect="1" noChangeArrowheads="1"/>
             </p:cNvPicPr>
             <p:nvPr/>
           </p:nvPicPr>
           <p:blipFill>
-            <a:blip r:embed="rId9" cstate="print">
+            <a:blip r:embed="rId8" cstate="print">
               <a:extLst>
                 <a:ext uri="{28A0092B-C50C-407E-A947-70E740481C1C}">
                   <a14:useLocalDpi xmlns:a14="http://schemas.microsoft.com/office/drawing/2010/main" val="0"/>
@@ -30180,20 +29147,14 @@
         </p:pic>
         <p:pic>
           <p:nvPicPr>
-            <p:cNvPr id="49" name="Imagem 48" descr="Desenho de personagem de desenho animado&#10;&#10;Descrição gerada automaticamente">
-              <a:extLst>
-                <a:ext uri="{FF2B5EF4-FFF2-40B4-BE49-F238E27FC236}">
-                  <a16:creationId xmlns:a16="http://schemas.microsoft.com/office/drawing/2014/main" id="{5F38E141-13C7-42DC-8639-6E6F7065986D}"/>
-                </a:ext>
-              </a:extLst>
-            </p:cNvPr>
+            <p:cNvPr id="49" name="Imagem 48" descr="Desenho de personagem de desenho animado&#10;&#10;Descrição gerada automaticamente"/>
             <p:cNvPicPr>
               <a:picLocks noChangeAspect="1"/>
             </p:cNvPicPr>
             <p:nvPr/>
           </p:nvPicPr>
           <p:blipFill>
-            <a:blip r:embed="rId2" cstate="print">
+            <a:blip r:embed="rId1" cstate="print">
               <a:extLst>
                 <a:ext uri="{28A0092B-C50C-407E-A947-70E740481C1C}">
                   <a14:useLocalDpi xmlns:a14="http://schemas.microsoft.com/office/drawing/2010/main" val="0"/>
@@ -30216,13 +29177,7 @@
         </p:pic>
         <p:sp>
           <p:nvSpPr>
-            <p:cNvPr id="50" name="CaixaDeTexto 49">
-              <a:extLst>
-                <a:ext uri="{FF2B5EF4-FFF2-40B4-BE49-F238E27FC236}">
-                  <a16:creationId xmlns:a16="http://schemas.microsoft.com/office/drawing/2014/main" id="{695B204D-C78D-40F7-84DF-2C8131209AAE}"/>
-                </a:ext>
-              </a:extLst>
-            </p:cNvPr>
+            <p:cNvPr id="50" name="CaixaDeTexto 49"/>
             <p:cNvSpPr txBox="1"/>
             <p:nvPr/>
           </p:nvSpPr>
@@ -30251,25 +29206,20 @@
                 <a:rPr lang="pt-BR" sz="800" dirty="0"/>
                 <a:t>Usuário encerra partida com melhor performance</a:t>
               </a:r>
+              <a:endParaRPr lang="pt-BR" sz="800" dirty="0"/>
             </a:p>
           </p:txBody>
         </p:sp>
         <p:pic>
           <p:nvPicPr>
-            <p:cNvPr id="51" name="Imagem 50" descr="Uma imagem contendo relógio, desenho&#10;&#10;Descrição gerada automaticamente">
-              <a:extLst>
-                <a:ext uri="{FF2B5EF4-FFF2-40B4-BE49-F238E27FC236}">
-                  <a16:creationId xmlns:a16="http://schemas.microsoft.com/office/drawing/2014/main" id="{65C5C8B9-0EAB-4428-B0A1-E9A348C1353E}"/>
-                </a:ext>
-              </a:extLst>
-            </p:cNvPr>
+            <p:cNvPr id="51" name="Imagem 50" descr="Uma imagem contendo relógio, desenho&#10;&#10;Descrição gerada automaticamente"/>
             <p:cNvPicPr>
               <a:picLocks noChangeAspect="1"/>
             </p:cNvPicPr>
             <p:nvPr/>
           </p:nvPicPr>
           <p:blipFill>
-            <a:blip r:embed="rId3" cstate="print">
+            <a:blip r:embed="rId2" cstate="print">
               <a:extLst>
                 <a:ext uri="{28A0092B-C50C-407E-A947-70E740481C1C}">
                   <a14:useLocalDpi xmlns:a14="http://schemas.microsoft.com/office/drawing/2010/main" val="0"/>
@@ -30292,13 +29242,7 @@
         </p:pic>
         <p:sp>
           <p:nvSpPr>
-            <p:cNvPr id="52" name="Seta: para a Direita 51">
-              <a:extLst>
-                <a:ext uri="{FF2B5EF4-FFF2-40B4-BE49-F238E27FC236}">
-                  <a16:creationId xmlns:a16="http://schemas.microsoft.com/office/drawing/2014/main" id="{BE6FB172-934B-4783-B659-90A69A18F3D7}"/>
-                </a:ext>
-              </a:extLst>
-            </p:cNvPr>
+            <p:cNvPr id="52" name="Seta: para a Direita 51"/>
             <p:cNvSpPr/>
             <p:nvPr/>
           </p:nvSpPr>
@@ -30341,20 +29285,14 @@
         </p:sp>
         <p:pic>
           <p:nvPicPr>
-            <p:cNvPr id="53" name="Picture 14" descr="Resultado de imagem para winner jogo">
-              <a:extLst>
-                <a:ext uri="{FF2B5EF4-FFF2-40B4-BE49-F238E27FC236}">
-                  <a16:creationId xmlns:a16="http://schemas.microsoft.com/office/drawing/2014/main" id="{09B4F9A5-331E-441D-8A9A-D8C8131CFB99}"/>
-                </a:ext>
-              </a:extLst>
-            </p:cNvPr>
+            <p:cNvPr id="53" name="Picture 14" descr="Resultado de imagem para winner jogo"/>
             <p:cNvPicPr>
               <a:picLocks noChangeAspect="1" noChangeArrowheads="1"/>
             </p:cNvPicPr>
             <p:nvPr/>
           </p:nvPicPr>
           <p:blipFill>
-            <a:blip r:embed="rId10" cstate="print">
+            <a:blip r:embed="rId9" cstate="print">
               <a:extLst>
                 <a:ext uri="{28A0092B-C50C-407E-A947-70E740481C1C}">
                   <a14:useLocalDpi xmlns:a14="http://schemas.microsoft.com/office/drawing/2010/main" val="0"/>
@@ -30388,11 +29326,6 @@
         </p:pic>
       </p:grpSp>
     </p:spTree>
-    <p:extLst>
-      <p:ext uri="{BB962C8B-B14F-4D97-AF65-F5344CB8AC3E}">
-        <p14:creationId xmlns:p14="http://schemas.microsoft.com/office/powerpoint/2010/main" val="2836159973"/>
-      </p:ext>
-    </p:extLst>
   </p:cSld>
   <p:clrMapOvr>
     <a:masterClrMapping/>
@@ -30436,25 +29369,20 @@
               <a:rPr lang="pt-BR" dirty="0"/>
               <a:t>Desenho de Solução</a:t>
             </a:r>
+            <a:endParaRPr lang="pt-BR" dirty="0"/>
           </a:p>
         </p:txBody>
       </p:sp>
       <p:pic>
         <p:nvPicPr>
-          <p:cNvPr id="4" name="Imagem 3" descr="Tela de jogo de vídeo game&#10;&#10;Descrição gerada automaticamente">
-            <a:extLst>
-              <a:ext uri="{FF2B5EF4-FFF2-40B4-BE49-F238E27FC236}">
-                <a16:creationId xmlns:a16="http://schemas.microsoft.com/office/drawing/2014/main" id="{13DCA6F1-ADB8-4B87-83B6-A6B25312AD56}"/>
-              </a:ext>
-            </a:extLst>
-          </p:cNvPr>
+          <p:cNvPr id="4" name="Imagem 3" descr="Tela de jogo de vídeo game&#10;&#10;Descrição gerada automaticamente"/>
           <p:cNvPicPr>
             <a:picLocks noChangeAspect="1"/>
           </p:cNvPicPr>
           <p:nvPr/>
         </p:nvPicPr>
         <p:blipFill>
-          <a:blip r:embed="rId2" cstate="print">
+          <a:blip r:embed="rId1" cstate="print">
             <a:extLst>
               <a:ext uri="{28A0092B-C50C-407E-A947-70E740481C1C}">
                 <a14:useLocalDpi xmlns:a14="http://schemas.microsoft.com/office/drawing/2010/main" val="0"/>
@@ -30519,25 +29447,20 @@
               <a:rPr lang="pt-BR" dirty="0"/>
               <a:t>Planilha de Requisitos</a:t>
             </a:r>
+            <a:endParaRPr lang="pt-BR" dirty="0"/>
           </a:p>
         </p:txBody>
       </p:sp>
       <p:pic>
         <p:nvPicPr>
-          <p:cNvPr id="5" name="Imagem 4">
-            <a:extLst>
-              <a:ext uri="{FF2B5EF4-FFF2-40B4-BE49-F238E27FC236}">
-                <a16:creationId xmlns:a16="http://schemas.microsoft.com/office/drawing/2014/main" id="{87C3A370-8B2C-4C77-9707-9B196810F936}"/>
-              </a:ext>
-            </a:extLst>
-          </p:cNvPr>
+          <p:cNvPr id="5" name="Imagem 4"/>
           <p:cNvPicPr>
             <a:picLocks noChangeAspect="1"/>
           </p:cNvPicPr>
           <p:nvPr/>
         </p:nvPicPr>
         <p:blipFill>
-          <a:blip r:embed="rId2"/>
+          <a:blip r:embed="rId1"/>
           <a:stretch>
             <a:fillRect/>
           </a:stretch>
@@ -30553,11 +29476,6 @@
         </p:spPr>
       </p:pic>
     </p:spTree>
-    <p:extLst>
-      <p:ext uri="{BB962C8B-B14F-4D97-AF65-F5344CB8AC3E}">
-        <p14:creationId xmlns:p14="http://schemas.microsoft.com/office/powerpoint/2010/main" val="2102732846"/>
-      </p:ext>
-    </p:extLst>
   </p:cSld>
   <p:clrMapOvr>
     <a:masterClrMapping/>
@@ -30601,15 +29519,35 @@
               <a:rPr lang="pt-BR" dirty="0"/>
               <a:t>Modelagem – Banco de Dados</a:t>
             </a:r>
+            <a:endParaRPr lang="pt-BR" dirty="0"/>
           </a:p>
         </p:txBody>
       </p:sp>
+      <p:pic>
+        <p:nvPicPr>
+          <p:cNvPr id="3" name="Picture 2" descr="Modelagem Lógica"/>
+          <p:cNvPicPr>
+            <a:picLocks noChangeAspect="1"/>
+          </p:cNvPicPr>
+          <p:nvPr/>
+        </p:nvPicPr>
+        <p:blipFill>
+          <a:blip r:embed="rId1"/>
+          <a:stretch>
+            <a:fillRect/>
+          </a:stretch>
+        </p:blipFill>
+        <p:spPr>
+          <a:xfrm>
+            <a:off x="3204845" y="1457960"/>
+            <a:ext cx="5782945" cy="5149850"/>
+          </a:xfrm>
+          <a:prstGeom prst="rect">
+            <a:avLst/>
+          </a:prstGeom>
+        </p:spPr>
+      </p:pic>
     </p:spTree>
-    <p:extLst>
-      <p:ext uri="{BB962C8B-B14F-4D97-AF65-F5344CB8AC3E}">
-        <p14:creationId xmlns:p14="http://schemas.microsoft.com/office/powerpoint/2010/main" val="1943793381"/>
-      </p:ext>
-    </p:extLst>
   </p:cSld>
   <p:clrMapOvr>
     <a:masterClrMapping/>
@@ -30868,8 +29806,6 @@
       </a:bgFillStyleLst>
     </a:fmtScheme>
   </a:themeElements>
-  <a:objectDefaults/>
-  <a:extraClrSchemeLst/>
   <a:extLst>
     <a:ext uri="{05A4C25C-085E-4340-85A3-A5531E510DB2}">
       <thm15:themeFamily xmlns:thm15="http://schemas.microsoft.com/office/thememl/2012/main" name="Office Theme" id="{62F939B6-93AF-4DB8-9C6B-D6C7DFDC589F}" vid="{4A3C46E8-61CC-4603-A589-7422A47A8E4A}"/>

--- a/Documentação/Apresentação.pptx
+++ b/Documentação/Apresentação.pptx
@@ -5,13 +5,14 @@
     <p:sldMasterId id="2147483648" r:id="rId1"/>
   </p:sldMasterIdLst>
   <p:sldIdLst>
-    <p:sldId id="256" r:id="rId3"/>
-    <p:sldId id="260" r:id="rId4"/>
-    <p:sldId id="268" r:id="rId5"/>
-    <p:sldId id="267" r:id="rId6"/>
-    <p:sldId id="264" r:id="rId7"/>
-    <p:sldId id="266" r:id="rId8"/>
-    <p:sldId id="257" r:id="rId9"/>
+    <p:sldId id="256" r:id="rId2"/>
+    <p:sldId id="260" r:id="rId3"/>
+    <p:sldId id="268" r:id="rId4"/>
+    <p:sldId id="267" r:id="rId5"/>
+    <p:sldId id="264" r:id="rId6"/>
+    <p:sldId id="266" r:id="rId7"/>
+    <p:sldId id="257" r:id="rId8"/>
+    <p:sldId id="269" r:id="rId9"/>
     <p:sldId id="262" r:id="rId10"/>
     <p:sldId id="263" r:id="rId11"/>
     <p:sldId id="265" r:id="rId12"/>
@@ -113,6 +114,11 @@
       </a:defRPr>
     </a:lvl9pPr>
   </p:defaultTextStyle>
+  <p:extLst>
+    <p:ext uri="{EFAFB233-063F-42B5-8137-9DF3F51BA10A}">
+      <p15:sldGuideLst xmlns:p15="http://schemas.microsoft.com/office/powerpoint/2012/main"/>
+    </p:ext>
+  </p:extLst>
 </p:presentation>
 </file>
 
@@ -8438,7 +8444,7 @@
         </a:p>
       </dgm:t>
     </dgm:pt>
-    <dgm:pt modelId="{F4B56E81-EEE5-4B96-81DF-6B1E7FE5BA84}" cxnId="{FEF2C952-E9A3-4DA4-B888-68E9F6B623A9}" type="parTrans">
+    <dgm:pt modelId="{F4B56E81-EEE5-4B96-81DF-6B1E7FE5BA84}" type="parTrans" cxnId="{FEF2C952-E9A3-4DA4-B888-68E9F6B623A9}">
       <dgm:prSet/>
       <dgm:spPr/>
       <dgm:t>
@@ -8449,7 +8455,7 @@
         </a:p>
       </dgm:t>
     </dgm:pt>
-    <dgm:pt modelId="{9089E99B-B71F-42A0-99F7-894C7BC967E3}" cxnId="{FEF2C952-E9A3-4DA4-B888-68E9F6B623A9}" type="sibTrans">
+    <dgm:pt modelId="{9089E99B-B71F-42A0-99F7-894C7BC967E3}" type="sibTrans" cxnId="{FEF2C952-E9A3-4DA4-B888-68E9F6B623A9}">
       <dgm:prSet/>
       <dgm:spPr/>
       <dgm:t>
@@ -8536,7 +8542,7 @@
   <dgm:whole/>
   <dgm:extLst>
     <a:ext uri="http://schemas.microsoft.com/office/drawing/2008/diagram">
-      <dsp:dataModelExt xmlns:dsp="http://schemas.microsoft.com/office/drawing/2008/diagram" relId="rId5" minVer="http://schemas.openxmlformats.org/drawingml/2006/diagram"/>
+      <dsp:dataModelExt xmlns:dsp="http://schemas.microsoft.com/office/drawing/2008/diagram" relId="rId6" minVer="http://schemas.openxmlformats.org/drawingml/2006/diagram"/>
     </a:ext>
   </dgm:extLst>
 </dgm:dataModel>
@@ -8575,7 +8581,7 @@
         </a:p>
       </dgm:t>
     </dgm:pt>
-    <dgm:pt modelId="{F4B56E81-EEE5-4B96-81DF-6B1E7FE5BA84}" cxnId="{FEF2C952-E9A3-4DA4-B888-68E9F6B623A9}" type="parTrans">
+    <dgm:pt modelId="{F4B56E81-EEE5-4B96-81DF-6B1E7FE5BA84}" type="parTrans" cxnId="{FEF2C952-E9A3-4DA4-B888-68E9F6B623A9}">
       <dgm:prSet/>
       <dgm:spPr/>
       <dgm:t>
@@ -8586,7 +8592,7 @@
         </a:p>
       </dgm:t>
     </dgm:pt>
-    <dgm:pt modelId="{9089E99B-B71F-42A0-99F7-894C7BC967E3}" cxnId="{FEF2C952-E9A3-4DA4-B888-68E9F6B623A9}" type="sibTrans">
+    <dgm:pt modelId="{9089E99B-B71F-42A0-99F7-894C7BC967E3}" type="sibTrans" cxnId="{FEF2C952-E9A3-4DA4-B888-68E9F6B623A9}">
       <dgm:prSet/>
       <dgm:spPr/>
       <dgm:t>
@@ -8673,7 +8679,7 @@
   <dgm:whole/>
   <dgm:extLst>
     <a:ext uri="http://schemas.microsoft.com/office/drawing/2008/diagram">
-      <dsp:dataModelExt xmlns:dsp="http://schemas.microsoft.com/office/drawing/2008/diagram" relId="rId10" minVer="http://schemas.openxmlformats.org/drawingml/2006/diagram"/>
+      <dsp:dataModelExt xmlns:dsp="http://schemas.microsoft.com/office/drawing/2008/diagram" relId="rId11" minVer="http://schemas.openxmlformats.org/drawingml/2006/diagram"/>
     </a:ext>
   </dgm:extLst>
 </dgm:dataModel>
@@ -8712,7 +8718,7 @@
         </a:p>
       </dgm:t>
     </dgm:pt>
-    <dgm:pt modelId="{F4B56E81-EEE5-4B96-81DF-6B1E7FE5BA84}" cxnId="{FEF2C952-E9A3-4DA4-B888-68E9F6B623A9}" type="parTrans">
+    <dgm:pt modelId="{F4B56E81-EEE5-4B96-81DF-6B1E7FE5BA84}" type="parTrans" cxnId="{FEF2C952-E9A3-4DA4-B888-68E9F6B623A9}">
       <dgm:prSet/>
       <dgm:spPr/>
       <dgm:t>
@@ -8723,7 +8729,7 @@
         </a:p>
       </dgm:t>
     </dgm:pt>
-    <dgm:pt modelId="{9089E99B-B71F-42A0-99F7-894C7BC967E3}" cxnId="{FEF2C952-E9A3-4DA4-B888-68E9F6B623A9}" type="sibTrans">
+    <dgm:pt modelId="{9089E99B-B71F-42A0-99F7-894C7BC967E3}" type="sibTrans" cxnId="{FEF2C952-E9A3-4DA4-B888-68E9F6B623A9}">
       <dgm:prSet/>
       <dgm:spPr/>
       <dgm:t>
@@ -8810,7 +8816,7 @@
   <dgm:whole/>
   <dgm:extLst>
     <a:ext uri="http://schemas.microsoft.com/office/drawing/2008/diagram">
-      <dsp:dataModelExt xmlns:dsp="http://schemas.microsoft.com/office/drawing/2008/diagram" relId="rId15" minVer="http://schemas.openxmlformats.org/drawingml/2006/diagram"/>
+      <dsp:dataModelExt xmlns:dsp="http://schemas.microsoft.com/office/drawing/2008/diagram" relId="rId16" minVer="http://schemas.openxmlformats.org/drawingml/2006/diagram"/>
     </a:ext>
   </dgm:extLst>
 </dgm:dataModel>
@@ -8849,7 +8855,7 @@
         </a:p>
       </dgm:t>
     </dgm:pt>
-    <dgm:pt modelId="{F4B56E81-EEE5-4B96-81DF-6B1E7FE5BA84}" cxnId="{FEF2C952-E9A3-4DA4-B888-68E9F6B623A9}" type="parTrans">
+    <dgm:pt modelId="{F4B56E81-EEE5-4B96-81DF-6B1E7FE5BA84}" type="parTrans" cxnId="{FEF2C952-E9A3-4DA4-B888-68E9F6B623A9}">
       <dgm:prSet/>
       <dgm:spPr/>
       <dgm:t>
@@ -8860,7 +8866,7 @@
         </a:p>
       </dgm:t>
     </dgm:pt>
-    <dgm:pt modelId="{9089E99B-B71F-42A0-99F7-894C7BC967E3}" cxnId="{FEF2C952-E9A3-4DA4-B888-68E9F6B623A9}" type="sibTrans">
+    <dgm:pt modelId="{9089E99B-B71F-42A0-99F7-894C7BC967E3}" type="sibTrans" cxnId="{FEF2C952-E9A3-4DA4-B888-68E9F6B623A9}">
       <dgm:prSet/>
       <dgm:spPr/>
       <dgm:t>
@@ -8941,7 +8947,7 @@
   <dgm:whole/>
   <dgm:extLst>
     <a:ext uri="http://schemas.microsoft.com/office/drawing/2008/diagram">
-      <dsp:dataModelExt xmlns:dsp="http://schemas.microsoft.com/office/drawing/2008/diagram" relId="rId20" minVer="http://schemas.openxmlformats.org/drawingml/2006/diagram"/>
+      <dsp:dataModelExt xmlns:dsp="http://schemas.microsoft.com/office/drawing/2008/diagram" relId="rId21" minVer="http://schemas.openxmlformats.org/drawingml/2006/diagram"/>
     </a:ext>
   </dgm:extLst>
 </dgm:dataModel>
@@ -8980,7 +8986,7 @@
         </a:p>
       </dgm:t>
     </dgm:pt>
-    <dgm:pt modelId="{F4B56E81-EEE5-4B96-81DF-6B1E7FE5BA84}" cxnId="{FEF2C952-E9A3-4DA4-B888-68E9F6B623A9}" type="parTrans">
+    <dgm:pt modelId="{F4B56E81-EEE5-4B96-81DF-6B1E7FE5BA84}" type="parTrans" cxnId="{FEF2C952-E9A3-4DA4-B888-68E9F6B623A9}">
       <dgm:prSet/>
       <dgm:spPr/>
       <dgm:t>
@@ -8991,7 +8997,7 @@
         </a:p>
       </dgm:t>
     </dgm:pt>
-    <dgm:pt modelId="{9089E99B-B71F-42A0-99F7-894C7BC967E3}" cxnId="{FEF2C952-E9A3-4DA4-B888-68E9F6B623A9}" type="sibTrans">
+    <dgm:pt modelId="{9089E99B-B71F-42A0-99F7-894C7BC967E3}" type="sibTrans" cxnId="{FEF2C952-E9A3-4DA4-B888-68E9F6B623A9}">
       <dgm:prSet/>
       <dgm:spPr/>
       <dgm:t>
@@ -9078,7 +9084,7 @@
   <dgm:whole/>
   <dgm:extLst>
     <a:ext uri="http://schemas.microsoft.com/office/drawing/2008/diagram">
-      <dsp:dataModelExt xmlns:dsp="http://schemas.microsoft.com/office/drawing/2008/diagram" relId="rId5" minVer="http://schemas.openxmlformats.org/drawingml/2006/diagram"/>
+      <dsp:dataModelExt xmlns:dsp="http://schemas.microsoft.com/office/drawing/2008/diagram" relId="rId6" minVer="http://schemas.openxmlformats.org/drawingml/2006/diagram"/>
     </a:ext>
   </dgm:extLst>
 </dgm:dataModel>
@@ -9117,7 +9123,7 @@
         </a:p>
       </dgm:t>
     </dgm:pt>
-    <dgm:pt modelId="{F4B56E81-EEE5-4B96-81DF-6B1E7FE5BA84}" cxnId="{FEF2C952-E9A3-4DA4-B888-68E9F6B623A9}" type="parTrans">
+    <dgm:pt modelId="{F4B56E81-EEE5-4B96-81DF-6B1E7FE5BA84}" type="parTrans" cxnId="{FEF2C952-E9A3-4DA4-B888-68E9F6B623A9}">
       <dgm:prSet/>
       <dgm:spPr/>
       <dgm:t>
@@ -9128,7 +9134,7 @@
         </a:p>
       </dgm:t>
     </dgm:pt>
-    <dgm:pt modelId="{9089E99B-B71F-42A0-99F7-894C7BC967E3}" cxnId="{FEF2C952-E9A3-4DA4-B888-68E9F6B623A9}" type="sibTrans">
+    <dgm:pt modelId="{9089E99B-B71F-42A0-99F7-894C7BC967E3}" type="sibTrans" cxnId="{FEF2C952-E9A3-4DA4-B888-68E9F6B623A9}">
       <dgm:prSet/>
       <dgm:spPr/>
       <dgm:t>
@@ -9215,7 +9221,7 @@
   <dgm:whole/>
   <dgm:extLst>
     <a:ext uri="http://schemas.microsoft.com/office/drawing/2008/diagram">
-      <dsp:dataModelExt xmlns:dsp="http://schemas.microsoft.com/office/drawing/2008/diagram" relId="rId10" minVer="http://schemas.openxmlformats.org/drawingml/2006/diagram"/>
+      <dsp:dataModelExt xmlns:dsp="http://schemas.microsoft.com/office/drawing/2008/diagram" relId="rId11" minVer="http://schemas.openxmlformats.org/drawingml/2006/diagram"/>
     </a:ext>
   </dgm:extLst>
 </dgm:dataModel>
@@ -9254,7 +9260,7 @@
         </a:p>
       </dgm:t>
     </dgm:pt>
-    <dgm:pt modelId="{F4B56E81-EEE5-4B96-81DF-6B1E7FE5BA84}" cxnId="{FEF2C952-E9A3-4DA4-B888-68E9F6B623A9}" type="parTrans">
+    <dgm:pt modelId="{F4B56E81-EEE5-4B96-81DF-6B1E7FE5BA84}" type="parTrans" cxnId="{FEF2C952-E9A3-4DA4-B888-68E9F6B623A9}">
       <dgm:prSet/>
       <dgm:spPr/>
       <dgm:t>
@@ -9265,7 +9271,7 @@
         </a:p>
       </dgm:t>
     </dgm:pt>
-    <dgm:pt modelId="{9089E99B-B71F-42A0-99F7-894C7BC967E3}" cxnId="{FEF2C952-E9A3-4DA4-B888-68E9F6B623A9}" type="sibTrans">
+    <dgm:pt modelId="{9089E99B-B71F-42A0-99F7-894C7BC967E3}" type="sibTrans" cxnId="{FEF2C952-E9A3-4DA4-B888-68E9F6B623A9}">
       <dgm:prSet/>
       <dgm:spPr/>
       <dgm:t>
@@ -9352,7 +9358,7 @@
   <dgm:whole/>
   <dgm:extLst>
     <a:ext uri="http://schemas.microsoft.com/office/drawing/2008/diagram">
-      <dsp:dataModelExt xmlns:dsp="http://schemas.microsoft.com/office/drawing/2008/diagram" relId="rId15" minVer="http://schemas.openxmlformats.org/drawingml/2006/diagram"/>
+      <dsp:dataModelExt xmlns:dsp="http://schemas.microsoft.com/office/drawing/2008/diagram" relId="rId16" minVer="http://schemas.openxmlformats.org/drawingml/2006/diagram"/>
     </a:ext>
   </dgm:extLst>
 </dgm:dataModel>
@@ -9391,7 +9397,7 @@
         </a:p>
       </dgm:t>
     </dgm:pt>
-    <dgm:pt modelId="{F4B56E81-EEE5-4B96-81DF-6B1E7FE5BA84}" cxnId="{FEF2C952-E9A3-4DA4-B888-68E9F6B623A9}" type="parTrans">
+    <dgm:pt modelId="{F4B56E81-EEE5-4B96-81DF-6B1E7FE5BA84}" type="parTrans" cxnId="{FEF2C952-E9A3-4DA4-B888-68E9F6B623A9}">
       <dgm:prSet/>
       <dgm:spPr/>
       <dgm:t>
@@ -9402,7 +9408,7 @@
         </a:p>
       </dgm:t>
     </dgm:pt>
-    <dgm:pt modelId="{9089E99B-B71F-42A0-99F7-894C7BC967E3}" cxnId="{FEF2C952-E9A3-4DA4-B888-68E9F6B623A9}" type="sibTrans">
+    <dgm:pt modelId="{9089E99B-B71F-42A0-99F7-894C7BC967E3}" type="sibTrans" cxnId="{FEF2C952-E9A3-4DA4-B888-68E9F6B623A9}">
       <dgm:prSet/>
       <dgm:spPr/>
       <dgm:t>
@@ -9489,7 +9495,7 @@
   <dgm:whole/>
   <dgm:extLst>
     <a:ext uri="http://schemas.microsoft.com/office/drawing/2008/diagram">
-      <dsp:dataModelExt xmlns:dsp="http://schemas.microsoft.com/office/drawing/2008/diagram" relId="rId20" minVer="http://schemas.openxmlformats.org/drawingml/2006/diagram"/>
+      <dsp:dataModelExt xmlns:dsp="http://schemas.microsoft.com/office/drawing/2008/diagram" relId="rId21" minVer="http://schemas.openxmlformats.org/drawingml/2006/diagram"/>
     </a:ext>
   </dgm:extLst>
 </dgm:dataModel>
@@ -9499,7 +9505,7 @@
 <dgm:dataModel xmlns:dgm="http://schemas.openxmlformats.org/drawingml/2006/diagram" xmlns:a="http://schemas.openxmlformats.org/drawingml/2006/main">
   <dgm:ptLst>
     <dgm:pt modelId="{81A8A06F-D5B2-4EC2-AC48-7441B7F1BFAD}" type="doc">
-      <dgm:prSet loTypeId="urn:microsoft.com/office/officeart/2018/5/layout/IconCircleLabelList" loCatId="icon" qsTypeId="urn:microsoft.com/office/officeart/2005/8/quickstyle/simple1" qsCatId="simple" csTypeId="urn:microsoft.com/office/officeart/2018/5/colors/Iconchunking_neutralicon_colorful1#5" csCatId="colorful" phldr="1"/>
+      <dgm:prSet loTypeId="urn:microsoft.com/office/officeart/2018/5/layout/IconCircleLabelList" loCatId="icon" qsTypeId="urn:microsoft.com/office/officeart/2005/8/quickstyle/simple1#6" qsCatId="simple" csTypeId="urn:microsoft.com/office/officeart/2018/5/colors/Iconchunking_neutralicon_colorful1#5" csCatId="colorful" phldr="1"/>
       <dgm:spPr/>
       <dgm:t>
         <a:bodyPr/>
@@ -9524,7 +9530,7 @@
         </a:p>
       </dgm:t>
     </dgm:pt>
-    <dgm:pt modelId="{801A90B8-77FF-4EA1-B7B6-0EF45EB4DBC9}" cxnId="{3F59E841-F107-449D-B921-93BEDA6311D6}" type="parTrans">
+    <dgm:pt modelId="{801A90B8-77FF-4EA1-B7B6-0EF45EB4DBC9}" type="parTrans" cxnId="{3F59E841-F107-449D-B921-93BEDA6311D6}">
       <dgm:prSet/>
       <dgm:spPr/>
       <dgm:t>
@@ -9535,7 +9541,7 @@
         </a:p>
       </dgm:t>
     </dgm:pt>
-    <dgm:pt modelId="{A837573D-A8B0-4313-86B5-96D364DE8845}" cxnId="{3F59E841-F107-449D-B921-93BEDA6311D6}" type="sibTrans">
+    <dgm:pt modelId="{A837573D-A8B0-4313-86B5-96D364DE8845}" type="sibTrans" cxnId="{3F59E841-F107-449D-B921-93BEDA6311D6}">
       <dgm:prSet/>
       <dgm:spPr/>
       <dgm:t>
@@ -9561,7 +9567,7 @@
         </a:p>
       </dgm:t>
     </dgm:pt>
-    <dgm:pt modelId="{EF7BD531-B81F-4B23-9397-9063B4283B37}" cxnId="{19EC575D-20BF-4838-BB68-8667BCF050FF}" type="parTrans">
+    <dgm:pt modelId="{EF7BD531-B81F-4B23-9397-9063B4283B37}" type="parTrans" cxnId="{19EC575D-20BF-4838-BB68-8667BCF050FF}">
       <dgm:prSet/>
       <dgm:spPr/>
       <dgm:t>
@@ -9572,7 +9578,7 @@
         </a:p>
       </dgm:t>
     </dgm:pt>
-    <dgm:pt modelId="{D77DA416-4E03-4821-A3F6-2A4561439AD1}" cxnId="{19EC575D-20BF-4838-BB68-8667BCF050FF}" type="sibTrans">
+    <dgm:pt modelId="{D77DA416-4E03-4821-A3F6-2A4561439AD1}" type="sibTrans" cxnId="{19EC575D-20BF-4838-BB68-8667BCF050FF}">
       <dgm:prSet/>
       <dgm:spPr/>
       <dgm:t>
@@ -9598,7 +9604,7 @@
         </a:p>
       </dgm:t>
     </dgm:pt>
-    <dgm:pt modelId="{AE539A5D-CBEF-487B-8CCD-7FD64A0A71F7}" cxnId="{0C43460F-8381-40FC-B7DB-1B093D8155A5}" type="parTrans">
+    <dgm:pt modelId="{AE539A5D-CBEF-487B-8CCD-7FD64A0A71F7}" type="parTrans" cxnId="{0C43460F-8381-40FC-B7DB-1B093D8155A5}">
       <dgm:prSet/>
       <dgm:spPr/>
       <dgm:t>
@@ -9609,7 +9615,7 @@
         </a:p>
       </dgm:t>
     </dgm:pt>
-    <dgm:pt modelId="{8BBE21ED-0009-4536-A79E-5C1F4735C33A}" cxnId="{0C43460F-8381-40FC-B7DB-1B093D8155A5}" type="sibTrans">
+    <dgm:pt modelId="{8BBE21ED-0009-4536-A79E-5C1F4735C33A}" type="sibTrans" cxnId="{0C43460F-8381-40FC-B7DB-1B093D8155A5}">
       <dgm:prSet/>
       <dgm:spPr/>
       <dgm:t>
@@ -9635,7 +9641,7 @@
         </a:p>
       </dgm:t>
     </dgm:pt>
-    <dgm:pt modelId="{9CD62E13-14B2-4B05-8D17-0DB37DBA8AE0}" cxnId="{ADEA4D6E-B504-4D1B-A152-22D75B87F758}" type="parTrans">
+    <dgm:pt modelId="{9CD62E13-14B2-4B05-8D17-0DB37DBA8AE0}" type="parTrans" cxnId="{ADEA4D6E-B504-4D1B-A152-22D75B87F758}">
       <dgm:prSet/>
       <dgm:spPr/>
       <dgm:t>
@@ -9646,7 +9652,7 @@
         </a:p>
       </dgm:t>
     </dgm:pt>
-    <dgm:pt modelId="{F9BB371D-FCDF-445A-86CA-A493755330D4}" cxnId="{ADEA4D6E-B504-4D1B-A152-22D75B87F758}" type="sibTrans">
+    <dgm:pt modelId="{F9BB371D-FCDF-445A-86CA-A493755330D4}" type="sibTrans" cxnId="{ADEA4D6E-B504-4D1B-A152-22D75B87F758}">
       <dgm:prSet/>
       <dgm:spPr/>
       <dgm:t>
@@ -9947,7 +9953,7 @@
   <dgm:whole/>
   <dgm:extLst>
     <a:ext uri="http://schemas.microsoft.com/office/drawing/2008/diagram">
-      <dsp:dataModelExt xmlns:dsp="http://schemas.microsoft.com/office/drawing/2008/diagram" relId="rId5" minVer="http://schemas.openxmlformats.org/drawingml/2006/diagram"/>
+      <dsp:dataModelExt xmlns:dsp="http://schemas.microsoft.com/office/drawing/2008/diagram" relId="rId6" minVer="http://schemas.openxmlformats.org/drawingml/2006/diagram"/>
     </a:ext>
   </dgm:extLst>
 </dgm:dataModel>
@@ -11347,7 +11353,6 @@
               <a:spcPct val="35000"/>
             </a:spcAft>
             <a:buNone/>
-            <a:defRPr cap="all"/>
           </a:pPr>
           <a:r>
             <a:rPr lang="pt-BR" sz="1300" kern="1200"/>
@@ -11497,7 +11502,6 @@
               <a:spcPct val="35000"/>
             </a:spcAft>
             <a:buNone/>
-            <a:defRPr cap="all"/>
           </a:pPr>
           <a:r>
             <a:rPr lang="pt-BR" sz="1300" kern="1200"/>
@@ -11647,7 +11651,6 @@
               <a:spcPct val="35000"/>
             </a:spcAft>
             <a:buNone/>
-            <a:defRPr cap="all"/>
           </a:pPr>
           <a:r>
             <a:rPr lang="pt-BR" sz="1300" kern="1200"/>
@@ -11799,7 +11802,6 @@
               <a:spcPct val="35000"/>
             </a:spcAft>
             <a:buNone/>
-            <a:defRPr cap="all"/>
           </a:pPr>
           <a:r>
             <a:rPr lang="pt-BR" sz="1300" kern="1200"/>
@@ -13660,6 +13662,7 @@
       <a:camera prst="orthographicFront"/>
       <a:lightRig rig="threePt" dir="t"/>
     </dgm:scene3d>
+    <dgm:sp3d/>
     <dgm:txPr/>
     <dgm:style>
       <a:lnRef idx="2">
@@ -13679,6 +13682,7 @@
       <a:camera prst="orthographicFront"/>
       <a:lightRig rig="threePt" dir="t"/>
     </dgm:scene3d>
+    <dgm:sp3d/>
     <dgm:txPr/>
     <dgm:style>
       <a:lnRef idx="2">
@@ -13698,6 +13702,7 @@
       <a:camera prst="orthographicFront"/>
       <a:lightRig rig="threePt" dir="t"/>
     </dgm:scene3d>
+    <dgm:sp3d/>
     <dgm:txPr/>
     <dgm:style>
       <a:lnRef idx="2">
@@ -13717,6 +13722,7 @@
       <a:camera prst="orthographicFront"/>
       <a:lightRig rig="threePt" dir="t"/>
     </dgm:scene3d>
+    <dgm:sp3d/>
     <dgm:txPr/>
     <dgm:style>
       <a:lnRef idx="2">
@@ -13738,6 +13744,7 @@
       <a:camera prst="orthographicFront"/>
       <a:lightRig rig="threePt" dir="t"/>
     </dgm:scene3d>
+    <dgm:sp3d/>
     <dgm:txPr/>
     <dgm:style>
       <a:lnRef idx="2">
@@ -13759,6 +13766,7 @@
       <a:camera prst="orthographicFront"/>
       <a:lightRig rig="threePt" dir="t"/>
     </dgm:scene3d>
+    <dgm:sp3d/>
     <dgm:txPr/>
     <dgm:style>
       <a:lnRef idx="2">
@@ -13780,6 +13788,7 @@
       <a:camera prst="orthographicFront"/>
       <a:lightRig rig="threePt" dir="t"/>
     </dgm:scene3d>
+    <dgm:sp3d/>
     <dgm:txPr/>
     <dgm:style>
       <a:lnRef idx="2">
@@ -13801,6 +13810,7 @@
       <a:camera prst="orthographicFront"/>
       <a:lightRig rig="threePt" dir="t"/>
     </dgm:scene3d>
+    <dgm:sp3d/>
     <dgm:txPr/>
     <dgm:style>
       <a:lnRef idx="2">
@@ -13822,6 +13832,7 @@
       <a:camera prst="orthographicFront"/>
       <a:lightRig rig="threePt" dir="t"/>
     </dgm:scene3d>
+    <dgm:sp3d/>
     <dgm:txPr/>
     <dgm:style>
       <a:lnRef idx="2">
@@ -13843,6 +13854,7 @@
       <a:camera prst="orthographicFront"/>
       <a:lightRig rig="threePt" dir="t"/>
     </dgm:scene3d>
+    <dgm:sp3d/>
     <dgm:txPr/>
     <dgm:style>
       <a:lnRef idx="2">
@@ -13862,6 +13874,7 @@
       <a:camera prst="orthographicFront"/>
       <a:lightRig rig="threePt" dir="t"/>
     </dgm:scene3d>
+    <dgm:sp3d/>
     <dgm:txPr/>
     <dgm:style>
       <a:lnRef idx="2">
@@ -13881,6 +13894,7 @@
       <a:camera prst="orthographicFront"/>
       <a:lightRig rig="threePt" dir="t"/>
     </dgm:scene3d>
+    <dgm:sp3d/>
     <dgm:txPr/>
     <dgm:style>
       <a:lnRef idx="2">
@@ -13900,6 +13914,7 @@
       <a:camera prst="orthographicFront"/>
       <a:lightRig rig="threePt" dir="t"/>
     </dgm:scene3d>
+    <dgm:sp3d/>
     <dgm:txPr/>
     <dgm:style>
       <a:lnRef idx="0">
@@ -13919,6 +13934,7 @@
       <a:camera prst="orthographicFront"/>
       <a:lightRig rig="threePt" dir="t"/>
     </dgm:scene3d>
+    <dgm:sp3d/>
     <dgm:txPr/>
     <dgm:style>
       <a:lnRef idx="0">
@@ -13940,6 +13956,7 @@
       <a:camera prst="orthographicFront"/>
       <a:lightRig rig="threePt" dir="t"/>
     </dgm:scene3d>
+    <dgm:sp3d/>
     <dgm:txPr/>
     <dgm:style>
       <a:lnRef idx="2">
@@ -13959,6 +13976,7 @@
       <a:camera prst="orthographicFront"/>
       <a:lightRig rig="threePt" dir="t"/>
     </dgm:scene3d>
+    <dgm:sp3d/>
     <dgm:txPr/>
     <dgm:style>
       <a:lnRef idx="2">
@@ -13978,6 +13996,7 @@
       <a:camera prst="orthographicFront"/>
       <a:lightRig rig="threePt" dir="t"/>
     </dgm:scene3d>
+    <dgm:sp3d/>
     <dgm:txPr/>
     <dgm:style>
       <a:lnRef idx="0">
@@ -13997,6 +14016,7 @@
       <a:camera prst="orthographicFront"/>
       <a:lightRig rig="threePt" dir="t"/>
     </dgm:scene3d>
+    <dgm:sp3d/>
     <dgm:txPr/>
     <dgm:style>
       <a:lnRef idx="2">
@@ -14016,6 +14036,7 @@
       <a:camera prst="orthographicFront"/>
       <a:lightRig rig="threePt" dir="t"/>
     </dgm:scene3d>
+    <dgm:sp3d/>
     <dgm:txPr/>
     <dgm:style>
       <a:lnRef idx="2">
@@ -14035,6 +14056,7 @@
       <a:camera prst="orthographicFront"/>
       <a:lightRig rig="threePt" dir="t"/>
     </dgm:scene3d>
+    <dgm:sp3d/>
     <dgm:txPr/>
     <dgm:style>
       <a:lnRef idx="2">
@@ -14054,6 +14076,7 @@
       <a:camera prst="orthographicFront"/>
       <a:lightRig rig="threePt" dir="t"/>
     </dgm:scene3d>
+    <dgm:sp3d/>
     <dgm:txPr/>
     <dgm:style>
       <a:lnRef idx="2">
@@ -14073,6 +14096,7 @@
       <a:camera prst="orthographicFront"/>
       <a:lightRig rig="threePt" dir="t"/>
     </dgm:scene3d>
+    <dgm:sp3d/>
     <dgm:txPr/>
     <dgm:style>
       <a:lnRef idx="2">
@@ -14092,6 +14116,7 @@
       <a:camera prst="orthographicFront"/>
       <a:lightRig rig="threePt" dir="t"/>
     </dgm:scene3d>
+    <dgm:sp3d/>
     <dgm:txPr/>
     <dgm:style>
       <a:lnRef idx="2">
@@ -14111,6 +14136,7 @@
       <a:camera prst="orthographicFront"/>
       <a:lightRig rig="threePt" dir="t"/>
     </dgm:scene3d>
+    <dgm:sp3d/>
     <dgm:txPr/>
     <dgm:style>
       <a:lnRef idx="2">
@@ -14130,6 +14156,7 @@
       <a:camera prst="orthographicFront"/>
       <a:lightRig rig="threePt" dir="t"/>
     </dgm:scene3d>
+    <dgm:sp3d/>
     <dgm:txPr/>
     <dgm:style>
       <a:lnRef idx="2">
@@ -14149,6 +14176,7 @@
       <a:camera prst="orthographicFront"/>
       <a:lightRig rig="threePt" dir="t"/>
     </dgm:scene3d>
+    <dgm:sp3d/>
     <dgm:txPr/>
     <dgm:style>
       <a:lnRef idx="0">
@@ -14170,6 +14198,7 @@
       <a:camera prst="orthographicFront"/>
       <a:lightRig rig="threePt" dir="t"/>
     </dgm:scene3d>
+    <dgm:sp3d/>
     <dgm:txPr/>
     <dgm:style>
       <a:lnRef idx="2">
@@ -14191,6 +14220,7 @@
       <a:camera prst="orthographicFront"/>
       <a:lightRig rig="threePt" dir="t"/>
     </dgm:scene3d>
+    <dgm:sp3d/>
     <dgm:txPr/>
     <dgm:style>
       <a:lnRef idx="2">
@@ -14212,6 +14242,7 @@
       <a:camera prst="orthographicFront"/>
       <a:lightRig rig="threePt" dir="t"/>
     </dgm:scene3d>
+    <dgm:sp3d/>
     <dgm:txPr/>
     <dgm:style>
       <a:lnRef idx="2">
@@ -14233,6 +14264,7 @@
       <a:camera prst="orthographicFront"/>
       <a:lightRig rig="threePt" dir="t"/>
     </dgm:scene3d>
+    <dgm:sp3d/>
     <dgm:txPr/>
     <dgm:style>
       <a:lnRef idx="2">
@@ -14254,6 +14286,7 @@
       <a:camera prst="orthographicFront"/>
       <a:lightRig rig="threePt" dir="t"/>
     </dgm:scene3d>
+    <dgm:sp3d/>
     <dgm:txPr/>
     <dgm:style>
       <a:lnRef idx="2">
@@ -14275,6 +14308,7 @@
       <a:camera prst="orthographicFront"/>
       <a:lightRig rig="threePt" dir="t"/>
     </dgm:scene3d>
+    <dgm:sp3d/>
     <dgm:txPr/>
     <dgm:style>
       <a:lnRef idx="2">
@@ -14296,6 +14330,7 @@
       <a:camera prst="orthographicFront"/>
       <a:lightRig rig="threePt" dir="t"/>
     </dgm:scene3d>
+    <dgm:sp3d/>
     <dgm:txPr/>
     <dgm:style>
       <a:lnRef idx="2">
@@ -14315,6 +14350,7 @@
       <a:camera prst="orthographicFront"/>
       <a:lightRig rig="threePt" dir="t"/>
     </dgm:scene3d>
+    <dgm:sp3d/>
     <dgm:txPr/>
     <dgm:style>
       <a:lnRef idx="2">
@@ -14334,6 +14370,7 @@
       <a:camera prst="orthographicFront"/>
       <a:lightRig rig="threePt" dir="t"/>
     </dgm:scene3d>
+    <dgm:sp3d/>
     <dgm:txPr/>
     <dgm:style>
       <a:lnRef idx="2">
@@ -14353,6 +14390,7 @@
       <a:camera prst="orthographicFront"/>
       <a:lightRig rig="threePt" dir="t"/>
     </dgm:scene3d>
+    <dgm:sp3d/>
     <dgm:txPr/>
     <dgm:style>
       <a:lnRef idx="2">
@@ -14372,6 +14410,7 @@
       <a:camera prst="orthographicFront"/>
       <a:lightRig rig="threePt" dir="t"/>
     </dgm:scene3d>
+    <dgm:sp3d/>
     <dgm:txPr/>
     <dgm:style>
       <a:lnRef idx="2">
@@ -14393,6 +14432,7 @@
       <a:camera prst="orthographicFront"/>
       <a:lightRig rig="threePt" dir="t"/>
     </dgm:scene3d>
+    <dgm:sp3d/>
     <dgm:txPr/>
     <dgm:style>
       <a:lnRef idx="2">
@@ -14414,6 +14454,7 @@
       <a:camera prst="orthographicFront"/>
       <a:lightRig rig="threePt" dir="t"/>
     </dgm:scene3d>
+    <dgm:sp3d/>
     <dgm:txPr/>
     <dgm:style>
       <a:lnRef idx="2">
@@ -14435,6 +14476,7 @@
       <a:camera prst="orthographicFront"/>
       <a:lightRig rig="threePt" dir="t"/>
     </dgm:scene3d>
+    <dgm:sp3d/>
     <dgm:txPr/>
     <dgm:style>
       <a:lnRef idx="2">
@@ -14456,6 +14498,7 @@
       <a:camera prst="orthographicFront"/>
       <a:lightRig rig="threePt" dir="t"/>
     </dgm:scene3d>
+    <dgm:sp3d/>
     <dgm:txPr/>
     <dgm:style>
       <a:lnRef idx="0">
@@ -14475,6 +14518,7 @@
       <a:camera prst="orthographicFront"/>
       <a:lightRig rig="threePt" dir="t"/>
     </dgm:scene3d>
+    <dgm:sp3d/>
     <dgm:txPr/>
     <dgm:style>
       <a:lnRef idx="1">
@@ -14494,6 +14538,7 @@
       <a:camera prst="orthographicFront"/>
       <a:lightRig rig="threePt" dir="t"/>
     </dgm:scene3d>
+    <dgm:sp3d/>
     <dgm:txPr/>
     <dgm:style>
       <a:lnRef idx="0">
@@ -14515,6 +14560,7 @@
       <a:camera prst="orthographicFront"/>
       <a:lightRig rig="threePt" dir="t"/>
     </dgm:scene3d>
+    <dgm:sp3d/>
     <dgm:txPr/>
     <dgm:style>
       <a:lnRef idx="2">
@@ -14534,6 +14580,7 @@
       <a:camera prst="orthographicFront"/>
       <a:lightRig rig="threePt" dir="t"/>
     </dgm:scene3d>
+    <dgm:sp3d/>
     <dgm:txPr/>
     <dgm:style>
       <a:lnRef idx="2">
@@ -14553,6 +14600,7 @@
       <a:camera prst="orthographicFront"/>
       <a:lightRig rig="threePt" dir="t"/>
     </dgm:scene3d>
+    <dgm:sp3d/>
     <dgm:txPr/>
     <dgm:style>
       <a:lnRef idx="2">
@@ -14572,6 +14620,7 @@
       <a:camera prst="orthographicFront"/>
       <a:lightRig rig="threePt" dir="t"/>
     </dgm:scene3d>
+    <dgm:sp3d/>
     <dgm:txPr/>
     <dgm:style>
       <a:lnRef idx="1">
@@ -14591,6 +14640,7 @@
       <a:camera prst="orthographicFront"/>
       <a:lightRig rig="threePt" dir="t"/>
     </dgm:scene3d>
+    <dgm:sp3d/>
     <dgm:txPr/>
     <dgm:style>
       <a:lnRef idx="0">
@@ -14610,6 +14660,7 @@
       <a:camera prst="orthographicFront"/>
       <a:lightRig rig="threePt" dir="t"/>
     </dgm:scene3d>
+    <dgm:sp3d/>
     <dgm:txPr/>
     <dgm:style>
       <a:lnRef idx="2">
@@ -14645,6 +14696,7 @@
       <a:camera prst="orthographicFront"/>
       <a:lightRig rig="threePt" dir="t"/>
     </dgm:scene3d>
+    <dgm:sp3d/>
     <dgm:txPr/>
     <dgm:style>
       <a:lnRef idx="2">
@@ -14664,6 +14716,7 @@
       <a:camera prst="orthographicFront"/>
       <a:lightRig rig="threePt" dir="t"/>
     </dgm:scene3d>
+    <dgm:sp3d/>
     <dgm:txPr/>
     <dgm:style>
       <a:lnRef idx="2">
@@ -14683,6 +14736,7 @@
       <a:camera prst="orthographicFront"/>
       <a:lightRig rig="threePt" dir="t"/>
     </dgm:scene3d>
+    <dgm:sp3d/>
     <dgm:txPr/>
     <dgm:style>
       <a:lnRef idx="2">
@@ -14702,6 +14756,7 @@
       <a:camera prst="orthographicFront"/>
       <a:lightRig rig="threePt" dir="t"/>
     </dgm:scene3d>
+    <dgm:sp3d/>
     <dgm:txPr/>
     <dgm:style>
       <a:lnRef idx="2">
@@ -14723,6 +14778,7 @@
       <a:camera prst="orthographicFront"/>
       <a:lightRig rig="threePt" dir="t"/>
     </dgm:scene3d>
+    <dgm:sp3d/>
     <dgm:txPr/>
     <dgm:style>
       <a:lnRef idx="2">
@@ -14744,6 +14800,7 @@
       <a:camera prst="orthographicFront"/>
       <a:lightRig rig="threePt" dir="t"/>
     </dgm:scene3d>
+    <dgm:sp3d/>
     <dgm:txPr/>
     <dgm:style>
       <a:lnRef idx="2">
@@ -14765,6 +14822,7 @@
       <a:camera prst="orthographicFront"/>
       <a:lightRig rig="threePt" dir="t"/>
     </dgm:scene3d>
+    <dgm:sp3d/>
     <dgm:txPr/>
     <dgm:style>
       <a:lnRef idx="2">
@@ -14786,6 +14844,7 @@
       <a:camera prst="orthographicFront"/>
       <a:lightRig rig="threePt" dir="t"/>
     </dgm:scene3d>
+    <dgm:sp3d/>
     <dgm:txPr/>
     <dgm:style>
       <a:lnRef idx="2">
@@ -14807,6 +14866,7 @@
       <a:camera prst="orthographicFront"/>
       <a:lightRig rig="threePt" dir="t"/>
     </dgm:scene3d>
+    <dgm:sp3d/>
     <dgm:txPr/>
     <dgm:style>
       <a:lnRef idx="2">
@@ -14828,6 +14888,7 @@
       <a:camera prst="orthographicFront"/>
       <a:lightRig rig="threePt" dir="t"/>
     </dgm:scene3d>
+    <dgm:sp3d/>
     <dgm:txPr/>
     <dgm:style>
       <a:lnRef idx="2">
@@ -14847,6 +14908,7 @@
       <a:camera prst="orthographicFront"/>
       <a:lightRig rig="threePt" dir="t"/>
     </dgm:scene3d>
+    <dgm:sp3d/>
     <dgm:txPr/>
     <dgm:style>
       <a:lnRef idx="2">
@@ -14866,6 +14928,7 @@
       <a:camera prst="orthographicFront"/>
       <a:lightRig rig="threePt" dir="t"/>
     </dgm:scene3d>
+    <dgm:sp3d/>
     <dgm:txPr/>
     <dgm:style>
       <a:lnRef idx="2">
@@ -14885,6 +14948,7 @@
       <a:camera prst="orthographicFront"/>
       <a:lightRig rig="threePt" dir="t"/>
     </dgm:scene3d>
+    <dgm:sp3d/>
     <dgm:txPr/>
     <dgm:style>
       <a:lnRef idx="0">
@@ -14904,6 +14968,7 @@
       <a:camera prst="orthographicFront"/>
       <a:lightRig rig="threePt" dir="t"/>
     </dgm:scene3d>
+    <dgm:sp3d/>
     <dgm:txPr/>
     <dgm:style>
       <a:lnRef idx="0">
@@ -14925,6 +14990,7 @@
       <a:camera prst="orthographicFront"/>
       <a:lightRig rig="threePt" dir="t"/>
     </dgm:scene3d>
+    <dgm:sp3d/>
     <dgm:txPr/>
     <dgm:style>
       <a:lnRef idx="2">
@@ -14944,6 +15010,7 @@
       <a:camera prst="orthographicFront"/>
       <a:lightRig rig="threePt" dir="t"/>
     </dgm:scene3d>
+    <dgm:sp3d/>
     <dgm:txPr/>
     <dgm:style>
       <a:lnRef idx="2">
@@ -14963,6 +15030,7 @@
       <a:camera prst="orthographicFront"/>
       <a:lightRig rig="threePt" dir="t"/>
     </dgm:scene3d>
+    <dgm:sp3d/>
     <dgm:txPr/>
     <dgm:style>
       <a:lnRef idx="0">
@@ -14982,6 +15050,7 @@
       <a:camera prst="orthographicFront"/>
       <a:lightRig rig="threePt" dir="t"/>
     </dgm:scene3d>
+    <dgm:sp3d/>
     <dgm:txPr/>
     <dgm:style>
       <a:lnRef idx="2">
@@ -15001,6 +15070,7 @@
       <a:camera prst="orthographicFront"/>
       <a:lightRig rig="threePt" dir="t"/>
     </dgm:scene3d>
+    <dgm:sp3d/>
     <dgm:txPr/>
     <dgm:style>
       <a:lnRef idx="2">
@@ -15020,6 +15090,7 @@
       <a:camera prst="orthographicFront"/>
       <a:lightRig rig="threePt" dir="t"/>
     </dgm:scene3d>
+    <dgm:sp3d/>
     <dgm:txPr/>
     <dgm:style>
       <a:lnRef idx="2">
@@ -15039,6 +15110,7 @@
       <a:camera prst="orthographicFront"/>
       <a:lightRig rig="threePt" dir="t"/>
     </dgm:scene3d>
+    <dgm:sp3d/>
     <dgm:txPr/>
     <dgm:style>
       <a:lnRef idx="2">
@@ -15058,6 +15130,7 @@
       <a:camera prst="orthographicFront"/>
       <a:lightRig rig="threePt" dir="t"/>
     </dgm:scene3d>
+    <dgm:sp3d/>
     <dgm:txPr/>
     <dgm:style>
       <a:lnRef idx="2">
@@ -15077,6 +15150,7 @@
       <a:camera prst="orthographicFront"/>
       <a:lightRig rig="threePt" dir="t"/>
     </dgm:scene3d>
+    <dgm:sp3d/>
     <dgm:txPr/>
     <dgm:style>
       <a:lnRef idx="2">
@@ -15096,6 +15170,7 @@
       <a:camera prst="orthographicFront"/>
       <a:lightRig rig="threePt" dir="t"/>
     </dgm:scene3d>
+    <dgm:sp3d/>
     <dgm:txPr/>
     <dgm:style>
       <a:lnRef idx="2">
@@ -15115,6 +15190,7 @@
       <a:camera prst="orthographicFront"/>
       <a:lightRig rig="threePt" dir="t"/>
     </dgm:scene3d>
+    <dgm:sp3d/>
     <dgm:txPr/>
     <dgm:style>
       <a:lnRef idx="2">
@@ -15134,6 +15210,7 @@
       <a:camera prst="orthographicFront"/>
       <a:lightRig rig="threePt" dir="t"/>
     </dgm:scene3d>
+    <dgm:sp3d/>
     <dgm:txPr/>
     <dgm:style>
       <a:lnRef idx="0">
@@ -15155,6 +15232,7 @@
       <a:camera prst="orthographicFront"/>
       <a:lightRig rig="threePt" dir="t"/>
     </dgm:scene3d>
+    <dgm:sp3d/>
     <dgm:txPr/>
     <dgm:style>
       <a:lnRef idx="2">
@@ -15176,6 +15254,7 @@
       <a:camera prst="orthographicFront"/>
       <a:lightRig rig="threePt" dir="t"/>
     </dgm:scene3d>
+    <dgm:sp3d/>
     <dgm:txPr/>
     <dgm:style>
       <a:lnRef idx="2">
@@ -15197,6 +15276,7 @@
       <a:camera prst="orthographicFront"/>
       <a:lightRig rig="threePt" dir="t"/>
     </dgm:scene3d>
+    <dgm:sp3d/>
     <dgm:txPr/>
     <dgm:style>
       <a:lnRef idx="2">
@@ -15218,6 +15298,7 @@
       <a:camera prst="orthographicFront"/>
       <a:lightRig rig="threePt" dir="t"/>
     </dgm:scene3d>
+    <dgm:sp3d/>
     <dgm:txPr/>
     <dgm:style>
       <a:lnRef idx="2">
@@ -15239,6 +15320,7 @@
       <a:camera prst="orthographicFront"/>
       <a:lightRig rig="threePt" dir="t"/>
     </dgm:scene3d>
+    <dgm:sp3d/>
     <dgm:txPr/>
     <dgm:style>
       <a:lnRef idx="2">
@@ -15260,6 +15342,7 @@
       <a:camera prst="orthographicFront"/>
       <a:lightRig rig="threePt" dir="t"/>
     </dgm:scene3d>
+    <dgm:sp3d/>
     <dgm:txPr/>
     <dgm:style>
       <a:lnRef idx="2">
@@ -15281,6 +15364,7 @@
       <a:camera prst="orthographicFront"/>
       <a:lightRig rig="threePt" dir="t"/>
     </dgm:scene3d>
+    <dgm:sp3d/>
     <dgm:txPr/>
     <dgm:style>
       <a:lnRef idx="2">
@@ -15300,6 +15384,7 @@
       <a:camera prst="orthographicFront"/>
       <a:lightRig rig="threePt" dir="t"/>
     </dgm:scene3d>
+    <dgm:sp3d/>
     <dgm:txPr/>
     <dgm:style>
       <a:lnRef idx="2">
@@ -15319,6 +15404,7 @@
       <a:camera prst="orthographicFront"/>
       <a:lightRig rig="threePt" dir="t"/>
     </dgm:scene3d>
+    <dgm:sp3d/>
     <dgm:txPr/>
     <dgm:style>
       <a:lnRef idx="2">
@@ -15338,6 +15424,7 @@
       <a:camera prst="orthographicFront"/>
       <a:lightRig rig="threePt" dir="t"/>
     </dgm:scene3d>
+    <dgm:sp3d/>
     <dgm:txPr/>
     <dgm:style>
       <a:lnRef idx="2">
@@ -15357,6 +15444,7 @@
       <a:camera prst="orthographicFront"/>
       <a:lightRig rig="threePt" dir="t"/>
     </dgm:scene3d>
+    <dgm:sp3d/>
     <dgm:txPr/>
     <dgm:style>
       <a:lnRef idx="2">
@@ -15378,6 +15466,7 @@
       <a:camera prst="orthographicFront"/>
       <a:lightRig rig="threePt" dir="t"/>
     </dgm:scene3d>
+    <dgm:sp3d/>
     <dgm:txPr/>
     <dgm:style>
       <a:lnRef idx="2">
@@ -15399,6 +15488,7 @@
       <a:camera prst="orthographicFront"/>
       <a:lightRig rig="threePt" dir="t"/>
     </dgm:scene3d>
+    <dgm:sp3d/>
     <dgm:txPr/>
     <dgm:style>
       <a:lnRef idx="2">
@@ -15420,6 +15510,7 @@
       <a:camera prst="orthographicFront"/>
       <a:lightRig rig="threePt" dir="t"/>
     </dgm:scene3d>
+    <dgm:sp3d/>
     <dgm:txPr/>
     <dgm:style>
       <a:lnRef idx="2">
@@ -15441,6 +15532,7 @@
       <a:camera prst="orthographicFront"/>
       <a:lightRig rig="threePt" dir="t"/>
     </dgm:scene3d>
+    <dgm:sp3d/>
     <dgm:txPr/>
     <dgm:style>
       <a:lnRef idx="0">
@@ -15460,6 +15552,7 @@
       <a:camera prst="orthographicFront"/>
       <a:lightRig rig="threePt" dir="t"/>
     </dgm:scene3d>
+    <dgm:sp3d/>
     <dgm:txPr/>
     <dgm:style>
       <a:lnRef idx="1">
@@ -15479,6 +15572,7 @@
       <a:camera prst="orthographicFront"/>
       <a:lightRig rig="threePt" dir="t"/>
     </dgm:scene3d>
+    <dgm:sp3d/>
     <dgm:txPr/>
     <dgm:style>
       <a:lnRef idx="0">
@@ -15500,6 +15594,7 @@
       <a:camera prst="orthographicFront"/>
       <a:lightRig rig="threePt" dir="t"/>
     </dgm:scene3d>
+    <dgm:sp3d/>
     <dgm:txPr/>
     <dgm:style>
       <a:lnRef idx="2">
@@ -15519,6 +15614,7 @@
       <a:camera prst="orthographicFront"/>
       <a:lightRig rig="threePt" dir="t"/>
     </dgm:scene3d>
+    <dgm:sp3d/>
     <dgm:txPr/>
     <dgm:style>
       <a:lnRef idx="2">
@@ -15538,6 +15634,7 @@
       <a:camera prst="orthographicFront"/>
       <a:lightRig rig="threePt" dir="t"/>
     </dgm:scene3d>
+    <dgm:sp3d/>
     <dgm:txPr/>
     <dgm:style>
       <a:lnRef idx="2">
@@ -15557,6 +15654,7 @@
       <a:camera prst="orthographicFront"/>
       <a:lightRig rig="threePt" dir="t"/>
     </dgm:scene3d>
+    <dgm:sp3d/>
     <dgm:txPr/>
     <dgm:style>
       <a:lnRef idx="1">
@@ -15576,6 +15674,7 @@
       <a:camera prst="orthographicFront"/>
       <a:lightRig rig="threePt" dir="t"/>
     </dgm:scene3d>
+    <dgm:sp3d/>
     <dgm:txPr/>
     <dgm:style>
       <a:lnRef idx="0">
@@ -15595,6 +15694,7 @@
       <a:camera prst="orthographicFront"/>
       <a:lightRig rig="threePt" dir="t"/>
     </dgm:scene3d>
+    <dgm:sp3d/>
     <dgm:txPr/>
     <dgm:style>
       <a:lnRef idx="2">
@@ -15630,6 +15730,7 @@
       <a:camera prst="orthographicFront"/>
       <a:lightRig rig="threePt" dir="t"/>
     </dgm:scene3d>
+    <dgm:sp3d/>
     <dgm:txPr/>
     <dgm:style>
       <a:lnRef idx="2">
@@ -15649,6 +15750,7 @@
       <a:camera prst="orthographicFront"/>
       <a:lightRig rig="threePt" dir="t"/>
     </dgm:scene3d>
+    <dgm:sp3d/>
     <dgm:txPr/>
     <dgm:style>
       <a:lnRef idx="2">
@@ -15668,6 +15770,7 @@
       <a:camera prst="orthographicFront"/>
       <a:lightRig rig="threePt" dir="t"/>
     </dgm:scene3d>
+    <dgm:sp3d/>
     <dgm:txPr/>
     <dgm:style>
       <a:lnRef idx="2">
@@ -15687,6 +15790,7 @@
       <a:camera prst="orthographicFront"/>
       <a:lightRig rig="threePt" dir="t"/>
     </dgm:scene3d>
+    <dgm:sp3d/>
     <dgm:txPr/>
     <dgm:style>
       <a:lnRef idx="2">
@@ -15708,6 +15812,7 @@
       <a:camera prst="orthographicFront"/>
       <a:lightRig rig="threePt" dir="t"/>
     </dgm:scene3d>
+    <dgm:sp3d/>
     <dgm:txPr/>
     <dgm:style>
       <a:lnRef idx="2">
@@ -15729,6 +15834,7 @@
       <a:camera prst="orthographicFront"/>
       <a:lightRig rig="threePt" dir="t"/>
     </dgm:scene3d>
+    <dgm:sp3d/>
     <dgm:txPr/>
     <dgm:style>
       <a:lnRef idx="2">
@@ -15750,6 +15856,7 @@
       <a:camera prst="orthographicFront"/>
       <a:lightRig rig="threePt" dir="t"/>
     </dgm:scene3d>
+    <dgm:sp3d/>
     <dgm:txPr/>
     <dgm:style>
       <a:lnRef idx="2">
@@ -15771,6 +15878,7 @@
       <a:camera prst="orthographicFront"/>
       <a:lightRig rig="threePt" dir="t"/>
     </dgm:scene3d>
+    <dgm:sp3d/>
     <dgm:txPr/>
     <dgm:style>
       <a:lnRef idx="2">
@@ -15792,6 +15900,7 @@
       <a:camera prst="orthographicFront"/>
       <a:lightRig rig="threePt" dir="t"/>
     </dgm:scene3d>
+    <dgm:sp3d/>
     <dgm:txPr/>
     <dgm:style>
       <a:lnRef idx="2">
@@ -15813,6 +15922,7 @@
       <a:camera prst="orthographicFront"/>
       <a:lightRig rig="threePt" dir="t"/>
     </dgm:scene3d>
+    <dgm:sp3d/>
     <dgm:txPr/>
     <dgm:style>
       <a:lnRef idx="2">
@@ -15832,6 +15942,7 @@
       <a:camera prst="orthographicFront"/>
       <a:lightRig rig="threePt" dir="t"/>
     </dgm:scene3d>
+    <dgm:sp3d/>
     <dgm:txPr/>
     <dgm:style>
       <a:lnRef idx="2">
@@ -15851,6 +15962,7 @@
       <a:camera prst="orthographicFront"/>
       <a:lightRig rig="threePt" dir="t"/>
     </dgm:scene3d>
+    <dgm:sp3d/>
     <dgm:txPr/>
     <dgm:style>
       <a:lnRef idx="2">
@@ -15870,6 +15982,7 @@
       <a:camera prst="orthographicFront"/>
       <a:lightRig rig="threePt" dir="t"/>
     </dgm:scene3d>
+    <dgm:sp3d/>
     <dgm:txPr/>
     <dgm:style>
       <a:lnRef idx="0">
@@ -15889,6 +16002,7 @@
       <a:camera prst="orthographicFront"/>
       <a:lightRig rig="threePt" dir="t"/>
     </dgm:scene3d>
+    <dgm:sp3d/>
     <dgm:txPr/>
     <dgm:style>
       <a:lnRef idx="0">
@@ -15910,6 +16024,7 @@
       <a:camera prst="orthographicFront"/>
       <a:lightRig rig="threePt" dir="t"/>
     </dgm:scene3d>
+    <dgm:sp3d/>
     <dgm:txPr/>
     <dgm:style>
       <a:lnRef idx="2">
@@ -15929,6 +16044,7 @@
       <a:camera prst="orthographicFront"/>
       <a:lightRig rig="threePt" dir="t"/>
     </dgm:scene3d>
+    <dgm:sp3d/>
     <dgm:txPr/>
     <dgm:style>
       <a:lnRef idx="2">
@@ -15948,6 +16064,7 @@
       <a:camera prst="orthographicFront"/>
       <a:lightRig rig="threePt" dir="t"/>
     </dgm:scene3d>
+    <dgm:sp3d/>
     <dgm:txPr/>
     <dgm:style>
       <a:lnRef idx="0">
@@ -15967,6 +16084,7 @@
       <a:camera prst="orthographicFront"/>
       <a:lightRig rig="threePt" dir="t"/>
     </dgm:scene3d>
+    <dgm:sp3d/>
     <dgm:txPr/>
     <dgm:style>
       <a:lnRef idx="2">
@@ -15986,6 +16104,7 @@
       <a:camera prst="orthographicFront"/>
       <a:lightRig rig="threePt" dir="t"/>
     </dgm:scene3d>
+    <dgm:sp3d/>
     <dgm:txPr/>
     <dgm:style>
       <a:lnRef idx="2">
@@ -16005,6 +16124,7 @@
       <a:camera prst="orthographicFront"/>
       <a:lightRig rig="threePt" dir="t"/>
     </dgm:scene3d>
+    <dgm:sp3d/>
     <dgm:txPr/>
     <dgm:style>
       <a:lnRef idx="2">
@@ -16024,6 +16144,7 @@
       <a:camera prst="orthographicFront"/>
       <a:lightRig rig="threePt" dir="t"/>
     </dgm:scene3d>
+    <dgm:sp3d/>
     <dgm:txPr/>
     <dgm:style>
       <a:lnRef idx="2">
@@ -16043,6 +16164,7 @@
       <a:camera prst="orthographicFront"/>
       <a:lightRig rig="threePt" dir="t"/>
     </dgm:scene3d>
+    <dgm:sp3d/>
     <dgm:txPr/>
     <dgm:style>
       <a:lnRef idx="2">
@@ -16062,6 +16184,7 @@
       <a:camera prst="orthographicFront"/>
       <a:lightRig rig="threePt" dir="t"/>
     </dgm:scene3d>
+    <dgm:sp3d/>
     <dgm:txPr/>
     <dgm:style>
       <a:lnRef idx="2">
@@ -16081,6 +16204,7 @@
       <a:camera prst="orthographicFront"/>
       <a:lightRig rig="threePt" dir="t"/>
     </dgm:scene3d>
+    <dgm:sp3d/>
     <dgm:txPr/>
     <dgm:style>
       <a:lnRef idx="2">
@@ -16100,6 +16224,7 @@
       <a:camera prst="orthographicFront"/>
       <a:lightRig rig="threePt" dir="t"/>
     </dgm:scene3d>
+    <dgm:sp3d/>
     <dgm:txPr/>
     <dgm:style>
       <a:lnRef idx="2">
@@ -16119,6 +16244,7 @@
       <a:camera prst="orthographicFront"/>
       <a:lightRig rig="threePt" dir="t"/>
     </dgm:scene3d>
+    <dgm:sp3d/>
     <dgm:txPr/>
     <dgm:style>
       <a:lnRef idx="0">
@@ -16140,6 +16266,7 @@
       <a:camera prst="orthographicFront"/>
       <a:lightRig rig="threePt" dir="t"/>
     </dgm:scene3d>
+    <dgm:sp3d/>
     <dgm:txPr/>
     <dgm:style>
       <a:lnRef idx="2">
@@ -16161,6 +16288,7 @@
       <a:camera prst="orthographicFront"/>
       <a:lightRig rig="threePt" dir="t"/>
     </dgm:scene3d>
+    <dgm:sp3d/>
     <dgm:txPr/>
     <dgm:style>
       <a:lnRef idx="2">
@@ -16182,6 +16310,7 @@
       <a:camera prst="orthographicFront"/>
       <a:lightRig rig="threePt" dir="t"/>
     </dgm:scene3d>
+    <dgm:sp3d/>
     <dgm:txPr/>
     <dgm:style>
       <a:lnRef idx="2">
@@ -16203,6 +16332,7 @@
       <a:camera prst="orthographicFront"/>
       <a:lightRig rig="threePt" dir="t"/>
     </dgm:scene3d>
+    <dgm:sp3d/>
     <dgm:txPr/>
     <dgm:style>
       <a:lnRef idx="2">
@@ -16224,6 +16354,7 @@
       <a:camera prst="orthographicFront"/>
       <a:lightRig rig="threePt" dir="t"/>
     </dgm:scene3d>
+    <dgm:sp3d/>
     <dgm:txPr/>
     <dgm:style>
       <a:lnRef idx="2">
@@ -16245,6 +16376,7 @@
       <a:camera prst="orthographicFront"/>
       <a:lightRig rig="threePt" dir="t"/>
     </dgm:scene3d>
+    <dgm:sp3d/>
     <dgm:txPr/>
     <dgm:style>
       <a:lnRef idx="2">
@@ -16266,6 +16398,7 @@
       <a:camera prst="orthographicFront"/>
       <a:lightRig rig="threePt" dir="t"/>
     </dgm:scene3d>
+    <dgm:sp3d/>
     <dgm:txPr/>
     <dgm:style>
       <a:lnRef idx="2">
@@ -16285,6 +16418,7 @@
       <a:camera prst="orthographicFront"/>
       <a:lightRig rig="threePt" dir="t"/>
     </dgm:scene3d>
+    <dgm:sp3d/>
     <dgm:txPr/>
     <dgm:style>
       <a:lnRef idx="2">
@@ -16304,6 +16438,7 @@
       <a:camera prst="orthographicFront"/>
       <a:lightRig rig="threePt" dir="t"/>
     </dgm:scene3d>
+    <dgm:sp3d/>
     <dgm:txPr/>
     <dgm:style>
       <a:lnRef idx="2">
@@ -16323,6 +16458,7 @@
       <a:camera prst="orthographicFront"/>
       <a:lightRig rig="threePt" dir="t"/>
     </dgm:scene3d>
+    <dgm:sp3d/>
     <dgm:txPr/>
     <dgm:style>
       <a:lnRef idx="2">
@@ -16342,6 +16478,7 @@
       <a:camera prst="orthographicFront"/>
       <a:lightRig rig="threePt" dir="t"/>
     </dgm:scene3d>
+    <dgm:sp3d/>
     <dgm:txPr/>
     <dgm:style>
       <a:lnRef idx="2">
@@ -16363,6 +16500,7 @@
       <a:camera prst="orthographicFront"/>
       <a:lightRig rig="threePt" dir="t"/>
     </dgm:scene3d>
+    <dgm:sp3d/>
     <dgm:txPr/>
     <dgm:style>
       <a:lnRef idx="2">
@@ -16384,6 +16522,7 @@
       <a:camera prst="orthographicFront"/>
       <a:lightRig rig="threePt" dir="t"/>
     </dgm:scene3d>
+    <dgm:sp3d/>
     <dgm:txPr/>
     <dgm:style>
       <a:lnRef idx="2">
@@ -16405,6 +16544,7 @@
       <a:camera prst="orthographicFront"/>
       <a:lightRig rig="threePt" dir="t"/>
     </dgm:scene3d>
+    <dgm:sp3d/>
     <dgm:txPr/>
     <dgm:style>
       <a:lnRef idx="2">
@@ -16426,6 +16566,7 @@
       <a:camera prst="orthographicFront"/>
       <a:lightRig rig="threePt" dir="t"/>
     </dgm:scene3d>
+    <dgm:sp3d/>
     <dgm:txPr/>
     <dgm:style>
       <a:lnRef idx="0">
@@ -16445,6 +16586,7 @@
       <a:camera prst="orthographicFront"/>
       <a:lightRig rig="threePt" dir="t"/>
     </dgm:scene3d>
+    <dgm:sp3d/>
     <dgm:txPr/>
     <dgm:style>
       <a:lnRef idx="1">
@@ -16464,6 +16606,7 @@
       <a:camera prst="orthographicFront"/>
       <a:lightRig rig="threePt" dir="t"/>
     </dgm:scene3d>
+    <dgm:sp3d/>
     <dgm:txPr/>
     <dgm:style>
       <a:lnRef idx="0">
@@ -16485,6 +16628,7 @@
       <a:camera prst="orthographicFront"/>
       <a:lightRig rig="threePt" dir="t"/>
     </dgm:scene3d>
+    <dgm:sp3d/>
     <dgm:txPr/>
     <dgm:style>
       <a:lnRef idx="2">
@@ -16504,6 +16648,7 @@
       <a:camera prst="orthographicFront"/>
       <a:lightRig rig="threePt" dir="t"/>
     </dgm:scene3d>
+    <dgm:sp3d/>
     <dgm:txPr/>
     <dgm:style>
       <a:lnRef idx="2">
@@ -16523,6 +16668,7 @@
       <a:camera prst="orthographicFront"/>
       <a:lightRig rig="threePt" dir="t"/>
     </dgm:scene3d>
+    <dgm:sp3d/>
     <dgm:txPr/>
     <dgm:style>
       <a:lnRef idx="2">
@@ -16542,6 +16688,7 @@
       <a:camera prst="orthographicFront"/>
       <a:lightRig rig="threePt" dir="t"/>
     </dgm:scene3d>
+    <dgm:sp3d/>
     <dgm:txPr/>
     <dgm:style>
       <a:lnRef idx="1">
@@ -16561,6 +16708,7 @@
       <a:camera prst="orthographicFront"/>
       <a:lightRig rig="threePt" dir="t"/>
     </dgm:scene3d>
+    <dgm:sp3d/>
     <dgm:txPr/>
     <dgm:style>
       <a:lnRef idx="0">
@@ -16580,6 +16728,7 @@
       <a:camera prst="orthographicFront"/>
       <a:lightRig rig="threePt" dir="t"/>
     </dgm:scene3d>
+    <dgm:sp3d/>
     <dgm:txPr/>
     <dgm:style>
       <a:lnRef idx="2">
@@ -16615,6 +16764,7 @@
       <a:camera prst="orthographicFront"/>
       <a:lightRig rig="threePt" dir="t"/>
     </dgm:scene3d>
+    <dgm:sp3d/>
     <dgm:txPr/>
     <dgm:style>
       <a:lnRef idx="2">
@@ -16634,6 +16784,7 @@
       <a:camera prst="orthographicFront"/>
       <a:lightRig rig="threePt" dir="t"/>
     </dgm:scene3d>
+    <dgm:sp3d/>
     <dgm:txPr/>
     <dgm:style>
       <a:lnRef idx="2">
@@ -16653,6 +16804,7 @@
       <a:camera prst="orthographicFront"/>
       <a:lightRig rig="threePt" dir="t"/>
     </dgm:scene3d>
+    <dgm:sp3d/>
     <dgm:txPr/>
     <dgm:style>
       <a:lnRef idx="2">
@@ -16672,6 +16824,7 @@
       <a:camera prst="orthographicFront"/>
       <a:lightRig rig="threePt" dir="t"/>
     </dgm:scene3d>
+    <dgm:sp3d/>
     <dgm:txPr/>
     <dgm:style>
       <a:lnRef idx="2">
@@ -16693,6 +16846,7 @@
       <a:camera prst="orthographicFront"/>
       <a:lightRig rig="threePt" dir="t"/>
     </dgm:scene3d>
+    <dgm:sp3d/>
     <dgm:txPr/>
     <dgm:style>
       <a:lnRef idx="2">
@@ -16714,6 +16868,7 @@
       <a:camera prst="orthographicFront"/>
       <a:lightRig rig="threePt" dir="t"/>
     </dgm:scene3d>
+    <dgm:sp3d/>
     <dgm:txPr/>
     <dgm:style>
       <a:lnRef idx="2">
@@ -16735,6 +16890,7 @@
       <a:camera prst="orthographicFront"/>
       <a:lightRig rig="threePt" dir="t"/>
     </dgm:scene3d>
+    <dgm:sp3d/>
     <dgm:txPr/>
     <dgm:style>
       <a:lnRef idx="2">
@@ -16756,6 +16912,7 @@
       <a:camera prst="orthographicFront"/>
       <a:lightRig rig="threePt" dir="t"/>
     </dgm:scene3d>
+    <dgm:sp3d/>
     <dgm:txPr/>
     <dgm:style>
       <a:lnRef idx="2">
@@ -16777,6 +16934,7 @@
       <a:camera prst="orthographicFront"/>
       <a:lightRig rig="threePt" dir="t"/>
     </dgm:scene3d>
+    <dgm:sp3d/>
     <dgm:txPr/>
     <dgm:style>
       <a:lnRef idx="2">
@@ -16798,6 +16956,7 @@
       <a:camera prst="orthographicFront"/>
       <a:lightRig rig="threePt" dir="t"/>
     </dgm:scene3d>
+    <dgm:sp3d/>
     <dgm:txPr/>
     <dgm:style>
       <a:lnRef idx="2">
@@ -16817,6 +16976,7 @@
       <a:camera prst="orthographicFront"/>
       <a:lightRig rig="threePt" dir="t"/>
     </dgm:scene3d>
+    <dgm:sp3d/>
     <dgm:txPr/>
     <dgm:style>
       <a:lnRef idx="2">
@@ -16836,6 +16996,7 @@
       <a:camera prst="orthographicFront"/>
       <a:lightRig rig="threePt" dir="t"/>
     </dgm:scene3d>
+    <dgm:sp3d/>
     <dgm:txPr/>
     <dgm:style>
       <a:lnRef idx="2">
@@ -16855,6 +17016,7 @@
       <a:camera prst="orthographicFront"/>
       <a:lightRig rig="threePt" dir="t"/>
     </dgm:scene3d>
+    <dgm:sp3d/>
     <dgm:txPr/>
     <dgm:style>
       <a:lnRef idx="0">
@@ -16874,6 +17036,7 @@
       <a:camera prst="orthographicFront"/>
       <a:lightRig rig="threePt" dir="t"/>
     </dgm:scene3d>
+    <dgm:sp3d/>
     <dgm:txPr/>
     <dgm:style>
       <a:lnRef idx="0">
@@ -16895,6 +17058,7 @@
       <a:camera prst="orthographicFront"/>
       <a:lightRig rig="threePt" dir="t"/>
     </dgm:scene3d>
+    <dgm:sp3d/>
     <dgm:txPr/>
     <dgm:style>
       <a:lnRef idx="2">
@@ -16914,6 +17078,7 @@
       <a:camera prst="orthographicFront"/>
       <a:lightRig rig="threePt" dir="t"/>
     </dgm:scene3d>
+    <dgm:sp3d/>
     <dgm:txPr/>
     <dgm:style>
       <a:lnRef idx="2">
@@ -16933,6 +17098,7 @@
       <a:camera prst="orthographicFront"/>
       <a:lightRig rig="threePt" dir="t"/>
     </dgm:scene3d>
+    <dgm:sp3d/>
     <dgm:txPr/>
     <dgm:style>
       <a:lnRef idx="0">
@@ -16952,6 +17118,7 @@
       <a:camera prst="orthographicFront"/>
       <a:lightRig rig="threePt" dir="t"/>
     </dgm:scene3d>
+    <dgm:sp3d/>
     <dgm:txPr/>
     <dgm:style>
       <a:lnRef idx="2">
@@ -16971,6 +17138,7 @@
       <a:camera prst="orthographicFront"/>
       <a:lightRig rig="threePt" dir="t"/>
     </dgm:scene3d>
+    <dgm:sp3d/>
     <dgm:txPr/>
     <dgm:style>
       <a:lnRef idx="2">
@@ -16990,6 +17158,7 @@
       <a:camera prst="orthographicFront"/>
       <a:lightRig rig="threePt" dir="t"/>
     </dgm:scene3d>
+    <dgm:sp3d/>
     <dgm:txPr/>
     <dgm:style>
       <a:lnRef idx="2">
@@ -17009,6 +17178,7 @@
       <a:camera prst="orthographicFront"/>
       <a:lightRig rig="threePt" dir="t"/>
     </dgm:scene3d>
+    <dgm:sp3d/>
     <dgm:txPr/>
     <dgm:style>
       <a:lnRef idx="2">
@@ -17028,6 +17198,7 @@
       <a:camera prst="orthographicFront"/>
       <a:lightRig rig="threePt" dir="t"/>
     </dgm:scene3d>
+    <dgm:sp3d/>
     <dgm:txPr/>
     <dgm:style>
       <a:lnRef idx="2">
@@ -17047,6 +17218,7 @@
       <a:camera prst="orthographicFront"/>
       <a:lightRig rig="threePt" dir="t"/>
     </dgm:scene3d>
+    <dgm:sp3d/>
     <dgm:txPr/>
     <dgm:style>
       <a:lnRef idx="2">
@@ -17066,6 +17238,7 @@
       <a:camera prst="orthographicFront"/>
       <a:lightRig rig="threePt" dir="t"/>
     </dgm:scene3d>
+    <dgm:sp3d/>
     <dgm:txPr/>
     <dgm:style>
       <a:lnRef idx="2">
@@ -17085,6 +17258,7 @@
       <a:camera prst="orthographicFront"/>
       <a:lightRig rig="threePt" dir="t"/>
     </dgm:scene3d>
+    <dgm:sp3d/>
     <dgm:txPr/>
     <dgm:style>
       <a:lnRef idx="2">
@@ -17104,6 +17278,7 @@
       <a:camera prst="orthographicFront"/>
       <a:lightRig rig="threePt" dir="t"/>
     </dgm:scene3d>
+    <dgm:sp3d/>
     <dgm:txPr/>
     <dgm:style>
       <a:lnRef idx="0">
@@ -17125,6 +17300,7 @@
       <a:camera prst="orthographicFront"/>
       <a:lightRig rig="threePt" dir="t"/>
     </dgm:scene3d>
+    <dgm:sp3d/>
     <dgm:txPr/>
     <dgm:style>
       <a:lnRef idx="2">
@@ -17146,6 +17322,7 @@
       <a:camera prst="orthographicFront"/>
       <a:lightRig rig="threePt" dir="t"/>
     </dgm:scene3d>
+    <dgm:sp3d/>
     <dgm:txPr/>
     <dgm:style>
       <a:lnRef idx="2">
@@ -17167,6 +17344,7 @@
       <a:camera prst="orthographicFront"/>
       <a:lightRig rig="threePt" dir="t"/>
     </dgm:scene3d>
+    <dgm:sp3d/>
     <dgm:txPr/>
     <dgm:style>
       <a:lnRef idx="2">
@@ -17188,6 +17366,7 @@
       <a:camera prst="orthographicFront"/>
       <a:lightRig rig="threePt" dir="t"/>
     </dgm:scene3d>
+    <dgm:sp3d/>
     <dgm:txPr/>
     <dgm:style>
       <a:lnRef idx="2">
@@ -17209,6 +17388,7 @@
       <a:camera prst="orthographicFront"/>
       <a:lightRig rig="threePt" dir="t"/>
     </dgm:scene3d>
+    <dgm:sp3d/>
     <dgm:txPr/>
     <dgm:style>
       <a:lnRef idx="2">
@@ -17230,6 +17410,7 @@
       <a:camera prst="orthographicFront"/>
       <a:lightRig rig="threePt" dir="t"/>
     </dgm:scene3d>
+    <dgm:sp3d/>
     <dgm:txPr/>
     <dgm:style>
       <a:lnRef idx="2">
@@ -17251,6 +17432,7 @@
       <a:camera prst="orthographicFront"/>
       <a:lightRig rig="threePt" dir="t"/>
     </dgm:scene3d>
+    <dgm:sp3d/>
     <dgm:txPr/>
     <dgm:style>
       <a:lnRef idx="2">
@@ -17270,6 +17452,7 @@
       <a:camera prst="orthographicFront"/>
       <a:lightRig rig="threePt" dir="t"/>
     </dgm:scene3d>
+    <dgm:sp3d/>
     <dgm:txPr/>
     <dgm:style>
       <a:lnRef idx="2">
@@ -17289,6 +17472,7 @@
       <a:camera prst="orthographicFront"/>
       <a:lightRig rig="threePt" dir="t"/>
     </dgm:scene3d>
+    <dgm:sp3d/>
     <dgm:txPr/>
     <dgm:style>
       <a:lnRef idx="2">
@@ -17308,6 +17492,7 @@
       <a:camera prst="orthographicFront"/>
       <a:lightRig rig="threePt" dir="t"/>
     </dgm:scene3d>
+    <dgm:sp3d/>
     <dgm:txPr/>
     <dgm:style>
       <a:lnRef idx="2">
@@ -17327,6 +17512,7 @@
       <a:camera prst="orthographicFront"/>
       <a:lightRig rig="threePt" dir="t"/>
     </dgm:scene3d>
+    <dgm:sp3d/>
     <dgm:txPr/>
     <dgm:style>
       <a:lnRef idx="2">
@@ -17348,6 +17534,7 @@
       <a:camera prst="orthographicFront"/>
       <a:lightRig rig="threePt" dir="t"/>
     </dgm:scene3d>
+    <dgm:sp3d/>
     <dgm:txPr/>
     <dgm:style>
       <a:lnRef idx="2">
@@ -17369,6 +17556,7 @@
       <a:camera prst="orthographicFront"/>
       <a:lightRig rig="threePt" dir="t"/>
     </dgm:scene3d>
+    <dgm:sp3d/>
     <dgm:txPr/>
     <dgm:style>
       <a:lnRef idx="2">
@@ -17390,6 +17578,7 @@
       <a:camera prst="orthographicFront"/>
       <a:lightRig rig="threePt" dir="t"/>
     </dgm:scene3d>
+    <dgm:sp3d/>
     <dgm:txPr/>
     <dgm:style>
       <a:lnRef idx="2">
@@ -17411,6 +17600,7 @@
       <a:camera prst="orthographicFront"/>
       <a:lightRig rig="threePt" dir="t"/>
     </dgm:scene3d>
+    <dgm:sp3d/>
     <dgm:txPr/>
     <dgm:style>
       <a:lnRef idx="0">
@@ -17430,6 +17620,7 @@
       <a:camera prst="orthographicFront"/>
       <a:lightRig rig="threePt" dir="t"/>
     </dgm:scene3d>
+    <dgm:sp3d/>
     <dgm:txPr/>
     <dgm:style>
       <a:lnRef idx="1">
@@ -17449,6 +17640,7 @@
       <a:camera prst="orthographicFront"/>
       <a:lightRig rig="threePt" dir="t"/>
     </dgm:scene3d>
+    <dgm:sp3d/>
     <dgm:txPr/>
     <dgm:style>
       <a:lnRef idx="0">
@@ -17470,6 +17662,7 @@
       <a:camera prst="orthographicFront"/>
       <a:lightRig rig="threePt" dir="t"/>
     </dgm:scene3d>
+    <dgm:sp3d/>
     <dgm:txPr/>
     <dgm:style>
       <a:lnRef idx="2">
@@ -17489,6 +17682,7 @@
       <a:camera prst="orthographicFront"/>
       <a:lightRig rig="threePt" dir="t"/>
     </dgm:scene3d>
+    <dgm:sp3d/>
     <dgm:txPr/>
     <dgm:style>
       <a:lnRef idx="2">
@@ -17508,6 +17702,7 @@
       <a:camera prst="orthographicFront"/>
       <a:lightRig rig="threePt" dir="t"/>
     </dgm:scene3d>
+    <dgm:sp3d/>
     <dgm:txPr/>
     <dgm:style>
       <a:lnRef idx="2">
@@ -17527,6 +17722,7 @@
       <a:camera prst="orthographicFront"/>
       <a:lightRig rig="threePt" dir="t"/>
     </dgm:scene3d>
+    <dgm:sp3d/>
     <dgm:txPr/>
     <dgm:style>
       <a:lnRef idx="1">
@@ -17546,6 +17742,7 @@
       <a:camera prst="orthographicFront"/>
       <a:lightRig rig="threePt" dir="t"/>
     </dgm:scene3d>
+    <dgm:sp3d/>
     <dgm:txPr/>
     <dgm:style>
       <a:lnRef idx="0">
@@ -17565,6 +17762,7 @@
       <a:camera prst="orthographicFront"/>
       <a:lightRig rig="threePt" dir="t"/>
     </dgm:scene3d>
+    <dgm:sp3d/>
     <dgm:txPr/>
     <dgm:style>
       <a:lnRef idx="2">
@@ -17600,6 +17798,7 @@
       <a:camera prst="orthographicFront"/>
       <a:lightRig rig="threePt" dir="t"/>
     </dgm:scene3d>
+    <dgm:sp3d/>
     <dgm:txPr/>
     <dgm:style>
       <a:lnRef idx="2">
@@ -17619,6 +17818,7 @@
       <a:camera prst="orthographicFront"/>
       <a:lightRig rig="threePt" dir="t"/>
     </dgm:scene3d>
+    <dgm:sp3d/>
     <dgm:txPr/>
     <dgm:style>
       <a:lnRef idx="2">
@@ -17638,6 +17838,7 @@
       <a:camera prst="orthographicFront"/>
       <a:lightRig rig="threePt" dir="t"/>
     </dgm:scene3d>
+    <dgm:sp3d/>
     <dgm:txPr/>
     <dgm:style>
       <a:lnRef idx="2">
@@ -17657,6 +17858,7 @@
       <a:camera prst="orthographicFront"/>
       <a:lightRig rig="threePt" dir="t"/>
     </dgm:scene3d>
+    <dgm:sp3d/>
     <dgm:txPr/>
     <dgm:style>
       <a:lnRef idx="2">
@@ -17678,6 +17880,7 @@
       <a:camera prst="orthographicFront"/>
       <a:lightRig rig="threePt" dir="t"/>
     </dgm:scene3d>
+    <dgm:sp3d/>
     <dgm:txPr/>
     <dgm:style>
       <a:lnRef idx="2">
@@ -17699,6 +17902,7 @@
       <a:camera prst="orthographicFront"/>
       <a:lightRig rig="threePt" dir="t"/>
     </dgm:scene3d>
+    <dgm:sp3d/>
     <dgm:txPr/>
     <dgm:style>
       <a:lnRef idx="2">
@@ -17720,6 +17924,7 @@
       <a:camera prst="orthographicFront"/>
       <a:lightRig rig="threePt" dir="t"/>
     </dgm:scene3d>
+    <dgm:sp3d/>
     <dgm:txPr/>
     <dgm:style>
       <a:lnRef idx="2">
@@ -17741,6 +17946,7 @@
       <a:camera prst="orthographicFront"/>
       <a:lightRig rig="threePt" dir="t"/>
     </dgm:scene3d>
+    <dgm:sp3d/>
     <dgm:txPr/>
     <dgm:style>
       <a:lnRef idx="2">
@@ -17762,6 +17968,7 @@
       <a:camera prst="orthographicFront"/>
       <a:lightRig rig="threePt" dir="t"/>
     </dgm:scene3d>
+    <dgm:sp3d/>
     <dgm:txPr/>
     <dgm:style>
       <a:lnRef idx="2">
@@ -17783,6 +17990,7 @@
       <a:camera prst="orthographicFront"/>
       <a:lightRig rig="threePt" dir="t"/>
     </dgm:scene3d>
+    <dgm:sp3d/>
     <dgm:txPr/>
     <dgm:style>
       <a:lnRef idx="2">
@@ -17802,6 +18010,7 @@
       <a:camera prst="orthographicFront"/>
       <a:lightRig rig="threePt" dir="t"/>
     </dgm:scene3d>
+    <dgm:sp3d/>
     <dgm:txPr/>
     <dgm:style>
       <a:lnRef idx="2">
@@ -17821,6 +18030,7 @@
       <a:camera prst="orthographicFront"/>
       <a:lightRig rig="threePt" dir="t"/>
     </dgm:scene3d>
+    <dgm:sp3d/>
     <dgm:txPr/>
     <dgm:style>
       <a:lnRef idx="2">
@@ -17840,6 +18050,7 @@
       <a:camera prst="orthographicFront"/>
       <a:lightRig rig="threePt" dir="t"/>
     </dgm:scene3d>
+    <dgm:sp3d/>
     <dgm:txPr/>
     <dgm:style>
       <a:lnRef idx="0">
@@ -17859,6 +18070,7 @@
       <a:camera prst="orthographicFront"/>
       <a:lightRig rig="threePt" dir="t"/>
     </dgm:scene3d>
+    <dgm:sp3d/>
     <dgm:txPr/>
     <dgm:style>
       <a:lnRef idx="0">
@@ -17880,6 +18092,7 @@
       <a:camera prst="orthographicFront"/>
       <a:lightRig rig="threePt" dir="t"/>
     </dgm:scene3d>
+    <dgm:sp3d/>
     <dgm:txPr/>
     <dgm:style>
       <a:lnRef idx="2">
@@ -17899,6 +18112,7 @@
       <a:camera prst="orthographicFront"/>
       <a:lightRig rig="threePt" dir="t"/>
     </dgm:scene3d>
+    <dgm:sp3d/>
     <dgm:txPr/>
     <dgm:style>
       <a:lnRef idx="2">
@@ -17918,6 +18132,7 @@
       <a:camera prst="orthographicFront"/>
       <a:lightRig rig="threePt" dir="t"/>
     </dgm:scene3d>
+    <dgm:sp3d/>
     <dgm:txPr/>
     <dgm:style>
       <a:lnRef idx="0">
@@ -17937,6 +18152,7 @@
       <a:camera prst="orthographicFront"/>
       <a:lightRig rig="threePt" dir="t"/>
     </dgm:scene3d>
+    <dgm:sp3d/>
     <dgm:txPr/>
     <dgm:style>
       <a:lnRef idx="2">
@@ -17956,6 +18172,7 @@
       <a:camera prst="orthographicFront"/>
       <a:lightRig rig="threePt" dir="t"/>
     </dgm:scene3d>
+    <dgm:sp3d/>
     <dgm:txPr/>
     <dgm:style>
       <a:lnRef idx="2">
@@ -17975,6 +18192,7 @@
       <a:camera prst="orthographicFront"/>
       <a:lightRig rig="threePt" dir="t"/>
     </dgm:scene3d>
+    <dgm:sp3d/>
     <dgm:txPr/>
     <dgm:style>
       <a:lnRef idx="2">
@@ -17994,6 +18212,7 @@
       <a:camera prst="orthographicFront"/>
       <a:lightRig rig="threePt" dir="t"/>
     </dgm:scene3d>
+    <dgm:sp3d/>
     <dgm:txPr/>
     <dgm:style>
       <a:lnRef idx="2">
@@ -18013,6 +18232,7 @@
       <a:camera prst="orthographicFront"/>
       <a:lightRig rig="threePt" dir="t"/>
     </dgm:scene3d>
+    <dgm:sp3d/>
     <dgm:txPr/>
     <dgm:style>
       <a:lnRef idx="2">
@@ -18032,6 +18252,7 @@
       <a:camera prst="orthographicFront"/>
       <a:lightRig rig="threePt" dir="t"/>
     </dgm:scene3d>
+    <dgm:sp3d/>
     <dgm:txPr/>
     <dgm:style>
       <a:lnRef idx="2">
@@ -18051,6 +18272,7 @@
       <a:camera prst="orthographicFront"/>
       <a:lightRig rig="threePt" dir="t"/>
     </dgm:scene3d>
+    <dgm:sp3d/>
     <dgm:txPr/>
     <dgm:style>
       <a:lnRef idx="2">
@@ -18070,6 +18292,7 @@
       <a:camera prst="orthographicFront"/>
       <a:lightRig rig="threePt" dir="t"/>
     </dgm:scene3d>
+    <dgm:sp3d/>
     <dgm:txPr/>
     <dgm:style>
       <a:lnRef idx="2">
@@ -18089,6 +18312,7 @@
       <a:camera prst="orthographicFront"/>
       <a:lightRig rig="threePt" dir="t"/>
     </dgm:scene3d>
+    <dgm:sp3d/>
     <dgm:txPr/>
     <dgm:style>
       <a:lnRef idx="0">
@@ -18110,6 +18334,7 @@
       <a:camera prst="orthographicFront"/>
       <a:lightRig rig="threePt" dir="t"/>
     </dgm:scene3d>
+    <dgm:sp3d/>
     <dgm:txPr/>
     <dgm:style>
       <a:lnRef idx="2">
@@ -18131,6 +18356,7 @@
       <a:camera prst="orthographicFront"/>
       <a:lightRig rig="threePt" dir="t"/>
     </dgm:scene3d>
+    <dgm:sp3d/>
     <dgm:txPr/>
     <dgm:style>
       <a:lnRef idx="2">
@@ -18152,6 +18378,7 @@
       <a:camera prst="orthographicFront"/>
       <a:lightRig rig="threePt" dir="t"/>
     </dgm:scene3d>
+    <dgm:sp3d/>
     <dgm:txPr/>
     <dgm:style>
       <a:lnRef idx="2">
@@ -18173,6 +18400,7 @@
       <a:camera prst="orthographicFront"/>
       <a:lightRig rig="threePt" dir="t"/>
     </dgm:scene3d>
+    <dgm:sp3d/>
     <dgm:txPr/>
     <dgm:style>
       <a:lnRef idx="2">
@@ -18194,6 +18422,7 @@
       <a:camera prst="orthographicFront"/>
       <a:lightRig rig="threePt" dir="t"/>
     </dgm:scene3d>
+    <dgm:sp3d/>
     <dgm:txPr/>
     <dgm:style>
       <a:lnRef idx="2">
@@ -18215,6 +18444,7 @@
       <a:camera prst="orthographicFront"/>
       <a:lightRig rig="threePt" dir="t"/>
     </dgm:scene3d>
+    <dgm:sp3d/>
     <dgm:txPr/>
     <dgm:style>
       <a:lnRef idx="2">
@@ -18236,6 +18466,7 @@
       <a:camera prst="orthographicFront"/>
       <a:lightRig rig="threePt" dir="t"/>
     </dgm:scene3d>
+    <dgm:sp3d/>
     <dgm:txPr/>
     <dgm:style>
       <a:lnRef idx="2">
@@ -18255,6 +18486,7 @@
       <a:camera prst="orthographicFront"/>
       <a:lightRig rig="threePt" dir="t"/>
     </dgm:scene3d>
+    <dgm:sp3d/>
     <dgm:txPr/>
     <dgm:style>
       <a:lnRef idx="2">
@@ -18274,6 +18506,7 @@
       <a:camera prst="orthographicFront"/>
       <a:lightRig rig="threePt" dir="t"/>
     </dgm:scene3d>
+    <dgm:sp3d/>
     <dgm:txPr/>
     <dgm:style>
       <a:lnRef idx="2">
@@ -18293,6 +18526,7 @@
       <a:camera prst="orthographicFront"/>
       <a:lightRig rig="threePt" dir="t"/>
     </dgm:scene3d>
+    <dgm:sp3d/>
     <dgm:txPr/>
     <dgm:style>
       <a:lnRef idx="2">
@@ -18312,6 +18546,7 @@
       <a:camera prst="orthographicFront"/>
       <a:lightRig rig="threePt" dir="t"/>
     </dgm:scene3d>
+    <dgm:sp3d/>
     <dgm:txPr/>
     <dgm:style>
       <a:lnRef idx="2">
@@ -18333,6 +18568,7 @@
       <a:camera prst="orthographicFront"/>
       <a:lightRig rig="threePt" dir="t"/>
     </dgm:scene3d>
+    <dgm:sp3d/>
     <dgm:txPr/>
     <dgm:style>
       <a:lnRef idx="2">
@@ -18354,6 +18590,7 @@
       <a:camera prst="orthographicFront"/>
       <a:lightRig rig="threePt" dir="t"/>
     </dgm:scene3d>
+    <dgm:sp3d/>
     <dgm:txPr/>
     <dgm:style>
       <a:lnRef idx="2">
@@ -18375,6 +18612,7 @@
       <a:camera prst="orthographicFront"/>
       <a:lightRig rig="threePt" dir="t"/>
     </dgm:scene3d>
+    <dgm:sp3d/>
     <dgm:txPr/>
     <dgm:style>
       <a:lnRef idx="2">
@@ -18396,6 +18634,7 @@
       <a:camera prst="orthographicFront"/>
       <a:lightRig rig="threePt" dir="t"/>
     </dgm:scene3d>
+    <dgm:sp3d/>
     <dgm:txPr/>
     <dgm:style>
       <a:lnRef idx="0">
@@ -18415,6 +18654,7 @@
       <a:camera prst="orthographicFront"/>
       <a:lightRig rig="threePt" dir="t"/>
     </dgm:scene3d>
+    <dgm:sp3d/>
     <dgm:txPr/>
     <dgm:style>
       <a:lnRef idx="1">
@@ -18434,6 +18674,7 @@
       <a:camera prst="orthographicFront"/>
       <a:lightRig rig="threePt" dir="t"/>
     </dgm:scene3d>
+    <dgm:sp3d/>
     <dgm:txPr/>
     <dgm:style>
       <a:lnRef idx="0">
@@ -18455,6 +18696,7 @@
       <a:camera prst="orthographicFront"/>
       <a:lightRig rig="threePt" dir="t"/>
     </dgm:scene3d>
+    <dgm:sp3d/>
     <dgm:txPr/>
     <dgm:style>
       <a:lnRef idx="2">
@@ -18474,6 +18716,7 @@
       <a:camera prst="orthographicFront"/>
       <a:lightRig rig="threePt" dir="t"/>
     </dgm:scene3d>
+    <dgm:sp3d/>
     <dgm:txPr/>
     <dgm:style>
       <a:lnRef idx="2">
@@ -18493,6 +18736,7 @@
       <a:camera prst="orthographicFront"/>
       <a:lightRig rig="threePt" dir="t"/>
     </dgm:scene3d>
+    <dgm:sp3d/>
     <dgm:txPr/>
     <dgm:style>
       <a:lnRef idx="2">
@@ -18512,6 +18756,7 @@
       <a:camera prst="orthographicFront"/>
       <a:lightRig rig="threePt" dir="t"/>
     </dgm:scene3d>
+    <dgm:sp3d/>
     <dgm:txPr/>
     <dgm:style>
       <a:lnRef idx="1">
@@ -18531,6 +18776,7 @@
       <a:camera prst="orthographicFront"/>
       <a:lightRig rig="threePt" dir="t"/>
     </dgm:scene3d>
+    <dgm:sp3d/>
     <dgm:txPr/>
     <dgm:style>
       <a:lnRef idx="0">
@@ -18550,6 +18796,7 @@
       <a:camera prst="orthographicFront"/>
       <a:lightRig rig="threePt" dir="t"/>
     </dgm:scene3d>
+    <dgm:sp3d/>
     <dgm:txPr/>
     <dgm:style>
       <a:lnRef idx="2">
@@ -18585,6 +18832,7 @@
       <a:camera prst="orthographicFront"/>
       <a:lightRig rig="threePt" dir="t"/>
     </dgm:scene3d>
+    <dgm:sp3d/>
     <dgm:txPr/>
     <dgm:style>
       <a:lnRef idx="2">
@@ -18604,6 +18852,7 @@
       <a:camera prst="orthographicFront"/>
       <a:lightRig rig="threePt" dir="t"/>
     </dgm:scene3d>
+    <dgm:sp3d/>
     <dgm:txPr/>
     <dgm:style>
       <a:lnRef idx="2">
@@ -18623,6 +18872,7 @@
       <a:camera prst="orthographicFront"/>
       <a:lightRig rig="threePt" dir="t"/>
     </dgm:scene3d>
+    <dgm:sp3d/>
     <dgm:txPr/>
     <dgm:style>
       <a:lnRef idx="2">
@@ -18642,6 +18892,7 @@
       <a:camera prst="orthographicFront"/>
       <a:lightRig rig="threePt" dir="t"/>
     </dgm:scene3d>
+    <dgm:sp3d/>
     <dgm:txPr/>
     <dgm:style>
       <a:lnRef idx="2">
@@ -18663,6 +18914,7 @@
       <a:camera prst="orthographicFront"/>
       <a:lightRig rig="threePt" dir="t"/>
     </dgm:scene3d>
+    <dgm:sp3d/>
     <dgm:txPr/>
     <dgm:style>
       <a:lnRef idx="2">
@@ -18684,6 +18936,7 @@
       <a:camera prst="orthographicFront"/>
       <a:lightRig rig="threePt" dir="t"/>
     </dgm:scene3d>
+    <dgm:sp3d/>
     <dgm:txPr/>
     <dgm:style>
       <a:lnRef idx="2">
@@ -18705,6 +18958,7 @@
       <a:camera prst="orthographicFront"/>
       <a:lightRig rig="threePt" dir="t"/>
     </dgm:scene3d>
+    <dgm:sp3d/>
     <dgm:txPr/>
     <dgm:style>
       <a:lnRef idx="2">
@@ -18726,6 +18980,7 @@
       <a:camera prst="orthographicFront"/>
       <a:lightRig rig="threePt" dir="t"/>
     </dgm:scene3d>
+    <dgm:sp3d/>
     <dgm:txPr/>
     <dgm:style>
       <a:lnRef idx="2">
@@ -18747,6 +19002,7 @@
       <a:camera prst="orthographicFront"/>
       <a:lightRig rig="threePt" dir="t"/>
     </dgm:scene3d>
+    <dgm:sp3d/>
     <dgm:txPr/>
     <dgm:style>
       <a:lnRef idx="2">
@@ -18768,6 +19024,7 @@
       <a:camera prst="orthographicFront"/>
       <a:lightRig rig="threePt" dir="t"/>
     </dgm:scene3d>
+    <dgm:sp3d/>
     <dgm:txPr/>
     <dgm:style>
       <a:lnRef idx="2">
@@ -18787,6 +19044,7 @@
       <a:camera prst="orthographicFront"/>
       <a:lightRig rig="threePt" dir="t"/>
     </dgm:scene3d>
+    <dgm:sp3d/>
     <dgm:txPr/>
     <dgm:style>
       <a:lnRef idx="2">
@@ -18806,6 +19064,7 @@
       <a:camera prst="orthographicFront"/>
       <a:lightRig rig="threePt" dir="t"/>
     </dgm:scene3d>
+    <dgm:sp3d/>
     <dgm:txPr/>
     <dgm:style>
       <a:lnRef idx="2">
@@ -18825,6 +19084,7 @@
       <a:camera prst="orthographicFront"/>
       <a:lightRig rig="threePt" dir="t"/>
     </dgm:scene3d>
+    <dgm:sp3d/>
     <dgm:txPr/>
     <dgm:style>
       <a:lnRef idx="0">
@@ -18844,6 +19104,7 @@
       <a:camera prst="orthographicFront"/>
       <a:lightRig rig="threePt" dir="t"/>
     </dgm:scene3d>
+    <dgm:sp3d/>
     <dgm:txPr/>
     <dgm:style>
       <a:lnRef idx="0">
@@ -18865,6 +19126,7 @@
       <a:camera prst="orthographicFront"/>
       <a:lightRig rig="threePt" dir="t"/>
     </dgm:scene3d>
+    <dgm:sp3d/>
     <dgm:txPr/>
     <dgm:style>
       <a:lnRef idx="2">
@@ -18884,6 +19146,7 @@
       <a:camera prst="orthographicFront"/>
       <a:lightRig rig="threePt" dir="t"/>
     </dgm:scene3d>
+    <dgm:sp3d/>
     <dgm:txPr/>
     <dgm:style>
       <a:lnRef idx="2">
@@ -18903,6 +19166,7 @@
       <a:camera prst="orthographicFront"/>
       <a:lightRig rig="threePt" dir="t"/>
     </dgm:scene3d>
+    <dgm:sp3d/>
     <dgm:txPr/>
     <dgm:style>
       <a:lnRef idx="0">
@@ -18922,6 +19186,7 @@
       <a:camera prst="orthographicFront"/>
       <a:lightRig rig="threePt" dir="t"/>
     </dgm:scene3d>
+    <dgm:sp3d/>
     <dgm:txPr/>
     <dgm:style>
       <a:lnRef idx="2">
@@ -18941,6 +19206,7 @@
       <a:camera prst="orthographicFront"/>
       <a:lightRig rig="threePt" dir="t"/>
     </dgm:scene3d>
+    <dgm:sp3d/>
     <dgm:txPr/>
     <dgm:style>
       <a:lnRef idx="2">
@@ -18960,6 +19226,7 @@
       <a:camera prst="orthographicFront"/>
       <a:lightRig rig="threePt" dir="t"/>
     </dgm:scene3d>
+    <dgm:sp3d/>
     <dgm:txPr/>
     <dgm:style>
       <a:lnRef idx="2">
@@ -18979,6 +19246,7 @@
       <a:camera prst="orthographicFront"/>
       <a:lightRig rig="threePt" dir="t"/>
     </dgm:scene3d>
+    <dgm:sp3d/>
     <dgm:txPr/>
     <dgm:style>
       <a:lnRef idx="2">
@@ -18998,6 +19266,7 @@
       <a:camera prst="orthographicFront"/>
       <a:lightRig rig="threePt" dir="t"/>
     </dgm:scene3d>
+    <dgm:sp3d/>
     <dgm:txPr/>
     <dgm:style>
       <a:lnRef idx="2">
@@ -19017,6 +19286,7 @@
       <a:camera prst="orthographicFront"/>
       <a:lightRig rig="threePt" dir="t"/>
     </dgm:scene3d>
+    <dgm:sp3d/>
     <dgm:txPr/>
     <dgm:style>
       <a:lnRef idx="2">
@@ -19036,6 +19306,7 @@
       <a:camera prst="orthographicFront"/>
       <a:lightRig rig="threePt" dir="t"/>
     </dgm:scene3d>
+    <dgm:sp3d/>
     <dgm:txPr/>
     <dgm:style>
       <a:lnRef idx="2">
@@ -19055,6 +19326,7 @@
       <a:camera prst="orthographicFront"/>
       <a:lightRig rig="threePt" dir="t"/>
     </dgm:scene3d>
+    <dgm:sp3d/>
     <dgm:txPr/>
     <dgm:style>
       <a:lnRef idx="2">
@@ -19074,6 +19346,7 @@
       <a:camera prst="orthographicFront"/>
       <a:lightRig rig="threePt" dir="t"/>
     </dgm:scene3d>
+    <dgm:sp3d/>
     <dgm:txPr/>
     <dgm:style>
       <a:lnRef idx="0">
@@ -19095,6 +19368,7 @@
       <a:camera prst="orthographicFront"/>
       <a:lightRig rig="threePt" dir="t"/>
     </dgm:scene3d>
+    <dgm:sp3d/>
     <dgm:txPr/>
     <dgm:style>
       <a:lnRef idx="2">
@@ -19116,6 +19390,7 @@
       <a:camera prst="orthographicFront"/>
       <a:lightRig rig="threePt" dir="t"/>
     </dgm:scene3d>
+    <dgm:sp3d/>
     <dgm:txPr/>
     <dgm:style>
       <a:lnRef idx="2">
@@ -19137,6 +19412,7 @@
       <a:camera prst="orthographicFront"/>
       <a:lightRig rig="threePt" dir="t"/>
     </dgm:scene3d>
+    <dgm:sp3d/>
     <dgm:txPr/>
     <dgm:style>
       <a:lnRef idx="2">
@@ -19158,6 +19434,7 @@
       <a:camera prst="orthographicFront"/>
       <a:lightRig rig="threePt" dir="t"/>
     </dgm:scene3d>
+    <dgm:sp3d/>
     <dgm:txPr/>
     <dgm:style>
       <a:lnRef idx="2">
@@ -19179,6 +19456,7 @@
       <a:camera prst="orthographicFront"/>
       <a:lightRig rig="threePt" dir="t"/>
     </dgm:scene3d>
+    <dgm:sp3d/>
     <dgm:txPr/>
     <dgm:style>
       <a:lnRef idx="2">
@@ -19200,6 +19478,7 @@
       <a:camera prst="orthographicFront"/>
       <a:lightRig rig="threePt" dir="t"/>
     </dgm:scene3d>
+    <dgm:sp3d/>
     <dgm:txPr/>
     <dgm:style>
       <a:lnRef idx="2">
@@ -19221,6 +19500,7 @@
       <a:camera prst="orthographicFront"/>
       <a:lightRig rig="threePt" dir="t"/>
     </dgm:scene3d>
+    <dgm:sp3d/>
     <dgm:txPr/>
     <dgm:style>
       <a:lnRef idx="2">
@@ -19240,6 +19520,7 @@
       <a:camera prst="orthographicFront"/>
       <a:lightRig rig="threePt" dir="t"/>
     </dgm:scene3d>
+    <dgm:sp3d/>
     <dgm:txPr/>
     <dgm:style>
       <a:lnRef idx="2">
@@ -19259,6 +19540,7 @@
       <a:camera prst="orthographicFront"/>
       <a:lightRig rig="threePt" dir="t"/>
     </dgm:scene3d>
+    <dgm:sp3d/>
     <dgm:txPr/>
     <dgm:style>
       <a:lnRef idx="2">
@@ -19278,6 +19560,7 @@
       <a:camera prst="orthographicFront"/>
       <a:lightRig rig="threePt" dir="t"/>
     </dgm:scene3d>
+    <dgm:sp3d/>
     <dgm:txPr/>
     <dgm:style>
       <a:lnRef idx="2">
@@ -19297,6 +19580,7 @@
       <a:camera prst="orthographicFront"/>
       <a:lightRig rig="threePt" dir="t"/>
     </dgm:scene3d>
+    <dgm:sp3d/>
     <dgm:txPr/>
     <dgm:style>
       <a:lnRef idx="2">
@@ -19318,6 +19602,7 @@
       <a:camera prst="orthographicFront"/>
       <a:lightRig rig="threePt" dir="t"/>
     </dgm:scene3d>
+    <dgm:sp3d/>
     <dgm:txPr/>
     <dgm:style>
       <a:lnRef idx="2">
@@ -19339,6 +19624,7 @@
       <a:camera prst="orthographicFront"/>
       <a:lightRig rig="threePt" dir="t"/>
     </dgm:scene3d>
+    <dgm:sp3d/>
     <dgm:txPr/>
     <dgm:style>
       <a:lnRef idx="2">
@@ -19360,6 +19646,7 @@
       <a:camera prst="orthographicFront"/>
       <a:lightRig rig="threePt" dir="t"/>
     </dgm:scene3d>
+    <dgm:sp3d/>
     <dgm:txPr/>
     <dgm:style>
       <a:lnRef idx="2">
@@ -19381,6 +19668,7 @@
       <a:camera prst="orthographicFront"/>
       <a:lightRig rig="threePt" dir="t"/>
     </dgm:scene3d>
+    <dgm:sp3d/>
     <dgm:txPr/>
     <dgm:style>
       <a:lnRef idx="0">
@@ -19400,6 +19688,7 @@
       <a:camera prst="orthographicFront"/>
       <a:lightRig rig="threePt" dir="t"/>
     </dgm:scene3d>
+    <dgm:sp3d/>
     <dgm:txPr/>
     <dgm:style>
       <a:lnRef idx="1">
@@ -19419,6 +19708,7 @@
       <a:camera prst="orthographicFront"/>
       <a:lightRig rig="threePt" dir="t"/>
     </dgm:scene3d>
+    <dgm:sp3d/>
     <dgm:txPr/>
     <dgm:style>
       <a:lnRef idx="0">
@@ -19440,6 +19730,7 @@
       <a:camera prst="orthographicFront"/>
       <a:lightRig rig="threePt" dir="t"/>
     </dgm:scene3d>
+    <dgm:sp3d/>
     <dgm:txPr/>
     <dgm:style>
       <a:lnRef idx="2">
@@ -19459,6 +19750,7 @@
       <a:camera prst="orthographicFront"/>
       <a:lightRig rig="threePt" dir="t"/>
     </dgm:scene3d>
+    <dgm:sp3d/>
     <dgm:txPr/>
     <dgm:style>
       <a:lnRef idx="2">
@@ -19478,6 +19770,7 @@
       <a:camera prst="orthographicFront"/>
       <a:lightRig rig="threePt" dir="t"/>
     </dgm:scene3d>
+    <dgm:sp3d/>
     <dgm:txPr/>
     <dgm:style>
       <a:lnRef idx="2">
@@ -19497,6 +19790,7 @@
       <a:camera prst="orthographicFront"/>
       <a:lightRig rig="threePt" dir="t"/>
     </dgm:scene3d>
+    <dgm:sp3d/>
     <dgm:txPr/>
     <dgm:style>
       <a:lnRef idx="1">
@@ -19516,6 +19810,7 @@
       <a:camera prst="orthographicFront"/>
       <a:lightRig rig="threePt" dir="t"/>
     </dgm:scene3d>
+    <dgm:sp3d/>
     <dgm:txPr/>
     <dgm:style>
       <a:lnRef idx="0">
@@ -19535,6 +19830,7 @@
       <a:camera prst="orthographicFront"/>
       <a:lightRig rig="threePt" dir="t"/>
     </dgm:scene3d>
+    <dgm:sp3d/>
     <dgm:txPr/>
     <dgm:style>
       <a:lnRef idx="2">
@@ -19570,6 +19866,7 @@
       <a:camera prst="orthographicFront"/>
       <a:lightRig rig="threePt" dir="t"/>
     </dgm:scene3d>
+    <dgm:sp3d/>
     <dgm:txPr/>
     <dgm:style>
       <a:lnRef idx="2">
@@ -19589,6 +19886,7 @@
       <a:camera prst="orthographicFront"/>
       <a:lightRig rig="threePt" dir="t"/>
     </dgm:scene3d>
+    <dgm:sp3d/>
     <dgm:txPr/>
     <dgm:style>
       <a:lnRef idx="2">
@@ -19608,6 +19906,7 @@
       <a:camera prst="orthographicFront"/>
       <a:lightRig rig="threePt" dir="t"/>
     </dgm:scene3d>
+    <dgm:sp3d/>
     <dgm:txPr/>
     <dgm:style>
       <a:lnRef idx="2">
@@ -19627,6 +19926,7 @@
       <a:camera prst="orthographicFront"/>
       <a:lightRig rig="threePt" dir="t"/>
     </dgm:scene3d>
+    <dgm:sp3d/>
     <dgm:txPr/>
     <dgm:style>
       <a:lnRef idx="2">
@@ -19648,6 +19948,7 @@
       <a:camera prst="orthographicFront"/>
       <a:lightRig rig="threePt" dir="t"/>
     </dgm:scene3d>
+    <dgm:sp3d/>
     <dgm:txPr/>
     <dgm:style>
       <a:lnRef idx="2">
@@ -19669,6 +19970,7 @@
       <a:camera prst="orthographicFront"/>
       <a:lightRig rig="threePt" dir="t"/>
     </dgm:scene3d>
+    <dgm:sp3d/>
     <dgm:txPr/>
     <dgm:style>
       <a:lnRef idx="2">
@@ -19690,6 +19992,7 @@
       <a:camera prst="orthographicFront"/>
       <a:lightRig rig="threePt" dir="t"/>
     </dgm:scene3d>
+    <dgm:sp3d/>
     <dgm:txPr/>
     <dgm:style>
       <a:lnRef idx="2">
@@ -19711,6 +20014,7 @@
       <a:camera prst="orthographicFront"/>
       <a:lightRig rig="threePt" dir="t"/>
     </dgm:scene3d>
+    <dgm:sp3d/>
     <dgm:txPr/>
     <dgm:style>
       <a:lnRef idx="2">
@@ -19732,6 +20036,7 @@
       <a:camera prst="orthographicFront"/>
       <a:lightRig rig="threePt" dir="t"/>
     </dgm:scene3d>
+    <dgm:sp3d/>
     <dgm:txPr/>
     <dgm:style>
       <a:lnRef idx="2">
@@ -19753,6 +20058,7 @@
       <a:camera prst="orthographicFront"/>
       <a:lightRig rig="threePt" dir="t"/>
     </dgm:scene3d>
+    <dgm:sp3d/>
     <dgm:txPr/>
     <dgm:style>
       <a:lnRef idx="2">
@@ -19772,6 +20078,7 @@
       <a:camera prst="orthographicFront"/>
       <a:lightRig rig="threePt" dir="t"/>
     </dgm:scene3d>
+    <dgm:sp3d/>
     <dgm:txPr/>
     <dgm:style>
       <a:lnRef idx="2">
@@ -19791,6 +20098,7 @@
       <a:camera prst="orthographicFront"/>
       <a:lightRig rig="threePt" dir="t"/>
     </dgm:scene3d>
+    <dgm:sp3d/>
     <dgm:txPr/>
     <dgm:style>
       <a:lnRef idx="2">
@@ -19810,6 +20118,7 @@
       <a:camera prst="orthographicFront"/>
       <a:lightRig rig="threePt" dir="t"/>
     </dgm:scene3d>
+    <dgm:sp3d/>
     <dgm:txPr/>
     <dgm:style>
       <a:lnRef idx="0">
@@ -19829,6 +20138,7 @@
       <a:camera prst="orthographicFront"/>
       <a:lightRig rig="threePt" dir="t"/>
     </dgm:scene3d>
+    <dgm:sp3d/>
     <dgm:txPr/>
     <dgm:style>
       <a:lnRef idx="0">
@@ -19850,6 +20160,7 @@
       <a:camera prst="orthographicFront"/>
       <a:lightRig rig="threePt" dir="t"/>
     </dgm:scene3d>
+    <dgm:sp3d/>
     <dgm:txPr/>
     <dgm:style>
       <a:lnRef idx="2">
@@ -19869,6 +20180,7 @@
       <a:camera prst="orthographicFront"/>
       <a:lightRig rig="threePt" dir="t"/>
     </dgm:scene3d>
+    <dgm:sp3d/>
     <dgm:txPr/>
     <dgm:style>
       <a:lnRef idx="2">
@@ -19888,6 +20200,7 @@
       <a:camera prst="orthographicFront"/>
       <a:lightRig rig="threePt" dir="t"/>
     </dgm:scene3d>
+    <dgm:sp3d/>
     <dgm:txPr/>
     <dgm:style>
       <a:lnRef idx="0">
@@ -19907,6 +20220,7 @@
       <a:camera prst="orthographicFront"/>
       <a:lightRig rig="threePt" dir="t"/>
     </dgm:scene3d>
+    <dgm:sp3d/>
     <dgm:txPr/>
     <dgm:style>
       <a:lnRef idx="2">
@@ -19926,6 +20240,7 @@
       <a:camera prst="orthographicFront"/>
       <a:lightRig rig="threePt" dir="t"/>
     </dgm:scene3d>
+    <dgm:sp3d/>
     <dgm:txPr/>
     <dgm:style>
       <a:lnRef idx="2">
@@ -19945,6 +20260,7 @@
       <a:camera prst="orthographicFront"/>
       <a:lightRig rig="threePt" dir="t"/>
     </dgm:scene3d>
+    <dgm:sp3d/>
     <dgm:txPr/>
     <dgm:style>
       <a:lnRef idx="2">
@@ -19964,6 +20280,7 @@
       <a:camera prst="orthographicFront"/>
       <a:lightRig rig="threePt" dir="t"/>
     </dgm:scene3d>
+    <dgm:sp3d/>
     <dgm:txPr/>
     <dgm:style>
       <a:lnRef idx="2">
@@ -19983,6 +20300,7 @@
       <a:camera prst="orthographicFront"/>
       <a:lightRig rig="threePt" dir="t"/>
     </dgm:scene3d>
+    <dgm:sp3d/>
     <dgm:txPr/>
     <dgm:style>
       <a:lnRef idx="2">
@@ -20002,6 +20320,7 @@
       <a:camera prst="orthographicFront"/>
       <a:lightRig rig="threePt" dir="t"/>
     </dgm:scene3d>
+    <dgm:sp3d/>
     <dgm:txPr/>
     <dgm:style>
       <a:lnRef idx="2">
@@ -20021,6 +20340,7 @@
       <a:camera prst="orthographicFront"/>
       <a:lightRig rig="threePt" dir="t"/>
     </dgm:scene3d>
+    <dgm:sp3d/>
     <dgm:txPr/>
     <dgm:style>
       <a:lnRef idx="2">
@@ -20040,6 +20360,7 @@
       <a:camera prst="orthographicFront"/>
       <a:lightRig rig="threePt" dir="t"/>
     </dgm:scene3d>
+    <dgm:sp3d/>
     <dgm:txPr/>
     <dgm:style>
       <a:lnRef idx="2">
@@ -20059,6 +20380,7 @@
       <a:camera prst="orthographicFront"/>
       <a:lightRig rig="threePt" dir="t"/>
     </dgm:scene3d>
+    <dgm:sp3d/>
     <dgm:txPr/>
     <dgm:style>
       <a:lnRef idx="0">
@@ -20080,6 +20402,7 @@
       <a:camera prst="orthographicFront"/>
       <a:lightRig rig="threePt" dir="t"/>
     </dgm:scene3d>
+    <dgm:sp3d/>
     <dgm:txPr/>
     <dgm:style>
       <a:lnRef idx="2">
@@ -20101,6 +20424,7 @@
       <a:camera prst="orthographicFront"/>
       <a:lightRig rig="threePt" dir="t"/>
     </dgm:scene3d>
+    <dgm:sp3d/>
     <dgm:txPr/>
     <dgm:style>
       <a:lnRef idx="2">
@@ -20122,6 +20446,7 @@
       <a:camera prst="orthographicFront"/>
       <a:lightRig rig="threePt" dir="t"/>
     </dgm:scene3d>
+    <dgm:sp3d/>
     <dgm:txPr/>
     <dgm:style>
       <a:lnRef idx="2">
@@ -20143,6 +20468,7 @@
       <a:camera prst="orthographicFront"/>
       <a:lightRig rig="threePt" dir="t"/>
     </dgm:scene3d>
+    <dgm:sp3d/>
     <dgm:txPr/>
     <dgm:style>
       <a:lnRef idx="2">
@@ -20164,6 +20490,7 @@
       <a:camera prst="orthographicFront"/>
       <a:lightRig rig="threePt" dir="t"/>
     </dgm:scene3d>
+    <dgm:sp3d/>
     <dgm:txPr/>
     <dgm:style>
       <a:lnRef idx="2">
@@ -20185,6 +20512,7 @@
       <a:camera prst="orthographicFront"/>
       <a:lightRig rig="threePt" dir="t"/>
     </dgm:scene3d>
+    <dgm:sp3d/>
     <dgm:txPr/>
     <dgm:style>
       <a:lnRef idx="2">
@@ -20206,6 +20534,7 @@
       <a:camera prst="orthographicFront"/>
       <a:lightRig rig="threePt" dir="t"/>
     </dgm:scene3d>
+    <dgm:sp3d/>
     <dgm:txPr/>
     <dgm:style>
       <a:lnRef idx="2">
@@ -20225,6 +20554,7 @@
       <a:camera prst="orthographicFront"/>
       <a:lightRig rig="threePt" dir="t"/>
     </dgm:scene3d>
+    <dgm:sp3d/>
     <dgm:txPr/>
     <dgm:style>
       <a:lnRef idx="2">
@@ -20244,6 +20574,7 @@
       <a:camera prst="orthographicFront"/>
       <a:lightRig rig="threePt" dir="t"/>
     </dgm:scene3d>
+    <dgm:sp3d/>
     <dgm:txPr/>
     <dgm:style>
       <a:lnRef idx="2">
@@ -20263,6 +20594,7 @@
       <a:camera prst="orthographicFront"/>
       <a:lightRig rig="threePt" dir="t"/>
     </dgm:scene3d>
+    <dgm:sp3d/>
     <dgm:txPr/>
     <dgm:style>
       <a:lnRef idx="2">
@@ -20282,6 +20614,7 @@
       <a:camera prst="orthographicFront"/>
       <a:lightRig rig="threePt" dir="t"/>
     </dgm:scene3d>
+    <dgm:sp3d/>
     <dgm:txPr/>
     <dgm:style>
       <a:lnRef idx="2">
@@ -20303,6 +20636,7 @@
       <a:camera prst="orthographicFront"/>
       <a:lightRig rig="threePt" dir="t"/>
     </dgm:scene3d>
+    <dgm:sp3d/>
     <dgm:txPr/>
     <dgm:style>
       <a:lnRef idx="2">
@@ -20324,6 +20658,7 @@
       <a:camera prst="orthographicFront"/>
       <a:lightRig rig="threePt" dir="t"/>
     </dgm:scene3d>
+    <dgm:sp3d/>
     <dgm:txPr/>
     <dgm:style>
       <a:lnRef idx="2">
@@ -20345,6 +20680,7 @@
       <a:camera prst="orthographicFront"/>
       <a:lightRig rig="threePt" dir="t"/>
     </dgm:scene3d>
+    <dgm:sp3d/>
     <dgm:txPr/>
     <dgm:style>
       <a:lnRef idx="2">
@@ -20366,6 +20702,7 @@
       <a:camera prst="orthographicFront"/>
       <a:lightRig rig="threePt" dir="t"/>
     </dgm:scene3d>
+    <dgm:sp3d/>
     <dgm:txPr/>
     <dgm:style>
       <a:lnRef idx="0">
@@ -20385,6 +20722,7 @@
       <a:camera prst="orthographicFront"/>
       <a:lightRig rig="threePt" dir="t"/>
     </dgm:scene3d>
+    <dgm:sp3d/>
     <dgm:txPr/>
     <dgm:style>
       <a:lnRef idx="1">
@@ -20404,6 +20742,7 @@
       <a:camera prst="orthographicFront"/>
       <a:lightRig rig="threePt" dir="t"/>
     </dgm:scene3d>
+    <dgm:sp3d/>
     <dgm:txPr/>
     <dgm:style>
       <a:lnRef idx="0">
@@ -20425,6 +20764,7 @@
       <a:camera prst="orthographicFront"/>
       <a:lightRig rig="threePt" dir="t"/>
     </dgm:scene3d>
+    <dgm:sp3d/>
     <dgm:txPr/>
     <dgm:style>
       <a:lnRef idx="2">
@@ -20444,6 +20784,7 @@
       <a:camera prst="orthographicFront"/>
       <a:lightRig rig="threePt" dir="t"/>
     </dgm:scene3d>
+    <dgm:sp3d/>
     <dgm:txPr/>
     <dgm:style>
       <a:lnRef idx="2">
@@ -20463,6 +20804,7 @@
       <a:camera prst="orthographicFront"/>
       <a:lightRig rig="threePt" dir="t"/>
     </dgm:scene3d>
+    <dgm:sp3d/>
     <dgm:txPr/>
     <dgm:style>
       <a:lnRef idx="2">
@@ -20482,6 +20824,7 @@
       <a:camera prst="orthographicFront"/>
       <a:lightRig rig="threePt" dir="t"/>
     </dgm:scene3d>
+    <dgm:sp3d/>
     <dgm:txPr/>
     <dgm:style>
       <a:lnRef idx="1">
@@ -20501,6 +20844,7 @@
       <a:camera prst="orthographicFront"/>
       <a:lightRig rig="threePt" dir="t"/>
     </dgm:scene3d>
+    <dgm:sp3d/>
     <dgm:txPr/>
     <dgm:style>
       <a:lnRef idx="0">
@@ -20520,6 +20864,7 @@
       <a:camera prst="orthographicFront"/>
       <a:lightRig rig="threePt" dir="t"/>
     </dgm:scene3d>
+    <dgm:sp3d/>
     <dgm:txPr/>
     <dgm:style>
       <a:lnRef idx="2">
@@ -20555,6 +20900,7 @@
       <a:camera prst="orthographicFront"/>
       <a:lightRig rig="threePt" dir="t"/>
     </dgm:scene3d>
+    <dgm:sp3d/>
     <dgm:txPr/>
     <dgm:style>
       <a:lnRef idx="2">
@@ -20574,6 +20920,7 @@
       <a:camera prst="orthographicFront"/>
       <a:lightRig rig="threePt" dir="t"/>
     </dgm:scene3d>
+    <dgm:sp3d/>
     <dgm:txPr/>
     <dgm:style>
       <a:lnRef idx="2">
@@ -20593,6 +20940,7 @@
       <a:camera prst="orthographicFront"/>
       <a:lightRig rig="threePt" dir="t"/>
     </dgm:scene3d>
+    <dgm:sp3d/>
     <dgm:txPr/>
     <dgm:style>
       <a:lnRef idx="2">
@@ -20612,6 +20960,7 @@
       <a:camera prst="orthographicFront"/>
       <a:lightRig rig="threePt" dir="t"/>
     </dgm:scene3d>
+    <dgm:sp3d/>
     <dgm:txPr/>
     <dgm:style>
       <a:lnRef idx="2">
@@ -20633,6 +20982,7 @@
       <a:camera prst="orthographicFront"/>
       <a:lightRig rig="threePt" dir="t"/>
     </dgm:scene3d>
+    <dgm:sp3d/>
     <dgm:txPr/>
     <dgm:style>
       <a:lnRef idx="2">
@@ -20654,6 +21004,7 @@
       <a:camera prst="orthographicFront"/>
       <a:lightRig rig="threePt" dir="t"/>
     </dgm:scene3d>
+    <dgm:sp3d/>
     <dgm:txPr/>
     <dgm:style>
       <a:lnRef idx="2">
@@ -20675,6 +21026,7 @@
       <a:camera prst="orthographicFront"/>
       <a:lightRig rig="threePt" dir="t"/>
     </dgm:scene3d>
+    <dgm:sp3d/>
     <dgm:txPr/>
     <dgm:style>
       <a:lnRef idx="2">
@@ -20696,6 +21048,7 @@
       <a:camera prst="orthographicFront"/>
       <a:lightRig rig="threePt" dir="t"/>
     </dgm:scene3d>
+    <dgm:sp3d/>
     <dgm:txPr/>
     <dgm:style>
       <a:lnRef idx="2">
@@ -20717,6 +21070,7 @@
       <a:camera prst="orthographicFront"/>
       <a:lightRig rig="threePt" dir="t"/>
     </dgm:scene3d>
+    <dgm:sp3d/>
     <dgm:txPr/>
     <dgm:style>
       <a:lnRef idx="2">
@@ -20738,6 +21092,7 @@
       <a:camera prst="orthographicFront"/>
       <a:lightRig rig="threePt" dir="t"/>
     </dgm:scene3d>
+    <dgm:sp3d/>
     <dgm:txPr/>
     <dgm:style>
       <a:lnRef idx="2">
@@ -20757,6 +21112,7 @@
       <a:camera prst="orthographicFront"/>
       <a:lightRig rig="threePt" dir="t"/>
     </dgm:scene3d>
+    <dgm:sp3d/>
     <dgm:txPr/>
     <dgm:style>
       <a:lnRef idx="2">
@@ -20776,6 +21132,7 @@
       <a:camera prst="orthographicFront"/>
       <a:lightRig rig="threePt" dir="t"/>
     </dgm:scene3d>
+    <dgm:sp3d/>
     <dgm:txPr/>
     <dgm:style>
       <a:lnRef idx="2">
@@ -20795,6 +21152,7 @@
       <a:camera prst="orthographicFront"/>
       <a:lightRig rig="threePt" dir="t"/>
     </dgm:scene3d>
+    <dgm:sp3d/>
     <dgm:txPr/>
     <dgm:style>
       <a:lnRef idx="0">
@@ -20814,6 +21172,7 @@
       <a:camera prst="orthographicFront"/>
       <a:lightRig rig="threePt" dir="t"/>
     </dgm:scene3d>
+    <dgm:sp3d/>
     <dgm:txPr/>
     <dgm:style>
       <a:lnRef idx="0">
@@ -20835,6 +21194,7 @@
       <a:camera prst="orthographicFront"/>
       <a:lightRig rig="threePt" dir="t"/>
     </dgm:scene3d>
+    <dgm:sp3d/>
     <dgm:txPr/>
     <dgm:style>
       <a:lnRef idx="2">
@@ -20854,6 +21214,7 @@
       <a:camera prst="orthographicFront"/>
       <a:lightRig rig="threePt" dir="t"/>
     </dgm:scene3d>
+    <dgm:sp3d/>
     <dgm:txPr/>
     <dgm:style>
       <a:lnRef idx="2">
@@ -20873,6 +21234,7 @@
       <a:camera prst="orthographicFront"/>
       <a:lightRig rig="threePt" dir="t"/>
     </dgm:scene3d>
+    <dgm:sp3d/>
     <dgm:txPr/>
     <dgm:style>
       <a:lnRef idx="0">
@@ -20892,6 +21254,7 @@
       <a:camera prst="orthographicFront"/>
       <a:lightRig rig="threePt" dir="t"/>
     </dgm:scene3d>
+    <dgm:sp3d/>
     <dgm:txPr/>
     <dgm:style>
       <a:lnRef idx="2">
@@ -20911,6 +21274,7 @@
       <a:camera prst="orthographicFront"/>
       <a:lightRig rig="threePt" dir="t"/>
     </dgm:scene3d>
+    <dgm:sp3d/>
     <dgm:txPr/>
     <dgm:style>
       <a:lnRef idx="2">
@@ -20930,6 +21294,7 @@
       <a:camera prst="orthographicFront"/>
       <a:lightRig rig="threePt" dir="t"/>
     </dgm:scene3d>
+    <dgm:sp3d/>
     <dgm:txPr/>
     <dgm:style>
       <a:lnRef idx="2">
@@ -20949,6 +21314,7 @@
       <a:camera prst="orthographicFront"/>
       <a:lightRig rig="threePt" dir="t"/>
     </dgm:scene3d>
+    <dgm:sp3d/>
     <dgm:txPr/>
     <dgm:style>
       <a:lnRef idx="2">
@@ -20968,6 +21334,7 @@
       <a:camera prst="orthographicFront"/>
       <a:lightRig rig="threePt" dir="t"/>
     </dgm:scene3d>
+    <dgm:sp3d/>
     <dgm:txPr/>
     <dgm:style>
       <a:lnRef idx="2">
@@ -20987,6 +21354,7 @@
       <a:camera prst="orthographicFront"/>
       <a:lightRig rig="threePt" dir="t"/>
     </dgm:scene3d>
+    <dgm:sp3d/>
     <dgm:txPr/>
     <dgm:style>
       <a:lnRef idx="2">
@@ -21006,6 +21374,7 @@
       <a:camera prst="orthographicFront"/>
       <a:lightRig rig="threePt" dir="t"/>
     </dgm:scene3d>
+    <dgm:sp3d/>
     <dgm:txPr/>
     <dgm:style>
       <a:lnRef idx="2">
@@ -21025,6 +21394,7 @@
       <a:camera prst="orthographicFront"/>
       <a:lightRig rig="threePt" dir="t"/>
     </dgm:scene3d>
+    <dgm:sp3d/>
     <dgm:txPr/>
     <dgm:style>
       <a:lnRef idx="2">
@@ -21044,6 +21414,7 @@
       <a:camera prst="orthographicFront"/>
       <a:lightRig rig="threePt" dir="t"/>
     </dgm:scene3d>
+    <dgm:sp3d/>
     <dgm:txPr/>
     <dgm:style>
       <a:lnRef idx="0">
@@ -21065,6 +21436,7 @@
       <a:camera prst="orthographicFront"/>
       <a:lightRig rig="threePt" dir="t"/>
     </dgm:scene3d>
+    <dgm:sp3d/>
     <dgm:txPr/>
     <dgm:style>
       <a:lnRef idx="2">
@@ -21086,6 +21458,7 @@
       <a:camera prst="orthographicFront"/>
       <a:lightRig rig="threePt" dir="t"/>
     </dgm:scene3d>
+    <dgm:sp3d/>
     <dgm:txPr/>
     <dgm:style>
       <a:lnRef idx="2">
@@ -21107,6 +21480,7 @@
       <a:camera prst="orthographicFront"/>
       <a:lightRig rig="threePt" dir="t"/>
     </dgm:scene3d>
+    <dgm:sp3d/>
     <dgm:txPr/>
     <dgm:style>
       <a:lnRef idx="2">
@@ -21128,6 +21502,7 @@
       <a:camera prst="orthographicFront"/>
       <a:lightRig rig="threePt" dir="t"/>
     </dgm:scene3d>
+    <dgm:sp3d/>
     <dgm:txPr/>
     <dgm:style>
       <a:lnRef idx="2">
@@ -21149,6 +21524,7 @@
       <a:camera prst="orthographicFront"/>
       <a:lightRig rig="threePt" dir="t"/>
     </dgm:scene3d>
+    <dgm:sp3d/>
     <dgm:txPr/>
     <dgm:style>
       <a:lnRef idx="2">
@@ -21170,6 +21546,7 @@
       <a:camera prst="orthographicFront"/>
       <a:lightRig rig="threePt" dir="t"/>
     </dgm:scene3d>
+    <dgm:sp3d/>
     <dgm:txPr/>
     <dgm:style>
       <a:lnRef idx="2">
@@ -21191,6 +21568,7 @@
       <a:camera prst="orthographicFront"/>
       <a:lightRig rig="threePt" dir="t"/>
     </dgm:scene3d>
+    <dgm:sp3d/>
     <dgm:txPr/>
     <dgm:style>
       <a:lnRef idx="2">
@@ -21210,6 +21588,7 @@
       <a:camera prst="orthographicFront"/>
       <a:lightRig rig="threePt" dir="t"/>
     </dgm:scene3d>
+    <dgm:sp3d/>
     <dgm:txPr/>
     <dgm:style>
       <a:lnRef idx="2">
@@ -21229,6 +21608,7 @@
       <a:camera prst="orthographicFront"/>
       <a:lightRig rig="threePt" dir="t"/>
     </dgm:scene3d>
+    <dgm:sp3d/>
     <dgm:txPr/>
     <dgm:style>
       <a:lnRef idx="2">
@@ -21248,6 +21628,7 @@
       <a:camera prst="orthographicFront"/>
       <a:lightRig rig="threePt" dir="t"/>
     </dgm:scene3d>
+    <dgm:sp3d/>
     <dgm:txPr/>
     <dgm:style>
       <a:lnRef idx="2">
@@ -21267,6 +21648,7 @@
       <a:camera prst="orthographicFront"/>
       <a:lightRig rig="threePt" dir="t"/>
     </dgm:scene3d>
+    <dgm:sp3d/>
     <dgm:txPr/>
     <dgm:style>
       <a:lnRef idx="2">
@@ -21288,6 +21670,7 @@
       <a:camera prst="orthographicFront"/>
       <a:lightRig rig="threePt" dir="t"/>
     </dgm:scene3d>
+    <dgm:sp3d/>
     <dgm:txPr/>
     <dgm:style>
       <a:lnRef idx="2">
@@ -21309,6 +21692,7 @@
       <a:camera prst="orthographicFront"/>
       <a:lightRig rig="threePt" dir="t"/>
     </dgm:scene3d>
+    <dgm:sp3d/>
     <dgm:txPr/>
     <dgm:style>
       <a:lnRef idx="2">
@@ -21330,6 +21714,7 @@
       <a:camera prst="orthographicFront"/>
       <a:lightRig rig="threePt" dir="t"/>
     </dgm:scene3d>
+    <dgm:sp3d/>
     <dgm:txPr/>
     <dgm:style>
       <a:lnRef idx="2">
@@ -21351,6 +21736,7 @@
       <a:camera prst="orthographicFront"/>
       <a:lightRig rig="threePt" dir="t"/>
     </dgm:scene3d>
+    <dgm:sp3d/>
     <dgm:txPr/>
     <dgm:style>
       <a:lnRef idx="0">
@@ -21370,6 +21756,7 @@
       <a:camera prst="orthographicFront"/>
       <a:lightRig rig="threePt" dir="t"/>
     </dgm:scene3d>
+    <dgm:sp3d/>
     <dgm:txPr/>
     <dgm:style>
       <a:lnRef idx="1">
@@ -21389,6 +21776,7 @@
       <a:camera prst="orthographicFront"/>
       <a:lightRig rig="threePt" dir="t"/>
     </dgm:scene3d>
+    <dgm:sp3d/>
     <dgm:txPr/>
     <dgm:style>
       <a:lnRef idx="0">
@@ -21410,6 +21798,7 @@
       <a:camera prst="orthographicFront"/>
       <a:lightRig rig="threePt" dir="t"/>
     </dgm:scene3d>
+    <dgm:sp3d/>
     <dgm:txPr/>
     <dgm:style>
       <a:lnRef idx="2">
@@ -21429,6 +21818,7 @@
       <a:camera prst="orthographicFront"/>
       <a:lightRig rig="threePt" dir="t"/>
     </dgm:scene3d>
+    <dgm:sp3d/>
     <dgm:txPr/>
     <dgm:style>
       <a:lnRef idx="2">
@@ -21448,6 +21838,7 @@
       <a:camera prst="orthographicFront"/>
       <a:lightRig rig="threePt" dir="t"/>
     </dgm:scene3d>
+    <dgm:sp3d/>
     <dgm:txPr/>
     <dgm:style>
       <a:lnRef idx="2">
@@ -21467,6 +21858,7 @@
       <a:camera prst="orthographicFront"/>
       <a:lightRig rig="threePt" dir="t"/>
     </dgm:scene3d>
+    <dgm:sp3d/>
     <dgm:txPr/>
     <dgm:style>
       <a:lnRef idx="1">
@@ -21486,6 +21878,7 @@
       <a:camera prst="orthographicFront"/>
       <a:lightRig rig="threePt" dir="t"/>
     </dgm:scene3d>
+    <dgm:sp3d/>
     <dgm:txPr/>
     <dgm:style>
       <a:lnRef idx="0">
@@ -21505,6 +21898,7 @@
       <a:camera prst="orthographicFront"/>
       <a:lightRig rig="threePt" dir="t"/>
     </dgm:scene3d>
+    <dgm:sp3d/>
     <dgm:txPr/>
     <dgm:style>
       <a:lnRef idx="2">
@@ -21525,7 +21919,7 @@
 </file>
 
 <file path=ppt/diagrams/quickStyle9.xml><?xml version="1.0" encoding="utf-8"?>
-<dgm:styleDef xmlns:dgm="http://schemas.openxmlformats.org/drawingml/2006/diagram" xmlns:a="http://schemas.openxmlformats.org/drawingml/2006/main" uniqueId="urn:microsoft.com/office/officeart/2005/8/quickstyle/simple1">
+<dgm:styleDef xmlns:dgm="http://schemas.openxmlformats.org/drawingml/2006/diagram" xmlns:a="http://schemas.openxmlformats.org/drawingml/2006/main" uniqueId="urn:microsoft.com/office/officeart/2005/8/quickstyle/simple1#6">
   <dgm:title val=""/>
   <dgm:desc val=""/>
   <dgm:catLst>
@@ -21540,6 +21934,7 @@
       <a:camera prst="orthographicFront"/>
       <a:lightRig rig="threePt" dir="t"/>
     </dgm:scene3d>
+    <dgm:sp3d/>
     <dgm:txPr/>
     <dgm:style>
       <a:lnRef idx="2">
@@ -21559,6 +21954,7 @@
       <a:camera prst="orthographicFront"/>
       <a:lightRig rig="threePt" dir="t"/>
     </dgm:scene3d>
+    <dgm:sp3d/>
     <dgm:txPr/>
     <dgm:style>
       <a:lnRef idx="2">
@@ -21578,6 +21974,7 @@
       <a:camera prst="orthographicFront"/>
       <a:lightRig rig="threePt" dir="t"/>
     </dgm:scene3d>
+    <dgm:sp3d/>
     <dgm:txPr/>
     <dgm:style>
       <a:lnRef idx="2">
@@ -21597,6 +21994,7 @@
       <a:camera prst="orthographicFront"/>
       <a:lightRig rig="threePt" dir="t"/>
     </dgm:scene3d>
+    <dgm:sp3d/>
     <dgm:txPr/>
     <dgm:style>
       <a:lnRef idx="2">
@@ -21618,6 +22016,7 @@
       <a:camera prst="orthographicFront"/>
       <a:lightRig rig="threePt" dir="t"/>
     </dgm:scene3d>
+    <dgm:sp3d/>
     <dgm:txPr/>
     <dgm:style>
       <a:lnRef idx="2">
@@ -21639,6 +22038,7 @@
       <a:camera prst="orthographicFront"/>
       <a:lightRig rig="threePt" dir="t"/>
     </dgm:scene3d>
+    <dgm:sp3d/>
     <dgm:txPr/>
     <dgm:style>
       <a:lnRef idx="2">
@@ -21660,6 +22060,7 @@
       <a:camera prst="orthographicFront"/>
       <a:lightRig rig="threePt" dir="t"/>
     </dgm:scene3d>
+    <dgm:sp3d/>
     <dgm:txPr/>
     <dgm:style>
       <a:lnRef idx="2">
@@ -21681,6 +22082,7 @@
       <a:camera prst="orthographicFront"/>
       <a:lightRig rig="threePt" dir="t"/>
     </dgm:scene3d>
+    <dgm:sp3d/>
     <dgm:txPr/>
     <dgm:style>
       <a:lnRef idx="2">
@@ -21702,6 +22104,7 @@
       <a:camera prst="orthographicFront"/>
       <a:lightRig rig="threePt" dir="t"/>
     </dgm:scene3d>
+    <dgm:sp3d/>
     <dgm:txPr/>
     <dgm:style>
       <a:lnRef idx="2">
@@ -21723,6 +22126,7 @@
       <a:camera prst="orthographicFront"/>
       <a:lightRig rig="threePt" dir="t"/>
     </dgm:scene3d>
+    <dgm:sp3d/>
     <dgm:txPr/>
     <dgm:style>
       <a:lnRef idx="2">
@@ -21742,6 +22146,7 @@
       <a:camera prst="orthographicFront"/>
       <a:lightRig rig="threePt" dir="t"/>
     </dgm:scene3d>
+    <dgm:sp3d/>
     <dgm:txPr/>
     <dgm:style>
       <a:lnRef idx="2">
@@ -21761,6 +22166,7 @@
       <a:camera prst="orthographicFront"/>
       <a:lightRig rig="threePt" dir="t"/>
     </dgm:scene3d>
+    <dgm:sp3d/>
     <dgm:txPr/>
     <dgm:style>
       <a:lnRef idx="2">
@@ -21780,6 +22186,7 @@
       <a:camera prst="orthographicFront"/>
       <a:lightRig rig="threePt" dir="t"/>
     </dgm:scene3d>
+    <dgm:sp3d/>
     <dgm:txPr/>
     <dgm:style>
       <a:lnRef idx="0">
@@ -21799,6 +22206,7 @@
       <a:camera prst="orthographicFront"/>
       <a:lightRig rig="threePt" dir="t"/>
     </dgm:scene3d>
+    <dgm:sp3d/>
     <dgm:txPr/>
     <dgm:style>
       <a:lnRef idx="0">
@@ -21820,6 +22228,7 @@
       <a:camera prst="orthographicFront"/>
       <a:lightRig rig="threePt" dir="t"/>
     </dgm:scene3d>
+    <dgm:sp3d/>
     <dgm:txPr/>
     <dgm:style>
       <a:lnRef idx="2">
@@ -21839,6 +22248,7 @@
       <a:camera prst="orthographicFront"/>
       <a:lightRig rig="threePt" dir="t"/>
     </dgm:scene3d>
+    <dgm:sp3d/>
     <dgm:txPr/>
     <dgm:style>
       <a:lnRef idx="2">
@@ -21858,6 +22268,7 @@
       <a:camera prst="orthographicFront"/>
       <a:lightRig rig="threePt" dir="t"/>
     </dgm:scene3d>
+    <dgm:sp3d/>
     <dgm:txPr/>
     <dgm:style>
       <a:lnRef idx="0">
@@ -21877,6 +22288,7 @@
       <a:camera prst="orthographicFront"/>
       <a:lightRig rig="threePt" dir="t"/>
     </dgm:scene3d>
+    <dgm:sp3d/>
     <dgm:txPr/>
     <dgm:style>
       <a:lnRef idx="2">
@@ -21896,6 +22308,7 @@
       <a:camera prst="orthographicFront"/>
       <a:lightRig rig="threePt" dir="t"/>
     </dgm:scene3d>
+    <dgm:sp3d/>
     <dgm:txPr/>
     <dgm:style>
       <a:lnRef idx="2">
@@ -21915,6 +22328,7 @@
       <a:camera prst="orthographicFront"/>
       <a:lightRig rig="threePt" dir="t"/>
     </dgm:scene3d>
+    <dgm:sp3d/>
     <dgm:txPr/>
     <dgm:style>
       <a:lnRef idx="2">
@@ -21934,6 +22348,7 @@
       <a:camera prst="orthographicFront"/>
       <a:lightRig rig="threePt" dir="t"/>
     </dgm:scene3d>
+    <dgm:sp3d/>
     <dgm:txPr/>
     <dgm:style>
       <a:lnRef idx="2">
@@ -21953,6 +22368,7 @@
       <a:camera prst="orthographicFront"/>
       <a:lightRig rig="threePt" dir="t"/>
     </dgm:scene3d>
+    <dgm:sp3d/>
     <dgm:txPr/>
     <dgm:style>
       <a:lnRef idx="2">
@@ -21972,6 +22388,7 @@
       <a:camera prst="orthographicFront"/>
       <a:lightRig rig="threePt" dir="t"/>
     </dgm:scene3d>
+    <dgm:sp3d/>
     <dgm:txPr/>
     <dgm:style>
       <a:lnRef idx="2">
@@ -21991,6 +22408,7 @@
       <a:camera prst="orthographicFront"/>
       <a:lightRig rig="threePt" dir="t"/>
     </dgm:scene3d>
+    <dgm:sp3d/>
     <dgm:txPr/>
     <dgm:style>
       <a:lnRef idx="2">
@@ -22010,6 +22428,7 @@
       <a:camera prst="orthographicFront"/>
       <a:lightRig rig="threePt" dir="t"/>
     </dgm:scene3d>
+    <dgm:sp3d/>
     <dgm:txPr/>
     <dgm:style>
       <a:lnRef idx="2">
@@ -22029,6 +22448,7 @@
       <a:camera prst="orthographicFront"/>
       <a:lightRig rig="threePt" dir="t"/>
     </dgm:scene3d>
+    <dgm:sp3d/>
     <dgm:txPr/>
     <dgm:style>
       <a:lnRef idx="0">
@@ -22050,6 +22470,7 @@
       <a:camera prst="orthographicFront"/>
       <a:lightRig rig="threePt" dir="t"/>
     </dgm:scene3d>
+    <dgm:sp3d/>
     <dgm:txPr/>
     <dgm:style>
       <a:lnRef idx="2">
@@ -22071,6 +22492,7 @@
       <a:camera prst="orthographicFront"/>
       <a:lightRig rig="threePt" dir="t"/>
     </dgm:scene3d>
+    <dgm:sp3d/>
     <dgm:txPr/>
     <dgm:style>
       <a:lnRef idx="2">
@@ -22092,6 +22514,7 @@
       <a:camera prst="orthographicFront"/>
       <a:lightRig rig="threePt" dir="t"/>
     </dgm:scene3d>
+    <dgm:sp3d/>
     <dgm:txPr/>
     <dgm:style>
       <a:lnRef idx="2">
@@ -22113,6 +22536,7 @@
       <a:camera prst="orthographicFront"/>
       <a:lightRig rig="threePt" dir="t"/>
     </dgm:scene3d>
+    <dgm:sp3d/>
     <dgm:txPr/>
     <dgm:style>
       <a:lnRef idx="2">
@@ -22134,6 +22558,7 @@
       <a:camera prst="orthographicFront"/>
       <a:lightRig rig="threePt" dir="t"/>
     </dgm:scene3d>
+    <dgm:sp3d/>
     <dgm:txPr/>
     <dgm:style>
       <a:lnRef idx="2">
@@ -22155,6 +22580,7 @@
       <a:camera prst="orthographicFront"/>
       <a:lightRig rig="threePt" dir="t"/>
     </dgm:scene3d>
+    <dgm:sp3d/>
     <dgm:txPr/>
     <dgm:style>
       <a:lnRef idx="2">
@@ -22176,6 +22602,7 @@
       <a:camera prst="orthographicFront"/>
       <a:lightRig rig="threePt" dir="t"/>
     </dgm:scene3d>
+    <dgm:sp3d/>
     <dgm:txPr/>
     <dgm:style>
       <a:lnRef idx="2">
@@ -22195,6 +22622,7 @@
       <a:camera prst="orthographicFront"/>
       <a:lightRig rig="threePt" dir="t"/>
     </dgm:scene3d>
+    <dgm:sp3d/>
     <dgm:txPr/>
     <dgm:style>
       <a:lnRef idx="2">
@@ -22214,6 +22642,7 @@
       <a:camera prst="orthographicFront"/>
       <a:lightRig rig="threePt" dir="t"/>
     </dgm:scene3d>
+    <dgm:sp3d/>
     <dgm:txPr/>
     <dgm:style>
       <a:lnRef idx="2">
@@ -22233,6 +22662,7 @@
       <a:camera prst="orthographicFront"/>
       <a:lightRig rig="threePt" dir="t"/>
     </dgm:scene3d>
+    <dgm:sp3d/>
     <dgm:txPr/>
     <dgm:style>
       <a:lnRef idx="2">
@@ -22252,6 +22682,7 @@
       <a:camera prst="orthographicFront"/>
       <a:lightRig rig="threePt" dir="t"/>
     </dgm:scene3d>
+    <dgm:sp3d/>
     <dgm:txPr/>
     <dgm:style>
       <a:lnRef idx="2">
@@ -22273,6 +22704,7 @@
       <a:camera prst="orthographicFront"/>
       <a:lightRig rig="threePt" dir="t"/>
     </dgm:scene3d>
+    <dgm:sp3d/>
     <dgm:txPr/>
     <dgm:style>
       <a:lnRef idx="2">
@@ -22294,6 +22726,7 @@
       <a:camera prst="orthographicFront"/>
       <a:lightRig rig="threePt" dir="t"/>
     </dgm:scene3d>
+    <dgm:sp3d/>
     <dgm:txPr/>
     <dgm:style>
       <a:lnRef idx="2">
@@ -22315,6 +22748,7 @@
       <a:camera prst="orthographicFront"/>
       <a:lightRig rig="threePt" dir="t"/>
     </dgm:scene3d>
+    <dgm:sp3d/>
     <dgm:txPr/>
     <dgm:style>
       <a:lnRef idx="2">
@@ -22336,6 +22770,7 @@
       <a:camera prst="orthographicFront"/>
       <a:lightRig rig="threePt" dir="t"/>
     </dgm:scene3d>
+    <dgm:sp3d/>
     <dgm:txPr/>
     <dgm:style>
       <a:lnRef idx="0">
@@ -22355,6 +22790,7 @@
       <a:camera prst="orthographicFront"/>
       <a:lightRig rig="threePt" dir="t"/>
     </dgm:scene3d>
+    <dgm:sp3d/>
     <dgm:txPr/>
     <dgm:style>
       <a:lnRef idx="1">
@@ -22374,6 +22810,7 @@
       <a:camera prst="orthographicFront"/>
       <a:lightRig rig="threePt" dir="t"/>
     </dgm:scene3d>
+    <dgm:sp3d/>
     <dgm:txPr/>
     <dgm:style>
       <a:lnRef idx="0">
@@ -22395,6 +22832,7 @@
       <a:camera prst="orthographicFront"/>
       <a:lightRig rig="threePt" dir="t"/>
     </dgm:scene3d>
+    <dgm:sp3d/>
     <dgm:txPr/>
     <dgm:style>
       <a:lnRef idx="2">
@@ -22414,6 +22852,7 @@
       <a:camera prst="orthographicFront"/>
       <a:lightRig rig="threePt" dir="t"/>
     </dgm:scene3d>
+    <dgm:sp3d/>
     <dgm:txPr/>
     <dgm:style>
       <a:lnRef idx="2">
@@ -22433,6 +22872,7 @@
       <a:camera prst="orthographicFront"/>
       <a:lightRig rig="threePt" dir="t"/>
     </dgm:scene3d>
+    <dgm:sp3d/>
     <dgm:txPr/>
     <dgm:style>
       <a:lnRef idx="2">
@@ -22452,6 +22892,7 @@
       <a:camera prst="orthographicFront"/>
       <a:lightRig rig="threePt" dir="t"/>
     </dgm:scene3d>
+    <dgm:sp3d/>
     <dgm:txPr/>
     <dgm:style>
       <a:lnRef idx="1">
@@ -22471,6 +22912,7 @@
       <a:camera prst="orthographicFront"/>
       <a:lightRig rig="threePt" dir="t"/>
     </dgm:scene3d>
+    <dgm:sp3d/>
     <dgm:txPr/>
     <dgm:style>
       <a:lnRef idx="0">
@@ -22490,6 +22932,7 @@
       <a:camera prst="orthographicFront"/>
       <a:lightRig rig="threePt" dir="t"/>
     </dgm:scene3d>
+    <dgm:sp3d/>
     <dgm:txPr/>
     <dgm:style>
       <a:lnRef idx="2">
@@ -22554,7 +22997,6 @@
               <a:rPr lang="pt-BR"/>
               <a:t>Clique para editar o título Mestre</a:t>
             </a:r>
-            <a:endParaRPr lang="pt-BR"/>
           </a:p>
         </p:txBody>
       </p:sp>
@@ -22619,7 +23061,6 @@
               <a:rPr lang="pt-BR"/>
               <a:t>Clique para editar o estilo do subtítulo Mestre</a:t>
             </a:r>
-            <a:endParaRPr lang="pt-BR"/>
           </a:p>
         </p:txBody>
       </p:sp>
@@ -22640,6 +23081,7 @@
           <a:p>
             <a:fld id="{D49D7F51-FFC9-4E54-82C8-6F7AA2835DE3}" type="datetimeFigureOut">
               <a:rPr lang="pt-BR" smtClean="0"/>
+              <a:t>06/03/2020</a:t>
             </a:fld>
             <a:endParaRPr lang="pt-BR"/>
           </a:p>
@@ -22681,6 +23123,7 @@
           <a:p>
             <a:fld id="{A5665B60-0507-4D7C-A90F-1C0D85B96CD1}" type="slidenum">
               <a:rPr lang="pt-BR" smtClean="0"/>
+              <a:t>‹nº›</a:t>
             </a:fld>
             <a:endParaRPr lang="pt-BR"/>
           </a:p>
@@ -22730,7 +23173,6 @@
               <a:rPr lang="pt-BR"/>
               <a:t>Clique para editar o título Mestre</a:t>
             </a:r>
-            <a:endParaRPr lang="pt-BR"/>
           </a:p>
         </p:txBody>
       </p:sp>
@@ -22754,7 +23196,6 @@
               <a:rPr lang="pt-BR"/>
               <a:t>Clique para editar os estilos de texto Mestres</a:t>
             </a:r>
-            <a:endParaRPr lang="pt-BR"/>
           </a:p>
           <a:p>
             <a:pPr lvl="1"/>
@@ -22762,7 +23203,6 @@
               <a:rPr lang="pt-BR"/>
               <a:t>Segundo nível</a:t>
             </a:r>
-            <a:endParaRPr lang="pt-BR"/>
           </a:p>
           <a:p>
             <a:pPr lvl="2"/>
@@ -22770,7 +23210,6 @@
               <a:rPr lang="pt-BR"/>
               <a:t>Terceiro nível</a:t>
             </a:r>
-            <a:endParaRPr lang="pt-BR"/>
           </a:p>
           <a:p>
             <a:pPr lvl="3"/>
@@ -22778,7 +23217,6 @@
               <a:rPr lang="pt-BR"/>
               <a:t>Quarto nível</a:t>
             </a:r>
-            <a:endParaRPr lang="pt-BR"/>
           </a:p>
           <a:p>
             <a:pPr lvl="4"/>
@@ -22786,7 +23224,6 @@
               <a:rPr lang="pt-BR"/>
               <a:t>Quinto nível</a:t>
             </a:r>
-            <a:endParaRPr lang="pt-BR"/>
           </a:p>
         </p:txBody>
       </p:sp>
@@ -22807,6 +23244,7 @@
           <a:p>
             <a:fld id="{D49D7F51-FFC9-4E54-82C8-6F7AA2835DE3}" type="datetimeFigureOut">
               <a:rPr lang="pt-BR" smtClean="0"/>
+              <a:t>06/03/2020</a:t>
             </a:fld>
             <a:endParaRPr lang="pt-BR"/>
           </a:p>
@@ -22848,6 +23286,7 @@
           <a:p>
             <a:fld id="{A5665B60-0507-4D7C-A90F-1C0D85B96CD1}" type="slidenum">
               <a:rPr lang="pt-BR" smtClean="0"/>
+              <a:t>‹nº›</a:t>
             </a:fld>
             <a:endParaRPr lang="pt-BR"/>
           </a:p>
@@ -22902,7 +23341,6 @@
               <a:rPr lang="pt-BR"/>
               <a:t>Clique para editar o título Mestre</a:t>
             </a:r>
-            <a:endParaRPr lang="pt-BR"/>
           </a:p>
         </p:txBody>
       </p:sp>
@@ -22931,7 +23369,6 @@
               <a:rPr lang="pt-BR"/>
               <a:t>Clique para editar os estilos de texto Mestres</a:t>
             </a:r>
-            <a:endParaRPr lang="pt-BR"/>
           </a:p>
           <a:p>
             <a:pPr lvl="1"/>
@@ -22939,7 +23376,6 @@
               <a:rPr lang="pt-BR"/>
               <a:t>Segundo nível</a:t>
             </a:r>
-            <a:endParaRPr lang="pt-BR"/>
           </a:p>
           <a:p>
             <a:pPr lvl="2"/>
@@ -22947,7 +23383,6 @@
               <a:rPr lang="pt-BR"/>
               <a:t>Terceiro nível</a:t>
             </a:r>
-            <a:endParaRPr lang="pt-BR"/>
           </a:p>
           <a:p>
             <a:pPr lvl="3"/>
@@ -22955,7 +23390,6 @@
               <a:rPr lang="pt-BR"/>
               <a:t>Quarto nível</a:t>
             </a:r>
-            <a:endParaRPr lang="pt-BR"/>
           </a:p>
           <a:p>
             <a:pPr lvl="4"/>
@@ -22963,7 +23397,6 @@
               <a:rPr lang="pt-BR"/>
               <a:t>Quinto nível</a:t>
             </a:r>
-            <a:endParaRPr lang="pt-BR"/>
           </a:p>
         </p:txBody>
       </p:sp>
@@ -22984,6 +23417,7 @@
           <a:p>
             <a:fld id="{D49D7F51-FFC9-4E54-82C8-6F7AA2835DE3}" type="datetimeFigureOut">
               <a:rPr lang="pt-BR" smtClean="0"/>
+              <a:t>06/03/2020</a:t>
             </a:fld>
             <a:endParaRPr lang="pt-BR"/>
           </a:p>
@@ -23025,6 +23459,7 @@
           <a:p>
             <a:fld id="{A5665B60-0507-4D7C-A90F-1C0D85B96CD1}" type="slidenum">
               <a:rPr lang="pt-BR" smtClean="0"/>
+              <a:t>‹nº›</a:t>
             </a:fld>
             <a:endParaRPr lang="pt-BR"/>
           </a:p>
@@ -23074,7 +23509,6 @@
               <a:rPr lang="pt-BR"/>
               <a:t>Clique para editar o título Mestre</a:t>
             </a:r>
-            <a:endParaRPr lang="pt-BR"/>
           </a:p>
         </p:txBody>
       </p:sp>
@@ -23098,7 +23532,6 @@
               <a:rPr lang="pt-BR"/>
               <a:t>Clique para editar os estilos de texto Mestres</a:t>
             </a:r>
-            <a:endParaRPr lang="pt-BR"/>
           </a:p>
           <a:p>
             <a:pPr lvl="1"/>
@@ -23106,7 +23539,6 @@
               <a:rPr lang="pt-BR"/>
               <a:t>Segundo nível</a:t>
             </a:r>
-            <a:endParaRPr lang="pt-BR"/>
           </a:p>
           <a:p>
             <a:pPr lvl="2"/>
@@ -23114,7 +23546,6 @@
               <a:rPr lang="pt-BR"/>
               <a:t>Terceiro nível</a:t>
             </a:r>
-            <a:endParaRPr lang="pt-BR"/>
           </a:p>
           <a:p>
             <a:pPr lvl="3"/>
@@ -23122,7 +23553,6 @@
               <a:rPr lang="pt-BR"/>
               <a:t>Quarto nível</a:t>
             </a:r>
-            <a:endParaRPr lang="pt-BR"/>
           </a:p>
           <a:p>
             <a:pPr lvl="4"/>
@@ -23130,7 +23560,6 @@
               <a:rPr lang="pt-BR"/>
               <a:t>Quinto nível</a:t>
             </a:r>
-            <a:endParaRPr lang="pt-BR"/>
           </a:p>
         </p:txBody>
       </p:sp>
@@ -23151,6 +23580,7 @@
           <a:p>
             <a:fld id="{D49D7F51-FFC9-4E54-82C8-6F7AA2835DE3}" type="datetimeFigureOut">
               <a:rPr lang="pt-BR" smtClean="0"/>
+              <a:t>06/03/2020</a:t>
             </a:fld>
             <a:endParaRPr lang="pt-BR"/>
           </a:p>
@@ -23192,6 +23622,7 @@
           <a:p>
             <a:fld id="{A5665B60-0507-4D7C-A90F-1C0D85B96CD1}" type="slidenum">
               <a:rPr lang="pt-BR" smtClean="0"/>
+              <a:t>‹nº›</a:t>
             </a:fld>
             <a:endParaRPr lang="pt-BR"/>
           </a:p>
@@ -23250,7 +23681,6 @@
               <a:rPr lang="pt-BR"/>
               <a:t>Clique para editar o título Mestre</a:t>
             </a:r>
-            <a:endParaRPr lang="pt-BR"/>
           </a:p>
         </p:txBody>
       </p:sp>
@@ -23370,7 +23800,6 @@
               <a:rPr lang="pt-BR"/>
               <a:t>Clique para editar os estilos de texto Mestres</a:t>
             </a:r>
-            <a:endParaRPr lang="pt-BR"/>
           </a:p>
         </p:txBody>
       </p:sp>
@@ -23391,6 +23820,7 @@
           <a:p>
             <a:fld id="{D49D7F51-FFC9-4E54-82C8-6F7AA2835DE3}" type="datetimeFigureOut">
               <a:rPr lang="pt-BR" smtClean="0"/>
+              <a:t>06/03/2020</a:t>
             </a:fld>
             <a:endParaRPr lang="pt-BR"/>
           </a:p>
@@ -23432,6 +23862,7 @@
           <a:p>
             <a:fld id="{A5665B60-0507-4D7C-A90F-1C0D85B96CD1}" type="slidenum">
               <a:rPr lang="pt-BR" smtClean="0"/>
+              <a:t>‹nº›</a:t>
             </a:fld>
             <a:endParaRPr lang="pt-BR"/>
           </a:p>
@@ -23481,7 +23912,6 @@
               <a:rPr lang="pt-BR"/>
               <a:t>Clique para editar o título Mestre</a:t>
             </a:r>
-            <a:endParaRPr lang="pt-BR"/>
           </a:p>
         </p:txBody>
       </p:sp>
@@ -23510,7 +23940,6 @@
               <a:rPr lang="pt-BR"/>
               <a:t>Clique para editar os estilos de texto Mestres</a:t>
             </a:r>
-            <a:endParaRPr lang="pt-BR"/>
           </a:p>
           <a:p>
             <a:pPr lvl="1"/>
@@ -23518,7 +23947,6 @@
               <a:rPr lang="pt-BR"/>
               <a:t>Segundo nível</a:t>
             </a:r>
-            <a:endParaRPr lang="pt-BR"/>
           </a:p>
           <a:p>
             <a:pPr lvl="2"/>
@@ -23526,7 +23954,6 @@
               <a:rPr lang="pt-BR"/>
               <a:t>Terceiro nível</a:t>
             </a:r>
-            <a:endParaRPr lang="pt-BR"/>
           </a:p>
           <a:p>
             <a:pPr lvl="3"/>
@@ -23534,7 +23961,6 @@
               <a:rPr lang="pt-BR"/>
               <a:t>Quarto nível</a:t>
             </a:r>
-            <a:endParaRPr lang="pt-BR"/>
           </a:p>
           <a:p>
             <a:pPr lvl="4"/>
@@ -23542,7 +23968,6 @@
               <a:rPr lang="pt-BR"/>
               <a:t>Quinto nível</a:t>
             </a:r>
-            <a:endParaRPr lang="pt-BR"/>
           </a:p>
         </p:txBody>
       </p:sp>
@@ -23571,7 +23996,6 @@
               <a:rPr lang="pt-BR"/>
               <a:t>Clique para editar os estilos de texto Mestres</a:t>
             </a:r>
-            <a:endParaRPr lang="pt-BR"/>
           </a:p>
           <a:p>
             <a:pPr lvl="1"/>
@@ -23579,7 +24003,6 @@
               <a:rPr lang="pt-BR"/>
               <a:t>Segundo nível</a:t>
             </a:r>
-            <a:endParaRPr lang="pt-BR"/>
           </a:p>
           <a:p>
             <a:pPr lvl="2"/>
@@ -23587,7 +24010,6 @@
               <a:rPr lang="pt-BR"/>
               <a:t>Terceiro nível</a:t>
             </a:r>
-            <a:endParaRPr lang="pt-BR"/>
           </a:p>
           <a:p>
             <a:pPr lvl="3"/>
@@ -23595,7 +24017,6 @@
               <a:rPr lang="pt-BR"/>
               <a:t>Quarto nível</a:t>
             </a:r>
-            <a:endParaRPr lang="pt-BR"/>
           </a:p>
           <a:p>
             <a:pPr lvl="4"/>
@@ -23603,7 +24024,6 @@
               <a:rPr lang="pt-BR"/>
               <a:t>Quinto nível</a:t>
             </a:r>
-            <a:endParaRPr lang="pt-BR"/>
           </a:p>
         </p:txBody>
       </p:sp>
@@ -23624,6 +24044,7 @@
           <a:p>
             <a:fld id="{D49D7F51-FFC9-4E54-82C8-6F7AA2835DE3}" type="datetimeFigureOut">
               <a:rPr lang="pt-BR" smtClean="0"/>
+              <a:t>06/03/2020</a:t>
             </a:fld>
             <a:endParaRPr lang="pt-BR"/>
           </a:p>
@@ -23665,6 +24086,7 @@
           <a:p>
             <a:fld id="{A5665B60-0507-4D7C-A90F-1C0D85B96CD1}" type="slidenum">
               <a:rPr lang="pt-BR" smtClean="0"/>
+              <a:t>‹nº›</a:t>
             </a:fld>
             <a:endParaRPr lang="pt-BR"/>
           </a:p>
@@ -23719,7 +24141,6 @@
               <a:rPr lang="pt-BR"/>
               <a:t>Clique para editar o título Mestre</a:t>
             </a:r>
-            <a:endParaRPr lang="pt-BR"/>
           </a:p>
         </p:txBody>
       </p:sp>
@@ -23785,7 +24206,6 @@
               <a:rPr lang="pt-BR"/>
               <a:t>Clique para editar os estilos de texto Mestres</a:t>
             </a:r>
-            <a:endParaRPr lang="pt-BR"/>
           </a:p>
         </p:txBody>
       </p:sp>
@@ -23814,7 +24234,6 @@
               <a:rPr lang="pt-BR"/>
               <a:t>Clique para editar os estilos de texto Mestres</a:t>
             </a:r>
-            <a:endParaRPr lang="pt-BR"/>
           </a:p>
           <a:p>
             <a:pPr lvl="1"/>
@@ -23822,7 +24241,6 @@
               <a:rPr lang="pt-BR"/>
               <a:t>Segundo nível</a:t>
             </a:r>
-            <a:endParaRPr lang="pt-BR"/>
           </a:p>
           <a:p>
             <a:pPr lvl="2"/>
@@ -23830,7 +24248,6 @@
               <a:rPr lang="pt-BR"/>
               <a:t>Terceiro nível</a:t>
             </a:r>
-            <a:endParaRPr lang="pt-BR"/>
           </a:p>
           <a:p>
             <a:pPr lvl="3"/>
@@ -23838,7 +24255,6 @@
               <a:rPr lang="pt-BR"/>
               <a:t>Quarto nível</a:t>
             </a:r>
-            <a:endParaRPr lang="pt-BR"/>
           </a:p>
           <a:p>
             <a:pPr lvl="4"/>
@@ -23846,7 +24262,6 @@
               <a:rPr lang="pt-BR"/>
               <a:t>Quinto nível</a:t>
             </a:r>
-            <a:endParaRPr lang="pt-BR"/>
           </a:p>
         </p:txBody>
       </p:sp>
@@ -23912,7 +24327,6 @@
               <a:rPr lang="pt-BR"/>
               <a:t>Clique para editar os estilos de texto Mestres</a:t>
             </a:r>
-            <a:endParaRPr lang="pt-BR"/>
           </a:p>
         </p:txBody>
       </p:sp>
@@ -23941,7 +24355,6 @@
               <a:rPr lang="pt-BR"/>
               <a:t>Clique para editar os estilos de texto Mestres</a:t>
             </a:r>
-            <a:endParaRPr lang="pt-BR"/>
           </a:p>
           <a:p>
             <a:pPr lvl="1"/>
@@ -23949,7 +24362,6 @@
               <a:rPr lang="pt-BR"/>
               <a:t>Segundo nível</a:t>
             </a:r>
-            <a:endParaRPr lang="pt-BR"/>
           </a:p>
           <a:p>
             <a:pPr lvl="2"/>
@@ -23957,7 +24369,6 @@
               <a:rPr lang="pt-BR"/>
               <a:t>Terceiro nível</a:t>
             </a:r>
-            <a:endParaRPr lang="pt-BR"/>
           </a:p>
           <a:p>
             <a:pPr lvl="3"/>
@@ -23965,7 +24376,6 @@
               <a:rPr lang="pt-BR"/>
               <a:t>Quarto nível</a:t>
             </a:r>
-            <a:endParaRPr lang="pt-BR"/>
           </a:p>
           <a:p>
             <a:pPr lvl="4"/>
@@ -23973,7 +24383,6 @@
               <a:rPr lang="pt-BR"/>
               <a:t>Quinto nível</a:t>
             </a:r>
-            <a:endParaRPr lang="pt-BR"/>
           </a:p>
         </p:txBody>
       </p:sp>
@@ -23994,6 +24403,7 @@
           <a:p>
             <a:fld id="{D49D7F51-FFC9-4E54-82C8-6F7AA2835DE3}" type="datetimeFigureOut">
               <a:rPr lang="pt-BR" smtClean="0"/>
+              <a:t>06/03/2020</a:t>
             </a:fld>
             <a:endParaRPr lang="pt-BR"/>
           </a:p>
@@ -24035,6 +24445,7 @@
           <a:p>
             <a:fld id="{A5665B60-0507-4D7C-A90F-1C0D85B96CD1}" type="slidenum">
               <a:rPr lang="pt-BR" smtClean="0"/>
+              <a:t>‹nº›</a:t>
             </a:fld>
             <a:endParaRPr lang="pt-BR"/>
           </a:p>
@@ -24084,7 +24495,6 @@
               <a:rPr lang="pt-BR"/>
               <a:t>Clique para editar o título Mestre</a:t>
             </a:r>
-            <a:endParaRPr lang="pt-BR"/>
           </a:p>
         </p:txBody>
       </p:sp>
@@ -24105,6 +24515,7 @@
           <a:p>
             <a:fld id="{D49D7F51-FFC9-4E54-82C8-6F7AA2835DE3}" type="datetimeFigureOut">
               <a:rPr lang="pt-BR" smtClean="0"/>
+              <a:t>06/03/2020</a:t>
             </a:fld>
             <a:endParaRPr lang="pt-BR"/>
           </a:p>
@@ -24146,6 +24557,7 @@
           <a:p>
             <a:fld id="{A5665B60-0507-4D7C-A90F-1C0D85B96CD1}" type="slidenum">
               <a:rPr lang="pt-BR" smtClean="0"/>
+              <a:t>‹nº›</a:t>
             </a:fld>
             <a:endParaRPr lang="pt-BR"/>
           </a:p>
@@ -24193,6 +24605,7 @@
           <a:p>
             <a:fld id="{D49D7F51-FFC9-4E54-82C8-6F7AA2835DE3}" type="datetimeFigureOut">
               <a:rPr lang="pt-BR" smtClean="0"/>
+              <a:t>06/03/2020</a:t>
             </a:fld>
             <a:endParaRPr lang="pt-BR"/>
           </a:p>
@@ -24234,6 +24647,7 @@
           <a:p>
             <a:fld id="{A5665B60-0507-4D7C-A90F-1C0D85B96CD1}" type="slidenum">
               <a:rPr lang="pt-BR" smtClean="0"/>
+              <a:t>‹nº›</a:t>
             </a:fld>
             <a:endParaRPr lang="pt-BR"/>
           </a:p>
@@ -24292,7 +24706,6 @@
               <a:rPr lang="pt-BR"/>
               <a:t>Clique para editar o título Mestre</a:t>
             </a:r>
-            <a:endParaRPr lang="pt-BR"/>
           </a:p>
         </p:txBody>
       </p:sp>
@@ -24349,7 +24762,6 @@
               <a:rPr lang="pt-BR"/>
               <a:t>Clique para editar os estilos de texto Mestres</a:t>
             </a:r>
-            <a:endParaRPr lang="pt-BR"/>
           </a:p>
           <a:p>
             <a:pPr lvl="1"/>
@@ -24357,7 +24769,6 @@
               <a:rPr lang="pt-BR"/>
               <a:t>Segundo nível</a:t>
             </a:r>
-            <a:endParaRPr lang="pt-BR"/>
           </a:p>
           <a:p>
             <a:pPr lvl="2"/>
@@ -24365,7 +24776,6 @@
               <a:rPr lang="pt-BR"/>
               <a:t>Terceiro nível</a:t>
             </a:r>
-            <a:endParaRPr lang="pt-BR"/>
           </a:p>
           <a:p>
             <a:pPr lvl="3"/>
@@ -24373,7 +24783,6 @@
               <a:rPr lang="pt-BR"/>
               <a:t>Quarto nível</a:t>
             </a:r>
-            <a:endParaRPr lang="pt-BR"/>
           </a:p>
           <a:p>
             <a:pPr lvl="4"/>
@@ -24381,7 +24790,6 @@
               <a:rPr lang="pt-BR"/>
               <a:t>Quinto nível</a:t>
             </a:r>
-            <a:endParaRPr lang="pt-BR"/>
           </a:p>
         </p:txBody>
       </p:sp>
@@ -24447,7 +24855,6 @@
               <a:rPr lang="pt-BR"/>
               <a:t>Clique para editar os estilos de texto Mestres</a:t>
             </a:r>
-            <a:endParaRPr lang="pt-BR"/>
           </a:p>
         </p:txBody>
       </p:sp>
@@ -24468,6 +24875,7 @@
           <a:p>
             <a:fld id="{D49D7F51-FFC9-4E54-82C8-6F7AA2835DE3}" type="datetimeFigureOut">
               <a:rPr lang="pt-BR" smtClean="0"/>
+              <a:t>06/03/2020</a:t>
             </a:fld>
             <a:endParaRPr lang="pt-BR"/>
           </a:p>
@@ -24509,6 +24917,7 @@
           <a:p>
             <a:fld id="{A5665B60-0507-4D7C-A90F-1C0D85B96CD1}" type="slidenum">
               <a:rPr lang="pt-BR" smtClean="0"/>
+              <a:t>‹nº›</a:t>
             </a:fld>
             <a:endParaRPr lang="pt-BR"/>
           </a:p>
@@ -24567,7 +24976,6 @@
               <a:rPr lang="pt-BR"/>
               <a:t>Clique para editar o título Mestre</a:t>
             </a:r>
-            <a:endParaRPr lang="pt-BR"/>
           </a:p>
         </p:txBody>
       </p:sp>
@@ -24694,7 +25102,6 @@
               <a:rPr lang="pt-BR"/>
               <a:t>Clique para editar os estilos de texto Mestres</a:t>
             </a:r>
-            <a:endParaRPr lang="pt-BR"/>
           </a:p>
         </p:txBody>
       </p:sp>
@@ -24715,6 +25122,7 @@
           <a:p>
             <a:fld id="{D49D7F51-FFC9-4E54-82C8-6F7AA2835DE3}" type="datetimeFigureOut">
               <a:rPr lang="pt-BR" smtClean="0"/>
+              <a:t>06/03/2020</a:t>
             </a:fld>
             <a:endParaRPr lang="pt-BR"/>
           </a:p>
@@ -24756,6 +25164,7 @@
           <a:p>
             <a:fld id="{A5665B60-0507-4D7C-A90F-1C0D85B96CD1}" type="slidenum">
               <a:rPr lang="pt-BR" smtClean="0"/>
+              <a:t>‹nº›</a:t>
             </a:fld>
             <a:endParaRPr lang="pt-BR"/>
           </a:p>
@@ -24820,7 +25229,6 @@
               <a:rPr lang="pt-BR"/>
               <a:t>Clique para editar o título Mestre</a:t>
             </a:r>
-            <a:endParaRPr lang="pt-BR"/>
           </a:p>
         </p:txBody>
       </p:sp>
@@ -24854,7 +25262,6 @@
               <a:rPr lang="pt-BR"/>
               <a:t>Clique para editar os estilos de texto Mestres</a:t>
             </a:r>
-            <a:endParaRPr lang="pt-BR"/>
           </a:p>
           <a:p>
             <a:pPr lvl="1"/>
@@ -24862,7 +25269,6 @@
               <a:rPr lang="pt-BR"/>
               <a:t>Segundo nível</a:t>
             </a:r>
-            <a:endParaRPr lang="pt-BR"/>
           </a:p>
           <a:p>
             <a:pPr lvl="2"/>
@@ -24870,7 +25276,6 @@
               <a:rPr lang="pt-BR"/>
               <a:t>Terceiro nível</a:t>
             </a:r>
-            <a:endParaRPr lang="pt-BR"/>
           </a:p>
           <a:p>
             <a:pPr lvl="3"/>
@@ -24878,7 +25283,6 @@
               <a:rPr lang="pt-BR"/>
               <a:t>Quarto nível</a:t>
             </a:r>
-            <a:endParaRPr lang="pt-BR"/>
           </a:p>
           <a:p>
             <a:pPr lvl="4"/>
@@ -24886,7 +25290,6 @@
               <a:rPr lang="pt-BR"/>
               <a:t>Quinto nível</a:t>
             </a:r>
-            <a:endParaRPr lang="pt-BR"/>
           </a:p>
         </p:txBody>
       </p:sp>
@@ -24925,6 +25328,7 @@
           <a:p>
             <a:fld id="{D49D7F51-FFC9-4E54-82C8-6F7AA2835DE3}" type="datetimeFigureOut">
               <a:rPr lang="pt-BR" smtClean="0"/>
+              <a:t>06/03/2020</a:t>
             </a:fld>
             <a:endParaRPr lang="pt-BR"/>
           </a:p>
@@ -25002,6 +25406,7 @@
           <a:p>
             <a:fld id="{A5665B60-0507-4D7C-A90F-1C0D85B96CD1}" type="slidenum">
               <a:rPr lang="pt-BR" smtClean="0"/>
+              <a:t>‹nº›</a:t>
             </a:fld>
             <a:endParaRPr lang="pt-BR"/>
           </a:p>
@@ -25342,7 +25747,6 @@
               <a:rPr lang="pt-BR" dirty="0"/>
               <a:t>Hunter</a:t>
             </a:r>
-            <a:endParaRPr lang="pt-BR" dirty="0"/>
           </a:p>
         </p:txBody>
       </p:sp>
@@ -25373,7 +25777,6 @@
               <a:rPr lang="pt-BR" dirty="0"/>
               <a:t>Fernando Correa – 01191089</a:t>
             </a:r>
-            <a:endParaRPr lang="pt-BR" dirty="0"/>
           </a:p>
           <a:p>
             <a:pPr algn="r"/>
@@ -25413,7 +25816,6 @@
               <a:rPr lang="pt-BR" dirty="0"/>
               <a:t>Henrique Souza – 01191043</a:t>
             </a:r>
-            <a:endParaRPr lang="pt-BR" dirty="0"/>
           </a:p>
           <a:p>
             <a:pPr algn="r"/>
@@ -25421,7 +25823,6 @@
               <a:rPr lang="pt-BR" dirty="0"/>
               <a:t>Henrique Matos – 01191125</a:t>
             </a:r>
-            <a:endParaRPr lang="pt-BR" dirty="0"/>
           </a:p>
           <a:p>
             <a:pPr algn="r"/>
@@ -25437,7 +25838,6 @@
               <a:rPr lang="pt-BR" dirty="0"/>
               <a:t> – 01191082</a:t>
             </a:r>
-            <a:endParaRPr lang="pt-BR" dirty="0"/>
           </a:p>
         </p:txBody>
       </p:sp>
@@ -25483,9 +25883,79 @@
           <a:p>
             <a:r>
               <a:rPr lang="pt-BR" dirty="0"/>
+              <a:t>Modelagem – Banco de Dados</a:t>
+            </a:r>
+          </a:p>
+        </p:txBody>
+      </p:sp>
+      <p:pic>
+        <p:nvPicPr>
+          <p:cNvPr id="3" name="Picture 2" descr="Modelagem Lógica"/>
+          <p:cNvPicPr>
+            <a:picLocks noChangeAspect="1"/>
+          </p:cNvPicPr>
+          <p:nvPr/>
+        </p:nvPicPr>
+        <p:blipFill>
+          <a:blip r:embed="rId2"/>
+          <a:stretch>
+            <a:fillRect/>
+          </a:stretch>
+        </p:blipFill>
+        <p:spPr>
+          <a:xfrm>
+            <a:off x="3204527" y="1475890"/>
+            <a:ext cx="5782945" cy="5149850"/>
+          </a:xfrm>
+          <a:prstGeom prst="rect">
+            <a:avLst/>
+          </a:prstGeom>
+        </p:spPr>
+      </p:pic>
+    </p:spTree>
+  </p:cSld>
+  <p:clrMapOvr>
+    <a:masterClrMapping/>
+  </p:clrMapOvr>
+</p:sld>
+</file>
+
+<file path=ppt/slides/slide11.xml><?xml version="1.0" encoding="utf-8"?>
+<p:sld xmlns:a="http://schemas.openxmlformats.org/drawingml/2006/main" xmlns:r="http://schemas.openxmlformats.org/officeDocument/2006/relationships" xmlns:p="http://schemas.openxmlformats.org/presentationml/2006/main">
+  <p:cSld>
+    <p:spTree>
+      <p:nvGrpSpPr>
+        <p:cNvPr id="1" name=""/>
+        <p:cNvGrpSpPr/>
+        <p:nvPr/>
+      </p:nvGrpSpPr>
+      <p:grpSpPr>
+        <a:xfrm>
+          <a:off x="0" y="0"/>
+          <a:ext cx="0" cy="0"/>
+          <a:chOff x="0" y="0"/>
+          <a:chExt cx="0" cy="0"/>
+        </a:xfrm>
+      </p:grpSpPr>
+      <p:sp>
+        <p:nvSpPr>
+          <p:cNvPr id="2" name="Título 1"/>
+          <p:cNvSpPr>
+            <a:spLocks noGrp="1"/>
+          </p:cNvSpPr>
+          <p:nvPr>
+            <p:ph type="title"/>
+          </p:nvPr>
+        </p:nvSpPr>
+        <p:spPr/>
+        <p:txBody>
+          <a:bodyPr/>
+          <a:lstStyle/>
+          <a:p>
+            <a:r>
+              <a:rPr lang="pt-BR" dirty="0"/>
               <a:t>Diagrama de Classe</a:t>
             </a:r>
-            <a:endParaRPr lang="pt-BR" dirty="0"/>
           </a:p>
         </p:txBody>
       </p:sp>
@@ -25498,7 +25968,7 @@
           <p:nvPr/>
         </p:nvPicPr>
         <p:blipFill>
-          <a:blip r:embed="rId1">
+          <a:blip r:embed="rId2">
             <a:extLst>
               <a:ext uri="{28A0092B-C50C-407E-A947-70E740481C1C}">
                 <a14:useLocalDpi xmlns:a14="http://schemas.microsoft.com/office/drawing/2010/main" val="0"/>
@@ -25623,7 +26093,6 @@
               <a:rPr lang="pt-BR" dirty="0"/>
               <a:t>Contexto</a:t>
             </a:r>
-            <a:endParaRPr lang="pt-BR" dirty="0"/>
           </a:p>
         </p:txBody>
       </p:sp>
@@ -25631,7 +26100,7 @@
         <p:nvGrpSpPr>
           <p:cNvPr id="12" name="Group 11"/>
           <p:cNvGrpSpPr>
-            <a:grpSpLocks noGrp="1" noRot="1" noChangeAspect="1" noMove="1" noResize="1" noUngrp="1"/>
+            <a:grpSpLocks noGrp="1" noUngrp="1" noRot="1" noChangeAspect="1" noMove="1" noResize="1"/>
           </p:cNvGrpSpPr>
           <p:nvPr/>
         </p:nvGrpSpPr>
@@ -25988,7 +26457,7 @@
         </p:xfrm>
         <a:graphic>
           <a:graphicData uri="http://schemas.openxmlformats.org/drawingml/2006/diagram">
-            <dgm:relIds xmlns:dgm="http://schemas.openxmlformats.org/drawingml/2006/diagram" xmlns:r="http://schemas.openxmlformats.org/officeDocument/2006/relationships" r:dm="rId1" r:lo="rId2" r:qs="rId3" r:cs="rId4"/>
+            <dgm:relIds xmlns:dgm="http://schemas.openxmlformats.org/drawingml/2006/diagram" xmlns:r="http://schemas.openxmlformats.org/officeDocument/2006/relationships" r:dm="rId2" r:lo="rId3" r:qs="rId4" r:cs="rId5"/>
           </a:graphicData>
         </a:graphic>
       </p:graphicFrame>
@@ -26004,7 +26473,7 @@
         </p:xfrm>
         <a:graphic>
           <a:graphicData uri="http://schemas.openxmlformats.org/drawingml/2006/diagram">
-            <dgm:relIds xmlns:dgm="http://schemas.openxmlformats.org/drawingml/2006/diagram" xmlns:r="http://schemas.openxmlformats.org/officeDocument/2006/relationships" r:dm="rId6" r:lo="rId7" r:qs="rId8" r:cs="rId9"/>
+            <dgm:relIds xmlns:dgm="http://schemas.openxmlformats.org/drawingml/2006/diagram" xmlns:r="http://schemas.openxmlformats.org/officeDocument/2006/relationships" r:dm="rId7" r:lo="rId8" r:qs="rId9" r:cs="rId10"/>
           </a:graphicData>
         </a:graphic>
       </p:graphicFrame>
@@ -26020,7 +26489,7 @@
         </p:xfrm>
         <a:graphic>
           <a:graphicData uri="http://schemas.openxmlformats.org/drawingml/2006/diagram">
-            <dgm:relIds xmlns:dgm="http://schemas.openxmlformats.org/drawingml/2006/diagram" xmlns:r="http://schemas.openxmlformats.org/officeDocument/2006/relationships" r:dm="rId11" r:lo="rId12" r:qs="rId13" r:cs="rId14"/>
+            <dgm:relIds xmlns:dgm="http://schemas.openxmlformats.org/drawingml/2006/diagram" xmlns:r="http://schemas.openxmlformats.org/officeDocument/2006/relationships" r:dm="rId12" r:lo="rId13" r:qs="rId14" r:cs="rId15"/>
           </a:graphicData>
         </a:graphic>
       </p:graphicFrame>
@@ -26036,7 +26505,7 @@
         </p:xfrm>
         <a:graphic>
           <a:graphicData uri="http://schemas.openxmlformats.org/drawingml/2006/diagram">
-            <dgm:relIds xmlns:dgm="http://schemas.openxmlformats.org/drawingml/2006/diagram" xmlns:r="http://schemas.openxmlformats.org/officeDocument/2006/relationships" r:dm="rId16" r:lo="rId17" r:qs="rId18" r:cs="rId19"/>
+            <dgm:relIds xmlns:dgm="http://schemas.openxmlformats.org/drawingml/2006/diagram" xmlns:r="http://schemas.openxmlformats.org/officeDocument/2006/relationships" r:dm="rId17" r:lo="rId18" r:qs="rId19" r:cs="rId20"/>
           </a:graphicData>
         </a:graphic>
       </p:graphicFrame>
@@ -26400,7 +26869,6 @@
               <a:rPr lang="pt-BR" dirty="0"/>
               <a:t>Justificativa</a:t>
             </a:r>
-            <a:endParaRPr lang="pt-BR" dirty="0"/>
           </a:p>
         </p:txBody>
       </p:sp>
@@ -26408,7 +26876,7 @@
         <p:nvGrpSpPr>
           <p:cNvPr id="12" name="Group 11"/>
           <p:cNvGrpSpPr>
-            <a:grpSpLocks noGrp="1" noRot="1" noChangeAspect="1" noMove="1" noResize="1" noUngrp="1"/>
+            <a:grpSpLocks noGrp="1" noUngrp="1" noRot="1" noChangeAspect="1" noMove="1" noResize="1"/>
           </p:cNvGrpSpPr>
           <p:nvPr/>
         </p:nvGrpSpPr>
@@ -26765,7 +27233,7 @@
         </p:xfrm>
         <a:graphic>
           <a:graphicData uri="http://schemas.openxmlformats.org/drawingml/2006/diagram">
-            <dgm:relIds xmlns:dgm="http://schemas.openxmlformats.org/drawingml/2006/diagram" xmlns:r="http://schemas.openxmlformats.org/officeDocument/2006/relationships" r:dm="rId1" r:lo="rId2" r:qs="rId3" r:cs="rId4"/>
+            <dgm:relIds xmlns:dgm="http://schemas.openxmlformats.org/drawingml/2006/diagram" xmlns:r="http://schemas.openxmlformats.org/officeDocument/2006/relationships" r:dm="rId2" r:lo="rId3" r:qs="rId4" r:cs="rId5"/>
           </a:graphicData>
         </a:graphic>
       </p:graphicFrame>
@@ -26781,7 +27249,7 @@
         </p:xfrm>
         <a:graphic>
           <a:graphicData uri="http://schemas.openxmlformats.org/drawingml/2006/diagram">
-            <dgm:relIds xmlns:dgm="http://schemas.openxmlformats.org/drawingml/2006/diagram" xmlns:r="http://schemas.openxmlformats.org/officeDocument/2006/relationships" r:dm="rId6" r:lo="rId7" r:qs="rId8" r:cs="rId9"/>
+            <dgm:relIds xmlns:dgm="http://schemas.openxmlformats.org/drawingml/2006/diagram" xmlns:r="http://schemas.openxmlformats.org/officeDocument/2006/relationships" r:dm="rId7" r:lo="rId8" r:qs="rId9" r:cs="rId10"/>
           </a:graphicData>
         </a:graphic>
       </p:graphicFrame>
@@ -26797,7 +27265,7 @@
         </p:xfrm>
         <a:graphic>
           <a:graphicData uri="http://schemas.openxmlformats.org/drawingml/2006/diagram">
-            <dgm:relIds xmlns:dgm="http://schemas.openxmlformats.org/drawingml/2006/diagram" xmlns:r="http://schemas.openxmlformats.org/officeDocument/2006/relationships" r:dm="rId11" r:lo="rId12" r:qs="rId13" r:cs="rId14"/>
+            <dgm:relIds xmlns:dgm="http://schemas.openxmlformats.org/drawingml/2006/diagram" xmlns:r="http://schemas.openxmlformats.org/officeDocument/2006/relationships" r:dm="rId12" r:lo="rId13" r:qs="rId14" r:cs="rId15"/>
           </a:graphicData>
         </a:graphic>
       </p:graphicFrame>
@@ -26813,7 +27281,7 @@
         </p:xfrm>
         <a:graphic>
           <a:graphicData uri="http://schemas.openxmlformats.org/drawingml/2006/diagram">
-            <dgm:relIds xmlns:dgm="http://schemas.openxmlformats.org/drawingml/2006/diagram" xmlns:r="http://schemas.openxmlformats.org/officeDocument/2006/relationships" r:dm="rId16" r:lo="rId17" r:qs="rId18" r:cs="rId19"/>
+            <dgm:relIds xmlns:dgm="http://schemas.openxmlformats.org/drawingml/2006/diagram" xmlns:r="http://schemas.openxmlformats.org/officeDocument/2006/relationships" r:dm="rId17" r:lo="rId18" r:qs="rId19" r:cs="rId20"/>
           </a:graphicData>
         </a:graphic>
       </p:graphicFrame>
@@ -27177,7 +27645,6 @@
               <a:rPr lang="pt-BR" dirty="0"/>
               <a:t>Objetivo</a:t>
             </a:r>
-            <a:endParaRPr lang="pt-BR" dirty="0"/>
           </a:p>
         </p:txBody>
       </p:sp>
@@ -27185,7 +27652,7 @@
         <p:nvGrpSpPr>
           <p:cNvPr id="12" name="Group 11"/>
           <p:cNvGrpSpPr>
-            <a:grpSpLocks noGrp="1" noRot="1" noChangeAspect="1" noMove="1" noResize="1" noUngrp="1"/>
+            <a:grpSpLocks noGrp="1" noUngrp="1" noRot="1" noChangeAspect="1" noMove="1" noResize="1"/>
           </p:cNvGrpSpPr>
           <p:nvPr/>
         </p:nvGrpSpPr>
@@ -27546,7 +28013,7 @@
         </p:xfrm>
         <a:graphic>
           <a:graphicData uri="http://schemas.openxmlformats.org/drawingml/2006/diagram">
-            <dgm:relIds xmlns:dgm="http://schemas.openxmlformats.org/drawingml/2006/diagram" xmlns:r="http://schemas.openxmlformats.org/officeDocument/2006/relationships" r:dm="rId1" r:lo="rId2" r:qs="rId3" r:cs="rId4"/>
+            <dgm:relIds xmlns:dgm="http://schemas.openxmlformats.org/drawingml/2006/diagram" xmlns:r="http://schemas.openxmlformats.org/officeDocument/2006/relationships" r:dm="rId2" r:lo="rId3" r:qs="rId4" r:cs="rId5"/>
           </a:graphicData>
         </a:graphic>
       </p:graphicFrame>
@@ -27607,7 +28074,7 @@
           <p:nvPr/>
         </p:nvPicPr>
         <p:blipFill>
-          <a:blip r:embed="rId1">
+          <a:blip r:embed="rId2">
             <a:extLst>
               <a:ext uri="{28A0092B-C50C-407E-A947-70E740481C1C}">
                 <a14:useLocalDpi xmlns:a14="http://schemas.microsoft.com/office/drawing/2010/main" val="0"/>
@@ -27745,7 +28212,7 @@
             <p:nvPr/>
           </p:nvPicPr>
           <p:blipFill>
-            <a:blip r:embed="rId1" cstate="print">
+            <a:blip r:embed="rId2" cstate="print">
               <a:extLst>
                 <a:ext uri="{28A0092B-C50C-407E-A947-70E740481C1C}">
                   <a14:useLocalDpi xmlns:a14="http://schemas.microsoft.com/office/drawing/2010/main" val="0"/>
@@ -27775,7 +28242,7 @@
             <p:nvPr/>
           </p:nvPicPr>
           <p:blipFill>
-            <a:blip r:embed="rId2" cstate="print">
+            <a:blip r:embed="rId3" cstate="print">
               <a:extLst>
                 <a:ext uri="{28A0092B-C50C-407E-A947-70E740481C1C}">
                   <a14:useLocalDpi xmlns:a14="http://schemas.microsoft.com/office/drawing/2010/main" val="0"/>
@@ -28013,7 +28480,6 @@
                 <a:rPr lang="pt-BR" sz="800" dirty="0"/>
                 <a:t>Usuário procurando uma equipe para jogar acessa o site</a:t>
               </a:r>
-              <a:endParaRPr lang="pt-BR" sz="800" dirty="0"/>
             </a:p>
           </p:txBody>
         </p:sp>
@@ -28026,7 +28492,7 @@
             <p:nvPr/>
           </p:nvPicPr>
           <p:blipFill>
-            <a:blip r:embed="rId3" cstate="print">
+            <a:blip r:embed="rId4" cstate="print">
               <a:extLst>
                 <a:ext uri="{28A0092B-C50C-407E-A947-70E740481C1C}">
                   <a14:useLocalDpi xmlns:a14="http://schemas.microsoft.com/office/drawing/2010/main" val="0"/>
@@ -28067,7 +28533,7 @@
             <p:nvPr/>
           </p:nvPicPr>
           <p:blipFill>
-            <a:blip r:embed="rId1" cstate="print">
+            <a:blip r:embed="rId2" cstate="print">
               <a:extLst>
                 <a:ext uri="{28A0092B-C50C-407E-A947-70E740481C1C}">
                   <a14:useLocalDpi xmlns:a14="http://schemas.microsoft.com/office/drawing/2010/main" val="0"/>
@@ -28097,7 +28563,7 @@
             <p:nvPr/>
           </p:nvPicPr>
           <p:blipFill>
-            <a:blip r:embed="rId2" cstate="print">
+            <a:blip r:embed="rId3" cstate="print">
               <a:extLst>
                 <a:ext uri="{28A0092B-C50C-407E-A947-70E740481C1C}">
                   <a14:useLocalDpi xmlns:a14="http://schemas.microsoft.com/office/drawing/2010/main" val="0"/>
@@ -28192,7 +28658,6 @@
                 <a:rPr lang="pt-BR" sz="800" dirty="0"/>
                 <a:t>Cadastra seu perfil</a:t>
               </a:r>
-              <a:endParaRPr lang="pt-BR" sz="800" dirty="0"/>
             </a:p>
           </p:txBody>
         </p:sp>
@@ -28205,7 +28670,7 @@
             <p:nvPr/>
           </p:nvPicPr>
           <p:blipFill>
-            <a:blip r:embed="rId4" cstate="print">
+            <a:blip r:embed="rId5" cstate="print">
               <a:extLst>
                 <a:ext uri="{28A0092B-C50C-407E-A947-70E740481C1C}">
                   <a14:useLocalDpi xmlns:a14="http://schemas.microsoft.com/office/drawing/2010/main" val="0"/>
@@ -28235,7 +28700,7 @@
             <p:nvPr/>
           </p:nvPicPr>
           <p:blipFill>
-            <a:blip r:embed="rId1" cstate="print">
+            <a:blip r:embed="rId2" cstate="print">
               <a:extLst>
                 <a:ext uri="{28A0092B-C50C-407E-A947-70E740481C1C}">
                   <a14:useLocalDpi xmlns:a14="http://schemas.microsoft.com/office/drawing/2010/main" val="0"/>
@@ -28265,7 +28730,7 @@
             <p:nvPr/>
           </p:nvPicPr>
           <p:blipFill>
-            <a:blip r:embed="rId2" cstate="print">
+            <a:blip r:embed="rId3" cstate="print">
               <a:extLst>
                 <a:ext uri="{28A0092B-C50C-407E-A947-70E740481C1C}">
                   <a14:useLocalDpi xmlns:a14="http://schemas.microsoft.com/office/drawing/2010/main" val="0"/>
@@ -28360,7 +28825,6 @@
                 <a:rPr lang="pt-BR" sz="800" dirty="0"/>
                 <a:t>Selecionar o jogo desejado</a:t>
               </a:r>
-              <a:endParaRPr lang="pt-BR" sz="800" dirty="0"/>
             </a:p>
           </p:txBody>
         </p:sp>
@@ -28373,7 +28837,7 @@
             <p:nvPr/>
           </p:nvPicPr>
           <p:blipFill>
-            <a:blip r:embed="rId5" cstate="print">
+            <a:blip r:embed="rId6" cstate="print">
               <a:extLst>
                 <a:ext uri="{28A0092B-C50C-407E-A947-70E740481C1C}">
                   <a14:useLocalDpi xmlns:a14="http://schemas.microsoft.com/office/drawing/2010/main" val="0"/>
@@ -28403,7 +28867,7 @@
             <p:nvPr/>
           </p:nvPicPr>
           <p:blipFill>
-            <a:blip r:embed="rId1" cstate="print">
+            <a:blip r:embed="rId2" cstate="print">
               <a:extLst>
                 <a:ext uri="{28A0092B-C50C-407E-A947-70E740481C1C}">
                   <a14:useLocalDpi xmlns:a14="http://schemas.microsoft.com/office/drawing/2010/main" val="0"/>
@@ -28433,7 +28897,7 @@
             <p:nvPr/>
           </p:nvPicPr>
           <p:blipFill>
-            <a:blip r:embed="rId2" cstate="print">
+            <a:blip r:embed="rId3" cstate="print">
               <a:extLst>
                 <a:ext uri="{28A0092B-C50C-407E-A947-70E740481C1C}">
                   <a14:useLocalDpi xmlns:a14="http://schemas.microsoft.com/office/drawing/2010/main" val="0"/>
@@ -28485,7 +28949,6 @@
                 <a:rPr lang="pt-BR" sz="800" dirty="0"/>
                 <a:t>Seleciona o nível de Skill da equipe</a:t>
               </a:r>
-              <a:endParaRPr lang="pt-BR" sz="800" dirty="0"/>
             </a:p>
           </p:txBody>
         </p:sp>
@@ -28541,7 +29004,7 @@
             <p:nvPr/>
           </p:nvPicPr>
           <p:blipFill>
-            <a:blip r:embed="rId6" cstate="print">
+            <a:blip r:embed="rId7" cstate="print">
               <a:extLst>
                 <a:ext uri="{28A0092B-C50C-407E-A947-70E740481C1C}">
                   <a14:useLocalDpi xmlns:a14="http://schemas.microsoft.com/office/drawing/2010/main" val="0"/>
@@ -28582,7 +29045,7 @@
             <p:nvPr/>
           </p:nvPicPr>
           <p:blipFill>
-            <a:blip r:embed="rId1" cstate="print">
+            <a:blip r:embed="rId2" cstate="print">
               <a:extLst>
                 <a:ext uri="{28A0092B-C50C-407E-A947-70E740481C1C}">
                   <a14:useLocalDpi xmlns:a14="http://schemas.microsoft.com/office/drawing/2010/main" val="0"/>
@@ -28612,7 +29075,7 @@
             <p:nvPr/>
           </p:nvPicPr>
           <p:blipFill>
-            <a:blip r:embed="rId2" cstate="print">
+            <a:blip r:embed="rId3" cstate="print">
               <a:extLst>
                 <a:ext uri="{28A0092B-C50C-407E-A947-70E740481C1C}">
                   <a14:useLocalDpi xmlns:a14="http://schemas.microsoft.com/office/drawing/2010/main" val="0"/>
@@ -28664,7 +29127,6 @@
                 <a:rPr lang="pt-BR" sz="800" dirty="0"/>
                 <a:t>Usuário solicita partida com a equipe desejada</a:t>
               </a:r>
-              <a:endParaRPr lang="pt-BR" sz="800" dirty="0"/>
             </a:p>
           </p:txBody>
         </p:sp>
@@ -28755,7 +29217,7 @@
             <p:nvPr/>
           </p:nvPicPr>
           <p:blipFill>
-            <a:blip r:embed="rId7" cstate="print">
+            <a:blip r:embed="rId8" cstate="print">
               <a:extLst>
                 <a:ext uri="{28A0092B-C50C-407E-A947-70E740481C1C}">
                   <a14:useLocalDpi xmlns:a14="http://schemas.microsoft.com/office/drawing/2010/main" val="0"/>
@@ -28796,7 +29258,7 @@
             <p:nvPr/>
           </p:nvPicPr>
           <p:blipFill>
-            <a:blip r:embed="rId1" cstate="print">
+            <a:blip r:embed="rId2" cstate="print">
               <a:extLst>
                 <a:ext uri="{28A0092B-C50C-407E-A947-70E740481C1C}">
                   <a14:useLocalDpi xmlns:a14="http://schemas.microsoft.com/office/drawing/2010/main" val="0"/>
@@ -28826,7 +29288,7 @@
             <p:nvPr/>
           </p:nvPicPr>
           <p:blipFill>
-            <a:blip r:embed="rId2" cstate="print">
+            <a:blip r:embed="rId3" cstate="print">
               <a:extLst>
                 <a:ext uri="{28A0092B-C50C-407E-A947-70E740481C1C}">
                   <a14:useLocalDpi xmlns:a14="http://schemas.microsoft.com/office/drawing/2010/main" val="0"/>
@@ -28899,7 +29361,7 @@
             <p:nvPr/>
           </p:nvPicPr>
           <p:blipFill>
-            <a:blip r:embed="rId7" cstate="print">
+            <a:blip r:embed="rId8" cstate="print">
               <a:extLst>
                 <a:ext uri="{28A0092B-C50C-407E-A947-70E740481C1C}">
                   <a14:useLocalDpi xmlns:a14="http://schemas.microsoft.com/office/drawing/2010/main" val="0"/>
@@ -28962,7 +29424,6 @@
                 <a:rPr lang="pt-BR" sz="800" dirty="0"/>
                 <a:t>Sistema indica melhores equipes</a:t>
               </a:r>
-              <a:endParaRPr lang="pt-BR" sz="800" dirty="0"/>
             </a:p>
           </p:txBody>
         </p:sp>
@@ -28975,7 +29436,7 @@
             <p:nvPr/>
           </p:nvPicPr>
           <p:blipFill>
-            <a:blip r:embed="rId1" cstate="print">
+            <a:blip r:embed="rId2" cstate="print">
               <a:extLst>
                 <a:ext uri="{28A0092B-C50C-407E-A947-70E740481C1C}">
                   <a14:useLocalDpi xmlns:a14="http://schemas.microsoft.com/office/drawing/2010/main" val="0"/>
@@ -29005,7 +29466,7 @@
             <p:nvPr/>
           </p:nvPicPr>
           <p:blipFill>
-            <a:blip r:embed="rId2" cstate="print">
+            <a:blip r:embed="rId3" cstate="print">
               <a:extLst>
                 <a:ext uri="{28A0092B-C50C-407E-A947-70E740481C1C}">
                   <a14:useLocalDpi xmlns:a14="http://schemas.microsoft.com/office/drawing/2010/main" val="0"/>
@@ -29057,7 +29518,6 @@
                 <a:rPr lang="pt-BR" sz="800" dirty="0"/>
                 <a:t>Usuário inicia partida</a:t>
               </a:r>
-              <a:endParaRPr lang="pt-BR" sz="800" dirty="0"/>
             </a:p>
           </p:txBody>
         </p:sp>
@@ -29113,7 +29573,7 @@
             <p:nvPr/>
           </p:nvPicPr>
           <p:blipFill>
-            <a:blip r:embed="rId8" cstate="print">
+            <a:blip r:embed="rId9" cstate="print">
               <a:extLst>
                 <a:ext uri="{28A0092B-C50C-407E-A947-70E740481C1C}">
                   <a14:useLocalDpi xmlns:a14="http://schemas.microsoft.com/office/drawing/2010/main" val="0"/>
@@ -29154,7 +29614,7 @@
             <p:nvPr/>
           </p:nvPicPr>
           <p:blipFill>
-            <a:blip r:embed="rId1" cstate="print">
+            <a:blip r:embed="rId2" cstate="print">
               <a:extLst>
                 <a:ext uri="{28A0092B-C50C-407E-A947-70E740481C1C}">
                   <a14:useLocalDpi xmlns:a14="http://schemas.microsoft.com/office/drawing/2010/main" val="0"/>
@@ -29206,7 +29666,6 @@
                 <a:rPr lang="pt-BR" sz="800" dirty="0"/>
                 <a:t>Usuário encerra partida com melhor performance</a:t>
               </a:r>
-              <a:endParaRPr lang="pt-BR" sz="800" dirty="0"/>
             </a:p>
           </p:txBody>
         </p:sp>
@@ -29219,7 +29678,7 @@
             <p:nvPr/>
           </p:nvPicPr>
           <p:blipFill>
-            <a:blip r:embed="rId2" cstate="print">
+            <a:blip r:embed="rId3" cstate="print">
               <a:extLst>
                 <a:ext uri="{28A0092B-C50C-407E-A947-70E740481C1C}">
                   <a14:useLocalDpi xmlns:a14="http://schemas.microsoft.com/office/drawing/2010/main" val="0"/>
@@ -29292,7 +29751,7 @@
             <p:nvPr/>
           </p:nvPicPr>
           <p:blipFill>
-            <a:blip r:embed="rId9" cstate="print">
+            <a:blip r:embed="rId10" cstate="print">
               <a:extLst>
                 <a:ext uri="{28A0092B-C50C-407E-A947-70E740481C1C}">
                   <a14:useLocalDpi xmlns:a14="http://schemas.microsoft.com/office/drawing/2010/main" val="0"/>
@@ -29369,7 +29828,6 @@
               <a:rPr lang="pt-BR" dirty="0"/>
               <a:t>Desenho de Solução</a:t>
             </a:r>
-            <a:endParaRPr lang="pt-BR" dirty="0"/>
           </a:p>
         </p:txBody>
       </p:sp>
@@ -29382,7 +29840,7 @@
           <p:nvPr/>
         </p:nvPicPr>
         <p:blipFill>
-          <a:blip r:embed="rId1" cstate="print">
+          <a:blip r:embed="rId2" cstate="print">
             <a:extLst>
               <a:ext uri="{28A0092B-C50C-407E-A947-70E740481C1C}">
                 <a14:useLocalDpi xmlns:a14="http://schemas.microsoft.com/office/drawing/2010/main" val="0"/>
@@ -29445,30 +29903,40 @@
           <a:p>
             <a:r>
               <a:rPr lang="pt-BR" dirty="0"/>
-              <a:t>Planilha de Requisitos</a:t>
+              <a:t>BPMN</a:t>
             </a:r>
-            <a:endParaRPr lang="pt-BR" dirty="0"/>
           </a:p>
         </p:txBody>
       </p:sp>
       <p:pic>
         <p:nvPicPr>
-          <p:cNvPr id="5" name="Imagem 4"/>
+          <p:cNvPr id="5" name="Imagem 4" descr="Uma imagem contendo placa, preto, rua, estacionado&#10;&#10;Descrição gerada automaticamente">
+            <a:extLst>
+              <a:ext uri="{FF2B5EF4-FFF2-40B4-BE49-F238E27FC236}">
+                <a16:creationId xmlns:a16="http://schemas.microsoft.com/office/drawing/2014/main" id="{DA7436AC-7F2B-433B-A79F-0E5725A23F4B}"/>
+              </a:ext>
+            </a:extLst>
+          </p:cNvPr>
           <p:cNvPicPr>
             <a:picLocks noChangeAspect="1"/>
           </p:cNvPicPr>
           <p:nvPr/>
         </p:nvPicPr>
-        <p:blipFill>
-          <a:blip r:embed="rId1"/>
-          <a:stretch>
-            <a:fillRect/>
-          </a:stretch>
+        <p:blipFill rotWithShape="1">
+          <a:blip r:embed="rId2">
+            <a:extLst>
+              <a:ext uri="{28A0092B-C50C-407E-A947-70E740481C1C}">
+                <a14:useLocalDpi xmlns:a14="http://schemas.microsoft.com/office/drawing/2010/main" val="0"/>
+              </a:ext>
+            </a:extLst>
+          </a:blip>
+          <a:srcRect r="12424"/>
+          <a:stretch/>
         </p:blipFill>
         <p:spPr>
           <a:xfrm>
-            <a:off x="2057050" y="1690688"/>
-            <a:ext cx="8077900" cy="4564776"/>
+            <a:off x="757382" y="2238236"/>
+            <a:ext cx="10677236" cy="3528465"/>
           </a:xfrm>
           <a:prstGeom prst="rect">
             <a:avLst/>
@@ -29476,6 +29944,11 @@
         </p:spPr>
       </p:pic>
     </p:spTree>
+    <p:extLst>
+      <p:ext uri="{BB962C8B-B14F-4D97-AF65-F5344CB8AC3E}">
+        <p14:creationId xmlns:p14="http://schemas.microsoft.com/office/powerpoint/2010/main" val="1437229776"/>
+      </p:ext>
+    </p:extLst>
   </p:cSld>
   <p:clrMapOvr>
     <a:masterClrMapping/>
@@ -29517,30 +29990,29 @@
           <a:p>
             <a:r>
               <a:rPr lang="pt-BR" dirty="0"/>
-              <a:t>Modelagem – Banco de Dados</a:t>
+              <a:t>Planilha de Requisitos</a:t>
             </a:r>
-            <a:endParaRPr lang="pt-BR" dirty="0"/>
           </a:p>
         </p:txBody>
       </p:sp>
       <p:pic>
         <p:nvPicPr>
-          <p:cNvPr id="3" name="Picture 2" descr="Modelagem Lógica"/>
+          <p:cNvPr id="5" name="Imagem 4"/>
           <p:cNvPicPr>
             <a:picLocks noChangeAspect="1"/>
           </p:cNvPicPr>
           <p:nvPr/>
         </p:nvPicPr>
         <p:blipFill>
-          <a:blip r:embed="rId1"/>
+          <a:blip r:embed="rId2"/>
           <a:stretch>
             <a:fillRect/>
           </a:stretch>
         </p:blipFill>
         <p:spPr>
           <a:xfrm>
-            <a:off x="3204845" y="1457960"/>
-            <a:ext cx="5782945" cy="5149850"/>
+            <a:off x="2057050" y="1690688"/>
+            <a:ext cx="8077900" cy="4564776"/>
           </a:xfrm>
           <a:prstGeom prst="rect">
             <a:avLst/>
@@ -29806,6 +30278,8 @@
       </a:bgFillStyleLst>
     </a:fmtScheme>
   </a:themeElements>
+  <a:objectDefaults/>
+  <a:extraClrSchemeLst/>
   <a:extLst>
     <a:ext uri="{05A4C25C-085E-4340-85A3-A5531E510DB2}">
       <thm15:themeFamily xmlns:thm15="http://schemas.microsoft.com/office/thememl/2012/main" name="Office Theme" id="{62F939B6-93AF-4DB8-9C6B-D6C7DFDC589F}" vid="{4A3C46E8-61CC-4603-A589-7422A47A8E4A}"/>
